--- a/march/week-1/meeting-2/PPT.pptx
+++ b/march/week-1/meeting-2/PPT.pptx
@@ -12,11 +12,14 @@
     <p:sldId id="259" r:id="rId6"/>
     <p:sldId id="260" r:id="rId7"/>
     <p:sldId id="261" r:id="rId8"/>
-    <p:sldId id="262" r:id="rId9"/>
-    <p:sldId id="263" r:id="rId10"/>
-    <p:sldId id="264" r:id="rId11"/>
-    <p:sldId id="265" r:id="rId12"/>
-    <p:sldId id="267" r:id="rId13"/>
+    <p:sldId id="270" r:id="rId9"/>
+    <p:sldId id="262" r:id="rId10"/>
+    <p:sldId id="263" r:id="rId11"/>
+    <p:sldId id="264" r:id="rId12"/>
+    <p:sldId id="271" r:id="rId13"/>
+    <p:sldId id="272" r:id="rId14"/>
+    <p:sldId id="265" r:id="rId15"/>
+    <p:sldId id="267" r:id="rId16"/>
   </p:sldIdLst>
   <p:sldSz cx="12192000" cy="6858000"/>
   <p:notesSz cx="6858000" cy="9144000"/>
@@ -3625,10 +3628,10 @@
       </p:grpSpPr>
       <p:sp>
         <p:nvSpPr>
-          <p:cNvPr id="51" name="Rectangle 50">
-            <a:extLst>
-              <a:ext uri="{FF2B5EF4-FFF2-40B4-BE49-F238E27FC236}">
-                <a16:creationId xmlns:a16="http://schemas.microsoft.com/office/drawing/2014/main" id="{B5E4BCBE-7DB6-4206-B482-233B25126743}"/>
+          <p:cNvPr id="2" name="Rectangle 1">
+            <a:extLst>
+              <a:ext uri="{FF2B5EF4-FFF2-40B4-BE49-F238E27FC236}">
+                <a16:creationId xmlns:a16="http://schemas.microsoft.com/office/drawing/2014/main" id="{5D4F4CF8-B2FE-46C8-A711-EAA53F79F4A8}"/>
               </a:ext>
             </a:extLst>
           </p:cNvPr>
@@ -3637,7 +3640,7 @@
         </p:nvSpPr>
         <p:spPr>
           <a:xfrm>
-            <a:off x="2378781" y="429639"/>
+            <a:off x="4792438" y="87687"/>
             <a:ext cx="2062826" cy="625151"/>
           </a:xfrm>
           <a:prstGeom prst="rect">
@@ -3672,24 +3675,24 @@
           <a:p>
             <a:pPr algn="ctr"/>
             <a:r>
-              <a:rPr lang="en-US" sz="800" dirty="0">
-                <a:solidFill>
-                  <a:schemeClr val="tx1"/>
-                </a:solidFill>
-                <a:latin typeface="Poppins" panose="00000500000000000000" pitchFamily="2" charset="0"/>
-                <a:cs typeface="Poppins" panose="00000500000000000000" pitchFamily="2" charset="0"/>
-              </a:rPr>
-              <a:t>Initial Array</a:t>
-            </a:r>
-          </a:p>
-        </p:txBody>
-      </p:sp>
-      <p:sp>
-        <p:nvSpPr>
-          <p:cNvPr id="54" name="Rectangle 53">
-            <a:extLst>
-              <a:ext uri="{FF2B5EF4-FFF2-40B4-BE49-F238E27FC236}">
-                <a16:creationId xmlns:a16="http://schemas.microsoft.com/office/drawing/2014/main" id="{190B686F-F5DE-4DA3-B778-7E9BB1CC16F4}"/>
+              <a:rPr lang="en-US" sz="1000" dirty="0">
+                <a:solidFill>
+                  <a:schemeClr val="tx1"/>
+                </a:solidFill>
+                <a:latin typeface="Poppins" panose="00000500000000000000" pitchFamily="2" charset="0"/>
+                <a:cs typeface="Poppins" panose="00000500000000000000" pitchFamily="2" charset="0"/>
+              </a:rPr>
+              <a:t>Filter</a:t>
+            </a:r>
+          </a:p>
+        </p:txBody>
+      </p:sp>
+      <p:sp>
+        <p:nvSpPr>
+          <p:cNvPr id="3" name="Rectangle 2">
+            <a:extLst>
+              <a:ext uri="{FF2B5EF4-FFF2-40B4-BE49-F238E27FC236}">
+                <a16:creationId xmlns:a16="http://schemas.microsoft.com/office/drawing/2014/main" id="{F929516D-D435-4E5A-A660-3A9683096485}"/>
               </a:ext>
             </a:extLst>
           </p:cNvPr>
@@ -3698,8 +3701,8 @@
         </p:nvSpPr>
         <p:spPr>
           <a:xfrm>
-            <a:off x="3446565" y="817117"/>
-            <a:ext cx="2062826" cy="625151"/>
+            <a:off x="6590471" y="542277"/>
+            <a:ext cx="276225" cy="341124"/>
           </a:xfrm>
           <a:prstGeom prst="rect">
             <a:avLst/>
@@ -3707,7 +3710,7 @@
           <a:noFill/>
           <a:ln>
             <a:solidFill>
-              <a:schemeClr val="bg1"/>
+              <a:schemeClr val="tx1"/>
             </a:solidFill>
           </a:ln>
         </p:spPr>
@@ -3733,114 +3736,24 @@
           <a:p>
             <a:pPr algn="ctr"/>
             <a:r>
-              <a:rPr lang="en-US" sz="800" dirty="0" err="1">
-                <a:solidFill>
-                  <a:schemeClr val="tx1"/>
-                </a:solidFill>
-                <a:latin typeface="Poppins" panose="00000500000000000000" pitchFamily="2" charset="0"/>
-                <a:cs typeface="Poppins" panose="00000500000000000000" pitchFamily="2" charset="0"/>
-              </a:rPr>
-              <a:t>Variabel</a:t>
-            </a:r>
-            <a:r>
-              <a:rPr lang="en-US" sz="800" dirty="0">
-                <a:solidFill>
-                  <a:schemeClr val="tx1"/>
-                </a:solidFill>
-                <a:latin typeface="Poppins" panose="00000500000000000000" pitchFamily="2" charset="0"/>
-                <a:cs typeface="Poppins" panose="00000500000000000000" pitchFamily="2" charset="0"/>
-              </a:rPr>
-              <a:t> total </a:t>
-            </a:r>
-            <a:r>
-              <a:rPr lang="en-US" sz="800" dirty="0" err="1">
-                <a:solidFill>
-                  <a:schemeClr val="tx1"/>
-                </a:solidFill>
-                <a:latin typeface="Poppins" panose="00000500000000000000" pitchFamily="2" charset="0"/>
-                <a:cs typeface="Poppins" panose="00000500000000000000" pitchFamily="2" charset="0"/>
-              </a:rPr>
-              <a:t>untuk</a:t>
-            </a:r>
-            <a:r>
-              <a:rPr lang="en-US" sz="800" dirty="0">
-                <a:solidFill>
-                  <a:schemeClr val="tx1"/>
-                </a:solidFill>
-                <a:latin typeface="Poppins" panose="00000500000000000000" pitchFamily="2" charset="0"/>
-                <a:cs typeface="Poppins" panose="00000500000000000000" pitchFamily="2" charset="0"/>
-              </a:rPr>
-              <a:t> </a:t>
-            </a:r>
-            <a:r>
-              <a:rPr lang="en-US" sz="800" dirty="0" err="1">
-                <a:solidFill>
-                  <a:schemeClr val="tx1"/>
-                </a:solidFill>
-                <a:latin typeface="Poppins" panose="00000500000000000000" pitchFamily="2" charset="0"/>
-                <a:cs typeface="Poppins" panose="00000500000000000000" pitchFamily="2" charset="0"/>
-              </a:rPr>
-              <a:t>menjumlahkan</a:t>
-            </a:r>
-            <a:r>
-              <a:rPr lang="en-US" sz="800" dirty="0">
-                <a:solidFill>
-                  <a:schemeClr val="tx1"/>
-                </a:solidFill>
-                <a:latin typeface="Poppins" panose="00000500000000000000" pitchFamily="2" charset="0"/>
-                <a:cs typeface="Poppins" panose="00000500000000000000" pitchFamily="2" charset="0"/>
-              </a:rPr>
-              <a:t> </a:t>
-            </a:r>
-            <a:r>
-              <a:rPr lang="en-US" sz="800" dirty="0" err="1">
-                <a:solidFill>
-                  <a:schemeClr val="tx1"/>
-                </a:solidFill>
-                <a:latin typeface="Poppins" panose="00000500000000000000" pitchFamily="2" charset="0"/>
-                <a:cs typeface="Poppins" panose="00000500000000000000" pitchFamily="2" charset="0"/>
-              </a:rPr>
-              <a:t>perangka</a:t>
-            </a:r>
-            <a:r>
-              <a:rPr lang="en-US" sz="800" dirty="0">
-                <a:solidFill>
-                  <a:schemeClr val="tx1"/>
-                </a:solidFill>
-                <a:latin typeface="Poppins" panose="00000500000000000000" pitchFamily="2" charset="0"/>
-                <a:cs typeface="Poppins" panose="00000500000000000000" pitchFamily="2" charset="0"/>
-              </a:rPr>
-              <a:t> </a:t>
-            </a:r>
-            <a:r>
-              <a:rPr lang="en-US" sz="800" dirty="0" err="1">
-                <a:solidFill>
-                  <a:schemeClr val="tx1"/>
-                </a:solidFill>
-                <a:latin typeface="Poppins" panose="00000500000000000000" pitchFamily="2" charset="0"/>
-                <a:cs typeface="Poppins" panose="00000500000000000000" pitchFamily="2" charset="0"/>
-              </a:rPr>
-              <a:t>didalam</a:t>
-            </a:r>
-            <a:r>
-              <a:rPr lang="en-US" sz="800" dirty="0">
-                <a:solidFill>
-                  <a:schemeClr val="tx1"/>
-                </a:solidFill>
-                <a:latin typeface="Poppins" panose="00000500000000000000" pitchFamily="2" charset="0"/>
-                <a:cs typeface="Poppins" panose="00000500000000000000" pitchFamily="2" charset="0"/>
-              </a:rPr>
-              <a:t> array</a:t>
-            </a:r>
-          </a:p>
-        </p:txBody>
-      </p:sp>
-      <p:sp>
-        <p:nvSpPr>
-          <p:cNvPr id="2" name="Rectangle 1">
-            <a:extLst>
-              <a:ext uri="{FF2B5EF4-FFF2-40B4-BE49-F238E27FC236}">
-                <a16:creationId xmlns:a16="http://schemas.microsoft.com/office/drawing/2014/main" id="{A72FBFE3-C25E-4C1D-867B-1F3CBAB490D7}"/>
+              <a:rPr lang="en-US" sz="1000" dirty="0">
+                <a:solidFill>
+                  <a:schemeClr val="tx1"/>
+                </a:solidFill>
+                <a:latin typeface="Poppins" panose="00000500000000000000" pitchFamily="2" charset="0"/>
+                <a:cs typeface="Poppins" panose="00000500000000000000" pitchFamily="2" charset="0"/>
+              </a:rPr>
+              <a:t>1</a:t>
+            </a:r>
+          </a:p>
+        </p:txBody>
+      </p:sp>
+      <p:sp>
+        <p:nvSpPr>
+          <p:cNvPr id="4" name="Rectangle 3">
+            <a:extLst>
+              <a:ext uri="{FF2B5EF4-FFF2-40B4-BE49-F238E27FC236}">
+                <a16:creationId xmlns:a16="http://schemas.microsoft.com/office/drawing/2014/main" id="{9F0F68EF-6416-4388-9FD7-9C6B67FA5303}"/>
               </a:ext>
             </a:extLst>
           </p:cNvPr>
@@ -3849,8 +3762,8 @@
         </p:nvSpPr>
         <p:spPr>
           <a:xfrm>
-            <a:off x="4792438" y="87687"/>
-            <a:ext cx="2062826" cy="625151"/>
+            <a:off x="6866696" y="542276"/>
+            <a:ext cx="276225" cy="341124"/>
           </a:xfrm>
           <a:prstGeom prst="rect">
             <a:avLst/>
@@ -3858,7 +3771,7 @@
           <a:noFill/>
           <a:ln>
             <a:solidFill>
-              <a:schemeClr val="bg1"/>
+              <a:schemeClr val="tx1"/>
             </a:solidFill>
           </a:ln>
         </p:spPr>
@@ -3891,17 +3804,17 @@
                 <a:latin typeface="Poppins" panose="00000500000000000000" pitchFamily="2" charset="0"/>
                 <a:cs typeface="Poppins" panose="00000500000000000000" pitchFamily="2" charset="0"/>
               </a:rPr>
-              <a:t>reduce</a:t>
-            </a:r>
-          </a:p>
-        </p:txBody>
-      </p:sp>
-      <p:sp>
-        <p:nvSpPr>
-          <p:cNvPr id="3" name="Rectangle 2">
-            <a:extLst>
-              <a:ext uri="{FF2B5EF4-FFF2-40B4-BE49-F238E27FC236}">
-                <a16:creationId xmlns:a16="http://schemas.microsoft.com/office/drawing/2014/main" id="{BE21C072-1A94-46CA-840B-392FCC69D451}"/>
+              <a:t>2</a:t>
+            </a:r>
+          </a:p>
+        </p:txBody>
+      </p:sp>
+      <p:sp>
+        <p:nvSpPr>
+          <p:cNvPr id="5" name="Rectangle 4">
+            <a:extLst>
+              <a:ext uri="{FF2B5EF4-FFF2-40B4-BE49-F238E27FC236}">
+                <a16:creationId xmlns:a16="http://schemas.microsoft.com/office/drawing/2014/main" id="{8D861F16-6417-4473-9603-583F1005A6B2}"/>
               </a:ext>
             </a:extLst>
           </p:cNvPr>
@@ -3910,7 +3823,7 @@
         </p:nvSpPr>
         <p:spPr>
           <a:xfrm>
-            <a:off x="6590471" y="542277"/>
+            <a:off x="7141016" y="542276"/>
             <a:ext cx="276225" cy="341124"/>
           </a:xfrm>
           <a:prstGeom prst="rect">
@@ -3952,17 +3865,17 @@
                 <a:latin typeface="Poppins" panose="00000500000000000000" pitchFamily="2" charset="0"/>
                 <a:cs typeface="Poppins" panose="00000500000000000000" pitchFamily="2" charset="0"/>
               </a:rPr>
-              <a:t>1</a:t>
-            </a:r>
-          </a:p>
-        </p:txBody>
-      </p:sp>
-      <p:sp>
-        <p:nvSpPr>
-          <p:cNvPr id="4" name="Rectangle 3">
-            <a:extLst>
-              <a:ext uri="{FF2B5EF4-FFF2-40B4-BE49-F238E27FC236}">
-                <a16:creationId xmlns:a16="http://schemas.microsoft.com/office/drawing/2014/main" id="{7DDD78FC-A174-4838-A654-C19F54249B07}"/>
+              <a:t>3</a:t>
+            </a:r>
+          </a:p>
+        </p:txBody>
+      </p:sp>
+      <p:sp>
+        <p:nvSpPr>
+          <p:cNvPr id="6" name="Rectangle 5">
+            <a:extLst>
+              <a:ext uri="{FF2B5EF4-FFF2-40B4-BE49-F238E27FC236}">
+                <a16:creationId xmlns:a16="http://schemas.microsoft.com/office/drawing/2014/main" id="{1982580F-010A-40FE-B5ED-6ED091AEDC1A}"/>
               </a:ext>
             </a:extLst>
           </p:cNvPr>
@@ -3971,7 +3884,7 @@
         </p:nvSpPr>
         <p:spPr>
           <a:xfrm>
-            <a:off x="6866696" y="542276"/>
+            <a:off x="7943023" y="542277"/>
             <a:ext cx="276225" cy="341124"/>
           </a:xfrm>
           <a:prstGeom prst="rect">
@@ -4020,10 +3933,10 @@
       </p:sp>
       <p:sp>
         <p:nvSpPr>
-          <p:cNvPr id="5" name="Rectangle 4">
-            <a:extLst>
-              <a:ext uri="{FF2B5EF4-FFF2-40B4-BE49-F238E27FC236}">
-                <a16:creationId xmlns:a16="http://schemas.microsoft.com/office/drawing/2014/main" id="{DD091E63-04A6-4681-8EF1-5F5BBAA1141C}"/>
+          <p:cNvPr id="7" name="Rectangle 6">
+            <a:extLst>
+              <a:ext uri="{FF2B5EF4-FFF2-40B4-BE49-F238E27FC236}">
+                <a16:creationId xmlns:a16="http://schemas.microsoft.com/office/drawing/2014/main" id="{B74F8954-CD0C-4988-880E-008B85190E94}"/>
               </a:ext>
             </a:extLst>
           </p:cNvPr>
@@ -4032,7 +3945,7 @@
         </p:nvSpPr>
         <p:spPr>
           <a:xfrm>
-            <a:off x="7141016" y="542276"/>
+            <a:off x="8219248" y="542276"/>
             <a:ext cx="276225" cy="341124"/>
           </a:xfrm>
           <a:prstGeom prst="rect">
@@ -4081,10 +3994,10 @@
       </p:sp>
       <p:cxnSp>
         <p:nvCxnSpPr>
-          <p:cNvPr id="8" name="Straight Connector 7">
-            <a:extLst>
-              <a:ext uri="{FF2B5EF4-FFF2-40B4-BE49-F238E27FC236}">
-                <a16:creationId xmlns:a16="http://schemas.microsoft.com/office/drawing/2014/main" id="{5806806F-7C90-4DAA-B1BB-C9058CC10CC7}"/>
+          <p:cNvPr id="9" name="Straight Connector 8">
+            <a:extLst>
+              <a:ext uri="{FF2B5EF4-FFF2-40B4-BE49-F238E27FC236}">
+                <a16:creationId xmlns:a16="http://schemas.microsoft.com/office/drawing/2014/main" id="{AC4FDD9A-8BF7-42E5-B515-DDEFB52E749B}"/>
               </a:ext>
             </a:extLst>
           </p:cNvPr>
@@ -4119,10 +4032,10 @@
       </p:cxnSp>
       <p:sp>
         <p:nvSpPr>
-          <p:cNvPr id="9" name="Isosceles Triangle 8">
-            <a:extLst>
-              <a:ext uri="{FF2B5EF4-FFF2-40B4-BE49-F238E27FC236}">
-                <a16:creationId xmlns:a16="http://schemas.microsoft.com/office/drawing/2014/main" id="{EF4F2B45-0F78-4FD2-9FFD-24B04C81845D}"/>
+          <p:cNvPr id="10" name="Isosceles Triangle 9">
+            <a:extLst>
+              <a:ext uri="{FF2B5EF4-FFF2-40B4-BE49-F238E27FC236}">
+                <a16:creationId xmlns:a16="http://schemas.microsoft.com/office/drawing/2014/main" id="{CD10C816-F23D-411C-9D94-D6AB6E4D97EC}"/>
               </a:ext>
             </a:extLst>
           </p:cNvPr>
@@ -4165,50 +4078,12 @@
           </a:p>
         </p:txBody>
       </p:sp>
-      <p:sp>
-        <p:nvSpPr>
-          <p:cNvPr id="44" name="TextBox 43">
-            <a:extLst>
-              <a:ext uri="{FF2B5EF4-FFF2-40B4-BE49-F238E27FC236}">
-                <a16:creationId xmlns:a16="http://schemas.microsoft.com/office/drawing/2014/main" id="{7A2B15B7-6EC9-4066-81DA-D57F700094E4}"/>
-              </a:ext>
-            </a:extLst>
-          </p:cNvPr>
-          <p:cNvSpPr txBox="1"/>
-          <p:nvPr/>
-        </p:nvSpPr>
-        <p:spPr>
-          <a:xfrm>
-            <a:off x="7947776" y="557549"/>
-            <a:ext cx="298480" cy="307777"/>
-          </a:xfrm>
-          <a:prstGeom prst="rect">
-            <a:avLst/>
-          </a:prstGeom>
-          <a:noFill/>
-        </p:spPr>
-        <p:txBody>
-          <a:bodyPr wrap="none" rtlCol="0">
-            <a:spAutoFit/>
-          </a:bodyPr>
-          <a:lstStyle/>
-          <a:p>
-            <a:r>
-              <a:rPr lang="en-US" sz="1400" dirty="0">
-                <a:latin typeface="Poppins" panose="00000500000000000000" pitchFamily="2" charset="0"/>
-                <a:cs typeface="Poppins" panose="00000500000000000000" pitchFamily="2" charset="0"/>
-              </a:rPr>
-              <a:t>6</a:t>
-            </a:r>
-          </a:p>
-        </p:txBody>
-      </p:sp>
       <p:pic>
         <p:nvPicPr>
-          <p:cNvPr id="46" name="Picture 45">
-            <a:extLst>
-              <a:ext uri="{FF2B5EF4-FFF2-40B4-BE49-F238E27FC236}">
-                <a16:creationId xmlns:a16="http://schemas.microsoft.com/office/drawing/2014/main" id="{3628ED0F-5B94-4281-A92D-EAB6DDCD0009}"/>
+          <p:cNvPr id="12" name="Picture 11">
+            <a:extLst>
+              <a:ext uri="{FF2B5EF4-FFF2-40B4-BE49-F238E27FC236}">
+                <a16:creationId xmlns:a16="http://schemas.microsoft.com/office/drawing/2014/main" id="{15755E62-26F0-4F93-9DD5-AE63AD6B4292}"/>
               </a:ext>
             </a:extLst>
           </p:cNvPr>
@@ -4231,94 +4106,101 @@
         </p:blipFill>
         <p:spPr>
           <a:xfrm>
-            <a:off x="6362699" y="2900362"/>
-            <a:ext cx="5000625" cy="2486025"/>
+            <a:off x="1200150" y="2172527"/>
+            <a:ext cx="5299360" cy="2512946"/>
           </a:xfrm>
           <a:prstGeom prst="rect">
             <a:avLst/>
           </a:prstGeom>
         </p:spPr>
       </p:pic>
-      <p:pic>
-        <p:nvPicPr>
-          <p:cNvPr id="48" name="Picture 47">
-            <a:extLst>
-              <a:ext uri="{FF2B5EF4-FFF2-40B4-BE49-F238E27FC236}">
-                <a16:creationId xmlns:a16="http://schemas.microsoft.com/office/drawing/2014/main" id="{C4B4A9F4-4B47-495A-A3CF-FAFB30E73418}"/>
-              </a:ext>
-            </a:extLst>
-          </p:cNvPr>
-          <p:cNvPicPr>
-            <a:picLocks noChangeAspect="1"/>
-          </p:cNvPicPr>
-          <p:nvPr/>
-        </p:nvPicPr>
-        <p:blipFill>
-          <a:blip r:embed="rId3">
-            <a:extLst>
-              <a:ext uri="{28A0092B-C50C-407E-A947-70E740481C1C}">
-                <a14:useLocalDpi xmlns:a14="http://schemas.microsoft.com/office/drawing/2010/main" val="0"/>
-              </a:ext>
-            </a:extLst>
-          </a:blip>
-          <a:stretch>
-            <a:fillRect/>
-          </a:stretch>
-        </p:blipFill>
-        <p:spPr>
-          <a:xfrm>
-            <a:off x="828675" y="1546548"/>
-            <a:ext cx="5000628" cy="2213163"/>
+      <p:sp>
+        <p:nvSpPr>
+          <p:cNvPr id="13" name="Rectangle 12">
+            <a:extLst>
+              <a:ext uri="{FF2B5EF4-FFF2-40B4-BE49-F238E27FC236}">
+                <a16:creationId xmlns:a16="http://schemas.microsoft.com/office/drawing/2014/main" id="{E6CD0A44-F926-491D-BEA8-498E6DA74C3B}"/>
+              </a:ext>
+            </a:extLst>
+          </p:cNvPr>
+          <p:cNvSpPr/>
+          <p:nvPr/>
+        </p:nvSpPr>
+        <p:spPr>
+          <a:xfrm>
+            <a:off x="4298665" y="1364248"/>
+            <a:ext cx="2062826" cy="625151"/>
           </a:xfrm>
           <a:prstGeom prst="rect">
             <a:avLst/>
           </a:prstGeom>
-        </p:spPr>
-      </p:pic>
-      <p:sp>
-        <p:nvSpPr>
-          <p:cNvPr id="49" name="TextBox 48">
-            <a:extLst>
-              <a:ext uri="{FF2B5EF4-FFF2-40B4-BE49-F238E27FC236}">
-                <a16:creationId xmlns:a16="http://schemas.microsoft.com/office/drawing/2014/main" id="{FE5A7984-4E3B-4664-864F-A4C9BF1460FA}"/>
-              </a:ext>
-            </a:extLst>
-          </p:cNvPr>
-          <p:cNvSpPr txBox="1"/>
-          <p:nvPr/>
-        </p:nvSpPr>
-        <p:spPr>
-          <a:xfrm>
-            <a:off x="5896266" y="3298046"/>
-            <a:ext cx="399468" cy="461665"/>
-          </a:xfrm>
-          <a:prstGeom prst="rect">
-            <a:avLst/>
-          </a:prstGeom>
           <a:noFill/>
-        </p:spPr>
-        <p:txBody>
-          <a:bodyPr wrap="none" rtlCol="0">
-            <a:spAutoFit/>
-          </a:bodyPr>
-          <a:lstStyle/>
-          <a:p>
-            <a:r>
-              <a:rPr lang="en-US" sz="2400" b="1" dirty="0">
-                <a:latin typeface="Poppins" panose="00000500000000000000" pitchFamily="2" charset="0"/>
-                <a:cs typeface="Poppins" panose="00000500000000000000" pitchFamily="2" charset="0"/>
-              </a:rPr>
-              <a:t>=</a:t>
+          <a:ln>
+            <a:solidFill>
+              <a:schemeClr val="bg1"/>
+            </a:solidFill>
+          </a:ln>
+        </p:spPr>
+        <p:style>
+          <a:lnRef idx="2">
+            <a:schemeClr val="accent1">
+              <a:shade val="50000"/>
+            </a:schemeClr>
+          </a:lnRef>
+          <a:fillRef idx="1">
+            <a:schemeClr val="accent1"/>
+          </a:fillRef>
+          <a:effectRef idx="0">
+            <a:schemeClr val="accent1"/>
+          </a:effectRef>
+          <a:fontRef idx="minor">
+            <a:schemeClr val="lt1"/>
+          </a:fontRef>
+        </p:style>
+        <p:txBody>
+          <a:bodyPr rtlCol="0" anchor="ctr"/>
+          <a:lstStyle/>
+          <a:p>
+            <a:pPr algn="ctr"/>
+            <a:r>
+              <a:rPr lang="en-US" sz="800" dirty="0">
+                <a:solidFill>
+                  <a:schemeClr val="tx1"/>
+                </a:solidFill>
+                <a:latin typeface="Poppins" panose="00000500000000000000" pitchFamily="2" charset="0"/>
+                <a:cs typeface="Poppins" panose="00000500000000000000" pitchFamily="2" charset="0"/>
+              </a:rPr>
+              <a:t>Callback </a:t>
+            </a:r>
+            <a:r>
+              <a:rPr lang="en-US" sz="800" dirty="0" err="1">
+                <a:solidFill>
+                  <a:schemeClr val="tx1"/>
+                </a:solidFill>
+                <a:latin typeface="Poppins" panose="00000500000000000000" pitchFamily="2" charset="0"/>
+                <a:cs typeface="Poppins" panose="00000500000000000000" pitchFamily="2" charset="0"/>
+              </a:rPr>
+              <a:t>dengan</a:t>
+            </a:r>
+            <a:r>
+              <a:rPr lang="en-US" sz="800" dirty="0">
+                <a:solidFill>
+                  <a:schemeClr val="tx1"/>
+                </a:solidFill>
+                <a:latin typeface="Poppins" panose="00000500000000000000" pitchFamily="2" charset="0"/>
+                <a:cs typeface="Poppins" panose="00000500000000000000" pitchFamily="2" charset="0"/>
+              </a:rPr>
+              <a:t> arrow function</a:t>
             </a:r>
           </a:p>
         </p:txBody>
       </p:sp>
       <p:cxnSp>
         <p:nvCxnSpPr>
-          <p:cNvPr id="50" name="Straight Connector 49">
-            <a:extLst>
-              <a:ext uri="{FF2B5EF4-FFF2-40B4-BE49-F238E27FC236}">
-                <a16:creationId xmlns:a16="http://schemas.microsoft.com/office/drawing/2014/main" id="{D9B58FC9-CED6-4B7B-9B94-AB5FA41CF9B5}"/>
+          <p:cNvPr id="14" name="Straight Connector 13">
+            <a:extLst>
+              <a:ext uri="{FF2B5EF4-FFF2-40B4-BE49-F238E27FC236}">
+                <a16:creationId xmlns:a16="http://schemas.microsoft.com/office/drawing/2014/main" id="{BC890F58-977A-4C12-A860-91C34C31BA41}"/>
               </a:ext>
             </a:extLst>
           </p:cNvPr>
@@ -4329,8 +4211,8 @@
         </p:nvCxnSpPr>
         <p:spPr>
           <a:xfrm flipV="1">
-            <a:off x="2255376" y="883400"/>
-            <a:ext cx="941055" cy="629843"/>
+            <a:off x="4251846" y="1885259"/>
+            <a:ext cx="800073" cy="614283"/>
           </a:xfrm>
           <a:prstGeom prst="line">
             <a:avLst/>
@@ -4353,22 +4235,24 @@
       </p:cxnSp>
       <p:cxnSp>
         <p:nvCxnSpPr>
-          <p:cNvPr id="52" name="Straight Connector 51">
-            <a:extLst>
-              <a:ext uri="{FF2B5EF4-FFF2-40B4-BE49-F238E27FC236}">
-                <a16:creationId xmlns:a16="http://schemas.microsoft.com/office/drawing/2014/main" id="{29284345-A3F6-4C5A-AC60-41A17FC2C964}"/>
+          <p:cNvPr id="15" name="Straight Connector 14">
+            <a:extLst>
+              <a:ext uri="{FF2B5EF4-FFF2-40B4-BE49-F238E27FC236}">
+                <a16:creationId xmlns:a16="http://schemas.microsoft.com/office/drawing/2014/main" id="{8F3FE4DD-D7E5-4DBF-B040-E5BA6022D4A1}"/>
               </a:ext>
             </a:extLst>
           </p:cNvPr>
           <p:cNvCxnSpPr>
             <a:cxnSpLocks/>
+            <a:stCxn id="18" idx="3"/>
+            <a:endCxn id="22" idx="1"/>
           </p:cNvCxnSpPr>
           <p:nvPr/>
         </p:nvCxnSpPr>
         <p:spPr>
-          <a:xfrm flipV="1">
-            <a:off x="2129499" y="1231626"/>
-            <a:ext cx="1623351" cy="629844"/>
+          <a:xfrm>
+            <a:off x="9381031" y="1356226"/>
+            <a:ext cx="136207" cy="0"/>
           </a:xfrm>
           <a:prstGeom prst="line">
             <a:avLst/>
@@ -4389,50 +4273,12 @@
           </a:fontRef>
         </p:style>
       </p:cxnSp>
-      <p:cxnSp>
-        <p:nvCxnSpPr>
-          <p:cNvPr id="55" name="Straight Connector 54">
-            <a:extLst>
-              <a:ext uri="{FF2B5EF4-FFF2-40B4-BE49-F238E27FC236}">
-                <a16:creationId xmlns:a16="http://schemas.microsoft.com/office/drawing/2014/main" id="{7A7B5B93-A170-44A1-A4E6-27D9C2EFA7E1}"/>
-              </a:ext>
-            </a:extLst>
-          </p:cNvPr>
-          <p:cNvCxnSpPr>
-            <a:cxnSpLocks/>
-          </p:cNvCxnSpPr>
-          <p:nvPr/>
-        </p:nvCxnSpPr>
-        <p:spPr>
-          <a:xfrm>
-            <a:off x="3007769" y="2318832"/>
-            <a:ext cx="438796" cy="2043618"/>
-          </a:xfrm>
-          <a:prstGeom prst="line">
-            <a:avLst/>
-          </a:prstGeom>
-        </p:spPr>
-        <p:style>
-          <a:lnRef idx="1">
-            <a:schemeClr val="accent1"/>
-          </a:lnRef>
-          <a:fillRef idx="0">
-            <a:schemeClr val="accent1"/>
-          </a:fillRef>
-          <a:effectRef idx="0">
-            <a:schemeClr val="accent1"/>
-          </a:effectRef>
-          <a:fontRef idx="minor">
-            <a:schemeClr val="tx1"/>
-          </a:fontRef>
-        </p:style>
-      </p:cxnSp>
-      <p:sp>
-        <p:nvSpPr>
-          <p:cNvPr id="57" name="Rectangle 56">
-            <a:extLst>
-              <a:ext uri="{FF2B5EF4-FFF2-40B4-BE49-F238E27FC236}">
-                <a16:creationId xmlns:a16="http://schemas.microsoft.com/office/drawing/2014/main" id="{96E0FB70-1A0C-4DAD-8301-1F68C7BCA204}"/>
+      <p:sp>
+        <p:nvSpPr>
+          <p:cNvPr id="16" name="Rectangle 15">
+            <a:extLst>
+              <a:ext uri="{FF2B5EF4-FFF2-40B4-BE49-F238E27FC236}">
+                <a16:creationId xmlns:a16="http://schemas.microsoft.com/office/drawing/2014/main" id="{72C4CE46-3D5C-4412-9CBE-8FB1E9DE4C0C}"/>
               </a:ext>
             </a:extLst>
           </p:cNvPr>
@@ -4441,8 +4287,8 @@
         </p:nvSpPr>
         <p:spPr>
           <a:xfrm>
-            <a:off x="2636940" y="4235977"/>
-            <a:ext cx="2062826" cy="625151"/>
+            <a:off x="8554261" y="1185665"/>
+            <a:ext cx="276225" cy="341124"/>
           </a:xfrm>
           <a:prstGeom prst="rect">
             <a:avLst/>
@@ -4450,7 +4296,7 @@
           <a:noFill/>
           <a:ln>
             <a:solidFill>
-              <a:schemeClr val="bg1"/>
+              <a:schemeClr val="tx1"/>
             </a:solidFill>
           </a:ln>
         </p:spPr>
@@ -4476,111 +4322,24 @@
           <a:p>
             <a:pPr algn="ctr"/>
             <a:r>
-              <a:rPr lang="en-US" sz="800" dirty="0" err="1">
-                <a:solidFill>
-                  <a:schemeClr val="tx1"/>
-                </a:solidFill>
-                <a:latin typeface="Poppins" panose="00000500000000000000" pitchFamily="2" charset="0"/>
-                <a:cs typeface="Poppins" panose="00000500000000000000" pitchFamily="2" charset="0"/>
-              </a:rPr>
-              <a:t>Iterasi</a:t>
-            </a:r>
-            <a:r>
-              <a:rPr lang="en-US" sz="800" dirty="0">
-                <a:solidFill>
-                  <a:schemeClr val="tx1"/>
-                </a:solidFill>
-                <a:latin typeface="Poppins" panose="00000500000000000000" pitchFamily="2" charset="0"/>
-                <a:cs typeface="Poppins" panose="00000500000000000000" pitchFamily="2" charset="0"/>
-              </a:rPr>
-              <a:t> </a:t>
-            </a:r>
-            <a:r>
-              <a:rPr lang="en-US" sz="800" dirty="0" err="1">
-                <a:solidFill>
-                  <a:schemeClr val="tx1"/>
-                </a:solidFill>
-                <a:latin typeface="Poppins" panose="00000500000000000000" pitchFamily="2" charset="0"/>
-                <a:cs typeface="Poppins" panose="00000500000000000000" pitchFamily="2" charset="0"/>
-              </a:rPr>
-              <a:t>tiap</a:t>
-            </a:r>
-            <a:r>
-              <a:rPr lang="en-US" sz="800" dirty="0">
-                <a:solidFill>
-                  <a:schemeClr val="tx1"/>
-                </a:solidFill>
-                <a:latin typeface="Poppins" panose="00000500000000000000" pitchFamily="2" charset="0"/>
-                <a:cs typeface="Poppins" panose="00000500000000000000" pitchFamily="2" charset="0"/>
-              </a:rPr>
-              <a:t> </a:t>
-            </a:r>
-            <a:r>
-              <a:rPr lang="en-US" sz="800" dirty="0" err="1">
-                <a:solidFill>
-                  <a:schemeClr val="tx1"/>
-                </a:solidFill>
-                <a:latin typeface="Poppins" panose="00000500000000000000" pitchFamily="2" charset="0"/>
-                <a:cs typeface="Poppins" panose="00000500000000000000" pitchFamily="2" charset="0"/>
-              </a:rPr>
-              <a:t>angka</a:t>
-            </a:r>
-            <a:r>
-              <a:rPr lang="en-US" sz="800" dirty="0">
-                <a:solidFill>
-                  <a:schemeClr val="tx1"/>
-                </a:solidFill>
-                <a:latin typeface="Poppins" panose="00000500000000000000" pitchFamily="2" charset="0"/>
-                <a:cs typeface="Poppins" panose="00000500000000000000" pitchFamily="2" charset="0"/>
-              </a:rPr>
-              <a:t> dan </a:t>
-            </a:r>
-            <a:r>
-              <a:rPr lang="en-US" sz="800" dirty="0" err="1">
-                <a:solidFill>
-                  <a:schemeClr val="tx1"/>
-                </a:solidFill>
-                <a:latin typeface="Poppins" panose="00000500000000000000" pitchFamily="2" charset="0"/>
-                <a:cs typeface="Poppins" panose="00000500000000000000" pitchFamily="2" charset="0"/>
-              </a:rPr>
-              <a:t>jumlahkan</a:t>
-            </a:r>
-            <a:r>
-              <a:rPr lang="en-US" sz="800" dirty="0">
-                <a:solidFill>
-                  <a:schemeClr val="tx1"/>
-                </a:solidFill>
-                <a:latin typeface="Poppins" panose="00000500000000000000" pitchFamily="2" charset="0"/>
-                <a:cs typeface="Poppins" panose="00000500000000000000" pitchFamily="2" charset="0"/>
-              </a:rPr>
-              <a:t> </a:t>
-            </a:r>
-            <a:r>
-              <a:rPr lang="en-US" sz="800" dirty="0" err="1">
-                <a:solidFill>
-                  <a:schemeClr val="tx1"/>
-                </a:solidFill>
-                <a:latin typeface="Poppins" panose="00000500000000000000" pitchFamily="2" charset="0"/>
-                <a:cs typeface="Poppins" panose="00000500000000000000" pitchFamily="2" charset="0"/>
-              </a:rPr>
-              <a:t>seluruhnya</a:t>
-            </a:r>
-            <a:endParaRPr lang="en-US" sz="800" dirty="0">
-              <a:solidFill>
-                <a:schemeClr val="tx1"/>
-              </a:solidFill>
-              <a:latin typeface="Poppins" panose="00000500000000000000" pitchFamily="2" charset="0"/>
-              <a:cs typeface="Poppins" panose="00000500000000000000" pitchFamily="2" charset="0"/>
-            </a:endParaRPr>
-          </a:p>
-        </p:txBody>
-      </p:sp>
-      <p:sp>
-        <p:nvSpPr>
-          <p:cNvPr id="58" name="Rectangle 57">
-            <a:extLst>
-              <a:ext uri="{FF2B5EF4-FFF2-40B4-BE49-F238E27FC236}">
-                <a16:creationId xmlns:a16="http://schemas.microsoft.com/office/drawing/2014/main" id="{B83AD5F4-6E3F-4183-860F-264864855990}"/>
+              <a:rPr lang="en-US" sz="1000" dirty="0">
+                <a:solidFill>
+                  <a:schemeClr val="tx1"/>
+                </a:solidFill>
+                <a:latin typeface="Poppins" panose="00000500000000000000" pitchFamily="2" charset="0"/>
+                <a:cs typeface="Poppins" panose="00000500000000000000" pitchFamily="2" charset="0"/>
+              </a:rPr>
+              <a:t>1</a:t>
+            </a:r>
+          </a:p>
+        </p:txBody>
+      </p:sp>
+      <p:sp>
+        <p:nvSpPr>
+          <p:cNvPr id="17" name="Rectangle 16">
+            <a:extLst>
+              <a:ext uri="{FF2B5EF4-FFF2-40B4-BE49-F238E27FC236}">
+                <a16:creationId xmlns:a16="http://schemas.microsoft.com/office/drawing/2014/main" id="{6FC0E836-A68A-4C47-AC20-0C8F998D09E2}"/>
               </a:ext>
             </a:extLst>
           </p:cNvPr>
@@ -4589,8 +4348,8 @@
         </p:nvSpPr>
         <p:spPr>
           <a:xfrm>
-            <a:off x="9537415" y="2162752"/>
-            <a:ext cx="2062826" cy="625151"/>
+            <a:off x="8830486" y="1185664"/>
+            <a:ext cx="276225" cy="341124"/>
           </a:xfrm>
           <a:prstGeom prst="rect">
             <a:avLst/>
@@ -4598,7 +4357,7 @@
           <a:noFill/>
           <a:ln>
             <a:solidFill>
-              <a:schemeClr val="bg1"/>
+              <a:schemeClr val="tx1"/>
             </a:solidFill>
           </a:ln>
         </p:spPr>
@@ -4624,122 +4383,24 @@
           <a:p>
             <a:pPr algn="ctr"/>
             <a:r>
-              <a:rPr lang="en-US" sz="800" dirty="0">
-                <a:solidFill>
-                  <a:schemeClr val="tx1"/>
-                </a:solidFill>
-                <a:latin typeface="Poppins" panose="00000500000000000000" pitchFamily="2" charset="0"/>
-                <a:cs typeface="Poppins" panose="00000500000000000000" pitchFamily="2" charset="0"/>
-              </a:rPr>
-              <a:t>Callback </a:t>
-            </a:r>
-            <a:r>
-              <a:rPr lang="en-US" sz="800" dirty="0" err="1">
-                <a:solidFill>
-                  <a:schemeClr val="tx1"/>
-                </a:solidFill>
-                <a:latin typeface="Poppins" panose="00000500000000000000" pitchFamily="2" charset="0"/>
-                <a:cs typeface="Poppins" panose="00000500000000000000" pitchFamily="2" charset="0"/>
-              </a:rPr>
-              <a:t>dengan</a:t>
-            </a:r>
-            <a:r>
-              <a:rPr lang="en-US" sz="800" dirty="0">
-                <a:solidFill>
-                  <a:schemeClr val="tx1"/>
-                </a:solidFill>
-                <a:latin typeface="Poppins" panose="00000500000000000000" pitchFamily="2" charset="0"/>
-                <a:cs typeface="Poppins" panose="00000500000000000000" pitchFamily="2" charset="0"/>
-              </a:rPr>
-              <a:t> arrow function</a:t>
-            </a:r>
-          </a:p>
-        </p:txBody>
-      </p:sp>
-      <p:cxnSp>
-        <p:nvCxnSpPr>
-          <p:cNvPr id="59" name="Straight Connector 58">
-            <a:extLst>
-              <a:ext uri="{FF2B5EF4-FFF2-40B4-BE49-F238E27FC236}">
-                <a16:creationId xmlns:a16="http://schemas.microsoft.com/office/drawing/2014/main" id="{7D83460A-C940-40EC-817B-A2FA9E4655FB}"/>
-              </a:ext>
-            </a:extLst>
-          </p:cNvPr>
-          <p:cNvCxnSpPr>
-            <a:cxnSpLocks/>
-          </p:cNvCxnSpPr>
-          <p:nvPr/>
-        </p:nvCxnSpPr>
-        <p:spPr>
-          <a:xfrm flipV="1">
-            <a:off x="9490596" y="2683763"/>
-            <a:ext cx="800073" cy="614283"/>
-          </a:xfrm>
-          <a:prstGeom prst="line">
-            <a:avLst/>
-          </a:prstGeom>
-        </p:spPr>
-        <p:style>
-          <a:lnRef idx="1">
-            <a:schemeClr val="accent1"/>
-          </a:lnRef>
-          <a:fillRef idx="0">
-            <a:schemeClr val="accent1"/>
-          </a:fillRef>
-          <a:effectRef idx="0">
-            <a:schemeClr val="accent1"/>
-          </a:effectRef>
-          <a:fontRef idx="minor">
-            <a:schemeClr val="tx1"/>
-          </a:fontRef>
-        </p:style>
-      </p:cxnSp>
-      <p:cxnSp>
-        <p:nvCxnSpPr>
-          <p:cNvPr id="60" name="Straight Connector 59">
-            <a:extLst>
-              <a:ext uri="{FF2B5EF4-FFF2-40B4-BE49-F238E27FC236}">
-                <a16:creationId xmlns:a16="http://schemas.microsoft.com/office/drawing/2014/main" id="{614E42BB-6EB2-4DD1-9B32-32A7011E57C0}"/>
-              </a:ext>
-            </a:extLst>
-          </p:cNvPr>
-          <p:cNvCxnSpPr>
-            <a:cxnSpLocks/>
-            <a:stCxn id="63" idx="3"/>
-            <a:endCxn id="67" idx="1"/>
-          </p:cNvCxnSpPr>
-          <p:nvPr/>
-        </p:nvCxnSpPr>
-        <p:spPr>
-          <a:xfrm>
-            <a:off x="9381031" y="1356226"/>
-            <a:ext cx="136207" cy="0"/>
-          </a:xfrm>
-          <a:prstGeom prst="line">
-            <a:avLst/>
-          </a:prstGeom>
-        </p:spPr>
-        <p:style>
-          <a:lnRef idx="1">
-            <a:schemeClr val="accent1"/>
-          </a:lnRef>
-          <a:fillRef idx="0">
-            <a:schemeClr val="accent1"/>
-          </a:fillRef>
-          <a:effectRef idx="0">
-            <a:schemeClr val="accent1"/>
-          </a:effectRef>
-          <a:fontRef idx="minor">
-            <a:schemeClr val="tx1"/>
-          </a:fontRef>
-        </p:style>
-      </p:cxnSp>
-      <p:sp>
-        <p:nvSpPr>
-          <p:cNvPr id="61" name="Rectangle 60">
-            <a:extLst>
-              <a:ext uri="{FF2B5EF4-FFF2-40B4-BE49-F238E27FC236}">
-                <a16:creationId xmlns:a16="http://schemas.microsoft.com/office/drawing/2014/main" id="{A5F6F348-A03D-4551-804C-49E6BB04B156}"/>
+              <a:rPr lang="en-US" sz="1000" dirty="0">
+                <a:solidFill>
+                  <a:schemeClr val="tx1"/>
+                </a:solidFill>
+                <a:latin typeface="Poppins" panose="00000500000000000000" pitchFamily="2" charset="0"/>
+                <a:cs typeface="Poppins" panose="00000500000000000000" pitchFamily="2" charset="0"/>
+              </a:rPr>
+              <a:t>2</a:t>
+            </a:r>
+          </a:p>
+        </p:txBody>
+      </p:sp>
+      <p:sp>
+        <p:nvSpPr>
+          <p:cNvPr id="18" name="Rectangle 17">
+            <a:extLst>
+              <a:ext uri="{FF2B5EF4-FFF2-40B4-BE49-F238E27FC236}">
+                <a16:creationId xmlns:a16="http://schemas.microsoft.com/office/drawing/2014/main" id="{F1EE8463-79D8-4FDB-AE26-6B43D3766055}"/>
               </a:ext>
             </a:extLst>
           </p:cNvPr>
@@ -4748,7 +4409,7 @@
         </p:nvSpPr>
         <p:spPr>
           <a:xfrm>
-            <a:off x="8554261" y="1185665"/>
+            <a:off x="9104806" y="1185664"/>
             <a:ext cx="276225" cy="341124"/>
           </a:xfrm>
           <a:prstGeom prst="rect">
@@ -4790,17 +4451,17 @@
                 <a:latin typeface="Poppins" panose="00000500000000000000" pitchFamily="2" charset="0"/>
                 <a:cs typeface="Poppins" panose="00000500000000000000" pitchFamily="2" charset="0"/>
               </a:rPr>
-              <a:t>1</a:t>
-            </a:r>
-          </a:p>
-        </p:txBody>
-      </p:sp>
-      <p:sp>
-        <p:nvSpPr>
-          <p:cNvPr id="62" name="Rectangle 61">
-            <a:extLst>
-              <a:ext uri="{FF2B5EF4-FFF2-40B4-BE49-F238E27FC236}">
-                <a16:creationId xmlns:a16="http://schemas.microsoft.com/office/drawing/2014/main" id="{97E9C9DB-96E4-4029-8E51-BB99B83B223B}"/>
+              <a:t>3</a:t>
+            </a:r>
+          </a:p>
+        </p:txBody>
+      </p:sp>
+      <p:sp>
+        <p:nvSpPr>
+          <p:cNvPr id="19" name="Rectangle 18">
+            <a:extLst>
+              <a:ext uri="{FF2B5EF4-FFF2-40B4-BE49-F238E27FC236}">
+                <a16:creationId xmlns:a16="http://schemas.microsoft.com/office/drawing/2014/main" id="{8C5C544C-B567-447E-9784-7F23D0937CC4}"/>
               </a:ext>
             </a:extLst>
           </p:cNvPr>
@@ -4809,7 +4470,7 @@
         </p:nvSpPr>
         <p:spPr>
           <a:xfrm>
-            <a:off x="8830486" y="1185664"/>
+            <a:off x="10480215" y="1190729"/>
             <a:ext cx="276225" cy="341124"/>
           </a:xfrm>
           <a:prstGeom prst="rect">
@@ -4858,10 +4519,10 @@
       </p:sp>
       <p:sp>
         <p:nvSpPr>
-          <p:cNvPr id="63" name="Rectangle 62">
-            <a:extLst>
-              <a:ext uri="{FF2B5EF4-FFF2-40B4-BE49-F238E27FC236}">
-                <a16:creationId xmlns:a16="http://schemas.microsoft.com/office/drawing/2014/main" id="{9654A60D-DF0A-4E16-ABB2-A15C0748067B}"/>
+          <p:cNvPr id="20" name="Rectangle 19">
+            <a:extLst>
+              <a:ext uri="{FF2B5EF4-FFF2-40B4-BE49-F238E27FC236}">
+                <a16:creationId xmlns:a16="http://schemas.microsoft.com/office/drawing/2014/main" id="{A4F73A8E-9B4E-4066-AA68-480EA760BB2D}"/>
               </a:ext>
             </a:extLst>
           </p:cNvPr>
@@ -4870,7 +4531,7 @@
         </p:nvSpPr>
         <p:spPr>
           <a:xfrm>
-            <a:off x="9104806" y="1185664"/>
+            <a:off x="10756440" y="1190728"/>
             <a:ext cx="276225" cy="341124"/>
           </a:xfrm>
           <a:prstGeom prst="rect">
@@ -4919,10 +4580,10 @@
       </p:sp>
       <p:sp>
         <p:nvSpPr>
-          <p:cNvPr id="67" name="Rectangle 66">
-            <a:extLst>
-              <a:ext uri="{FF2B5EF4-FFF2-40B4-BE49-F238E27FC236}">
-                <a16:creationId xmlns:a16="http://schemas.microsoft.com/office/drawing/2014/main" id="{7AF37909-71B7-4964-A42B-AB8461596A57}"/>
+          <p:cNvPr id="22" name="Rectangle 21">
+            <a:extLst>
+              <a:ext uri="{FF2B5EF4-FFF2-40B4-BE49-F238E27FC236}">
+                <a16:creationId xmlns:a16="http://schemas.microsoft.com/office/drawing/2014/main" id="{69C9C92F-470F-4467-B10C-98EA436444A6}"/>
               </a:ext>
             </a:extLst>
           </p:cNvPr>
@@ -4973,17 +4634,17 @@
                 <a:latin typeface="Poppins" panose="00000500000000000000" pitchFamily="2" charset="0"/>
                 <a:cs typeface="Poppins" panose="00000500000000000000" pitchFamily="2" charset="0"/>
               </a:rPr>
-              <a:t>3</a:t>
-            </a:r>
-          </a:p>
-        </p:txBody>
-      </p:sp>
-      <p:sp>
-        <p:nvSpPr>
-          <p:cNvPr id="68" name="Rectangle 67">
-            <a:extLst>
-              <a:ext uri="{FF2B5EF4-FFF2-40B4-BE49-F238E27FC236}">
-                <a16:creationId xmlns:a16="http://schemas.microsoft.com/office/drawing/2014/main" id="{FF48E7E4-999D-4AD8-A9FC-71A858E848C5}"/>
+              <a:t>f</a:t>
+            </a:r>
+          </a:p>
+        </p:txBody>
+      </p:sp>
+      <p:sp>
+        <p:nvSpPr>
+          <p:cNvPr id="23" name="Rectangle 22">
+            <a:extLst>
+              <a:ext uri="{FF2B5EF4-FFF2-40B4-BE49-F238E27FC236}">
+                <a16:creationId xmlns:a16="http://schemas.microsoft.com/office/drawing/2014/main" id="{4F0F94F1-4897-4B87-8474-A2A164F06C8B}"/>
               </a:ext>
             </a:extLst>
           </p:cNvPr>
@@ -5034,55 +4695,17 @@
                 <a:latin typeface="Poppins" panose="00000500000000000000" pitchFamily="2" charset="0"/>
                 <a:cs typeface="Poppins" panose="00000500000000000000" pitchFamily="2" charset="0"/>
               </a:rPr>
-              <a:t>3</a:t>
-            </a:r>
-          </a:p>
-        </p:txBody>
-      </p:sp>
-      <p:cxnSp>
-        <p:nvCxnSpPr>
-          <p:cNvPr id="73" name="Straight Connector 72">
-            <a:extLst>
-              <a:ext uri="{FF2B5EF4-FFF2-40B4-BE49-F238E27FC236}">
-                <a16:creationId xmlns:a16="http://schemas.microsoft.com/office/drawing/2014/main" id="{243602DB-DD5A-485C-BDA9-1E7E0B961B44}"/>
-              </a:ext>
-            </a:extLst>
-          </p:cNvPr>
-          <p:cNvCxnSpPr>
-            <a:cxnSpLocks/>
-          </p:cNvCxnSpPr>
-          <p:nvPr/>
-        </p:nvCxnSpPr>
-        <p:spPr>
-          <a:xfrm>
-            <a:off x="10097711" y="1339228"/>
-            <a:ext cx="525782" cy="1"/>
-          </a:xfrm>
-          <a:prstGeom prst="line">
-            <a:avLst/>
-          </a:prstGeom>
-        </p:spPr>
-        <p:style>
-          <a:lnRef idx="1">
-            <a:schemeClr val="accent1"/>
-          </a:lnRef>
-          <a:fillRef idx="0">
-            <a:schemeClr val="accent1"/>
-          </a:fillRef>
-          <a:effectRef idx="0">
-            <a:schemeClr val="accent1"/>
-          </a:effectRef>
-          <a:fontRef idx="minor">
-            <a:schemeClr val="tx1"/>
-          </a:fontRef>
-        </p:style>
-      </p:cxnSp>
-      <p:sp>
-        <p:nvSpPr>
-          <p:cNvPr id="74" name="Isosceles Triangle 73">
-            <a:extLst>
-              <a:ext uri="{FF2B5EF4-FFF2-40B4-BE49-F238E27FC236}">
-                <a16:creationId xmlns:a16="http://schemas.microsoft.com/office/drawing/2014/main" id="{8CEF0771-7214-4BB0-90C7-5AB875674CD4}"/>
+              <a:t>t</a:t>
+            </a:r>
+          </a:p>
+        </p:txBody>
+      </p:sp>
+      <p:sp>
+        <p:nvSpPr>
+          <p:cNvPr id="24" name="Rectangle 23">
+            <a:extLst>
+              <a:ext uri="{FF2B5EF4-FFF2-40B4-BE49-F238E27FC236}">
+                <a16:creationId xmlns:a16="http://schemas.microsoft.com/office/drawing/2014/main" id="{5269B99A-C4E0-4BDC-B82C-3D2F82EDC198}"/>
               </a:ext>
             </a:extLst>
           </p:cNvPr>
@@ -5090,15 +4713,19 @@
           <p:nvPr/>
         </p:nvSpPr>
         <p:spPr>
-          <a:xfrm rot="5400000">
-            <a:off x="10575174" y="1317769"/>
-            <a:ext cx="59496" cy="45719"/>
-          </a:xfrm>
-          <a:prstGeom prst="triangle">
-            <a:avLst>
-              <a:gd name="adj" fmla="val 47561"/>
-            </a:avLst>
-          </a:prstGeom>
+          <a:xfrm>
+            <a:off x="10067783" y="1185663"/>
+            <a:ext cx="276225" cy="341124"/>
+          </a:xfrm>
+          <a:prstGeom prst="rect">
+            <a:avLst/>
+          </a:prstGeom>
+          <a:noFill/>
+          <a:ln>
+            <a:solidFill>
+              <a:schemeClr val="tx1"/>
+            </a:solidFill>
+          </a:ln>
         </p:spPr>
         <p:style>
           <a:lnRef idx="2">
@@ -5121,130 +4748,25 @@
           <a:lstStyle/>
           <a:p>
             <a:pPr algn="ctr"/>
-            <a:endParaRPr lang="en-US"/>
-          </a:p>
-        </p:txBody>
-      </p:sp>
-      <p:sp>
-        <p:nvSpPr>
-          <p:cNvPr id="75" name="TextBox 74">
-            <a:extLst>
-              <a:ext uri="{FF2B5EF4-FFF2-40B4-BE49-F238E27FC236}">
-                <a16:creationId xmlns:a16="http://schemas.microsoft.com/office/drawing/2014/main" id="{F5B8B38D-ED5E-46A1-A7E5-658756496B46}"/>
-              </a:ext>
-            </a:extLst>
-          </p:cNvPr>
-          <p:cNvSpPr txBox="1"/>
-          <p:nvPr/>
-        </p:nvSpPr>
-        <p:spPr>
-          <a:xfrm>
-            <a:off x="10651516" y="1186481"/>
-            <a:ext cx="298480" cy="307777"/>
-          </a:xfrm>
-          <a:prstGeom prst="rect">
-            <a:avLst/>
-          </a:prstGeom>
-          <a:noFill/>
-        </p:spPr>
-        <p:txBody>
-          <a:bodyPr wrap="none" rtlCol="0">
-            <a:spAutoFit/>
-          </a:bodyPr>
-          <a:lstStyle/>
-          <a:p>
-            <a:r>
-              <a:rPr lang="en-US" sz="1400" dirty="0">
-                <a:latin typeface="Poppins" panose="00000500000000000000" pitchFamily="2" charset="0"/>
-                <a:cs typeface="Poppins" panose="00000500000000000000" pitchFamily="2" charset="0"/>
-              </a:rPr>
-              <a:t>6</a:t>
-            </a:r>
-          </a:p>
-        </p:txBody>
-      </p:sp>
-      <p:sp>
-        <p:nvSpPr>
-          <p:cNvPr id="76" name="TextBox 75">
-            <a:extLst>
-              <a:ext uri="{FF2B5EF4-FFF2-40B4-BE49-F238E27FC236}">
-                <a16:creationId xmlns:a16="http://schemas.microsoft.com/office/drawing/2014/main" id="{D57F004D-43DA-433C-A00C-8796712B6CD4}"/>
-              </a:ext>
-            </a:extLst>
-          </p:cNvPr>
-          <p:cNvSpPr txBox="1"/>
-          <p:nvPr/>
-        </p:nvSpPr>
-        <p:spPr>
-          <a:xfrm>
-            <a:off x="9104806" y="816332"/>
-            <a:ext cx="615874" cy="246221"/>
-          </a:xfrm>
-          <a:prstGeom prst="rect">
-            <a:avLst/>
-          </a:prstGeom>
-          <a:noFill/>
-        </p:spPr>
-        <p:txBody>
-          <a:bodyPr wrap="none" rtlCol="0">
-            <a:spAutoFit/>
-          </a:bodyPr>
-          <a:lstStyle/>
-          <a:p>
             <a:r>
               <a:rPr lang="en-US" sz="1000" dirty="0">
-                <a:latin typeface="Poppins" panose="00000500000000000000" pitchFamily="2" charset="0"/>
-                <a:cs typeface="Poppins" panose="00000500000000000000" pitchFamily="2" charset="0"/>
-              </a:rPr>
-              <a:t>proses</a:t>
-            </a:r>
-          </a:p>
-        </p:txBody>
-      </p:sp>
-      <p:sp>
-        <p:nvSpPr>
-          <p:cNvPr id="77" name="TextBox 76">
-            <a:extLst>
-              <a:ext uri="{FF2B5EF4-FFF2-40B4-BE49-F238E27FC236}">
-                <a16:creationId xmlns:a16="http://schemas.microsoft.com/office/drawing/2014/main" id="{A09F463C-6880-4F46-80A7-FDDB09E9762B}"/>
-              </a:ext>
-            </a:extLst>
-          </p:cNvPr>
-          <p:cNvSpPr txBox="1"/>
-          <p:nvPr/>
-        </p:nvSpPr>
-        <p:spPr>
-          <a:xfrm>
-            <a:off x="7173597" y="1270927"/>
-            <a:ext cx="296876" cy="307777"/>
-          </a:xfrm>
-          <a:prstGeom prst="rect">
-            <a:avLst/>
-          </a:prstGeom>
-          <a:noFill/>
-        </p:spPr>
-        <p:txBody>
-          <a:bodyPr wrap="none" rtlCol="0">
-            <a:spAutoFit/>
-          </a:bodyPr>
-          <a:lstStyle/>
-          <a:p>
-            <a:r>
-              <a:rPr lang="en-US" sz="1400" dirty="0">
-                <a:latin typeface="Poppins" panose="00000500000000000000" pitchFamily="2" charset="0"/>
-                <a:cs typeface="Poppins" panose="00000500000000000000" pitchFamily="2" charset="0"/>
-              </a:rPr>
-              <a:t>0</a:t>
+                <a:solidFill>
+                  <a:schemeClr val="tx1"/>
+                </a:solidFill>
+                <a:latin typeface="Poppins" panose="00000500000000000000" pitchFamily="2" charset="0"/>
+                <a:cs typeface="Poppins" panose="00000500000000000000" pitchFamily="2" charset="0"/>
+              </a:rPr>
+              <a:t>t</a:t>
             </a:r>
           </a:p>
         </p:txBody>
       </p:sp>
       <p:cxnSp>
         <p:nvCxnSpPr>
-          <p:cNvPr id="78" name="Straight Connector 77">
-            <a:extLst>
-              <a:ext uri="{FF2B5EF4-FFF2-40B4-BE49-F238E27FC236}">
-                <a16:creationId xmlns:a16="http://schemas.microsoft.com/office/drawing/2014/main" id="{B4FEFF9C-32C7-4CC2-8E2D-524C41F70182}"/>
+          <p:cNvPr id="25" name="Straight Connector 24">
+            <a:extLst>
+              <a:ext uri="{FF2B5EF4-FFF2-40B4-BE49-F238E27FC236}">
+                <a16:creationId xmlns:a16="http://schemas.microsoft.com/office/drawing/2014/main" id="{CEC8C126-AB4B-4397-A0DF-08F72E1E9860}"/>
               </a:ext>
             </a:extLst>
           </p:cNvPr>
@@ -5255,8 +4777,8 @@
         </p:nvCxnSpPr>
         <p:spPr>
           <a:xfrm>
-            <a:off x="7442568" y="1388079"/>
-            <a:ext cx="525782" cy="1"/>
+            <a:off x="10344008" y="1356226"/>
+            <a:ext cx="136207" cy="0"/>
           </a:xfrm>
           <a:prstGeom prst="line">
             <a:avLst/>
@@ -5279,10 +4801,10 @@
       </p:cxnSp>
       <p:sp>
         <p:nvSpPr>
-          <p:cNvPr id="79" name="TextBox 78">
-            <a:extLst>
-              <a:ext uri="{FF2B5EF4-FFF2-40B4-BE49-F238E27FC236}">
-                <a16:creationId xmlns:a16="http://schemas.microsoft.com/office/drawing/2014/main" id="{6F14CFE5-7CB3-4B88-A835-C7CA1B854DD2}"/>
+          <p:cNvPr id="37" name="TextBox 36">
+            <a:extLst>
+              <a:ext uri="{FF2B5EF4-FFF2-40B4-BE49-F238E27FC236}">
+                <a16:creationId xmlns:a16="http://schemas.microsoft.com/office/drawing/2014/main" id="{4508D93D-1C71-4F3E-A7C7-87051D717040}"/>
               </a:ext>
             </a:extLst>
           </p:cNvPr>
@@ -5291,8 +4813,8 @@
         </p:nvSpPr>
         <p:spPr>
           <a:xfrm>
-            <a:off x="7981311" y="1238816"/>
-            <a:ext cx="242374" cy="307777"/>
+            <a:off x="8817618" y="1526787"/>
+            <a:ext cx="328936" cy="246221"/>
           </a:xfrm>
           <a:prstGeom prst="rect">
             <a:avLst/>
@@ -5306,59 +4828,21 @@
           <a:lstStyle/>
           <a:p>
             <a:r>
-              <a:rPr lang="en-US" sz="1400" dirty="0">
-                <a:latin typeface="Poppins" panose="00000500000000000000" pitchFamily="2" charset="0"/>
-                <a:cs typeface="Poppins" panose="00000500000000000000" pitchFamily="2" charset="0"/>
-              </a:rPr>
-              <a:t>1</a:t>
-            </a:r>
-          </a:p>
-        </p:txBody>
-      </p:sp>
-      <p:cxnSp>
-        <p:nvCxnSpPr>
-          <p:cNvPr id="80" name="Straight Connector 79">
-            <a:extLst>
-              <a:ext uri="{FF2B5EF4-FFF2-40B4-BE49-F238E27FC236}">
-                <a16:creationId xmlns:a16="http://schemas.microsoft.com/office/drawing/2014/main" id="{288D55D8-DA6F-4A02-B409-858A77DA0076}"/>
-              </a:ext>
-            </a:extLst>
-          </p:cNvPr>
-          <p:cNvCxnSpPr>
-            <a:cxnSpLocks/>
-          </p:cNvCxnSpPr>
-          <p:nvPr/>
-        </p:nvCxnSpPr>
-        <p:spPr>
-          <a:xfrm flipV="1">
-            <a:off x="7446043" y="1387335"/>
-            <a:ext cx="528788" cy="336635"/>
-          </a:xfrm>
-          <a:prstGeom prst="line">
-            <a:avLst/>
-          </a:prstGeom>
-        </p:spPr>
-        <p:style>
-          <a:lnRef idx="1">
-            <a:schemeClr val="accent1"/>
-          </a:lnRef>
-          <a:fillRef idx="0">
-            <a:schemeClr val="accent1"/>
-          </a:fillRef>
-          <a:effectRef idx="0">
-            <a:schemeClr val="accent1"/>
-          </a:effectRef>
-          <a:fontRef idx="minor">
-            <a:schemeClr val="tx1"/>
-          </a:fontRef>
-        </p:style>
-      </p:cxnSp>
-      <p:sp>
-        <p:nvSpPr>
-          <p:cNvPr id="83" name="TextBox 82">
-            <a:extLst>
-              <a:ext uri="{FF2B5EF4-FFF2-40B4-BE49-F238E27FC236}">
-                <a16:creationId xmlns:a16="http://schemas.microsoft.com/office/drawing/2014/main" id="{173F937D-F121-4650-8C31-0A9707E968EF}"/>
+              <a:rPr lang="en-US" sz="1000" dirty="0">
+                <a:latin typeface="Poppins" panose="00000500000000000000" pitchFamily="2" charset="0"/>
+                <a:cs typeface="Poppins" panose="00000500000000000000" pitchFamily="2" charset="0"/>
+              </a:rPr>
+              <a:t>&gt; 1</a:t>
+            </a:r>
+          </a:p>
+        </p:txBody>
+      </p:sp>
+      <p:sp>
+        <p:nvSpPr>
+          <p:cNvPr id="39" name="TextBox 38">
+            <a:extLst>
+              <a:ext uri="{FF2B5EF4-FFF2-40B4-BE49-F238E27FC236}">
+                <a16:creationId xmlns:a16="http://schemas.microsoft.com/office/drawing/2014/main" id="{F4E3B66F-B872-47EB-B2DA-302BCA8A97B8}"/>
               </a:ext>
             </a:extLst>
           </p:cNvPr>
@@ -5367,8 +4851,8 @@
         </p:nvSpPr>
         <p:spPr>
           <a:xfrm>
-            <a:off x="7200848" y="1542106"/>
-            <a:ext cx="242374" cy="307777"/>
+            <a:off x="9490882" y="816331"/>
+            <a:ext cx="615874" cy="246221"/>
           </a:xfrm>
           <a:prstGeom prst="rect">
             <a:avLst/>
@@ -5382,59 +4866,21 @@
           <a:lstStyle/>
           <a:p>
             <a:r>
-              <a:rPr lang="en-US" sz="1400" dirty="0">
-                <a:latin typeface="Poppins" panose="00000500000000000000" pitchFamily="2" charset="0"/>
-                <a:cs typeface="Poppins" panose="00000500000000000000" pitchFamily="2" charset="0"/>
-              </a:rPr>
-              <a:t>1</a:t>
-            </a:r>
-          </a:p>
-        </p:txBody>
-      </p:sp>
-      <p:cxnSp>
-        <p:nvCxnSpPr>
-          <p:cNvPr id="84" name="Straight Connector 83">
-            <a:extLst>
-              <a:ext uri="{FF2B5EF4-FFF2-40B4-BE49-F238E27FC236}">
-                <a16:creationId xmlns:a16="http://schemas.microsoft.com/office/drawing/2014/main" id="{34952CB8-8C19-4D20-B463-E13F2BCEE246}"/>
-              </a:ext>
-            </a:extLst>
-          </p:cNvPr>
-          <p:cNvCxnSpPr>
-            <a:cxnSpLocks/>
-          </p:cNvCxnSpPr>
-          <p:nvPr/>
-        </p:nvCxnSpPr>
-        <p:spPr>
-          <a:xfrm flipV="1">
-            <a:off x="7460269" y="1723970"/>
-            <a:ext cx="514562" cy="1"/>
-          </a:xfrm>
-          <a:prstGeom prst="line">
-            <a:avLst/>
-          </a:prstGeom>
-        </p:spPr>
-        <p:style>
-          <a:lnRef idx="1">
-            <a:schemeClr val="accent1"/>
-          </a:lnRef>
-          <a:fillRef idx="0">
-            <a:schemeClr val="accent1"/>
-          </a:fillRef>
-          <a:effectRef idx="0">
-            <a:schemeClr val="accent1"/>
-          </a:effectRef>
-          <a:fontRef idx="minor">
-            <a:schemeClr val="tx1"/>
-          </a:fontRef>
-        </p:style>
-      </p:cxnSp>
-      <p:sp>
-        <p:nvSpPr>
-          <p:cNvPr id="89" name="TextBox 88">
-            <a:extLst>
-              <a:ext uri="{FF2B5EF4-FFF2-40B4-BE49-F238E27FC236}">
-                <a16:creationId xmlns:a16="http://schemas.microsoft.com/office/drawing/2014/main" id="{5BA2BEE4-C1FD-4717-9124-6B479ABCB302}"/>
+              <a:rPr lang="en-US" sz="1000" dirty="0">
+                <a:latin typeface="Poppins" panose="00000500000000000000" pitchFamily="2" charset="0"/>
+                <a:cs typeface="Poppins" panose="00000500000000000000" pitchFamily="2" charset="0"/>
+              </a:rPr>
+              <a:t>proses</a:t>
+            </a:r>
+          </a:p>
+        </p:txBody>
+      </p:sp>
+      <p:sp>
+        <p:nvSpPr>
+          <p:cNvPr id="40" name="TextBox 39">
+            <a:extLst>
+              <a:ext uri="{FF2B5EF4-FFF2-40B4-BE49-F238E27FC236}">
+                <a16:creationId xmlns:a16="http://schemas.microsoft.com/office/drawing/2014/main" id="{EB803D59-186D-488D-B920-657D3F26CD22}"/>
               </a:ext>
             </a:extLst>
           </p:cNvPr>
@@ -5443,8 +4889,8 @@
         </p:nvSpPr>
         <p:spPr>
           <a:xfrm>
-            <a:off x="7993639" y="1573271"/>
-            <a:ext cx="287258" cy="307777"/>
+            <a:off x="10618327" y="542276"/>
+            <a:ext cx="694421" cy="400110"/>
           </a:xfrm>
           <a:prstGeom prst="rect">
             <a:avLst/>
@@ -5458,61 +4904,30 @@
           <a:lstStyle/>
           <a:p>
             <a:r>
-              <a:rPr lang="en-US" sz="1400" dirty="0">
-                <a:latin typeface="Poppins" panose="00000500000000000000" pitchFamily="2" charset="0"/>
-                <a:cs typeface="Poppins" panose="00000500000000000000" pitchFamily="2" charset="0"/>
-              </a:rPr>
-              <a:t>2</a:t>
-            </a:r>
-          </a:p>
-        </p:txBody>
-      </p:sp>
-      <p:cxnSp>
-        <p:nvCxnSpPr>
-          <p:cNvPr id="90" name="Straight Connector 89">
-            <a:extLst>
-              <a:ext uri="{FF2B5EF4-FFF2-40B4-BE49-F238E27FC236}">
-                <a16:creationId xmlns:a16="http://schemas.microsoft.com/office/drawing/2014/main" id="{711043B3-FE6F-43BC-95FF-D2696445EC25}"/>
-              </a:ext>
-            </a:extLst>
-          </p:cNvPr>
-          <p:cNvCxnSpPr>
-            <a:cxnSpLocks/>
-            <a:stCxn id="94" idx="3"/>
-            <a:endCxn id="89" idx="1"/>
-          </p:cNvCxnSpPr>
-          <p:nvPr/>
-        </p:nvCxnSpPr>
-        <p:spPr>
-          <a:xfrm flipV="1">
-            <a:off x="7479493" y="1727160"/>
-            <a:ext cx="514146" cy="276919"/>
-          </a:xfrm>
-          <a:prstGeom prst="line">
-            <a:avLst/>
-          </a:prstGeom>
-        </p:spPr>
-        <p:style>
-          <a:lnRef idx="1">
-            <a:schemeClr val="accent1"/>
-          </a:lnRef>
-          <a:fillRef idx="0">
-            <a:schemeClr val="accent1"/>
-          </a:fillRef>
-          <a:effectRef idx="0">
-            <a:schemeClr val="accent1"/>
-          </a:effectRef>
-          <a:fontRef idx="minor">
-            <a:schemeClr val="tx1"/>
-          </a:fontRef>
-        </p:style>
-      </p:cxnSp>
-      <p:sp>
-        <p:nvSpPr>
-          <p:cNvPr id="94" name="TextBox 93">
-            <a:extLst>
-              <a:ext uri="{FF2B5EF4-FFF2-40B4-BE49-F238E27FC236}">
-                <a16:creationId xmlns:a16="http://schemas.microsoft.com/office/drawing/2014/main" id="{6E92ED20-D8BB-4B68-AF3F-FA58E5663629}"/>
+              <a:rPr lang="en-US" sz="1000" dirty="0">
+                <a:latin typeface="Poppins" panose="00000500000000000000" pitchFamily="2" charset="0"/>
+                <a:cs typeface="Poppins" panose="00000500000000000000" pitchFamily="2" charset="0"/>
+              </a:rPr>
+              <a:t>f = false</a:t>
+            </a:r>
+          </a:p>
+          <a:p>
+            <a:r>
+              <a:rPr lang="en-US" sz="1000" dirty="0">
+                <a:latin typeface="Poppins" panose="00000500000000000000" pitchFamily="2" charset="0"/>
+                <a:cs typeface="Poppins" panose="00000500000000000000" pitchFamily="2" charset="0"/>
+              </a:rPr>
+              <a:t>t = true</a:t>
+            </a:r>
+          </a:p>
+        </p:txBody>
+      </p:sp>
+      <p:sp>
+        <p:nvSpPr>
+          <p:cNvPr id="26" name="TextBox 25">
+            <a:extLst>
+              <a:ext uri="{FF2B5EF4-FFF2-40B4-BE49-F238E27FC236}">
+                <a16:creationId xmlns:a16="http://schemas.microsoft.com/office/drawing/2014/main" id="{F02DCA96-687F-4753-85F2-4664ACC85B46}"/>
               </a:ext>
             </a:extLst>
           </p:cNvPr>
@@ -5521,8 +4936,8 @@
         </p:nvSpPr>
         <p:spPr>
           <a:xfrm>
-            <a:off x="7189029" y="1850190"/>
-            <a:ext cx="290464" cy="307777"/>
+            <a:off x="770950" y="377376"/>
+            <a:ext cx="667170" cy="338554"/>
           </a:xfrm>
           <a:prstGeom prst="rect">
             <a:avLst/>
@@ -5536,201 +4951,11 @@
           <a:lstStyle/>
           <a:p>
             <a:r>
-              <a:rPr lang="en-US" sz="1400" dirty="0">
-                <a:latin typeface="Poppins" panose="00000500000000000000" pitchFamily="2" charset="0"/>
-                <a:cs typeface="Poppins" panose="00000500000000000000" pitchFamily="2" charset="0"/>
-              </a:rPr>
-              <a:t>3</a:t>
-            </a:r>
-          </a:p>
-        </p:txBody>
-      </p:sp>
-      <p:cxnSp>
-        <p:nvCxnSpPr>
-          <p:cNvPr id="95" name="Straight Connector 94">
-            <a:extLst>
-              <a:ext uri="{FF2B5EF4-FFF2-40B4-BE49-F238E27FC236}">
-                <a16:creationId xmlns:a16="http://schemas.microsoft.com/office/drawing/2014/main" id="{206FF10D-2EA3-402A-8714-AA1B0A645612}"/>
-              </a:ext>
-            </a:extLst>
-          </p:cNvPr>
-          <p:cNvCxnSpPr>
-            <a:cxnSpLocks/>
-          </p:cNvCxnSpPr>
-          <p:nvPr/>
-        </p:nvCxnSpPr>
-        <p:spPr>
-          <a:xfrm>
-            <a:off x="7452534" y="2015896"/>
-            <a:ext cx="550534" cy="8929"/>
-          </a:xfrm>
-          <a:prstGeom prst="line">
-            <a:avLst/>
-          </a:prstGeom>
-        </p:spPr>
-        <p:style>
-          <a:lnRef idx="1">
-            <a:schemeClr val="accent1"/>
-          </a:lnRef>
-          <a:fillRef idx="0">
-            <a:schemeClr val="accent1"/>
-          </a:fillRef>
-          <a:effectRef idx="0">
-            <a:schemeClr val="accent1"/>
-          </a:effectRef>
-          <a:fontRef idx="minor">
-            <a:schemeClr val="tx1"/>
-          </a:fontRef>
-        </p:style>
-      </p:cxnSp>
-      <p:sp>
-        <p:nvSpPr>
-          <p:cNvPr id="102" name="TextBox 101">
-            <a:extLst>
-              <a:ext uri="{FF2B5EF4-FFF2-40B4-BE49-F238E27FC236}">
-                <a16:creationId xmlns:a16="http://schemas.microsoft.com/office/drawing/2014/main" id="{3CDD2B86-BE62-4F19-9A26-3D2588A749D4}"/>
-              </a:ext>
-            </a:extLst>
-          </p:cNvPr>
-          <p:cNvSpPr txBox="1"/>
-          <p:nvPr/>
-        </p:nvSpPr>
-        <p:spPr>
-          <a:xfrm>
-            <a:off x="7998169" y="1905063"/>
-            <a:ext cx="290464" cy="307777"/>
-          </a:xfrm>
-          <a:prstGeom prst="rect">
-            <a:avLst/>
-          </a:prstGeom>
-          <a:noFill/>
-        </p:spPr>
-        <p:txBody>
-          <a:bodyPr wrap="none" rtlCol="0">
-            <a:spAutoFit/>
-          </a:bodyPr>
-          <a:lstStyle/>
-          <a:p>
-            <a:r>
-              <a:rPr lang="en-US" sz="1400" dirty="0">
-                <a:latin typeface="Poppins" panose="00000500000000000000" pitchFamily="2" charset="0"/>
-                <a:cs typeface="Poppins" panose="00000500000000000000" pitchFamily="2" charset="0"/>
-              </a:rPr>
-              <a:t>3</a:t>
-            </a:r>
-          </a:p>
-        </p:txBody>
-      </p:sp>
-      <p:cxnSp>
-        <p:nvCxnSpPr>
-          <p:cNvPr id="103" name="Straight Connector 102">
-            <a:extLst>
-              <a:ext uri="{FF2B5EF4-FFF2-40B4-BE49-F238E27FC236}">
-                <a16:creationId xmlns:a16="http://schemas.microsoft.com/office/drawing/2014/main" id="{3E5E2AA1-3AED-498E-AEF2-4A188E1E72DA}"/>
-              </a:ext>
-            </a:extLst>
-          </p:cNvPr>
-          <p:cNvCxnSpPr>
-            <a:cxnSpLocks/>
-          </p:cNvCxnSpPr>
-          <p:nvPr/>
-        </p:nvCxnSpPr>
-        <p:spPr>
-          <a:xfrm flipV="1">
-            <a:off x="7460269" y="2025411"/>
-            <a:ext cx="542799" cy="267404"/>
-          </a:xfrm>
-          <a:prstGeom prst="line">
-            <a:avLst/>
-          </a:prstGeom>
-        </p:spPr>
-        <p:style>
-          <a:lnRef idx="1">
-            <a:schemeClr val="accent1"/>
-          </a:lnRef>
-          <a:fillRef idx="0">
-            <a:schemeClr val="accent1"/>
-          </a:fillRef>
-          <a:effectRef idx="0">
-            <a:schemeClr val="accent1"/>
-          </a:effectRef>
-          <a:fontRef idx="minor">
-            <a:schemeClr val="tx1"/>
-          </a:fontRef>
-        </p:style>
-      </p:cxnSp>
-      <p:sp>
-        <p:nvSpPr>
-          <p:cNvPr id="108" name="TextBox 107">
-            <a:extLst>
-              <a:ext uri="{FF2B5EF4-FFF2-40B4-BE49-F238E27FC236}">
-                <a16:creationId xmlns:a16="http://schemas.microsoft.com/office/drawing/2014/main" id="{883F6D73-4D42-46A5-844B-FEDE84775939}"/>
-              </a:ext>
-            </a:extLst>
-          </p:cNvPr>
-          <p:cNvSpPr txBox="1"/>
-          <p:nvPr/>
-        </p:nvSpPr>
-        <p:spPr>
-          <a:xfrm>
-            <a:off x="7200848" y="2142115"/>
-            <a:ext cx="298480" cy="307777"/>
-          </a:xfrm>
-          <a:prstGeom prst="rect">
-            <a:avLst/>
-          </a:prstGeom>
-          <a:noFill/>
-        </p:spPr>
-        <p:txBody>
-          <a:bodyPr wrap="none" rtlCol="0">
-            <a:spAutoFit/>
-          </a:bodyPr>
-          <a:lstStyle/>
-          <a:p>
-            <a:r>
-              <a:rPr lang="en-US" sz="1400" dirty="0">
-                <a:latin typeface="Poppins" panose="00000500000000000000" pitchFamily="2" charset="0"/>
-                <a:cs typeface="Poppins" panose="00000500000000000000" pitchFamily="2" charset="0"/>
-              </a:rPr>
-              <a:t>6</a:t>
-            </a:r>
-          </a:p>
-        </p:txBody>
-      </p:sp>
-      <p:sp>
-        <p:nvSpPr>
-          <p:cNvPr id="43" name="TextBox 42">
-            <a:extLst>
-              <a:ext uri="{FF2B5EF4-FFF2-40B4-BE49-F238E27FC236}">
-                <a16:creationId xmlns:a16="http://schemas.microsoft.com/office/drawing/2014/main" id="{A07229B6-DA42-4CED-A3F7-65C8FB402453}"/>
-              </a:ext>
-            </a:extLst>
-          </p:cNvPr>
-          <p:cNvSpPr txBox="1"/>
-          <p:nvPr/>
-        </p:nvSpPr>
-        <p:spPr>
-          <a:xfrm>
-            <a:off x="770950" y="377376"/>
-            <a:ext cx="958917" cy="338554"/>
-          </a:xfrm>
-          <a:prstGeom prst="rect">
-            <a:avLst/>
-          </a:prstGeom>
-          <a:noFill/>
-        </p:spPr>
-        <p:txBody>
-          <a:bodyPr wrap="none" rtlCol="0">
-            <a:spAutoFit/>
-          </a:bodyPr>
-          <a:lstStyle/>
-          <a:p>
-            <a:r>
               <a:rPr lang="en-US" sz="1600" dirty="0">
                 <a:latin typeface="Poppins" panose="00000500000000000000" pitchFamily="2" charset="0"/>
                 <a:cs typeface="Poppins" panose="00000500000000000000" pitchFamily="2" charset="0"/>
               </a:rPr>
-              <a:t>Reduce</a:t>
+              <a:t>Filter</a:t>
             </a:r>
           </a:p>
         </p:txBody>
@@ -5738,7 +4963,7 @@
     </p:spTree>
     <p:extLst>
       <p:ext uri="{BB962C8B-B14F-4D97-AF65-F5344CB8AC3E}">
-        <p14:creationId xmlns:p14="http://schemas.microsoft.com/office/powerpoint/2010/main" val="2166805741"/>
+        <p14:creationId xmlns:p14="http://schemas.microsoft.com/office/powerpoint/2010/main" val="2688828154"/>
       </p:ext>
     </p:extLst>
   </p:cSld>
@@ -5767,6 +4992,2956 @@
       </p:grpSpPr>
       <p:sp>
         <p:nvSpPr>
+          <p:cNvPr id="51" name="Rectangle 50">
+            <a:extLst>
+              <a:ext uri="{FF2B5EF4-FFF2-40B4-BE49-F238E27FC236}">
+                <a16:creationId xmlns:a16="http://schemas.microsoft.com/office/drawing/2014/main" id="{B5E4BCBE-7DB6-4206-B482-233B25126743}"/>
+              </a:ext>
+            </a:extLst>
+          </p:cNvPr>
+          <p:cNvSpPr/>
+          <p:nvPr/>
+        </p:nvSpPr>
+        <p:spPr>
+          <a:xfrm>
+            <a:off x="2378781" y="429639"/>
+            <a:ext cx="2062826" cy="625151"/>
+          </a:xfrm>
+          <a:prstGeom prst="rect">
+            <a:avLst/>
+          </a:prstGeom>
+          <a:noFill/>
+          <a:ln>
+            <a:solidFill>
+              <a:schemeClr val="bg1"/>
+            </a:solidFill>
+          </a:ln>
+        </p:spPr>
+        <p:style>
+          <a:lnRef idx="2">
+            <a:schemeClr val="accent1">
+              <a:shade val="50000"/>
+            </a:schemeClr>
+          </a:lnRef>
+          <a:fillRef idx="1">
+            <a:schemeClr val="accent1"/>
+          </a:fillRef>
+          <a:effectRef idx="0">
+            <a:schemeClr val="accent1"/>
+          </a:effectRef>
+          <a:fontRef idx="minor">
+            <a:schemeClr val="lt1"/>
+          </a:fontRef>
+        </p:style>
+        <p:txBody>
+          <a:bodyPr rtlCol="0" anchor="ctr"/>
+          <a:lstStyle/>
+          <a:p>
+            <a:pPr algn="ctr"/>
+            <a:r>
+              <a:rPr lang="en-US" sz="800" dirty="0">
+                <a:solidFill>
+                  <a:schemeClr val="tx1"/>
+                </a:solidFill>
+                <a:latin typeface="Poppins" panose="00000500000000000000" pitchFamily="2" charset="0"/>
+                <a:cs typeface="Poppins" panose="00000500000000000000" pitchFamily="2" charset="0"/>
+              </a:rPr>
+              <a:t>Initial Array</a:t>
+            </a:r>
+          </a:p>
+        </p:txBody>
+      </p:sp>
+      <p:sp>
+        <p:nvSpPr>
+          <p:cNvPr id="54" name="Rectangle 53">
+            <a:extLst>
+              <a:ext uri="{FF2B5EF4-FFF2-40B4-BE49-F238E27FC236}">
+                <a16:creationId xmlns:a16="http://schemas.microsoft.com/office/drawing/2014/main" id="{190B686F-F5DE-4DA3-B778-7E9BB1CC16F4}"/>
+              </a:ext>
+            </a:extLst>
+          </p:cNvPr>
+          <p:cNvSpPr/>
+          <p:nvPr/>
+        </p:nvSpPr>
+        <p:spPr>
+          <a:xfrm>
+            <a:off x="3446565" y="817117"/>
+            <a:ext cx="2062826" cy="625151"/>
+          </a:xfrm>
+          <a:prstGeom prst="rect">
+            <a:avLst/>
+          </a:prstGeom>
+          <a:noFill/>
+          <a:ln>
+            <a:solidFill>
+              <a:schemeClr val="bg1"/>
+            </a:solidFill>
+          </a:ln>
+        </p:spPr>
+        <p:style>
+          <a:lnRef idx="2">
+            <a:schemeClr val="accent1">
+              <a:shade val="50000"/>
+            </a:schemeClr>
+          </a:lnRef>
+          <a:fillRef idx="1">
+            <a:schemeClr val="accent1"/>
+          </a:fillRef>
+          <a:effectRef idx="0">
+            <a:schemeClr val="accent1"/>
+          </a:effectRef>
+          <a:fontRef idx="minor">
+            <a:schemeClr val="lt1"/>
+          </a:fontRef>
+        </p:style>
+        <p:txBody>
+          <a:bodyPr rtlCol="0" anchor="ctr"/>
+          <a:lstStyle/>
+          <a:p>
+            <a:pPr algn="ctr"/>
+            <a:r>
+              <a:rPr lang="en-US" sz="800" dirty="0" err="1">
+                <a:solidFill>
+                  <a:schemeClr val="tx1"/>
+                </a:solidFill>
+                <a:latin typeface="Poppins" panose="00000500000000000000" pitchFamily="2" charset="0"/>
+                <a:cs typeface="Poppins" panose="00000500000000000000" pitchFamily="2" charset="0"/>
+              </a:rPr>
+              <a:t>Variabel</a:t>
+            </a:r>
+            <a:r>
+              <a:rPr lang="en-US" sz="800" dirty="0">
+                <a:solidFill>
+                  <a:schemeClr val="tx1"/>
+                </a:solidFill>
+                <a:latin typeface="Poppins" panose="00000500000000000000" pitchFamily="2" charset="0"/>
+                <a:cs typeface="Poppins" panose="00000500000000000000" pitchFamily="2" charset="0"/>
+              </a:rPr>
+              <a:t> total </a:t>
+            </a:r>
+            <a:r>
+              <a:rPr lang="en-US" sz="800" dirty="0" err="1">
+                <a:solidFill>
+                  <a:schemeClr val="tx1"/>
+                </a:solidFill>
+                <a:latin typeface="Poppins" panose="00000500000000000000" pitchFamily="2" charset="0"/>
+                <a:cs typeface="Poppins" panose="00000500000000000000" pitchFamily="2" charset="0"/>
+              </a:rPr>
+              <a:t>untuk</a:t>
+            </a:r>
+            <a:r>
+              <a:rPr lang="en-US" sz="800" dirty="0">
+                <a:solidFill>
+                  <a:schemeClr val="tx1"/>
+                </a:solidFill>
+                <a:latin typeface="Poppins" panose="00000500000000000000" pitchFamily="2" charset="0"/>
+                <a:cs typeface="Poppins" panose="00000500000000000000" pitchFamily="2" charset="0"/>
+              </a:rPr>
+              <a:t> </a:t>
+            </a:r>
+            <a:r>
+              <a:rPr lang="en-US" sz="800" dirty="0" err="1">
+                <a:solidFill>
+                  <a:schemeClr val="tx1"/>
+                </a:solidFill>
+                <a:latin typeface="Poppins" panose="00000500000000000000" pitchFamily="2" charset="0"/>
+                <a:cs typeface="Poppins" panose="00000500000000000000" pitchFamily="2" charset="0"/>
+              </a:rPr>
+              <a:t>menjumlahkan</a:t>
+            </a:r>
+            <a:r>
+              <a:rPr lang="en-US" sz="800" dirty="0">
+                <a:solidFill>
+                  <a:schemeClr val="tx1"/>
+                </a:solidFill>
+                <a:latin typeface="Poppins" panose="00000500000000000000" pitchFamily="2" charset="0"/>
+                <a:cs typeface="Poppins" panose="00000500000000000000" pitchFamily="2" charset="0"/>
+              </a:rPr>
+              <a:t> </a:t>
+            </a:r>
+            <a:r>
+              <a:rPr lang="en-US" sz="800" dirty="0" err="1">
+                <a:solidFill>
+                  <a:schemeClr val="tx1"/>
+                </a:solidFill>
+                <a:latin typeface="Poppins" panose="00000500000000000000" pitchFamily="2" charset="0"/>
+                <a:cs typeface="Poppins" panose="00000500000000000000" pitchFamily="2" charset="0"/>
+              </a:rPr>
+              <a:t>perangka</a:t>
+            </a:r>
+            <a:r>
+              <a:rPr lang="en-US" sz="800" dirty="0">
+                <a:solidFill>
+                  <a:schemeClr val="tx1"/>
+                </a:solidFill>
+                <a:latin typeface="Poppins" panose="00000500000000000000" pitchFamily="2" charset="0"/>
+                <a:cs typeface="Poppins" panose="00000500000000000000" pitchFamily="2" charset="0"/>
+              </a:rPr>
+              <a:t> </a:t>
+            </a:r>
+            <a:r>
+              <a:rPr lang="en-US" sz="800" dirty="0" err="1">
+                <a:solidFill>
+                  <a:schemeClr val="tx1"/>
+                </a:solidFill>
+                <a:latin typeface="Poppins" panose="00000500000000000000" pitchFamily="2" charset="0"/>
+                <a:cs typeface="Poppins" panose="00000500000000000000" pitchFamily="2" charset="0"/>
+              </a:rPr>
+              <a:t>didalam</a:t>
+            </a:r>
+            <a:r>
+              <a:rPr lang="en-US" sz="800" dirty="0">
+                <a:solidFill>
+                  <a:schemeClr val="tx1"/>
+                </a:solidFill>
+                <a:latin typeface="Poppins" panose="00000500000000000000" pitchFamily="2" charset="0"/>
+                <a:cs typeface="Poppins" panose="00000500000000000000" pitchFamily="2" charset="0"/>
+              </a:rPr>
+              <a:t> array</a:t>
+            </a:r>
+          </a:p>
+        </p:txBody>
+      </p:sp>
+      <p:sp>
+        <p:nvSpPr>
+          <p:cNvPr id="2" name="Rectangle 1">
+            <a:extLst>
+              <a:ext uri="{FF2B5EF4-FFF2-40B4-BE49-F238E27FC236}">
+                <a16:creationId xmlns:a16="http://schemas.microsoft.com/office/drawing/2014/main" id="{A72FBFE3-C25E-4C1D-867B-1F3CBAB490D7}"/>
+              </a:ext>
+            </a:extLst>
+          </p:cNvPr>
+          <p:cNvSpPr/>
+          <p:nvPr/>
+        </p:nvSpPr>
+        <p:spPr>
+          <a:xfrm>
+            <a:off x="4792438" y="87687"/>
+            <a:ext cx="2062826" cy="625151"/>
+          </a:xfrm>
+          <a:prstGeom prst="rect">
+            <a:avLst/>
+          </a:prstGeom>
+          <a:noFill/>
+          <a:ln>
+            <a:solidFill>
+              <a:schemeClr val="bg1"/>
+            </a:solidFill>
+          </a:ln>
+        </p:spPr>
+        <p:style>
+          <a:lnRef idx="2">
+            <a:schemeClr val="accent1">
+              <a:shade val="50000"/>
+            </a:schemeClr>
+          </a:lnRef>
+          <a:fillRef idx="1">
+            <a:schemeClr val="accent1"/>
+          </a:fillRef>
+          <a:effectRef idx="0">
+            <a:schemeClr val="accent1"/>
+          </a:effectRef>
+          <a:fontRef idx="minor">
+            <a:schemeClr val="lt1"/>
+          </a:fontRef>
+        </p:style>
+        <p:txBody>
+          <a:bodyPr rtlCol="0" anchor="ctr"/>
+          <a:lstStyle/>
+          <a:p>
+            <a:pPr algn="ctr"/>
+            <a:r>
+              <a:rPr lang="en-US" sz="1000" dirty="0">
+                <a:solidFill>
+                  <a:schemeClr val="tx1"/>
+                </a:solidFill>
+                <a:latin typeface="Poppins" panose="00000500000000000000" pitchFamily="2" charset="0"/>
+                <a:cs typeface="Poppins" panose="00000500000000000000" pitchFamily="2" charset="0"/>
+              </a:rPr>
+              <a:t>reduce</a:t>
+            </a:r>
+          </a:p>
+        </p:txBody>
+      </p:sp>
+      <p:sp>
+        <p:nvSpPr>
+          <p:cNvPr id="3" name="Rectangle 2">
+            <a:extLst>
+              <a:ext uri="{FF2B5EF4-FFF2-40B4-BE49-F238E27FC236}">
+                <a16:creationId xmlns:a16="http://schemas.microsoft.com/office/drawing/2014/main" id="{BE21C072-1A94-46CA-840B-392FCC69D451}"/>
+              </a:ext>
+            </a:extLst>
+          </p:cNvPr>
+          <p:cNvSpPr/>
+          <p:nvPr/>
+        </p:nvSpPr>
+        <p:spPr>
+          <a:xfrm>
+            <a:off x="6590471" y="542277"/>
+            <a:ext cx="276225" cy="341124"/>
+          </a:xfrm>
+          <a:prstGeom prst="rect">
+            <a:avLst/>
+          </a:prstGeom>
+          <a:noFill/>
+          <a:ln>
+            <a:solidFill>
+              <a:schemeClr val="tx1"/>
+            </a:solidFill>
+          </a:ln>
+        </p:spPr>
+        <p:style>
+          <a:lnRef idx="2">
+            <a:schemeClr val="accent1">
+              <a:shade val="50000"/>
+            </a:schemeClr>
+          </a:lnRef>
+          <a:fillRef idx="1">
+            <a:schemeClr val="accent1"/>
+          </a:fillRef>
+          <a:effectRef idx="0">
+            <a:schemeClr val="accent1"/>
+          </a:effectRef>
+          <a:fontRef idx="minor">
+            <a:schemeClr val="lt1"/>
+          </a:fontRef>
+        </p:style>
+        <p:txBody>
+          <a:bodyPr rtlCol="0" anchor="ctr"/>
+          <a:lstStyle/>
+          <a:p>
+            <a:pPr algn="ctr"/>
+            <a:r>
+              <a:rPr lang="en-US" sz="1000" dirty="0">
+                <a:solidFill>
+                  <a:schemeClr val="tx1"/>
+                </a:solidFill>
+                <a:latin typeface="Poppins" panose="00000500000000000000" pitchFamily="2" charset="0"/>
+                <a:cs typeface="Poppins" panose="00000500000000000000" pitchFamily="2" charset="0"/>
+              </a:rPr>
+              <a:t>1</a:t>
+            </a:r>
+          </a:p>
+        </p:txBody>
+      </p:sp>
+      <p:sp>
+        <p:nvSpPr>
+          <p:cNvPr id="4" name="Rectangle 3">
+            <a:extLst>
+              <a:ext uri="{FF2B5EF4-FFF2-40B4-BE49-F238E27FC236}">
+                <a16:creationId xmlns:a16="http://schemas.microsoft.com/office/drawing/2014/main" id="{7DDD78FC-A174-4838-A654-C19F54249B07}"/>
+              </a:ext>
+            </a:extLst>
+          </p:cNvPr>
+          <p:cNvSpPr/>
+          <p:nvPr/>
+        </p:nvSpPr>
+        <p:spPr>
+          <a:xfrm>
+            <a:off x="6866696" y="542276"/>
+            <a:ext cx="276225" cy="341124"/>
+          </a:xfrm>
+          <a:prstGeom prst="rect">
+            <a:avLst/>
+          </a:prstGeom>
+          <a:noFill/>
+          <a:ln>
+            <a:solidFill>
+              <a:schemeClr val="tx1"/>
+            </a:solidFill>
+          </a:ln>
+        </p:spPr>
+        <p:style>
+          <a:lnRef idx="2">
+            <a:schemeClr val="accent1">
+              <a:shade val="50000"/>
+            </a:schemeClr>
+          </a:lnRef>
+          <a:fillRef idx="1">
+            <a:schemeClr val="accent1"/>
+          </a:fillRef>
+          <a:effectRef idx="0">
+            <a:schemeClr val="accent1"/>
+          </a:effectRef>
+          <a:fontRef idx="minor">
+            <a:schemeClr val="lt1"/>
+          </a:fontRef>
+        </p:style>
+        <p:txBody>
+          <a:bodyPr rtlCol="0" anchor="ctr"/>
+          <a:lstStyle/>
+          <a:p>
+            <a:pPr algn="ctr"/>
+            <a:r>
+              <a:rPr lang="en-US" sz="1000" dirty="0">
+                <a:solidFill>
+                  <a:schemeClr val="tx1"/>
+                </a:solidFill>
+                <a:latin typeface="Poppins" panose="00000500000000000000" pitchFamily="2" charset="0"/>
+                <a:cs typeface="Poppins" panose="00000500000000000000" pitchFamily="2" charset="0"/>
+              </a:rPr>
+              <a:t>2</a:t>
+            </a:r>
+          </a:p>
+        </p:txBody>
+      </p:sp>
+      <p:sp>
+        <p:nvSpPr>
+          <p:cNvPr id="5" name="Rectangle 4">
+            <a:extLst>
+              <a:ext uri="{FF2B5EF4-FFF2-40B4-BE49-F238E27FC236}">
+                <a16:creationId xmlns:a16="http://schemas.microsoft.com/office/drawing/2014/main" id="{DD091E63-04A6-4681-8EF1-5F5BBAA1141C}"/>
+              </a:ext>
+            </a:extLst>
+          </p:cNvPr>
+          <p:cNvSpPr/>
+          <p:nvPr/>
+        </p:nvSpPr>
+        <p:spPr>
+          <a:xfrm>
+            <a:off x="7141016" y="542276"/>
+            <a:ext cx="276225" cy="341124"/>
+          </a:xfrm>
+          <a:prstGeom prst="rect">
+            <a:avLst/>
+          </a:prstGeom>
+          <a:noFill/>
+          <a:ln>
+            <a:solidFill>
+              <a:schemeClr val="tx1"/>
+            </a:solidFill>
+          </a:ln>
+        </p:spPr>
+        <p:style>
+          <a:lnRef idx="2">
+            <a:schemeClr val="accent1">
+              <a:shade val="50000"/>
+            </a:schemeClr>
+          </a:lnRef>
+          <a:fillRef idx="1">
+            <a:schemeClr val="accent1"/>
+          </a:fillRef>
+          <a:effectRef idx="0">
+            <a:schemeClr val="accent1"/>
+          </a:effectRef>
+          <a:fontRef idx="minor">
+            <a:schemeClr val="lt1"/>
+          </a:fontRef>
+        </p:style>
+        <p:txBody>
+          <a:bodyPr rtlCol="0" anchor="ctr"/>
+          <a:lstStyle/>
+          <a:p>
+            <a:pPr algn="ctr"/>
+            <a:r>
+              <a:rPr lang="en-US" sz="1000" dirty="0">
+                <a:solidFill>
+                  <a:schemeClr val="tx1"/>
+                </a:solidFill>
+                <a:latin typeface="Poppins" panose="00000500000000000000" pitchFamily="2" charset="0"/>
+                <a:cs typeface="Poppins" panose="00000500000000000000" pitchFamily="2" charset="0"/>
+              </a:rPr>
+              <a:t>3</a:t>
+            </a:r>
+          </a:p>
+        </p:txBody>
+      </p:sp>
+      <p:cxnSp>
+        <p:nvCxnSpPr>
+          <p:cNvPr id="8" name="Straight Connector 7">
+            <a:extLst>
+              <a:ext uri="{FF2B5EF4-FFF2-40B4-BE49-F238E27FC236}">
+                <a16:creationId xmlns:a16="http://schemas.microsoft.com/office/drawing/2014/main" id="{5806806F-7C90-4DAA-B1BB-C9058CC10CC7}"/>
+              </a:ext>
+            </a:extLst>
+          </p:cNvPr>
+          <p:cNvCxnSpPr>
+            <a:cxnSpLocks/>
+          </p:cNvCxnSpPr>
+          <p:nvPr/>
+        </p:nvCxnSpPr>
+        <p:spPr>
+          <a:xfrm>
+            <a:off x="7405809" y="711438"/>
+            <a:ext cx="525782" cy="1"/>
+          </a:xfrm>
+          <a:prstGeom prst="line">
+            <a:avLst/>
+          </a:prstGeom>
+        </p:spPr>
+        <p:style>
+          <a:lnRef idx="1">
+            <a:schemeClr val="accent1"/>
+          </a:lnRef>
+          <a:fillRef idx="0">
+            <a:schemeClr val="accent1"/>
+          </a:fillRef>
+          <a:effectRef idx="0">
+            <a:schemeClr val="accent1"/>
+          </a:effectRef>
+          <a:fontRef idx="minor">
+            <a:schemeClr val="tx1"/>
+          </a:fontRef>
+        </p:style>
+      </p:cxnSp>
+      <p:sp>
+        <p:nvSpPr>
+          <p:cNvPr id="9" name="Isosceles Triangle 8">
+            <a:extLst>
+              <a:ext uri="{FF2B5EF4-FFF2-40B4-BE49-F238E27FC236}">
+                <a16:creationId xmlns:a16="http://schemas.microsoft.com/office/drawing/2014/main" id="{EF4F2B45-0F78-4FD2-9FFD-24B04C81845D}"/>
+              </a:ext>
+            </a:extLst>
+          </p:cNvPr>
+          <p:cNvSpPr/>
+          <p:nvPr/>
+        </p:nvSpPr>
+        <p:spPr>
+          <a:xfrm rot="5400000">
+            <a:off x="7883272" y="689979"/>
+            <a:ext cx="59496" cy="45719"/>
+          </a:xfrm>
+          <a:prstGeom prst="triangle">
+            <a:avLst>
+              <a:gd name="adj" fmla="val 47561"/>
+            </a:avLst>
+          </a:prstGeom>
+        </p:spPr>
+        <p:style>
+          <a:lnRef idx="2">
+            <a:schemeClr val="accent1">
+              <a:shade val="50000"/>
+            </a:schemeClr>
+          </a:lnRef>
+          <a:fillRef idx="1">
+            <a:schemeClr val="accent1"/>
+          </a:fillRef>
+          <a:effectRef idx="0">
+            <a:schemeClr val="accent1"/>
+          </a:effectRef>
+          <a:fontRef idx="minor">
+            <a:schemeClr val="lt1"/>
+          </a:fontRef>
+        </p:style>
+        <p:txBody>
+          <a:bodyPr rtlCol="0" anchor="ctr"/>
+          <a:lstStyle/>
+          <a:p>
+            <a:pPr algn="ctr"/>
+            <a:endParaRPr lang="en-US"/>
+          </a:p>
+        </p:txBody>
+      </p:sp>
+      <p:sp>
+        <p:nvSpPr>
+          <p:cNvPr id="44" name="TextBox 43">
+            <a:extLst>
+              <a:ext uri="{FF2B5EF4-FFF2-40B4-BE49-F238E27FC236}">
+                <a16:creationId xmlns:a16="http://schemas.microsoft.com/office/drawing/2014/main" id="{7A2B15B7-6EC9-4066-81DA-D57F700094E4}"/>
+              </a:ext>
+            </a:extLst>
+          </p:cNvPr>
+          <p:cNvSpPr txBox="1"/>
+          <p:nvPr/>
+        </p:nvSpPr>
+        <p:spPr>
+          <a:xfrm>
+            <a:off x="7947776" y="557549"/>
+            <a:ext cx="298480" cy="307777"/>
+          </a:xfrm>
+          <a:prstGeom prst="rect">
+            <a:avLst/>
+          </a:prstGeom>
+          <a:noFill/>
+        </p:spPr>
+        <p:txBody>
+          <a:bodyPr wrap="none" rtlCol="0">
+            <a:spAutoFit/>
+          </a:bodyPr>
+          <a:lstStyle/>
+          <a:p>
+            <a:r>
+              <a:rPr lang="en-US" sz="1400" dirty="0">
+                <a:latin typeface="Poppins" panose="00000500000000000000" pitchFamily="2" charset="0"/>
+                <a:cs typeface="Poppins" panose="00000500000000000000" pitchFamily="2" charset="0"/>
+              </a:rPr>
+              <a:t>6</a:t>
+            </a:r>
+          </a:p>
+        </p:txBody>
+      </p:sp>
+      <p:pic>
+        <p:nvPicPr>
+          <p:cNvPr id="46" name="Picture 45">
+            <a:extLst>
+              <a:ext uri="{FF2B5EF4-FFF2-40B4-BE49-F238E27FC236}">
+                <a16:creationId xmlns:a16="http://schemas.microsoft.com/office/drawing/2014/main" id="{3628ED0F-5B94-4281-A92D-EAB6DDCD0009}"/>
+              </a:ext>
+            </a:extLst>
+          </p:cNvPr>
+          <p:cNvPicPr>
+            <a:picLocks noChangeAspect="1"/>
+          </p:cNvPicPr>
+          <p:nvPr/>
+        </p:nvPicPr>
+        <p:blipFill>
+          <a:blip r:embed="rId2">
+            <a:extLst>
+              <a:ext uri="{28A0092B-C50C-407E-A947-70E740481C1C}">
+                <a14:useLocalDpi xmlns:a14="http://schemas.microsoft.com/office/drawing/2010/main" val="0"/>
+              </a:ext>
+            </a:extLst>
+          </a:blip>
+          <a:stretch>
+            <a:fillRect/>
+          </a:stretch>
+        </p:blipFill>
+        <p:spPr>
+          <a:xfrm>
+            <a:off x="6362699" y="2900362"/>
+            <a:ext cx="5000625" cy="2486025"/>
+          </a:xfrm>
+          <a:prstGeom prst="rect">
+            <a:avLst/>
+          </a:prstGeom>
+        </p:spPr>
+      </p:pic>
+      <p:pic>
+        <p:nvPicPr>
+          <p:cNvPr id="48" name="Picture 47">
+            <a:extLst>
+              <a:ext uri="{FF2B5EF4-FFF2-40B4-BE49-F238E27FC236}">
+                <a16:creationId xmlns:a16="http://schemas.microsoft.com/office/drawing/2014/main" id="{C4B4A9F4-4B47-495A-A3CF-FAFB30E73418}"/>
+              </a:ext>
+            </a:extLst>
+          </p:cNvPr>
+          <p:cNvPicPr>
+            <a:picLocks noChangeAspect="1"/>
+          </p:cNvPicPr>
+          <p:nvPr/>
+        </p:nvPicPr>
+        <p:blipFill>
+          <a:blip r:embed="rId3">
+            <a:extLst>
+              <a:ext uri="{28A0092B-C50C-407E-A947-70E740481C1C}">
+                <a14:useLocalDpi xmlns:a14="http://schemas.microsoft.com/office/drawing/2010/main" val="0"/>
+              </a:ext>
+            </a:extLst>
+          </a:blip>
+          <a:stretch>
+            <a:fillRect/>
+          </a:stretch>
+        </p:blipFill>
+        <p:spPr>
+          <a:xfrm>
+            <a:off x="828675" y="1546548"/>
+            <a:ext cx="5000628" cy="2213163"/>
+          </a:xfrm>
+          <a:prstGeom prst="rect">
+            <a:avLst/>
+          </a:prstGeom>
+        </p:spPr>
+      </p:pic>
+      <p:sp>
+        <p:nvSpPr>
+          <p:cNvPr id="49" name="TextBox 48">
+            <a:extLst>
+              <a:ext uri="{FF2B5EF4-FFF2-40B4-BE49-F238E27FC236}">
+                <a16:creationId xmlns:a16="http://schemas.microsoft.com/office/drawing/2014/main" id="{FE5A7984-4E3B-4664-864F-A4C9BF1460FA}"/>
+              </a:ext>
+            </a:extLst>
+          </p:cNvPr>
+          <p:cNvSpPr txBox="1"/>
+          <p:nvPr/>
+        </p:nvSpPr>
+        <p:spPr>
+          <a:xfrm>
+            <a:off x="5896266" y="3298046"/>
+            <a:ext cx="399468" cy="461665"/>
+          </a:xfrm>
+          <a:prstGeom prst="rect">
+            <a:avLst/>
+          </a:prstGeom>
+          <a:noFill/>
+        </p:spPr>
+        <p:txBody>
+          <a:bodyPr wrap="none" rtlCol="0">
+            <a:spAutoFit/>
+          </a:bodyPr>
+          <a:lstStyle/>
+          <a:p>
+            <a:r>
+              <a:rPr lang="en-US" sz="2400" b="1" dirty="0">
+                <a:latin typeface="Poppins" panose="00000500000000000000" pitchFamily="2" charset="0"/>
+                <a:cs typeface="Poppins" panose="00000500000000000000" pitchFamily="2" charset="0"/>
+              </a:rPr>
+              <a:t>=</a:t>
+            </a:r>
+          </a:p>
+        </p:txBody>
+      </p:sp>
+      <p:cxnSp>
+        <p:nvCxnSpPr>
+          <p:cNvPr id="50" name="Straight Connector 49">
+            <a:extLst>
+              <a:ext uri="{FF2B5EF4-FFF2-40B4-BE49-F238E27FC236}">
+                <a16:creationId xmlns:a16="http://schemas.microsoft.com/office/drawing/2014/main" id="{D9B58FC9-CED6-4B7B-9B94-AB5FA41CF9B5}"/>
+              </a:ext>
+            </a:extLst>
+          </p:cNvPr>
+          <p:cNvCxnSpPr>
+            <a:cxnSpLocks/>
+          </p:cNvCxnSpPr>
+          <p:nvPr/>
+        </p:nvCxnSpPr>
+        <p:spPr>
+          <a:xfrm flipV="1">
+            <a:off x="2255376" y="883400"/>
+            <a:ext cx="941055" cy="629843"/>
+          </a:xfrm>
+          <a:prstGeom prst="line">
+            <a:avLst/>
+          </a:prstGeom>
+        </p:spPr>
+        <p:style>
+          <a:lnRef idx="1">
+            <a:schemeClr val="accent1"/>
+          </a:lnRef>
+          <a:fillRef idx="0">
+            <a:schemeClr val="accent1"/>
+          </a:fillRef>
+          <a:effectRef idx="0">
+            <a:schemeClr val="accent1"/>
+          </a:effectRef>
+          <a:fontRef idx="minor">
+            <a:schemeClr val="tx1"/>
+          </a:fontRef>
+        </p:style>
+      </p:cxnSp>
+      <p:cxnSp>
+        <p:nvCxnSpPr>
+          <p:cNvPr id="52" name="Straight Connector 51">
+            <a:extLst>
+              <a:ext uri="{FF2B5EF4-FFF2-40B4-BE49-F238E27FC236}">
+                <a16:creationId xmlns:a16="http://schemas.microsoft.com/office/drawing/2014/main" id="{29284345-A3F6-4C5A-AC60-41A17FC2C964}"/>
+              </a:ext>
+            </a:extLst>
+          </p:cNvPr>
+          <p:cNvCxnSpPr>
+            <a:cxnSpLocks/>
+          </p:cNvCxnSpPr>
+          <p:nvPr/>
+        </p:nvCxnSpPr>
+        <p:spPr>
+          <a:xfrm flipV="1">
+            <a:off x="2129499" y="1231626"/>
+            <a:ext cx="1623351" cy="629844"/>
+          </a:xfrm>
+          <a:prstGeom prst="line">
+            <a:avLst/>
+          </a:prstGeom>
+        </p:spPr>
+        <p:style>
+          <a:lnRef idx="1">
+            <a:schemeClr val="accent1"/>
+          </a:lnRef>
+          <a:fillRef idx="0">
+            <a:schemeClr val="accent1"/>
+          </a:fillRef>
+          <a:effectRef idx="0">
+            <a:schemeClr val="accent1"/>
+          </a:effectRef>
+          <a:fontRef idx="minor">
+            <a:schemeClr val="tx1"/>
+          </a:fontRef>
+        </p:style>
+      </p:cxnSp>
+      <p:cxnSp>
+        <p:nvCxnSpPr>
+          <p:cNvPr id="55" name="Straight Connector 54">
+            <a:extLst>
+              <a:ext uri="{FF2B5EF4-FFF2-40B4-BE49-F238E27FC236}">
+                <a16:creationId xmlns:a16="http://schemas.microsoft.com/office/drawing/2014/main" id="{7A7B5B93-A170-44A1-A4E6-27D9C2EFA7E1}"/>
+              </a:ext>
+            </a:extLst>
+          </p:cNvPr>
+          <p:cNvCxnSpPr>
+            <a:cxnSpLocks/>
+          </p:cNvCxnSpPr>
+          <p:nvPr/>
+        </p:nvCxnSpPr>
+        <p:spPr>
+          <a:xfrm>
+            <a:off x="3007769" y="2318832"/>
+            <a:ext cx="438796" cy="2043618"/>
+          </a:xfrm>
+          <a:prstGeom prst="line">
+            <a:avLst/>
+          </a:prstGeom>
+        </p:spPr>
+        <p:style>
+          <a:lnRef idx="1">
+            <a:schemeClr val="accent1"/>
+          </a:lnRef>
+          <a:fillRef idx="0">
+            <a:schemeClr val="accent1"/>
+          </a:fillRef>
+          <a:effectRef idx="0">
+            <a:schemeClr val="accent1"/>
+          </a:effectRef>
+          <a:fontRef idx="minor">
+            <a:schemeClr val="tx1"/>
+          </a:fontRef>
+        </p:style>
+      </p:cxnSp>
+      <p:sp>
+        <p:nvSpPr>
+          <p:cNvPr id="57" name="Rectangle 56">
+            <a:extLst>
+              <a:ext uri="{FF2B5EF4-FFF2-40B4-BE49-F238E27FC236}">
+                <a16:creationId xmlns:a16="http://schemas.microsoft.com/office/drawing/2014/main" id="{96E0FB70-1A0C-4DAD-8301-1F68C7BCA204}"/>
+              </a:ext>
+            </a:extLst>
+          </p:cNvPr>
+          <p:cNvSpPr/>
+          <p:nvPr/>
+        </p:nvSpPr>
+        <p:spPr>
+          <a:xfrm>
+            <a:off x="2636940" y="4235977"/>
+            <a:ext cx="2062826" cy="625151"/>
+          </a:xfrm>
+          <a:prstGeom prst="rect">
+            <a:avLst/>
+          </a:prstGeom>
+          <a:noFill/>
+          <a:ln>
+            <a:solidFill>
+              <a:schemeClr val="bg1"/>
+            </a:solidFill>
+          </a:ln>
+        </p:spPr>
+        <p:style>
+          <a:lnRef idx="2">
+            <a:schemeClr val="accent1">
+              <a:shade val="50000"/>
+            </a:schemeClr>
+          </a:lnRef>
+          <a:fillRef idx="1">
+            <a:schemeClr val="accent1"/>
+          </a:fillRef>
+          <a:effectRef idx="0">
+            <a:schemeClr val="accent1"/>
+          </a:effectRef>
+          <a:fontRef idx="minor">
+            <a:schemeClr val="lt1"/>
+          </a:fontRef>
+        </p:style>
+        <p:txBody>
+          <a:bodyPr rtlCol="0" anchor="ctr"/>
+          <a:lstStyle/>
+          <a:p>
+            <a:pPr algn="ctr"/>
+            <a:r>
+              <a:rPr lang="en-US" sz="800" dirty="0" err="1">
+                <a:solidFill>
+                  <a:schemeClr val="tx1"/>
+                </a:solidFill>
+                <a:latin typeface="Poppins" panose="00000500000000000000" pitchFamily="2" charset="0"/>
+                <a:cs typeface="Poppins" panose="00000500000000000000" pitchFamily="2" charset="0"/>
+              </a:rPr>
+              <a:t>Iterasi</a:t>
+            </a:r>
+            <a:r>
+              <a:rPr lang="en-US" sz="800" dirty="0">
+                <a:solidFill>
+                  <a:schemeClr val="tx1"/>
+                </a:solidFill>
+                <a:latin typeface="Poppins" panose="00000500000000000000" pitchFamily="2" charset="0"/>
+                <a:cs typeface="Poppins" panose="00000500000000000000" pitchFamily="2" charset="0"/>
+              </a:rPr>
+              <a:t> </a:t>
+            </a:r>
+            <a:r>
+              <a:rPr lang="en-US" sz="800" dirty="0" err="1">
+                <a:solidFill>
+                  <a:schemeClr val="tx1"/>
+                </a:solidFill>
+                <a:latin typeface="Poppins" panose="00000500000000000000" pitchFamily="2" charset="0"/>
+                <a:cs typeface="Poppins" panose="00000500000000000000" pitchFamily="2" charset="0"/>
+              </a:rPr>
+              <a:t>tiap</a:t>
+            </a:r>
+            <a:r>
+              <a:rPr lang="en-US" sz="800" dirty="0">
+                <a:solidFill>
+                  <a:schemeClr val="tx1"/>
+                </a:solidFill>
+                <a:latin typeface="Poppins" panose="00000500000000000000" pitchFamily="2" charset="0"/>
+                <a:cs typeface="Poppins" panose="00000500000000000000" pitchFamily="2" charset="0"/>
+              </a:rPr>
+              <a:t> </a:t>
+            </a:r>
+            <a:r>
+              <a:rPr lang="en-US" sz="800" dirty="0" err="1">
+                <a:solidFill>
+                  <a:schemeClr val="tx1"/>
+                </a:solidFill>
+                <a:latin typeface="Poppins" panose="00000500000000000000" pitchFamily="2" charset="0"/>
+                <a:cs typeface="Poppins" panose="00000500000000000000" pitchFamily="2" charset="0"/>
+              </a:rPr>
+              <a:t>angka</a:t>
+            </a:r>
+            <a:r>
+              <a:rPr lang="en-US" sz="800" dirty="0">
+                <a:solidFill>
+                  <a:schemeClr val="tx1"/>
+                </a:solidFill>
+                <a:latin typeface="Poppins" panose="00000500000000000000" pitchFamily="2" charset="0"/>
+                <a:cs typeface="Poppins" panose="00000500000000000000" pitchFamily="2" charset="0"/>
+              </a:rPr>
+              <a:t> dan </a:t>
+            </a:r>
+            <a:r>
+              <a:rPr lang="en-US" sz="800" dirty="0" err="1">
+                <a:solidFill>
+                  <a:schemeClr val="tx1"/>
+                </a:solidFill>
+                <a:latin typeface="Poppins" panose="00000500000000000000" pitchFamily="2" charset="0"/>
+                <a:cs typeface="Poppins" panose="00000500000000000000" pitchFamily="2" charset="0"/>
+              </a:rPr>
+              <a:t>jumlahkan</a:t>
+            </a:r>
+            <a:r>
+              <a:rPr lang="en-US" sz="800" dirty="0">
+                <a:solidFill>
+                  <a:schemeClr val="tx1"/>
+                </a:solidFill>
+                <a:latin typeface="Poppins" panose="00000500000000000000" pitchFamily="2" charset="0"/>
+                <a:cs typeface="Poppins" panose="00000500000000000000" pitchFamily="2" charset="0"/>
+              </a:rPr>
+              <a:t> </a:t>
+            </a:r>
+            <a:r>
+              <a:rPr lang="en-US" sz="800" dirty="0" err="1">
+                <a:solidFill>
+                  <a:schemeClr val="tx1"/>
+                </a:solidFill>
+                <a:latin typeface="Poppins" panose="00000500000000000000" pitchFamily="2" charset="0"/>
+                <a:cs typeface="Poppins" panose="00000500000000000000" pitchFamily="2" charset="0"/>
+              </a:rPr>
+              <a:t>seluruhnya</a:t>
+            </a:r>
+            <a:endParaRPr lang="en-US" sz="800" dirty="0">
+              <a:solidFill>
+                <a:schemeClr val="tx1"/>
+              </a:solidFill>
+              <a:latin typeface="Poppins" panose="00000500000000000000" pitchFamily="2" charset="0"/>
+              <a:cs typeface="Poppins" panose="00000500000000000000" pitchFamily="2" charset="0"/>
+            </a:endParaRPr>
+          </a:p>
+        </p:txBody>
+      </p:sp>
+      <p:sp>
+        <p:nvSpPr>
+          <p:cNvPr id="58" name="Rectangle 57">
+            <a:extLst>
+              <a:ext uri="{FF2B5EF4-FFF2-40B4-BE49-F238E27FC236}">
+                <a16:creationId xmlns:a16="http://schemas.microsoft.com/office/drawing/2014/main" id="{B83AD5F4-6E3F-4183-860F-264864855990}"/>
+              </a:ext>
+            </a:extLst>
+          </p:cNvPr>
+          <p:cNvSpPr/>
+          <p:nvPr/>
+        </p:nvSpPr>
+        <p:spPr>
+          <a:xfrm>
+            <a:off x="9537415" y="2162752"/>
+            <a:ext cx="2062826" cy="625151"/>
+          </a:xfrm>
+          <a:prstGeom prst="rect">
+            <a:avLst/>
+          </a:prstGeom>
+          <a:noFill/>
+          <a:ln>
+            <a:solidFill>
+              <a:schemeClr val="bg1"/>
+            </a:solidFill>
+          </a:ln>
+        </p:spPr>
+        <p:style>
+          <a:lnRef idx="2">
+            <a:schemeClr val="accent1">
+              <a:shade val="50000"/>
+            </a:schemeClr>
+          </a:lnRef>
+          <a:fillRef idx="1">
+            <a:schemeClr val="accent1"/>
+          </a:fillRef>
+          <a:effectRef idx="0">
+            <a:schemeClr val="accent1"/>
+          </a:effectRef>
+          <a:fontRef idx="minor">
+            <a:schemeClr val="lt1"/>
+          </a:fontRef>
+        </p:style>
+        <p:txBody>
+          <a:bodyPr rtlCol="0" anchor="ctr"/>
+          <a:lstStyle/>
+          <a:p>
+            <a:pPr algn="ctr"/>
+            <a:r>
+              <a:rPr lang="en-US" sz="800" dirty="0">
+                <a:solidFill>
+                  <a:schemeClr val="tx1"/>
+                </a:solidFill>
+                <a:latin typeface="Poppins" panose="00000500000000000000" pitchFamily="2" charset="0"/>
+                <a:cs typeface="Poppins" panose="00000500000000000000" pitchFamily="2" charset="0"/>
+              </a:rPr>
+              <a:t>Callback </a:t>
+            </a:r>
+            <a:r>
+              <a:rPr lang="en-US" sz="800" dirty="0" err="1">
+                <a:solidFill>
+                  <a:schemeClr val="tx1"/>
+                </a:solidFill>
+                <a:latin typeface="Poppins" panose="00000500000000000000" pitchFamily="2" charset="0"/>
+                <a:cs typeface="Poppins" panose="00000500000000000000" pitchFamily="2" charset="0"/>
+              </a:rPr>
+              <a:t>dengan</a:t>
+            </a:r>
+            <a:r>
+              <a:rPr lang="en-US" sz="800" dirty="0">
+                <a:solidFill>
+                  <a:schemeClr val="tx1"/>
+                </a:solidFill>
+                <a:latin typeface="Poppins" panose="00000500000000000000" pitchFamily="2" charset="0"/>
+                <a:cs typeface="Poppins" panose="00000500000000000000" pitchFamily="2" charset="0"/>
+              </a:rPr>
+              <a:t> arrow function</a:t>
+            </a:r>
+          </a:p>
+        </p:txBody>
+      </p:sp>
+      <p:cxnSp>
+        <p:nvCxnSpPr>
+          <p:cNvPr id="59" name="Straight Connector 58">
+            <a:extLst>
+              <a:ext uri="{FF2B5EF4-FFF2-40B4-BE49-F238E27FC236}">
+                <a16:creationId xmlns:a16="http://schemas.microsoft.com/office/drawing/2014/main" id="{7D83460A-C940-40EC-817B-A2FA9E4655FB}"/>
+              </a:ext>
+            </a:extLst>
+          </p:cNvPr>
+          <p:cNvCxnSpPr>
+            <a:cxnSpLocks/>
+          </p:cNvCxnSpPr>
+          <p:nvPr/>
+        </p:nvCxnSpPr>
+        <p:spPr>
+          <a:xfrm flipV="1">
+            <a:off x="9490596" y="2683763"/>
+            <a:ext cx="800073" cy="614283"/>
+          </a:xfrm>
+          <a:prstGeom prst="line">
+            <a:avLst/>
+          </a:prstGeom>
+        </p:spPr>
+        <p:style>
+          <a:lnRef idx="1">
+            <a:schemeClr val="accent1"/>
+          </a:lnRef>
+          <a:fillRef idx="0">
+            <a:schemeClr val="accent1"/>
+          </a:fillRef>
+          <a:effectRef idx="0">
+            <a:schemeClr val="accent1"/>
+          </a:effectRef>
+          <a:fontRef idx="minor">
+            <a:schemeClr val="tx1"/>
+          </a:fontRef>
+        </p:style>
+      </p:cxnSp>
+      <p:cxnSp>
+        <p:nvCxnSpPr>
+          <p:cNvPr id="60" name="Straight Connector 59">
+            <a:extLst>
+              <a:ext uri="{FF2B5EF4-FFF2-40B4-BE49-F238E27FC236}">
+                <a16:creationId xmlns:a16="http://schemas.microsoft.com/office/drawing/2014/main" id="{614E42BB-6EB2-4DD1-9B32-32A7011E57C0}"/>
+              </a:ext>
+            </a:extLst>
+          </p:cNvPr>
+          <p:cNvCxnSpPr>
+            <a:cxnSpLocks/>
+            <a:stCxn id="63" idx="3"/>
+            <a:endCxn id="67" idx="1"/>
+          </p:cNvCxnSpPr>
+          <p:nvPr/>
+        </p:nvCxnSpPr>
+        <p:spPr>
+          <a:xfrm>
+            <a:off x="9381031" y="1356226"/>
+            <a:ext cx="136207" cy="0"/>
+          </a:xfrm>
+          <a:prstGeom prst="line">
+            <a:avLst/>
+          </a:prstGeom>
+        </p:spPr>
+        <p:style>
+          <a:lnRef idx="1">
+            <a:schemeClr val="accent1"/>
+          </a:lnRef>
+          <a:fillRef idx="0">
+            <a:schemeClr val="accent1"/>
+          </a:fillRef>
+          <a:effectRef idx="0">
+            <a:schemeClr val="accent1"/>
+          </a:effectRef>
+          <a:fontRef idx="minor">
+            <a:schemeClr val="tx1"/>
+          </a:fontRef>
+        </p:style>
+      </p:cxnSp>
+      <p:sp>
+        <p:nvSpPr>
+          <p:cNvPr id="61" name="Rectangle 60">
+            <a:extLst>
+              <a:ext uri="{FF2B5EF4-FFF2-40B4-BE49-F238E27FC236}">
+                <a16:creationId xmlns:a16="http://schemas.microsoft.com/office/drawing/2014/main" id="{A5F6F348-A03D-4551-804C-49E6BB04B156}"/>
+              </a:ext>
+            </a:extLst>
+          </p:cNvPr>
+          <p:cNvSpPr/>
+          <p:nvPr/>
+        </p:nvSpPr>
+        <p:spPr>
+          <a:xfrm>
+            <a:off x="8554261" y="1185665"/>
+            <a:ext cx="276225" cy="341124"/>
+          </a:xfrm>
+          <a:prstGeom prst="rect">
+            <a:avLst/>
+          </a:prstGeom>
+          <a:noFill/>
+          <a:ln>
+            <a:solidFill>
+              <a:schemeClr val="tx1"/>
+            </a:solidFill>
+          </a:ln>
+        </p:spPr>
+        <p:style>
+          <a:lnRef idx="2">
+            <a:schemeClr val="accent1">
+              <a:shade val="50000"/>
+            </a:schemeClr>
+          </a:lnRef>
+          <a:fillRef idx="1">
+            <a:schemeClr val="accent1"/>
+          </a:fillRef>
+          <a:effectRef idx="0">
+            <a:schemeClr val="accent1"/>
+          </a:effectRef>
+          <a:fontRef idx="minor">
+            <a:schemeClr val="lt1"/>
+          </a:fontRef>
+        </p:style>
+        <p:txBody>
+          <a:bodyPr rtlCol="0" anchor="ctr"/>
+          <a:lstStyle/>
+          <a:p>
+            <a:pPr algn="ctr"/>
+            <a:r>
+              <a:rPr lang="en-US" sz="1000" dirty="0">
+                <a:solidFill>
+                  <a:schemeClr val="tx1"/>
+                </a:solidFill>
+                <a:latin typeface="Poppins" panose="00000500000000000000" pitchFamily="2" charset="0"/>
+                <a:cs typeface="Poppins" panose="00000500000000000000" pitchFamily="2" charset="0"/>
+              </a:rPr>
+              <a:t>1</a:t>
+            </a:r>
+          </a:p>
+        </p:txBody>
+      </p:sp>
+      <p:sp>
+        <p:nvSpPr>
+          <p:cNvPr id="62" name="Rectangle 61">
+            <a:extLst>
+              <a:ext uri="{FF2B5EF4-FFF2-40B4-BE49-F238E27FC236}">
+                <a16:creationId xmlns:a16="http://schemas.microsoft.com/office/drawing/2014/main" id="{97E9C9DB-96E4-4029-8E51-BB99B83B223B}"/>
+              </a:ext>
+            </a:extLst>
+          </p:cNvPr>
+          <p:cNvSpPr/>
+          <p:nvPr/>
+        </p:nvSpPr>
+        <p:spPr>
+          <a:xfrm>
+            <a:off x="8830486" y="1185664"/>
+            <a:ext cx="276225" cy="341124"/>
+          </a:xfrm>
+          <a:prstGeom prst="rect">
+            <a:avLst/>
+          </a:prstGeom>
+          <a:noFill/>
+          <a:ln>
+            <a:solidFill>
+              <a:schemeClr val="tx1"/>
+            </a:solidFill>
+          </a:ln>
+        </p:spPr>
+        <p:style>
+          <a:lnRef idx="2">
+            <a:schemeClr val="accent1">
+              <a:shade val="50000"/>
+            </a:schemeClr>
+          </a:lnRef>
+          <a:fillRef idx="1">
+            <a:schemeClr val="accent1"/>
+          </a:fillRef>
+          <a:effectRef idx="0">
+            <a:schemeClr val="accent1"/>
+          </a:effectRef>
+          <a:fontRef idx="minor">
+            <a:schemeClr val="lt1"/>
+          </a:fontRef>
+        </p:style>
+        <p:txBody>
+          <a:bodyPr rtlCol="0" anchor="ctr"/>
+          <a:lstStyle/>
+          <a:p>
+            <a:pPr algn="ctr"/>
+            <a:r>
+              <a:rPr lang="en-US" sz="1000" dirty="0">
+                <a:solidFill>
+                  <a:schemeClr val="tx1"/>
+                </a:solidFill>
+                <a:latin typeface="Poppins" panose="00000500000000000000" pitchFamily="2" charset="0"/>
+                <a:cs typeface="Poppins" panose="00000500000000000000" pitchFamily="2" charset="0"/>
+              </a:rPr>
+              <a:t>2</a:t>
+            </a:r>
+          </a:p>
+        </p:txBody>
+      </p:sp>
+      <p:sp>
+        <p:nvSpPr>
+          <p:cNvPr id="63" name="Rectangle 62">
+            <a:extLst>
+              <a:ext uri="{FF2B5EF4-FFF2-40B4-BE49-F238E27FC236}">
+                <a16:creationId xmlns:a16="http://schemas.microsoft.com/office/drawing/2014/main" id="{9654A60D-DF0A-4E16-ABB2-A15C0748067B}"/>
+              </a:ext>
+            </a:extLst>
+          </p:cNvPr>
+          <p:cNvSpPr/>
+          <p:nvPr/>
+        </p:nvSpPr>
+        <p:spPr>
+          <a:xfrm>
+            <a:off x="9104806" y="1185664"/>
+            <a:ext cx="276225" cy="341124"/>
+          </a:xfrm>
+          <a:prstGeom prst="rect">
+            <a:avLst/>
+          </a:prstGeom>
+          <a:noFill/>
+          <a:ln>
+            <a:solidFill>
+              <a:schemeClr val="tx1"/>
+            </a:solidFill>
+          </a:ln>
+        </p:spPr>
+        <p:style>
+          <a:lnRef idx="2">
+            <a:schemeClr val="accent1">
+              <a:shade val="50000"/>
+            </a:schemeClr>
+          </a:lnRef>
+          <a:fillRef idx="1">
+            <a:schemeClr val="accent1"/>
+          </a:fillRef>
+          <a:effectRef idx="0">
+            <a:schemeClr val="accent1"/>
+          </a:effectRef>
+          <a:fontRef idx="minor">
+            <a:schemeClr val="lt1"/>
+          </a:fontRef>
+        </p:style>
+        <p:txBody>
+          <a:bodyPr rtlCol="0" anchor="ctr"/>
+          <a:lstStyle/>
+          <a:p>
+            <a:pPr algn="ctr"/>
+            <a:r>
+              <a:rPr lang="en-US" sz="1000" dirty="0">
+                <a:solidFill>
+                  <a:schemeClr val="tx1"/>
+                </a:solidFill>
+                <a:latin typeface="Poppins" panose="00000500000000000000" pitchFamily="2" charset="0"/>
+                <a:cs typeface="Poppins" panose="00000500000000000000" pitchFamily="2" charset="0"/>
+              </a:rPr>
+              <a:t>3</a:t>
+            </a:r>
+          </a:p>
+        </p:txBody>
+      </p:sp>
+      <p:sp>
+        <p:nvSpPr>
+          <p:cNvPr id="67" name="Rectangle 66">
+            <a:extLst>
+              <a:ext uri="{FF2B5EF4-FFF2-40B4-BE49-F238E27FC236}">
+                <a16:creationId xmlns:a16="http://schemas.microsoft.com/office/drawing/2014/main" id="{7AF37909-71B7-4964-A42B-AB8461596A57}"/>
+              </a:ext>
+            </a:extLst>
+          </p:cNvPr>
+          <p:cNvSpPr/>
+          <p:nvPr/>
+        </p:nvSpPr>
+        <p:spPr>
+          <a:xfrm>
+            <a:off x="9517238" y="1185664"/>
+            <a:ext cx="276225" cy="341124"/>
+          </a:xfrm>
+          <a:prstGeom prst="rect">
+            <a:avLst/>
+          </a:prstGeom>
+          <a:noFill/>
+          <a:ln>
+            <a:solidFill>
+              <a:schemeClr val="tx1"/>
+            </a:solidFill>
+          </a:ln>
+        </p:spPr>
+        <p:style>
+          <a:lnRef idx="2">
+            <a:schemeClr val="accent1">
+              <a:shade val="50000"/>
+            </a:schemeClr>
+          </a:lnRef>
+          <a:fillRef idx="1">
+            <a:schemeClr val="accent1"/>
+          </a:fillRef>
+          <a:effectRef idx="0">
+            <a:schemeClr val="accent1"/>
+          </a:effectRef>
+          <a:fontRef idx="minor">
+            <a:schemeClr val="lt1"/>
+          </a:fontRef>
+        </p:style>
+        <p:txBody>
+          <a:bodyPr rtlCol="0" anchor="ctr"/>
+          <a:lstStyle/>
+          <a:p>
+            <a:pPr algn="ctr"/>
+            <a:r>
+              <a:rPr lang="en-US" sz="1000" dirty="0">
+                <a:solidFill>
+                  <a:schemeClr val="tx1"/>
+                </a:solidFill>
+                <a:latin typeface="Poppins" panose="00000500000000000000" pitchFamily="2" charset="0"/>
+                <a:cs typeface="Poppins" panose="00000500000000000000" pitchFamily="2" charset="0"/>
+              </a:rPr>
+              <a:t>3</a:t>
+            </a:r>
+          </a:p>
+        </p:txBody>
+      </p:sp>
+      <p:sp>
+        <p:nvSpPr>
+          <p:cNvPr id="68" name="Rectangle 67">
+            <a:extLst>
+              <a:ext uri="{FF2B5EF4-FFF2-40B4-BE49-F238E27FC236}">
+                <a16:creationId xmlns:a16="http://schemas.microsoft.com/office/drawing/2014/main" id="{FF48E7E4-999D-4AD8-A9FC-71A858E848C5}"/>
+              </a:ext>
+            </a:extLst>
+          </p:cNvPr>
+          <p:cNvSpPr/>
+          <p:nvPr/>
+        </p:nvSpPr>
+        <p:spPr>
+          <a:xfrm>
+            <a:off x="9793463" y="1185663"/>
+            <a:ext cx="276225" cy="341124"/>
+          </a:xfrm>
+          <a:prstGeom prst="rect">
+            <a:avLst/>
+          </a:prstGeom>
+          <a:noFill/>
+          <a:ln>
+            <a:solidFill>
+              <a:schemeClr val="tx1"/>
+            </a:solidFill>
+          </a:ln>
+        </p:spPr>
+        <p:style>
+          <a:lnRef idx="2">
+            <a:schemeClr val="accent1">
+              <a:shade val="50000"/>
+            </a:schemeClr>
+          </a:lnRef>
+          <a:fillRef idx="1">
+            <a:schemeClr val="accent1"/>
+          </a:fillRef>
+          <a:effectRef idx="0">
+            <a:schemeClr val="accent1"/>
+          </a:effectRef>
+          <a:fontRef idx="minor">
+            <a:schemeClr val="lt1"/>
+          </a:fontRef>
+        </p:style>
+        <p:txBody>
+          <a:bodyPr rtlCol="0" anchor="ctr"/>
+          <a:lstStyle/>
+          <a:p>
+            <a:pPr algn="ctr"/>
+            <a:r>
+              <a:rPr lang="en-US" sz="1000" dirty="0">
+                <a:solidFill>
+                  <a:schemeClr val="tx1"/>
+                </a:solidFill>
+                <a:latin typeface="Poppins" panose="00000500000000000000" pitchFamily="2" charset="0"/>
+                <a:cs typeface="Poppins" panose="00000500000000000000" pitchFamily="2" charset="0"/>
+              </a:rPr>
+              <a:t>3</a:t>
+            </a:r>
+          </a:p>
+        </p:txBody>
+      </p:sp>
+      <p:cxnSp>
+        <p:nvCxnSpPr>
+          <p:cNvPr id="73" name="Straight Connector 72">
+            <a:extLst>
+              <a:ext uri="{FF2B5EF4-FFF2-40B4-BE49-F238E27FC236}">
+                <a16:creationId xmlns:a16="http://schemas.microsoft.com/office/drawing/2014/main" id="{243602DB-DD5A-485C-BDA9-1E7E0B961B44}"/>
+              </a:ext>
+            </a:extLst>
+          </p:cNvPr>
+          <p:cNvCxnSpPr>
+            <a:cxnSpLocks/>
+          </p:cNvCxnSpPr>
+          <p:nvPr/>
+        </p:nvCxnSpPr>
+        <p:spPr>
+          <a:xfrm>
+            <a:off x="10097711" y="1339228"/>
+            <a:ext cx="525782" cy="1"/>
+          </a:xfrm>
+          <a:prstGeom prst="line">
+            <a:avLst/>
+          </a:prstGeom>
+        </p:spPr>
+        <p:style>
+          <a:lnRef idx="1">
+            <a:schemeClr val="accent1"/>
+          </a:lnRef>
+          <a:fillRef idx="0">
+            <a:schemeClr val="accent1"/>
+          </a:fillRef>
+          <a:effectRef idx="0">
+            <a:schemeClr val="accent1"/>
+          </a:effectRef>
+          <a:fontRef idx="minor">
+            <a:schemeClr val="tx1"/>
+          </a:fontRef>
+        </p:style>
+      </p:cxnSp>
+      <p:sp>
+        <p:nvSpPr>
+          <p:cNvPr id="74" name="Isosceles Triangle 73">
+            <a:extLst>
+              <a:ext uri="{FF2B5EF4-FFF2-40B4-BE49-F238E27FC236}">
+                <a16:creationId xmlns:a16="http://schemas.microsoft.com/office/drawing/2014/main" id="{8CEF0771-7214-4BB0-90C7-5AB875674CD4}"/>
+              </a:ext>
+            </a:extLst>
+          </p:cNvPr>
+          <p:cNvSpPr/>
+          <p:nvPr/>
+        </p:nvSpPr>
+        <p:spPr>
+          <a:xfrm rot="5400000">
+            <a:off x="10575174" y="1317769"/>
+            <a:ext cx="59496" cy="45719"/>
+          </a:xfrm>
+          <a:prstGeom prst="triangle">
+            <a:avLst>
+              <a:gd name="adj" fmla="val 47561"/>
+            </a:avLst>
+          </a:prstGeom>
+        </p:spPr>
+        <p:style>
+          <a:lnRef idx="2">
+            <a:schemeClr val="accent1">
+              <a:shade val="50000"/>
+            </a:schemeClr>
+          </a:lnRef>
+          <a:fillRef idx="1">
+            <a:schemeClr val="accent1"/>
+          </a:fillRef>
+          <a:effectRef idx="0">
+            <a:schemeClr val="accent1"/>
+          </a:effectRef>
+          <a:fontRef idx="minor">
+            <a:schemeClr val="lt1"/>
+          </a:fontRef>
+        </p:style>
+        <p:txBody>
+          <a:bodyPr rtlCol="0" anchor="ctr"/>
+          <a:lstStyle/>
+          <a:p>
+            <a:pPr algn="ctr"/>
+            <a:endParaRPr lang="en-US"/>
+          </a:p>
+        </p:txBody>
+      </p:sp>
+      <p:sp>
+        <p:nvSpPr>
+          <p:cNvPr id="75" name="TextBox 74">
+            <a:extLst>
+              <a:ext uri="{FF2B5EF4-FFF2-40B4-BE49-F238E27FC236}">
+                <a16:creationId xmlns:a16="http://schemas.microsoft.com/office/drawing/2014/main" id="{F5B8B38D-ED5E-46A1-A7E5-658756496B46}"/>
+              </a:ext>
+            </a:extLst>
+          </p:cNvPr>
+          <p:cNvSpPr txBox="1"/>
+          <p:nvPr/>
+        </p:nvSpPr>
+        <p:spPr>
+          <a:xfrm>
+            <a:off x="10651516" y="1186481"/>
+            <a:ext cx="298480" cy="307777"/>
+          </a:xfrm>
+          <a:prstGeom prst="rect">
+            <a:avLst/>
+          </a:prstGeom>
+          <a:noFill/>
+        </p:spPr>
+        <p:txBody>
+          <a:bodyPr wrap="none" rtlCol="0">
+            <a:spAutoFit/>
+          </a:bodyPr>
+          <a:lstStyle/>
+          <a:p>
+            <a:r>
+              <a:rPr lang="en-US" sz="1400" dirty="0">
+                <a:latin typeface="Poppins" panose="00000500000000000000" pitchFamily="2" charset="0"/>
+                <a:cs typeface="Poppins" panose="00000500000000000000" pitchFamily="2" charset="0"/>
+              </a:rPr>
+              <a:t>6</a:t>
+            </a:r>
+          </a:p>
+        </p:txBody>
+      </p:sp>
+      <p:sp>
+        <p:nvSpPr>
+          <p:cNvPr id="76" name="TextBox 75">
+            <a:extLst>
+              <a:ext uri="{FF2B5EF4-FFF2-40B4-BE49-F238E27FC236}">
+                <a16:creationId xmlns:a16="http://schemas.microsoft.com/office/drawing/2014/main" id="{D57F004D-43DA-433C-A00C-8796712B6CD4}"/>
+              </a:ext>
+            </a:extLst>
+          </p:cNvPr>
+          <p:cNvSpPr txBox="1"/>
+          <p:nvPr/>
+        </p:nvSpPr>
+        <p:spPr>
+          <a:xfrm>
+            <a:off x="9104806" y="816332"/>
+            <a:ext cx="615874" cy="246221"/>
+          </a:xfrm>
+          <a:prstGeom prst="rect">
+            <a:avLst/>
+          </a:prstGeom>
+          <a:noFill/>
+        </p:spPr>
+        <p:txBody>
+          <a:bodyPr wrap="none" rtlCol="0">
+            <a:spAutoFit/>
+          </a:bodyPr>
+          <a:lstStyle/>
+          <a:p>
+            <a:r>
+              <a:rPr lang="en-US" sz="1000" dirty="0">
+                <a:latin typeface="Poppins" panose="00000500000000000000" pitchFamily="2" charset="0"/>
+                <a:cs typeface="Poppins" panose="00000500000000000000" pitchFamily="2" charset="0"/>
+              </a:rPr>
+              <a:t>proses</a:t>
+            </a:r>
+          </a:p>
+        </p:txBody>
+      </p:sp>
+      <p:sp>
+        <p:nvSpPr>
+          <p:cNvPr id="77" name="TextBox 76">
+            <a:extLst>
+              <a:ext uri="{FF2B5EF4-FFF2-40B4-BE49-F238E27FC236}">
+                <a16:creationId xmlns:a16="http://schemas.microsoft.com/office/drawing/2014/main" id="{A09F463C-6880-4F46-80A7-FDDB09E9762B}"/>
+              </a:ext>
+            </a:extLst>
+          </p:cNvPr>
+          <p:cNvSpPr txBox="1"/>
+          <p:nvPr/>
+        </p:nvSpPr>
+        <p:spPr>
+          <a:xfrm>
+            <a:off x="7173597" y="1270927"/>
+            <a:ext cx="296876" cy="307777"/>
+          </a:xfrm>
+          <a:prstGeom prst="rect">
+            <a:avLst/>
+          </a:prstGeom>
+          <a:noFill/>
+        </p:spPr>
+        <p:txBody>
+          <a:bodyPr wrap="none" rtlCol="0">
+            <a:spAutoFit/>
+          </a:bodyPr>
+          <a:lstStyle/>
+          <a:p>
+            <a:r>
+              <a:rPr lang="en-US" sz="1400" dirty="0">
+                <a:latin typeface="Poppins" panose="00000500000000000000" pitchFamily="2" charset="0"/>
+                <a:cs typeface="Poppins" panose="00000500000000000000" pitchFamily="2" charset="0"/>
+              </a:rPr>
+              <a:t>0</a:t>
+            </a:r>
+          </a:p>
+        </p:txBody>
+      </p:sp>
+      <p:cxnSp>
+        <p:nvCxnSpPr>
+          <p:cNvPr id="78" name="Straight Connector 77">
+            <a:extLst>
+              <a:ext uri="{FF2B5EF4-FFF2-40B4-BE49-F238E27FC236}">
+                <a16:creationId xmlns:a16="http://schemas.microsoft.com/office/drawing/2014/main" id="{B4FEFF9C-32C7-4CC2-8E2D-524C41F70182}"/>
+              </a:ext>
+            </a:extLst>
+          </p:cNvPr>
+          <p:cNvCxnSpPr>
+            <a:cxnSpLocks/>
+          </p:cNvCxnSpPr>
+          <p:nvPr/>
+        </p:nvCxnSpPr>
+        <p:spPr>
+          <a:xfrm>
+            <a:off x="7442568" y="1388079"/>
+            <a:ext cx="525782" cy="1"/>
+          </a:xfrm>
+          <a:prstGeom prst="line">
+            <a:avLst/>
+          </a:prstGeom>
+        </p:spPr>
+        <p:style>
+          <a:lnRef idx="1">
+            <a:schemeClr val="accent1"/>
+          </a:lnRef>
+          <a:fillRef idx="0">
+            <a:schemeClr val="accent1"/>
+          </a:fillRef>
+          <a:effectRef idx="0">
+            <a:schemeClr val="accent1"/>
+          </a:effectRef>
+          <a:fontRef idx="minor">
+            <a:schemeClr val="tx1"/>
+          </a:fontRef>
+        </p:style>
+      </p:cxnSp>
+      <p:sp>
+        <p:nvSpPr>
+          <p:cNvPr id="79" name="TextBox 78">
+            <a:extLst>
+              <a:ext uri="{FF2B5EF4-FFF2-40B4-BE49-F238E27FC236}">
+                <a16:creationId xmlns:a16="http://schemas.microsoft.com/office/drawing/2014/main" id="{6F14CFE5-7CB3-4B88-A835-C7CA1B854DD2}"/>
+              </a:ext>
+            </a:extLst>
+          </p:cNvPr>
+          <p:cNvSpPr txBox="1"/>
+          <p:nvPr/>
+        </p:nvSpPr>
+        <p:spPr>
+          <a:xfrm>
+            <a:off x="7981311" y="1238816"/>
+            <a:ext cx="242374" cy="307777"/>
+          </a:xfrm>
+          <a:prstGeom prst="rect">
+            <a:avLst/>
+          </a:prstGeom>
+          <a:noFill/>
+        </p:spPr>
+        <p:txBody>
+          <a:bodyPr wrap="none" rtlCol="0">
+            <a:spAutoFit/>
+          </a:bodyPr>
+          <a:lstStyle/>
+          <a:p>
+            <a:r>
+              <a:rPr lang="en-US" sz="1400" dirty="0">
+                <a:latin typeface="Poppins" panose="00000500000000000000" pitchFamily="2" charset="0"/>
+                <a:cs typeface="Poppins" panose="00000500000000000000" pitchFamily="2" charset="0"/>
+              </a:rPr>
+              <a:t>1</a:t>
+            </a:r>
+          </a:p>
+        </p:txBody>
+      </p:sp>
+      <p:cxnSp>
+        <p:nvCxnSpPr>
+          <p:cNvPr id="80" name="Straight Connector 79">
+            <a:extLst>
+              <a:ext uri="{FF2B5EF4-FFF2-40B4-BE49-F238E27FC236}">
+                <a16:creationId xmlns:a16="http://schemas.microsoft.com/office/drawing/2014/main" id="{288D55D8-DA6F-4A02-B409-858A77DA0076}"/>
+              </a:ext>
+            </a:extLst>
+          </p:cNvPr>
+          <p:cNvCxnSpPr>
+            <a:cxnSpLocks/>
+          </p:cNvCxnSpPr>
+          <p:nvPr/>
+        </p:nvCxnSpPr>
+        <p:spPr>
+          <a:xfrm flipV="1">
+            <a:off x="7446043" y="1387335"/>
+            <a:ext cx="528788" cy="336635"/>
+          </a:xfrm>
+          <a:prstGeom prst="line">
+            <a:avLst/>
+          </a:prstGeom>
+        </p:spPr>
+        <p:style>
+          <a:lnRef idx="1">
+            <a:schemeClr val="accent1"/>
+          </a:lnRef>
+          <a:fillRef idx="0">
+            <a:schemeClr val="accent1"/>
+          </a:fillRef>
+          <a:effectRef idx="0">
+            <a:schemeClr val="accent1"/>
+          </a:effectRef>
+          <a:fontRef idx="minor">
+            <a:schemeClr val="tx1"/>
+          </a:fontRef>
+        </p:style>
+      </p:cxnSp>
+      <p:sp>
+        <p:nvSpPr>
+          <p:cNvPr id="83" name="TextBox 82">
+            <a:extLst>
+              <a:ext uri="{FF2B5EF4-FFF2-40B4-BE49-F238E27FC236}">
+                <a16:creationId xmlns:a16="http://schemas.microsoft.com/office/drawing/2014/main" id="{173F937D-F121-4650-8C31-0A9707E968EF}"/>
+              </a:ext>
+            </a:extLst>
+          </p:cNvPr>
+          <p:cNvSpPr txBox="1"/>
+          <p:nvPr/>
+        </p:nvSpPr>
+        <p:spPr>
+          <a:xfrm>
+            <a:off x="7200848" y="1542106"/>
+            <a:ext cx="242374" cy="307777"/>
+          </a:xfrm>
+          <a:prstGeom prst="rect">
+            <a:avLst/>
+          </a:prstGeom>
+          <a:noFill/>
+        </p:spPr>
+        <p:txBody>
+          <a:bodyPr wrap="none" rtlCol="0">
+            <a:spAutoFit/>
+          </a:bodyPr>
+          <a:lstStyle/>
+          <a:p>
+            <a:r>
+              <a:rPr lang="en-US" sz="1400" dirty="0">
+                <a:latin typeface="Poppins" panose="00000500000000000000" pitchFamily="2" charset="0"/>
+                <a:cs typeface="Poppins" panose="00000500000000000000" pitchFamily="2" charset="0"/>
+              </a:rPr>
+              <a:t>1</a:t>
+            </a:r>
+          </a:p>
+        </p:txBody>
+      </p:sp>
+      <p:cxnSp>
+        <p:nvCxnSpPr>
+          <p:cNvPr id="84" name="Straight Connector 83">
+            <a:extLst>
+              <a:ext uri="{FF2B5EF4-FFF2-40B4-BE49-F238E27FC236}">
+                <a16:creationId xmlns:a16="http://schemas.microsoft.com/office/drawing/2014/main" id="{34952CB8-8C19-4D20-B463-E13F2BCEE246}"/>
+              </a:ext>
+            </a:extLst>
+          </p:cNvPr>
+          <p:cNvCxnSpPr>
+            <a:cxnSpLocks/>
+          </p:cNvCxnSpPr>
+          <p:nvPr/>
+        </p:nvCxnSpPr>
+        <p:spPr>
+          <a:xfrm flipV="1">
+            <a:off x="7460269" y="1723970"/>
+            <a:ext cx="514562" cy="1"/>
+          </a:xfrm>
+          <a:prstGeom prst="line">
+            <a:avLst/>
+          </a:prstGeom>
+        </p:spPr>
+        <p:style>
+          <a:lnRef idx="1">
+            <a:schemeClr val="accent1"/>
+          </a:lnRef>
+          <a:fillRef idx="0">
+            <a:schemeClr val="accent1"/>
+          </a:fillRef>
+          <a:effectRef idx="0">
+            <a:schemeClr val="accent1"/>
+          </a:effectRef>
+          <a:fontRef idx="minor">
+            <a:schemeClr val="tx1"/>
+          </a:fontRef>
+        </p:style>
+      </p:cxnSp>
+      <p:sp>
+        <p:nvSpPr>
+          <p:cNvPr id="89" name="TextBox 88">
+            <a:extLst>
+              <a:ext uri="{FF2B5EF4-FFF2-40B4-BE49-F238E27FC236}">
+                <a16:creationId xmlns:a16="http://schemas.microsoft.com/office/drawing/2014/main" id="{5BA2BEE4-C1FD-4717-9124-6B479ABCB302}"/>
+              </a:ext>
+            </a:extLst>
+          </p:cNvPr>
+          <p:cNvSpPr txBox="1"/>
+          <p:nvPr/>
+        </p:nvSpPr>
+        <p:spPr>
+          <a:xfrm>
+            <a:off x="7993639" y="1573271"/>
+            <a:ext cx="287258" cy="307777"/>
+          </a:xfrm>
+          <a:prstGeom prst="rect">
+            <a:avLst/>
+          </a:prstGeom>
+          <a:noFill/>
+        </p:spPr>
+        <p:txBody>
+          <a:bodyPr wrap="none" rtlCol="0">
+            <a:spAutoFit/>
+          </a:bodyPr>
+          <a:lstStyle/>
+          <a:p>
+            <a:r>
+              <a:rPr lang="en-US" sz="1400" dirty="0">
+                <a:latin typeface="Poppins" panose="00000500000000000000" pitchFamily="2" charset="0"/>
+                <a:cs typeface="Poppins" panose="00000500000000000000" pitchFamily="2" charset="0"/>
+              </a:rPr>
+              <a:t>2</a:t>
+            </a:r>
+          </a:p>
+        </p:txBody>
+      </p:sp>
+      <p:cxnSp>
+        <p:nvCxnSpPr>
+          <p:cNvPr id="90" name="Straight Connector 89">
+            <a:extLst>
+              <a:ext uri="{FF2B5EF4-FFF2-40B4-BE49-F238E27FC236}">
+                <a16:creationId xmlns:a16="http://schemas.microsoft.com/office/drawing/2014/main" id="{711043B3-FE6F-43BC-95FF-D2696445EC25}"/>
+              </a:ext>
+            </a:extLst>
+          </p:cNvPr>
+          <p:cNvCxnSpPr>
+            <a:cxnSpLocks/>
+            <a:stCxn id="94" idx="3"/>
+            <a:endCxn id="89" idx="1"/>
+          </p:cNvCxnSpPr>
+          <p:nvPr/>
+        </p:nvCxnSpPr>
+        <p:spPr>
+          <a:xfrm flipV="1">
+            <a:off x="7479493" y="1727160"/>
+            <a:ext cx="514146" cy="276919"/>
+          </a:xfrm>
+          <a:prstGeom prst="line">
+            <a:avLst/>
+          </a:prstGeom>
+        </p:spPr>
+        <p:style>
+          <a:lnRef idx="1">
+            <a:schemeClr val="accent1"/>
+          </a:lnRef>
+          <a:fillRef idx="0">
+            <a:schemeClr val="accent1"/>
+          </a:fillRef>
+          <a:effectRef idx="0">
+            <a:schemeClr val="accent1"/>
+          </a:effectRef>
+          <a:fontRef idx="minor">
+            <a:schemeClr val="tx1"/>
+          </a:fontRef>
+        </p:style>
+      </p:cxnSp>
+      <p:sp>
+        <p:nvSpPr>
+          <p:cNvPr id="94" name="TextBox 93">
+            <a:extLst>
+              <a:ext uri="{FF2B5EF4-FFF2-40B4-BE49-F238E27FC236}">
+                <a16:creationId xmlns:a16="http://schemas.microsoft.com/office/drawing/2014/main" id="{6E92ED20-D8BB-4B68-AF3F-FA58E5663629}"/>
+              </a:ext>
+            </a:extLst>
+          </p:cNvPr>
+          <p:cNvSpPr txBox="1"/>
+          <p:nvPr/>
+        </p:nvSpPr>
+        <p:spPr>
+          <a:xfrm>
+            <a:off x="7189029" y="1850190"/>
+            <a:ext cx="290464" cy="307777"/>
+          </a:xfrm>
+          <a:prstGeom prst="rect">
+            <a:avLst/>
+          </a:prstGeom>
+          <a:noFill/>
+        </p:spPr>
+        <p:txBody>
+          <a:bodyPr wrap="none" rtlCol="0">
+            <a:spAutoFit/>
+          </a:bodyPr>
+          <a:lstStyle/>
+          <a:p>
+            <a:r>
+              <a:rPr lang="en-US" sz="1400" dirty="0">
+                <a:latin typeface="Poppins" panose="00000500000000000000" pitchFamily="2" charset="0"/>
+                <a:cs typeface="Poppins" panose="00000500000000000000" pitchFamily="2" charset="0"/>
+              </a:rPr>
+              <a:t>3</a:t>
+            </a:r>
+          </a:p>
+        </p:txBody>
+      </p:sp>
+      <p:cxnSp>
+        <p:nvCxnSpPr>
+          <p:cNvPr id="95" name="Straight Connector 94">
+            <a:extLst>
+              <a:ext uri="{FF2B5EF4-FFF2-40B4-BE49-F238E27FC236}">
+                <a16:creationId xmlns:a16="http://schemas.microsoft.com/office/drawing/2014/main" id="{206FF10D-2EA3-402A-8714-AA1B0A645612}"/>
+              </a:ext>
+            </a:extLst>
+          </p:cNvPr>
+          <p:cNvCxnSpPr>
+            <a:cxnSpLocks/>
+          </p:cNvCxnSpPr>
+          <p:nvPr/>
+        </p:nvCxnSpPr>
+        <p:spPr>
+          <a:xfrm>
+            <a:off x="7452534" y="2015896"/>
+            <a:ext cx="550534" cy="8929"/>
+          </a:xfrm>
+          <a:prstGeom prst="line">
+            <a:avLst/>
+          </a:prstGeom>
+        </p:spPr>
+        <p:style>
+          <a:lnRef idx="1">
+            <a:schemeClr val="accent1"/>
+          </a:lnRef>
+          <a:fillRef idx="0">
+            <a:schemeClr val="accent1"/>
+          </a:fillRef>
+          <a:effectRef idx="0">
+            <a:schemeClr val="accent1"/>
+          </a:effectRef>
+          <a:fontRef idx="minor">
+            <a:schemeClr val="tx1"/>
+          </a:fontRef>
+        </p:style>
+      </p:cxnSp>
+      <p:sp>
+        <p:nvSpPr>
+          <p:cNvPr id="102" name="TextBox 101">
+            <a:extLst>
+              <a:ext uri="{FF2B5EF4-FFF2-40B4-BE49-F238E27FC236}">
+                <a16:creationId xmlns:a16="http://schemas.microsoft.com/office/drawing/2014/main" id="{3CDD2B86-BE62-4F19-9A26-3D2588A749D4}"/>
+              </a:ext>
+            </a:extLst>
+          </p:cNvPr>
+          <p:cNvSpPr txBox="1"/>
+          <p:nvPr/>
+        </p:nvSpPr>
+        <p:spPr>
+          <a:xfrm>
+            <a:off x="7998169" y="1905063"/>
+            <a:ext cx="290464" cy="307777"/>
+          </a:xfrm>
+          <a:prstGeom prst="rect">
+            <a:avLst/>
+          </a:prstGeom>
+          <a:noFill/>
+        </p:spPr>
+        <p:txBody>
+          <a:bodyPr wrap="none" rtlCol="0">
+            <a:spAutoFit/>
+          </a:bodyPr>
+          <a:lstStyle/>
+          <a:p>
+            <a:r>
+              <a:rPr lang="en-US" sz="1400" dirty="0">
+                <a:latin typeface="Poppins" panose="00000500000000000000" pitchFamily="2" charset="0"/>
+                <a:cs typeface="Poppins" panose="00000500000000000000" pitchFamily="2" charset="0"/>
+              </a:rPr>
+              <a:t>3</a:t>
+            </a:r>
+          </a:p>
+        </p:txBody>
+      </p:sp>
+      <p:cxnSp>
+        <p:nvCxnSpPr>
+          <p:cNvPr id="103" name="Straight Connector 102">
+            <a:extLst>
+              <a:ext uri="{FF2B5EF4-FFF2-40B4-BE49-F238E27FC236}">
+                <a16:creationId xmlns:a16="http://schemas.microsoft.com/office/drawing/2014/main" id="{3E5E2AA1-3AED-498E-AEF2-4A188E1E72DA}"/>
+              </a:ext>
+            </a:extLst>
+          </p:cNvPr>
+          <p:cNvCxnSpPr>
+            <a:cxnSpLocks/>
+          </p:cNvCxnSpPr>
+          <p:nvPr/>
+        </p:nvCxnSpPr>
+        <p:spPr>
+          <a:xfrm flipV="1">
+            <a:off x="7460269" y="2025411"/>
+            <a:ext cx="542799" cy="267404"/>
+          </a:xfrm>
+          <a:prstGeom prst="line">
+            <a:avLst/>
+          </a:prstGeom>
+        </p:spPr>
+        <p:style>
+          <a:lnRef idx="1">
+            <a:schemeClr val="accent1"/>
+          </a:lnRef>
+          <a:fillRef idx="0">
+            <a:schemeClr val="accent1"/>
+          </a:fillRef>
+          <a:effectRef idx="0">
+            <a:schemeClr val="accent1"/>
+          </a:effectRef>
+          <a:fontRef idx="minor">
+            <a:schemeClr val="tx1"/>
+          </a:fontRef>
+        </p:style>
+      </p:cxnSp>
+      <p:sp>
+        <p:nvSpPr>
+          <p:cNvPr id="108" name="TextBox 107">
+            <a:extLst>
+              <a:ext uri="{FF2B5EF4-FFF2-40B4-BE49-F238E27FC236}">
+                <a16:creationId xmlns:a16="http://schemas.microsoft.com/office/drawing/2014/main" id="{883F6D73-4D42-46A5-844B-FEDE84775939}"/>
+              </a:ext>
+            </a:extLst>
+          </p:cNvPr>
+          <p:cNvSpPr txBox="1"/>
+          <p:nvPr/>
+        </p:nvSpPr>
+        <p:spPr>
+          <a:xfrm>
+            <a:off x="7200848" y="2142115"/>
+            <a:ext cx="298480" cy="307777"/>
+          </a:xfrm>
+          <a:prstGeom prst="rect">
+            <a:avLst/>
+          </a:prstGeom>
+          <a:noFill/>
+        </p:spPr>
+        <p:txBody>
+          <a:bodyPr wrap="none" rtlCol="0">
+            <a:spAutoFit/>
+          </a:bodyPr>
+          <a:lstStyle/>
+          <a:p>
+            <a:r>
+              <a:rPr lang="en-US" sz="1400" dirty="0">
+                <a:latin typeface="Poppins" panose="00000500000000000000" pitchFamily="2" charset="0"/>
+                <a:cs typeface="Poppins" panose="00000500000000000000" pitchFamily="2" charset="0"/>
+              </a:rPr>
+              <a:t>6</a:t>
+            </a:r>
+          </a:p>
+        </p:txBody>
+      </p:sp>
+      <p:sp>
+        <p:nvSpPr>
+          <p:cNvPr id="43" name="TextBox 42">
+            <a:extLst>
+              <a:ext uri="{FF2B5EF4-FFF2-40B4-BE49-F238E27FC236}">
+                <a16:creationId xmlns:a16="http://schemas.microsoft.com/office/drawing/2014/main" id="{A07229B6-DA42-4CED-A3F7-65C8FB402453}"/>
+              </a:ext>
+            </a:extLst>
+          </p:cNvPr>
+          <p:cNvSpPr txBox="1"/>
+          <p:nvPr/>
+        </p:nvSpPr>
+        <p:spPr>
+          <a:xfrm>
+            <a:off x="770950" y="377376"/>
+            <a:ext cx="958917" cy="338554"/>
+          </a:xfrm>
+          <a:prstGeom prst="rect">
+            <a:avLst/>
+          </a:prstGeom>
+          <a:noFill/>
+        </p:spPr>
+        <p:txBody>
+          <a:bodyPr wrap="none" rtlCol="0">
+            <a:spAutoFit/>
+          </a:bodyPr>
+          <a:lstStyle/>
+          <a:p>
+            <a:r>
+              <a:rPr lang="en-US" sz="1600" dirty="0">
+                <a:latin typeface="Poppins" panose="00000500000000000000" pitchFamily="2" charset="0"/>
+                <a:cs typeface="Poppins" panose="00000500000000000000" pitchFamily="2" charset="0"/>
+              </a:rPr>
+              <a:t>Reduce</a:t>
+            </a:r>
+          </a:p>
+        </p:txBody>
+      </p:sp>
+    </p:spTree>
+    <p:extLst>
+      <p:ext uri="{BB962C8B-B14F-4D97-AF65-F5344CB8AC3E}">
+        <p14:creationId xmlns:p14="http://schemas.microsoft.com/office/powerpoint/2010/main" val="2166805741"/>
+      </p:ext>
+    </p:extLst>
+  </p:cSld>
+  <p:clrMapOvr>
+    <a:masterClrMapping/>
+  </p:clrMapOvr>
+</p:sld>
+</file>
+
+<file path=ppt/slides/slide12.xml><?xml version="1.0" encoding="utf-8"?>
+<p:sld xmlns:a="http://schemas.openxmlformats.org/drawingml/2006/main" xmlns:r="http://schemas.openxmlformats.org/officeDocument/2006/relationships" xmlns:p="http://schemas.openxmlformats.org/presentationml/2006/main">
+  <p:cSld>
+    <p:spTree>
+      <p:nvGrpSpPr>
+        <p:cNvPr id="1" name=""/>
+        <p:cNvGrpSpPr/>
+        <p:nvPr/>
+      </p:nvGrpSpPr>
+      <p:grpSpPr>
+        <a:xfrm>
+          <a:off x="0" y="0"/>
+          <a:ext cx="0" cy="0"/>
+          <a:chOff x="0" y="0"/>
+          <a:chExt cx="0" cy="0"/>
+        </a:xfrm>
+      </p:grpSpPr>
+      <p:sp>
+        <p:nvSpPr>
+          <p:cNvPr id="2" name="TextBox 1">
+            <a:extLst>
+              <a:ext uri="{FF2B5EF4-FFF2-40B4-BE49-F238E27FC236}">
+                <a16:creationId xmlns:a16="http://schemas.microsoft.com/office/drawing/2014/main" id="{B84E8923-3A7A-4182-8F03-2B7843F146EB}"/>
+              </a:ext>
+            </a:extLst>
+          </p:cNvPr>
+          <p:cNvSpPr txBox="1"/>
+          <p:nvPr/>
+        </p:nvSpPr>
+        <p:spPr>
+          <a:xfrm>
+            <a:off x="770950" y="377376"/>
+            <a:ext cx="1944763" cy="338554"/>
+          </a:xfrm>
+          <a:prstGeom prst="rect">
+            <a:avLst/>
+          </a:prstGeom>
+          <a:noFill/>
+        </p:spPr>
+        <p:txBody>
+          <a:bodyPr wrap="none" rtlCol="0">
+            <a:spAutoFit/>
+          </a:bodyPr>
+          <a:lstStyle/>
+          <a:p>
+            <a:r>
+              <a:rPr lang="en-US" sz="1600" dirty="0">
+                <a:latin typeface="Poppins" panose="00000500000000000000" pitchFamily="2" charset="0"/>
+                <a:cs typeface="Poppins" panose="00000500000000000000" pitchFamily="2" charset="0"/>
+              </a:rPr>
+              <a:t>Ternary Operator</a:t>
+            </a:r>
+          </a:p>
+        </p:txBody>
+      </p:sp>
+      <p:pic>
+        <p:nvPicPr>
+          <p:cNvPr id="4" name="Picture 3">
+            <a:extLst>
+              <a:ext uri="{FF2B5EF4-FFF2-40B4-BE49-F238E27FC236}">
+                <a16:creationId xmlns:a16="http://schemas.microsoft.com/office/drawing/2014/main" id="{776F5498-A791-4ABF-9687-593FC50E484C}"/>
+              </a:ext>
+            </a:extLst>
+          </p:cNvPr>
+          <p:cNvPicPr>
+            <a:picLocks noChangeAspect="1"/>
+          </p:cNvPicPr>
+          <p:nvPr/>
+        </p:nvPicPr>
+        <p:blipFill>
+          <a:blip r:embed="rId2">
+            <a:extLst>
+              <a:ext uri="{28A0092B-C50C-407E-A947-70E740481C1C}">
+                <a14:useLocalDpi xmlns:a14="http://schemas.microsoft.com/office/drawing/2010/main" val="0"/>
+              </a:ext>
+            </a:extLst>
+          </a:blip>
+          <a:stretch>
+            <a:fillRect/>
+          </a:stretch>
+        </p:blipFill>
+        <p:spPr>
+          <a:xfrm>
+            <a:off x="2600324" y="2045674"/>
+            <a:ext cx="6127095" cy="1788138"/>
+          </a:xfrm>
+          <a:prstGeom prst="rect">
+            <a:avLst/>
+          </a:prstGeom>
+        </p:spPr>
+      </p:pic>
+      <p:cxnSp>
+        <p:nvCxnSpPr>
+          <p:cNvPr id="5" name="Straight Connector 4">
+            <a:extLst>
+              <a:ext uri="{FF2B5EF4-FFF2-40B4-BE49-F238E27FC236}">
+                <a16:creationId xmlns:a16="http://schemas.microsoft.com/office/drawing/2014/main" id="{14928414-BC05-4A4F-97C0-D78227EF1816}"/>
+              </a:ext>
+            </a:extLst>
+          </p:cNvPr>
+          <p:cNvCxnSpPr>
+            <a:cxnSpLocks/>
+          </p:cNvCxnSpPr>
+          <p:nvPr/>
+        </p:nvCxnSpPr>
+        <p:spPr>
+          <a:xfrm flipV="1">
+            <a:off x="5444473" y="1714500"/>
+            <a:ext cx="794402" cy="1225243"/>
+          </a:xfrm>
+          <a:prstGeom prst="line">
+            <a:avLst/>
+          </a:prstGeom>
+        </p:spPr>
+        <p:style>
+          <a:lnRef idx="1">
+            <a:schemeClr val="accent1"/>
+          </a:lnRef>
+          <a:fillRef idx="0">
+            <a:schemeClr val="accent1"/>
+          </a:fillRef>
+          <a:effectRef idx="0">
+            <a:schemeClr val="accent1"/>
+          </a:effectRef>
+          <a:fontRef idx="minor">
+            <a:schemeClr val="tx1"/>
+          </a:fontRef>
+        </p:style>
+      </p:cxnSp>
+      <p:sp>
+        <p:nvSpPr>
+          <p:cNvPr id="7" name="TextBox 6">
+            <a:extLst>
+              <a:ext uri="{FF2B5EF4-FFF2-40B4-BE49-F238E27FC236}">
+                <a16:creationId xmlns:a16="http://schemas.microsoft.com/office/drawing/2014/main" id="{EE64AB6C-9853-4907-9ED1-91AB22B762C1}"/>
+              </a:ext>
+            </a:extLst>
+          </p:cNvPr>
+          <p:cNvSpPr txBox="1"/>
+          <p:nvPr/>
+        </p:nvSpPr>
+        <p:spPr>
+          <a:xfrm>
+            <a:off x="6238875" y="1418108"/>
+            <a:ext cx="2292615" cy="261610"/>
+          </a:xfrm>
+          <a:prstGeom prst="rect">
+            <a:avLst/>
+          </a:prstGeom>
+          <a:noFill/>
+        </p:spPr>
+        <p:txBody>
+          <a:bodyPr wrap="none" rtlCol="0">
+            <a:spAutoFit/>
+          </a:bodyPr>
+          <a:lstStyle/>
+          <a:p>
+            <a:r>
+              <a:rPr lang="en-US" sz="1100" dirty="0">
+                <a:latin typeface="Poppins" panose="00000500000000000000" pitchFamily="2" charset="0"/>
+                <a:cs typeface="Poppins" panose="00000500000000000000" pitchFamily="2" charset="0"/>
+              </a:rPr>
+              <a:t>Ternary operator ? True : False</a:t>
+            </a:r>
+          </a:p>
+        </p:txBody>
+      </p:sp>
+      <p:sp>
+        <p:nvSpPr>
+          <p:cNvPr id="8" name="TextBox 7">
+            <a:extLst>
+              <a:ext uri="{FF2B5EF4-FFF2-40B4-BE49-F238E27FC236}">
+                <a16:creationId xmlns:a16="http://schemas.microsoft.com/office/drawing/2014/main" id="{DBE97623-B80C-4048-ADD7-16BC893372B7}"/>
+              </a:ext>
+            </a:extLst>
+          </p:cNvPr>
+          <p:cNvSpPr txBox="1"/>
+          <p:nvPr/>
+        </p:nvSpPr>
+        <p:spPr>
+          <a:xfrm>
+            <a:off x="2507447" y="4138682"/>
+            <a:ext cx="6219972" cy="261610"/>
+          </a:xfrm>
+          <a:prstGeom prst="rect">
+            <a:avLst/>
+          </a:prstGeom>
+          <a:noFill/>
+        </p:spPr>
+        <p:txBody>
+          <a:bodyPr wrap="none" rtlCol="0">
+            <a:spAutoFit/>
+          </a:bodyPr>
+          <a:lstStyle/>
+          <a:p>
+            <a:r>
+              <a:rPr lang="en-US" sz="1100" dirty="0" err="1">
+                <a:latin typeface="Poppins" panose="00000500000000000000" pitchFamily="2" charset="0"/>
+                <a:cs typeface="Poppins" panose="00000500000000000000" pitchFamily="2" charset="0"/>
+              </a:rPr>
+              <a:t>Gunakan</a:t>
+            </a:r>
+            <a:r>
+              <a:rPr lang="en-US" sz="1100" dirty="0">
+                <a:latin typeface="Poppins" panose="00000500000000000000" pitchFamily="2" charset="0"/>
+                <a:cs typeface="Poppins" panose="00000500000000000000" pitchFamily="2" charset="0"/>
+              </a:rPr>
+              <a:t> ternary operator (function scope) </a:t>
+            </a:r>
+            <a:r>
+              <a:rPr lang="en-US" sz="1100" dirty="0" err="1">
+                <a:latin typeface="Poppins" panose="00000500000000000000" pitchFamily="2" charset="0"/>
+                <a:cs typeface="Poppins" panose="00000500000000000000" pitchFamily="2" charset="0"/>
+              </a:rPr>
+              <a:t>untuk</a:t>
+            </a:r>
+            <a:r>
+              <a:rPr lang="en-US" sz="1100" dirty="0">
+                <a:latin typeface="Poppins" panose="00000500000000000000" pitchFamily="2" charset="0"/>
+                <a:cs typeface="Poppins" panose="00000500000000000000" pitchFamily="2" charset="0"/>
+              </a:rPr>
+              <a:t> </a:t>
+            </a:r>
+            <a:r>
+              <a:rPr lang="en-US" sz="1100" dirty="0" err="1">
+                <a:latin typeface="Poppins" panose="00000500000000000000" pitchFamily="2" charset="0"/>
+                <a:cs typeface="Poppins" panose="00000500000000000000" pitchFamily="2" charset="0"/>
+              </a:rPr>
+              <a:t>mengganti</a:t>
+            </a:r>
+            <a:r>
+              <a:rPr lang="en-US" sz="1100" dirty="0">
+                <a:latin typeface="Poppins" panose="00000500000000000000" pitchFamily="2" charset="0"/>
+                <a:cs typeface="Poppins" panose="00000500000000000000" pitchFamily="2" charset="0"/>
+              </a:rPr>
+              <a:t> if else pada block scope</a:t>
+            </a:r>
+          </a:p>
+        </p:txBody>
+      </p:sp>
+    </p:spTree>
+    <p:extLst>
+      <p:ext uri="{BB962C8B-B14F-4D97-AF65-F5344CB8AC3E}">
+        <p14:creationId xmlns:p14="http://schemas.microsoft.com/office/powerpoint/2010/main" val="3735217084"/>
+      </p:ext>
+    </p:extLst>
+  </p:cSld>
+  <p:clrMapOvr>
+    <a:masterClrMapping/>
+  </p:clrMapOvr>
+</p:sld>
+</file>
+
+<file path=ppt/slides/slide13.xml><?xml version="1.0" encoding="utf-8"?>
+<p:sld xmlns:a="http://schemas.openxmlformats.org/drawingml/2006/main" xmlns:r="http://schemas.openxmlformats.org/officeDocument/2006/relationships" xmlns:p="http://schemas.openxmlformats.org/presentationml/2006/main">
+  <p:cSld>
+    <p:spTree>
+      <p:nvGrpSpPr>
+        <p:cNvPr id="1" name=""/>
+        <p:cNvGrpSpPr/>
+        <p:nvPr/>
+      </p:nvGrpSpPr>
+      <p:grpSpPr>
+        <a:xfrm>
+          <a:off x="0" y="0"/>
+          <a:ext cx="0" cy="0"/>
+          <a:chOff x="0" y="0"/>
+          <a:chExt cx="0" cy="0"/>
+        </a:xfrm>
+      </p:grpSpPr>
+      <p:pic>
+        <p:nvPicPr>
+          <p:cNvPr id="11" name="Picture 10">
+            <a:extLst>
+              <a:ext uri="{FF2B5EF4-FFF2-40B4-BE49-F238E27FC236}">
+                <a16:creationId xmlns:a16="http://schemas.microsoft.com/office/drawing/2014/main" id="{CA9ED6BE-5034-449C-9BDE-450DD43AD003}"/>
+              </a:ext>
+            </a:extLst>
+          </p:cNvPr>
+          <p:cNvPicPr>
+            <a:picLocks noChangeAspect="1"/>
+          </p:cNvPicPr>
+          <p:nvPr/>
+        </p:nvPicPr>
+        <p:blipFill>
+          <a:blip r:embed="rId2">
+            <a:extLst>
+              <a:ext uri="{28A0092B-C50C-407E-A947-70E740481C1C}">
+                <a14:useLocalDpi xmlns:a14="http://schemas.microsoft.com/office/drawing/2010/main" val="0"/>
+              </a:ext>
+            </a:extLst>
+          </a:blip>
+          <a:stretch>
+            <a:fillRect/>
+          </a:stretch>
+        </p:blipFill>
+        <p:spPr>
+          <a:xfrm>
+            <a:off x="974643" y="1315228"/>
+            <a:ext cx="5848350" cy="2049370"/>
+          </a:xfrm>
+          <a:prstGeom prst="rect">
+            <a:avLst/>
+          </a:prstGeom>
+        </p:spPr>
+      </p:pic>
+      <p:sp>
+        <p:nvSpPr>
+          <p:cNvPr id="2" name="TextBox 1">
+            <a:extLst>
+              <a:ext uri="{FF2B5EF4-FFF2-40B4-BE49-F238E27FC236}">
+                <a16:creationId xmlns:a16="http://schemas.microsoft.com/office/drawing/2014/main" id="{DAF42FF7-A52C-4F24-9DA1-F139EBEFE65A}"/>
+              </a:ext>
+            </a:extLst>
+          </p:cNvPr>
+          <p:cNvSpPr txBox="1"/>
+          <p:nvPr/>
+        </p:nvSpPr>
+        <p:spPr>
+          <a:xfrm>
+            <a:off x="770950" y="377376"/>
+            <a:ext cx="1576072" cy="338554"/>
+          </a:xfrm>
+          <a:prstGeom prst="rect">
+            <a:avLst/>
+          </a:prstGeom>
+          <a:noFill/>
+        </p:spPr>
+        <p:txBody>
+          <a:bodyPr wrap="none" rtlCol="0">
+            <a:spAutoFit/>
+          </a:bodyPr>
+          <a:lstStyle/>
+          <a:p>
+            <a:r>
+              <a:rPr lang="en-US" sz="1600" dirty="0" err="1">
+                <a:latin typeface="Poppins" panose="00000500000000000000" pitchFamily="2" charset="0"/>
+                <a:cs typeface="Poppins" panose="00000500000000000000" pitchFamily="2" charset="0"/>
+              </a:rPr>
+              <a:t>Destructuring</a:t>
+            </a:r>
+            <a:endParaRPr lang="en-US" sz="1600" dirty="0">
+              <a:latin typeface="Poppins" panose="00000500000000000000" pitchFamily="2" charset="0"/>
+              <a:cs typeface="Poppins" panose="00000500000000000000" pitchFamily="2" charset="0"/>
+            </a:endParaRPr>
+          </a:p>
+        </p:txBody>
+      </p:sp>
+      <p:cxnSp>
+        <p:nvCxnSpPr>
+          <p:cNvPr id="7" name="Straight Connector 6">
+            <a:extLst>
+              <a:ext uri="{FF2B5EF4-FFF2-40B4-BE49-F238E27FC236}">
+                <a16:creationId xmlns:a16="http://schemas.microsoft.com/office/drawing/2014/main" id="{10A80CE2-F6F6-4BC0-B87E-7C25E6895954}"/>
+              </a:ext>
+            </a:extLst>
+          </p:cNvPr>
+          <p:cNvCxnSpPr>
+            <a:cxnSpLocks/>
+          </p:cNvCxnSpPr>
+          <p:nvPr/>
+        </p:nvCxnSpPr>
+        <p:spPr>
+          <a:xfrm flipV="1">
+            <a:off x="2030534" y="1121465"/>
+            <a:ext cx="1246066" cy="812913"/>
+          </a:xfrm>
+          <a:prstGeom prst="line">
+            <a:avLst/>
+          </a:prstGeom>
+        </p:spPr>
+        <p:style>
+          <a:lnRef idx="1">
+            <a:schemeClr val="accent1"/>
+          </a:lnRef>
+          <a:fillRef idx="0">
+            <a:schemeClr val="accent1"/>
+          </a:fillRef>
+          <a:effectRef idx="0">
+            <a:schemeClr val="accent1"/>
+          </a:effectRef>
+          <a:fontRef idx="minor">
+            <a:schemeClr val="tx1"/>
+          </a:fontRef>
+        </p:style>
+      </p:cxnSp>
+      <p:sp>
+        <p:nvSpPr>
+          <p:cNvPr id="8" name="TextBox 7">
+            <a:extLst>
+              <a:ext uri="{FF2B5EF4-FFF2-40B4-BE49-F238E27FC236}">
+                <a16:creationId xmlns:a16="http://schemas.microsoft.com/office/drawing/2014/main" id="{38127D5C-840C-438A-87AB-F4007541BEDB}"/>
+              </a:ext>
+            </a:extLst>
+          </p:cNvPr>
+          <p:cNvSpPr txBox="1"/>
+          <p:nvPr/>
+        </p:nvSpPr>
+        <p:spPr>
+          <a:xfrm>
+            <a:off x="2768844" y="835578"/>
+            <a:ext cx="3241593" cy="261610"/>
+          </a:xfrm>
+          <a:prstGeom prst="rect">
+            <a:avLst/>
+          </a:prstGeom>
+          <a:noFill/>
+        </p:spPr>
+        <p:txBody>
+          <a:bodyPr wrap="none" rtlCol="0">
+            <a:spAutoFit/>
+          </a:bodyPr>
+          <a:lstStyle/>
+          <a:p>
+            <a:r>
+              <a:rPr lang="en-US" sz="1100" dirty="0" err="1">
+                <a:latin typeface="Poppins" panose="00000500000000000000" pitchFamily="2" charset="0"/>
+                <a:cs typeface="Poppins" panose="00000500000000000000" pitchFamily="2" charset="0"/>
+              </a:rPr>
+              <a:t>Destructuring</a:t>
+            </a:r>
+            <a:r>
+              <a:rPr lang="en-US" sz="1100" dirty="0">
+                <a:latin typeface="Poppins" panose="00000500000000000000" pitchFamily="2" charset="0"/>
+                <a:cs typeface="Poppins" panose="00000500000000000000" pitchFamily="2" charset="0"/>
+              </a:rPr>
+              <a:t> object </a:t>
+            </a:r>
+            <a:r>
+              <a:rPr lang="en-US" sz="1100" dirty="0" err="1">
+                <a:latin typeface="Poppins" panose="00000500000000000000" pitchFamily="2" charset="0"/>
+                <a:cs typeface="Poppins" panose="00000500000000000000" pitchFamily="2" charset="0"/>
+              </a:rPr>
+              <a:t>sesuai</a:t>
+            </a:r>
+            <a:r>
+              <a:rPr lang="en-US" sz="1100" dirty="0">
+                <a:latin typeface="Poppins" panose="00000500000000000000" pitchFamily="2" charset="0"/>
+                <a:cs typeface="Poppins" panose="00000500000000000000" pitchFamily="2" charset="0"/>
+              </a:rPr>
+              <a:t> </a:t>
+            </a:r>
+            <a:r>
+              <a:rPr lang="en-US" sz="1100" dirty="0" err="1">
+                <a:latin typeface="Poppins" panose="00000500000000000000" pitchFamily="2" charset="0"/>
+                <a:cs typeface="Poppins" panose="00000500000000000000" pitchFamily="2" charset="0"/>
+              </a:rPr>
+              <a:t>dengan</a:t>
+            </a:r>
+            <a:r>
+              <a:rPr lang="en-US" sz="1100" dirty="0">
+                <a:latin typeface="Poppins" panose="00000500000000000000" pitchFamily="2" charset="0"/>
+                <a:cs typeface="Poppins" panose="00000500000000000000" pitchFamily="2" charset="0"/>
+              </a:rPr>
+              <a:t> </a:t>
+            </a:r>
+            <a:r>
+              <a:rPr lang="en-US" sz="1100" dirty="0" err="1">
+                <a:latin typeface="Poppins" panose="00000500000000000000" pitchFamily="2" charset="0"/>
+                <a:cs typeface="Poppins" panose="00000500000000000000" pitchFamily="2" charset="0"/>
+              </a:rPr>
+              <a:t>keynya</a:t>
+            </a:r>
+            <a:endParaRPr lang="en-US" sz="1100" dirty="0">
+              <a:latin typeface="Poppins" panose="00000500000000000000" pitchFamily="2" charset="0"/>
+              <a:cs typeface="Poppins" panose="00000500000000000000" pitchFamily="2" charset="0"/>
+            </a:endParaRPr>
+          </a:p>
+        </p:txBody>
+      </p:sp>
+      <p:cxnSp>
+        <p:nvCxnSpPr>
+          <p:cNvPr id="13" name="Straight Connector 12">
+            <a:extLst>
+              <a:ext uri="{FF2B5EF4-FFF2-40B4-BE49-F238E27FC236}">
+                <a16:creationId xmlns:a16="http://schemas.microsoft.com/office/drawing/2014/main" id="{378946EB-897D-41CC-8936-D3A5B6F67DB7}"/>
+              </a:ext>
+            </a:extLst>
+          </p:cNvPr>
+          <p:cNvCxnSpPr>
+            <a:cxnSpLocks/>
+          </p:cNvCxnSpPr>
+          <p:nvPr/>
+        </p:nvCxnSpPr>
+        <p:spPr>
+          <a:xfrm flipV="1">
+            <a:off x="1085850" y="2680491"/>
+            <a:ext cx="1134859" cy="902147"/>
+          </a:xfrm>
+          <a:prstGeom prst="line">
+            <a:avLst/>
+          </a:prstGeom>
+        </p:spPr>
+        <p:style>
+          <a:lnRef idx="1">
+            <a:schemeClr val="accent1"/>
+          </a:lnRef>
+          <a:fillRef idx="0">
+            <a:schemeClr val="accent1"/>
+          </a:fillRef>
+          <a:effectRef idx="0">
+            <a:schemeClr val="accent1"/>
+          </a:effectRef>
+          <a:fontRef idx="minor">
+            <a:schemeClr val="tx1"/>
+          </a:fontRef>
+        </p:style>
+      </p:cxnSp>
+      <p:sp>
+        <p:nvSpPr>
+          <p:cNvPr id="15" name="TextBox 14">
+            <a:extLst>
+              <a:ext uri="{FF2B5EF4-FFF2-40B4-BE49-F238E27FC236}">
+                <a16:creationId xmlns:a16="http://schemas.microsoft.com/office/drawing/2014/main" id="{0FEF8FD4-740C-487B-9ACA-870C4641EF91}"/>
+              </a:ext>
+            </a:extLst>
+          </p:cNvPr>
+          <p:cNvSpPr txBox="1"/>
+          <p:nvPr/>
+        </p:nvSpPr>
+        <p:spPr>
+          <a:xfrm>
+            <a:off x="409737" y="3702286"/>
+            <a:ext cx="3307316" cy="261610"/>
+          </a:xfrm>
+          <a:prstGeom prst="rect">
+            <a:avLst/>
+          </a:prstGeom>
+          <a:noFill/>
+        </p:spPr>
+        <p:txBody>
+          <a:bodyPr wrap="none" rtlCol="0">
+            <a:spAutoFit/>
+          </a:bodyPr>
+          <a:lstStyle/>
+          <a:p>
+            <a:r>
+              <a:rPr lang="en-US" sz="1100" dirty="0" err="1">
+                <a:latin typeface="Poppins" panose="00000500000000000000" pitchFamily="2" charset="0"/>
+                <a:cs typeface="Poppins" panose="00000500000000000000" pitchFamily="2" charset="0"/>
+              </a:rPr>
+              <a:t>Destructuring</a:t>
+            </a:r>
+            <a:r>
+              <a:rPr lang="en-US" sz="1100" dirty="0">
+                <a:latin typeface="Poppins" panose="00000500000000000000" pitchFamily="2" charset="0"/>
+                <a:cs typeface="Poppins" panose="00000500000000000000" pitchFamily="2" charset="0"/>
+              </a:rPr>
+              <a:t> array </a:t>
+            </a:r>
+            <a:r>
+              <a:rPr lang="en-US" sz="1100" dirty="0" err="1">
+                <a:latin typeface="Poppins" panose="00000500000000000000" pitchFamily="2" charset="0"/>
+                <a:cs typeface="Poppins" panose="00000500000000000000" pitchFamily="2" charset="0"/>
+              </a:rPr>
+              <a:t>sesuai</a:t>
+            </a:r>
+            <a:r>
+              <a:rPr lang="en-US" sz="1100" dirty="0">
+                <a:latin typeface="Poppins" panose="00000500000000000000" pitchFamily="2" charset="0"/>
+                <a:cs typeface="Poppins" panose="00000500000000000000" pitchFamily="2" charset="0"/>
+              </a:rPr>
+              <a:t> </a:t>
+            </a:r>
+            <a:r>
+              <a:rPr lang="en-US" sz="1100" dirty="0" err="1">
+                <a:latin typeface="Poppins" panose="00000500000000000000" pitchFamily="2" charset="0"/>
+                <a:cs typeface="Poppins" panose="00000500000000000000" pitchFamily="2" charset="0"/>
+              </a:rPr>
+              <a:t>dengan</a:t>
+            </a:r>
+            <a:r>
+              <a:rPr lang="en-US" sz="1100" dirty="0">
+                <a:latin typeface="Poppins" panose="00000500000000000000" pitchFamily="2" charset="0"/>
+                <a:cs typeface="Poppins" panose="00000500000000000000" pitchFamily="2" charset="0"/>
+              </a:rPr>
+              <a:t> </a:t>
+            </a:r>
+            <a:r>
+              <a:rPr lang="en-US" sz="1100" dirty="0" err="1">
+                <a:latin typeface="Poppins" panose="00000500000000000000" pitchFamily="2" charset="0"/>
+                <a:cs typeface="Poppins" panose="00000500000000000000" pitchFamily="2" charset="0"/>
+              </a:rPr>
+              <a:t>indexnya</a:t>
+            </a:r>
+            <a:endParaRPr lang="en-US" sz="1100" dirty="0">
+              <a:latin typeface="Poppins" panose="00000500000000000000" pitchFamily="2" charset="0"/>
+              <a:cs typeface="Poppins" panose="00000500000000000000" pitchFamily="2" charset="0"/>
+            </a:endParaRPr>
+          </a:p>
+        </p:txBody>
+      </p:sp>
+      <p:pic>
+        <p:nvPicPr>
+          <p:cNvPr id="17" name="Picture 16">
+            <a:extLst>
+              <a:ext uri="{FF2B5EF4-FFF2-40B4-BE49-F238E27FC236}">
+                <a16:creationId xmlns:a16="http://schemas.microsoft.com/office/drawing/2014/main" id="{DE094619-216A-4968-B428-A1B153FF68FC}"/>
+              </a:ext>
+            </a:extLst>
+          </p:cNvPr>
+          <p:cNvPicPr>
+            <a:picLocks noChangeAspect="1"/>
+          </p:cNvPicPr>
+          <p:nvPr/>
+        </p:nvPicPr>
+        <p:blipFill>
+          <a:blip r:embed="rId3">
+            <a:extLst>
+              <a:ext uri="{28A0092B-C50C-407E-A947-70E740481C1C}">
+                <a14:useLocalDpi xmlns:a14="http://schemas.microsoft.com/office/drawing/2010/main" val="0"/>
+              </a:ext>
+            </a:extLst>
+          </a:blip>
+          <a:stretch>
+            <a:fillRect/>
+          </a:stretch>
+        </p:blipFill>
+        <p:spPr>
+          <a:xfrm>
+            <a:off x="5896136" y="3440211"/>
+            <a:ext cx="5388687" cy="2936722"/>
+          </a:xfrm>
+          <a:prstGeom prst="rect">
+            <a:avLst/>
+          </a:prstGeom>
+        </p:spPr>
+      </p:pic>
+      <p:sp>
+        <p:nvSpPr>
+          <p:cNvPr id="18" name="TextBox 17">
+            <a:extLst>
+              <a:ext uri="{FF2B5EF4-FFF2-40B4-BE49-F238E27FC236}">
+                <a16:creationId xmlns:a16="http://schemas.microsoft.com/office/drawing/2014/main" id="{240780BC-8395-40D8-BAD2-E33682508BC3}"/>
+              </a:ext>
+            </a:extLst>
+          </p:cNvPr>
+          <p:cNvSpPr txBox="1"/>
+          <p:nvPr/>
+        </p:nvSpPr>
+        <p:spPr>
+          <a:xfrm>
+            <a:off x="7644667" y="2324110"/>
+            <a:ext cx="3852008" cy="430887"/>
+          </a:xfrm>
+          <a:prstGeom prst="rect">
+            <a:avLst/>
+          </a:prstGeom>
+          <a:noFill/>
+        </p:spPr>
+        <p:txBody>
+          <a:bodyPr wrap="square" rtlCol="0">
+            <a:spAutoFit/>
+          </a:bodyPr>
+          <a:lstStyle/>
+          <a:p>
+            <a:r>
+              <a:rPr lang="en-US" sz="1100" dirty="0" err="1">
+                <a:latin typeface="Poppins" panose="00000500000000000000" pitchFamily="2" charset="0"/>
+                <a:cs typeface="Poppins" panose="00000500000000000000" pitchFamily="2" charset="0"/>
+              </a:rPr>
+              <a:t>Destructuring</a:t>
+            </a:r>
+            <a:r>
+              <a:rPr lang="en-US" sz="1100" dirty="0">
+                <a:latin typeface="Poppins" panose="00000500000000000000" pitchFamily="2" charset="0"/>
+                <a:cs typeface="Poppins" panose="00000500000000000000" pitchFamily="2" charset="0"/>
+              </a:rPr>
+              <a:t> </a:t>
+            </a:r>
+            <a:r>
+              <a:rPr lang="en-US" sz="1100" dirty="0" err="1">
+                <a:latin typeface="Poppins" panose="00000500000000000000" pitchFamily="2" charset="0"/>
+                <a:cs typeface="Poppins" panose="00000500000000000000" pitchFamily="2" charset="0"/>
+              </a:rPr>
+              <a:t>biasanya</a:t>
+            </a:r>
+            <a:r>
+              <a:rPr lang="en-US" sz="1100" dirty="0">
+                <a:latin typeface="Poppins" panose="00000500000000000000" pitchFamily="2" charset="0"/>
+                <a:cs typeface="Poppins" panose="00000500000000000000" pitchFamily="2" charset="0"/>
+              </a:rPr>
+              <a:t> </a:t>
+            </a:r>
+            <a:r>
+              <a:rPr lang="en-US" sz="1100" dirty="0" err="1">
+                <a:latin typeface="Poppins" panose="00000500000000000000" pitchFamily="2" charset="0"/>
+                <a:cs typeface="Poppins" panose="00000500000000000000" pitchFamily="2" charset="0"/>
+              </a:rPr>
+              <a:t>digunakan</a:t>
+            </a:r>
+            <a:r>
+              <a:rPr lang="en-US" sz="1100" dirty="0">
+                <a:latin typeface="Poppins" panose="00000500000000000000" pitchFamily="2" charset="0"/>
+                <a:cs typeface="Poppins" panose="00000500000000000000" pitchFamily="2" charset="0"/>
+              </a:rPr>
+              <a:t> </a:t>
+            </a:r>
+            <a:r>
+              <a:rPr lang="en-US" sz="1100" dirty="0" err="1">
+                <a:latin typeface="Poppins" panose="00000500000000000000" pitchFamily="2" charset="0"/>
+                <a:cs typeface="Poppins" panose="00000500000000000000" pitchFamily="2" charset="0"/>
+              </a:rPr>
+              <a:t>ketika</a:t>
+            </a:r>
+            <a:r>
+              <a:rPr lang="en-US" sz="1100" dirty="0">
+                <a:latin typeface="Poppins" panose="00000500000000000000" pitchFamily="2" charset="0"/>
+                <a:cs typeface="Poppins" panose="00000500000000000000" pitchFamily="2" charset="0"/>
+              </a:rPr>
+              <a:t> </a:t>
+            </a:r>
+            <a:r>
+              <a:rPr lang="en-US" sz="1100" dirty="0" err="1">
+                <a:latin typeface="Poppins" panose="00000500000000000000" pitchFamily="2" charset="0"/>
+                <a:cs typeface="Poppins" panose="00000500000000000000" pitchFamily="2" charset="0"/>
+              </a:rPr>
+              <a:t>suatu</a:t>
+            </a:r>
+            <a:r>
+              <a:rPr lang="en-US" sz="1100" dirty="0">
+                <a:latin typeface="Poppins" panose="00000500000000000000" pitchFamily="2" charset="0"/>
+                <a:cs typeface="Poppins" panose="00000500000000000000" pitchFamily="2" charset="0"/>
+              </a:rPr>
+              <a:t> function </a:t>
+            </a:r>
+            <a:r>
+              <a:rPr lang="en-US" sz="1100" dirty="0" err="1">
+                <a:latin typeface="Poppins" panose="00000500000000000000" pitchFamily="2" charset="0"/>
+                <a:cs typeface="Poppins" panose="00000500000000000000" pitchFamily="2" charset="0"/>
+              </a:rPr>
+              <a:t>mengembalikkan</a:t>
+            </a:r>
+            <a:r>
+              <a:rPr lang="en-US" sz="1100" dirty="0">
+                <a:latin typeface="Poppins" panose="00000500000000000000" pitchFamily="2" charset="0"/>
+                <a:cs typeface="Poppins" panose="00000500000000000000" pitchFamily="2" charset="0"/>
+              </a:rPr>
+              <a:t> object </a:t>
+            </a:r>
+            <a:r>
+              <a:rPr lang="en-US" sz="1100" dirty="0" err="1">
+                <a:latin typeface="Poppins" panose="00000500000000000000" pitchFamily="2" charset="0"/>
+                <a:cs typeface="Poppins" panose="00000500000000000000" pitchFamily="2" charset="0"/>
+              </a:rPr>
+              <a:t>atau</a:t>
+            </a:r>
+            <a:r>
+              <a:rPr lang="en-US" sz="1100" dirty="0">
+                <a:latin typeface="Poppins" panose="00000500000000000000" pitchFamily="2" charset="0"/>
+                <a:cs typeface="Poppins" panose="00000500000000000000" pitchFamily="2" charset="0"/>
+              </a:rPr>
+              <a:t> array</a:t>
+            </a:r>
+          </a:p>
+        </p:txBody>
+      </p:sp>
+      <p:cxnSp>
+        <p:nvCxnSpPr>
+          <p:cNvPr id="19" name="Straight Connector 18">
+            <a:extLst>
+              <a:ext uri="{FF2B5EF4-FFF2-40B4-BE49-F238E27FC236}">
+                <a16:creationId xmlns:a16="http://schemas.microsoft.com/office/drawing/2014/main" id="{BEDDE236-754D-4864-8727-F4F601B4177D}"/>
+              </a:ext>
+            </a:extLst>
+          </p:cNvPr>
+          <p:cNvCxnSpPr>
+            <a:cxnSpLocks/>
+          </p:cNvCxnSpPr>
+          <p:nvPr/>
+        </p:nvCxnSpPr>
+        <p:spPr>
+          <a:xfrm flipV="1">
+            <a:off x="8501102" y="2819400"/>
+            <a:ext cx="89378" cy="556408"/>
+          </a:xfrm>
+          <a:prstGeom prst="line">
+            <a:avLst/>
+          </a:prstGeom>
+        </p:spPr>
+        <p:style>
+          <a:lnRef idx="1">
+            <a:schemeClr val="accent1"/>
+          </a:lnRef>
+          <a:fillRef idx="0">
+            <a:schemeClr val="accent1"/>
+          </a:fillRef>
+          <a:effectRef idx="0">
+            <a:schemeClr val="accent1"/>
+          </a:effectRef>
+          <a:fontRef idx="minor">
+            <a:schemeClr val="tx1"/>
+          </a:fontRef>
+        </p:style>
+      </p:cxnSp>
+    </p:spTree>
+    <p:extLst>
+      <p:ext uri="{BB962C8B-B14F-4D97-AF65-F5344CB8AC3E}">
+        <p14:creationId xmlns:p14="http://schemas.microsoft.com/office/powerpoint/2010/main" val="3326031718"/>
+      </p:ext>
+    </p:extLst>
+  </p:cSld>
+  <p:clrMapOvr>
+    <a:masterClrMapping/>
+  </p:clrMapOvr>
+</p:sld>
+</file>
+
+<file path=ppt/slides/slide14.xml><?xml version="1.0" encoding="utf-8"?>
+<p:sld xmlns:a="http://schemas.openxmlformats.org/drawingml/2006/main" xmlns:r="http://schemas.openxmlformats.org/officeDocument/2006/relationships" xmlns:p="http://schemas.openxmlformats.org/presentationml/2006/main">
+  <p:cSld>
+    <p:spTree>
+      <p:nvGrpSpPr>
+        <p:cNvPr id="1" name=""/>
+        <p:cNvGrpSpPr/>
+        <p:nvPr/>
+      </p:nvGrpSpPr>
+      <p:grpSpPr>
+        <a:xfrm>
+          <a:off x="0" y="0"/>
+          <a:ext cx="0" cy="0"/>
+          <a:chOff x="0" y="0"/>
+          <a:chExt cx="0" cy="0"/>
+        </a:xfrm>
+      </p:grpSpPr>
+      <p:sp>
+        <p:nvSpPr>
           <p:cNvPr id="9" name="Rectangle 8">
             <a:extLst>
               <a:ext uri="{FF2B5EF4-FFF2-40B4-BE49-F238E27FC236}">
@@ -6228,7 +8403,7 @@
 </p:sld>
 </file>
 
-<file path=ppt/slides/slide12.xml><?xml version="1.0" encoding="utf-8"?>
+<file path=ppt/slides/slide15.xml><?xml version="1.0" encoding="utf-8"?>
 <p:sld xmlns:a="http://schemas.openxmlformats.org/drawingml/2006/main" xmlns:r="http://schemas.openxmlformats.org/officeDocument/2006/relationships" xmlns:p="http://schemas.openxmlformats.org/presentationml/2006/main">
   <p:cSld>
     <p:spTree>
@@ -10534,52 +12709,158 @@
           <a:chExt cx="0" cy="0"/>
         </a:xfrm>
       </p:grpSpPr>
-      <p:cxnSp>
-        <p:nvCxnSpPr>
-          <p:cNvPr id="55" name="Straight Connector 54">
-            <a:extLst>
-              <a:ext uri="{FF2B5EF4-FFF2-40B4-BE49-F238E27FC236}">
-                <a16:creationId xmlns:a16="http://schemas.microsoft.com/office/drawing/2014/main" id="{9C6E4A8F-2022-4F62-8647-5F95C9B972AA}"/>
-              </a:ext>
-            </a:extLst>
-          </p:cNvPr>
-          <p:cNvCxnSpPr>
-            <a:cxnSpLocks/>
-            <a:stCxn id="45" idx="3"/>
-            <a:endCxn id="48" idx="1"/>
-          </p:cNvCxnSpPr>
-          <p:nvPr/>
-        </p:nvCxnSpPr>
-        <p:spPr>
-          <a:xfrm>
-            <a:off x="9381031" y="1356226"/>
-            <a:ext cx="136207" cy="0"/>
-          </a:xfrm>
-          <a:prstGeom prst="line">
-            <a:avLst/>
-          </a:prstGeom>
-        </p:spPr>
-        <p:style>
-          <a:lnRef idx="1">
-            <a:schemeClr val="accent1"/>
-          </a:lnRef>
-          <a:fillRef idx="0">
-            <a:schemeClr val="accent1"/>
-          </a:fillRef>
-          <a:effectRef idx="0">
-            <a:schemeClr val="accent1"/>
-          </a:effectRef>
-          <a:fontRef idx="minor">
-            <a:schemeClr val="tx1"/>
-          </a:fontRef>
-        </p:style>
-      </p:cxnSp>
-      <p:sp>
-        <p:nvSpPr>
-          <p:cNvPr id="42" name="Rectangle 41">
-            <a:extLst>
-              <a:ext uri="{FF2B5EF4-FFF2-40B4-BE49-F238E27FC236}">
-                <a16:creationId xmlns:a16="http://schemas.microsoft.com/office/drawing/2014/main" id="{0BE72460-9601-4EE7-A5D3-3FDBA2A648A2}"/>
+      <p:sp>
+        <p:nvSpPr>
+          <p:cNvPr id="2" name="TextBox 1">
+            <a:extLst>
+              <a:ext uri="{FF2B5EF4-FFF2-40B4-BE49-F238E27FC236}">
+                <a16:creationId xmlns:a16="http://schemas.microsoft.com/office/drawing/2014/main" id="{F7B5F398-F63C-465E-B70A-04EA3CE55AFA}"/>
+              </a:ext>
+            </a:extLst>
+          </p:cNvPr>
+          <p:cNvSpPr txBox="1"/>
+          <p:nvPr/>
+        </p:nvSpPr>
+        <p:spPr>
+          <a:xfrm>
+            <a:off x="770950" y="377376"/>
+            <a:ext cx="1019831" cy="338554"/>
+          </a:xfrm>
+          <a:prstGeom prst="rect">
+            <a:avLst/>
+          </a:prstGeom>
+          <a:noFill/>
+        </p:spPr>
+        <p:txBody>
+          <a:bodyPr wrap="none" rtlCol="0">
+            <a:spAutoFit/>
+          </a:bodyPr>
+          <a:lstStyle/>
+          <a:p>
+            <a:r>
+              <a:rPr lang="en-US" sz="1600" dirty="0">
+                <a:latin typeface="Poppins" panose="00000500000000000000" pitchFamily="2" charset="0"/>
+                <a:cs typeface="Poppins" panose="00000500000000000000" pitchFamily="2" charset="0"/>
+              </a:rPr>
+              <a:t>Foreach</a:t>
+            </a:r>
+          </a:p>
+        </p:txBody>
+      </p:sp>
+      <p:pic>
+        <p:nvPicPr>
+          <p:cNvPr id="4" name="Picture 3">
+            <a:extLst>
+              <a:ext uri="{FF2B5EF4-FFF2-40B4-BE49-F238E27FC236}">
+                <a16:creationId xmlns:a16="http://schemas.microsoft.com/office/drawing/2014/main" id="{57083916-7544-413E-92E1-2C2B5F858CC4}"/>
+              </a:ext>
+            </a:extLst>
+          </p:cNvPr>
+          <p:cNvPicPr>
+            <a:picLocks noChangeAspect="1"/>
+          </p:cNvPicPr>
+          <p:nvPr/>
+        </p:nvPicPr>
+        <p:blipFill>
+          <a:blip r:embed="rId2">
+            <a:extLst>
+              <a:ext uri="{28A0092B-C50C-407E-A947-70E740481C1C}">
+                <a14:useLocalDpi xmlns:a14="http://schemas.microsoft.com/office/drawing/2010/main" val="0"/>
+              </a:ext>
+            </a:extLst>
+          </a:blip>
+          <a:srcRect/>
+          <a:stretch/>
+        </p:blipFill>
+        <p:spPr>
+          <a:xfrm>
+            <a:off x="1431940" y="1409369"/>
+            <a:ext cx="5251534" cy="1532612"/>
+          </a:xfrm>
+          <a:prstGeom prst="rect">
+            <a:avLst/>
+          </a:prstGeom>
+        </p:spPr>
+      </p:pic>
+      <p:sp>
+        <p:nvSpPr>
+          <p:cNvPr id="5" name="TextBox 4">
+            <a:extLst>
+              <a:ext uri="{FF2B5EF4-FFF2-40B4-BE49-F238E27FC236}">
+                <a16:creationId xmlns:a16="http://schemas.microsoft.com/office/drawing/2014/main" id="{A34E6303-FE3F-4D51-BE32-38636B696140}"/>
+              </a:ext>
+            </a:extLst>
+          </p:cNvPr>
+          <p:cNvSpPr txBox="1"/>
+          <p:nvPr/>
+        </p:nvSpPr>
+        <p:spPr>
+          <a:xfrm>
+            <a:off x="6328303" y="3305889"/>
+            <a:ext cx="263329" cy="246221"/>
+          </a:xfrm>
+          <a:prstGeom prst="rect">
+            <a:avLst/>
+          </a:prstGeom>
+          <a:noFill/>
+        </p:spPr>
+        <p:txBody>
+          <a:bodyPr wrap="square" rtlCol="0">
+            <a:spAutoFit/>
+          </a:bodyPr>
+          <a:lstStyle/>
+          <a:p>
+            <a:r>
+              <a:rPr lang="en-US" sz="1000" dirty="0">
+                <a:latin typeface="Poppins" panose="00000500000000000000" pitchFamily="2" charset="0"/>
+                <a:cs typeface="Poppins" panose="00000500000000000000" pitchFamily="2" charset="0"/>
+              </a:rPr>
+              <a:t>=</a:t>
+            </a:r>
+          </a:p>
+        </p:txBody>
+      </p:sp>
+      <p:pic>
+        <p:nvPicPr>
+          <p:cNvPr id="7" name="Picture 6">
+            <a:extLst>
+              <a:ext uri="{FF2B5EF4-FFF2-40B4-BE49-F238E27FC236}">
+                <a16:creationId xmlns:a16="http://schemas.microsoft.com/office/drawing/2014/main" id="{2D0F1D69-2D32-4671-9F46-7E83E854F273}"/>
+              </a:ext>
+            </a:extLst>
+          </p:cNvPr>
+          <p:cNvPicPr>
+            <a:picLocks noChangeAspect="1"/>
+          </p:cNvPicPr>
+          <p:nvPr/>
+        </p:nvPicPr>
+        <p:blipFill>
+          <a:blip r:embed="rId3">
+            <a:extLst>
+              <a:ext uri="{28A0092B-C50C-407E-A947-70E740481C1C}">
+                <a14:useLocalDpi xmlns:a14="http://schemas.microsoft.com/office/drawing/2010/main" val="0"/>
+              </a:ext>
+            </a:extLst>
+          </a:blip>
+          <a:srcRect/>
+          <a:stretch/>
+        </p:blipFill>
+        <p:spPr>
+          <a:xfrm>
+            <a:off x="6491106" y="3958231"/>
+            <a:ext cx="4781283" cy="1490400"/>
+          </a:xfrm>
+          <a:prstGeom prst="rect">
+            <a:avLst/>
+          </a:prstGeom>
+        </p:spPr>
+      </p:pic>
+      <p:sp>
+        <p:nvSpPr>
+          <p:cNvPr id="8" name="Rectangle 7">
+            <a:extLst>
+              <a:ext uri="{FF2B5EF4-FFF2-40B4-BE49-F238E27FC236}">
+                <a16:creationId xmlns:a16="http://schemas.microsoft.com/office/drawing/2014/main" id="{E9A4AECD-86E6-4D9A-ADCD-01CD28DD38AD}"/>
               </a:ext>
             </a:extLst>
           </p:cNvPr>
@@ -10588,8 +12869,8 @@
         </p:nvSpPr>
         <p:spPr>
           <a:xfrm>
-            <a:off x="8775127" y="649492"/>
-            <a:ext cx="2062826" cy="625151"/>
+            <a:off x="8220488" y="446861"/>
+            <a:ext cx="276225" cy="341124"/>
           </a:xfrm>
           <a:prstGeom prst="rect">
             <a:avLst/>
@@ -10597,7 +12878,7 @@
           <a:noFill/>
           <a:ln>
             <a:solidFill>
-              <a:schemeClr val="bg1"/>
+              <a:schemeClr val="tx1"/>
             </a:solidFill>
           </a:ln>
         </p:spPr>
@@ -10630,17 +12911,17 @@
                 <a:latin typeface="Poppins" panose="00000500000000000000" pitchFamily="2" charset="0"/>
                 <a:cs typeface="Poppins" panose="00000500000000000000" pitchFamily="2" charset="0"/>
               </a:rPr>
-              <a:t>proses</a:t>
-            </a:r>
-          </a:p>
-        </p:txBody>
-      </p:sp>
-      <p:sp>
-        <p:nvSpPr>
-          <p:cNvPr id="31" name="Rectangle 30">
-            <a:extLst>
-              <a:ext uri="{FF2B5EF4-FFF2-40B4-BE49-F238E27FC236}">
-                <a16:creationId xmlns:a16="http://schemas.microsoft.com/office/drawing/2014/main" id="{CDA8AC1B-2922-40CC-A9BD-1E9EED6F01BC}"/>
+              <a:t>1</a:t>
+            </a:r>
+          </a:p>
+        </p:txBody>
+      </p:sp>
+      <p:sp>
+        <p:nvSpPr>
+          <p:cNvPr id="9" name="Rectangle 8">
+            <a:extLst>
+              <a:ext uri="{FF2B5EF4-FFF2-40B4-BE49-F238E27FC236}">
+                <a16:creationId xmlns:a16="http://schemas.microsoft.com/office/drawing/2014/main" id="{6623246D-F684-4091-8892-3B12CE48C4DE}"/>
               </a:ext>
             </a:extLst>
           </p:cNvPr>
@@ -10649,8 +12930,8 @@
         </p:nvSpPr>
         <p:spPr>
           <a:xfrm>
-            <a:off x="5668976" y="2766804"/>
-            <a:ext cx="2062826" cy="625151"/>
+            <a:off x="8496713" y="446860"/>
+            <a:ext cx="276225" cy="341124"/>
           </a:xfrm>
           <a:prstGeom prst="rect">
             <a:avLst/>
@@ -10658,7 +12939,7 @@
           <a:noFill/>
           <a:ln>
             <a:solidFill>
-              <a:schemeClr val="bg1"/>
+              <a:schemeClr val="tx1"/>
             </a:solidFill>
           </a:ln>
         </p:spPr>
@@ -10684,91 +12965,24 @@
           <a:p>
             <a:pPr algn="ctr"/>
             <a:r>
-              <a:rPr lang="en-US" sz="800" dirty="0" err="1">
-                <a:solidFill>
-                  <a:schemeClr val="tx1"/>
-                </a:solidFill>
-                <a:latin typeface="Poppins" panose="00000500000000000000" pitchFamily="2" charset="0"/>
-                <a:cs typeface="Poppins" panose="00000500000000000000" pitchFamily="2" charset="0"/>
-              </a:rPr>
-              <a:t>Iterasi</a:t>
-            </a:r>
-            <a:r>
-              <a:rPr lang="en-US" sz="800" dirty="0">
-                <a:solidFill>
-                  <a:schemeClr val="tx1"/>
-                </a:solidFill>
-                <a:latin typeface="Poppins" panose="00000500000000000000" pitchFamily="2" charset="0"/>
-                <a:cs typeface="Poppins" panose="00000500000000000000" pitchFamily="2" charset="0"/>
-              </a:rPr>
-              <a:t> </a:t>
-            </a:r>
-            <a:r>
-              <a:rPr lang="en-US" sz="800" dirty="0" err="1">
-                <a:solidFill>
-                  <a:schemeClr val="tx1"/>
-                </a:solidFill>
-                <a:latin typeface="Poppins" panose="00000500000000000000" pitchFamily="2" charset="0"/>
-                <a:cs typeface="Poppins" panose="00000500000000000000" pitchFamily="2" charset="0"/>
-              </a:rPr>
-              <a:t>setiap</a:t>
-            </a:r>
-            <a:r>
-              <a:rPr lang="en-US" sz="800" dirty="0">
-                <a:solidFill>
-                  <a:schemeClr val="tx1"/>
-                </a:solidFill>
-                <a:latin typeface="Poppins" panose="00000500000000000000" pitchFamily="2" charset="0"/>
-                <a:cs typeface="Poppins" panose="00000500000000000000" pitchFamily="2" charset="0"/>
-              </a:rPr>
-              <a:t> array </a:t>
-            </a:r>
-            <a:r>
-              <a:rPr lang="en-US" sz="800" dirty="0" err="1">
-                <a:solidFill>
-                  <a:schemeClr val="tx1"/>
-                </a:solidFill>
-                <a:latin typeface="Poppins" panose="00000500000000000000" pitchFamily="2" charset="0"/>
-                <a:cs typeface="Poppins" panose="00000500000000000000" pitchFamily="2" charset="0"/>
-              </a:rPr>
-              <a:t>jumlahkan</a:t>
-            </a:r>
-            <a:r>
-              <a:rPr lang="en-US" sz="800" dirty="0">
-                <a:solidFill>
-                  <a:schemeClr val="tx1"/>
-                </a:solidFill>
-                <a:latin typeface="Poppins" panose="00000500000000000000" pitchFamily="2" charset="0"/>
-                <a:cs typeface="Poppins" panose="00000500000000000000" pitchFamily="2" charset="0"/>
-              </a:rPr>
-              <a:t> </a:t>
-            </a:r>
-            <a:r>
-              <a:rPr lang="en-US" sz="800" dirty="0" err="1">
-                <a:solidFill>
-                  <a:schemeClr val="tx1"/>
-                </a:solidFill>
-                <a:latin typeface="Poppins" panose="00000500000000000000" pitchFamily="2" charset="0"/>
-                <a:cs typeface="Poppins" panose="00000500000000000000" pitchFamily="2" charset="0"/>
-              </a:rPr>
-              <a:t>satu</a:t>
-            </a:r>
-            <a:endParaRPr lang="en-US" sz="800" dirty="0">
-              <a:solidFill>
-                <a:schemeClr val="tx1"/>
-              </a:solidFill>
-              <a:latin typeface="Poppins" panose="00000500000000000000" pitchFamily="2" charset="0"/>
-              <a:cs typeface="Poppins" panose="00000500000000000000" pitchFamily="2" charset="0"/>
-            </a:endParaRPr>
-          </a:p>
-        </p:txBody>
-      </p:sp>
-      <p:sp>
-        <p:nvSpPr>
-          <p:cNvPr id="37" name="Rectangle 36">
-            <a:extLst>
-              <a:ext uri="{FF2B5EF4-FFF2-40B4-BE49-F238E27FC236}">
-                <a16:creationId xmlns:a16="http://schemas.microsoft.com/office/drawing/2014/main" id="{C10B36BD-85AD-41A8-B285-AADF4C0A02EB}"/>
+              <a:rPr lang="en-US" sz="1000" dirty="0">
+                <a:solidFill>
+                  <a:schemeClr val="tx1"/>
+                </a:solidFill>
+                <a:latin typeface="Poppins" panose="00000500000000000000" pitchFamily="2" charset="0"/>
+                <a:cs typeface="Poppins" panose="00000500000000000000" pitchFamily="2" charset="0"/>
+              </a:rPr>
+              <a:t>2</a:t>
+            </a:r>
+          </a:p>
+        </p:txBody>
+      </p:sp>
+      <p:sp>
+        <p:nvSpPr>
+          <p:cNvPr id="10" name="Rectangle 9">
+            <a:extLst>
+              <a:ext uri="{FF2B5EF4-FFF2-40B4-BE49-F238E27FC236}">
+                <a16:creationId xmlns:a16="http://schemas.microsoft.com/office/drawing/2014/main" id="{132ADCEB-CEEB-4FC8-B643-A0632820BF3C}"/>
               </a:ext>
             </a:extLst>
           </p:cNvPr>
@@ -10777,8 +12991,8 @@
         </p:nvSpPr>
         <p:spPr>
           <a:xfrm>
-            <a:off x="8489665" y="2812048"/>
-            <a:ext cx="2062826" cy="625151"/>
+            <a:off x="8771033" y="446860"/>
+            <a:ext cx="276225" cy="341124"/>
           </a:xfrm>
           <a:prstGeom prst="rect">
             <a:avLst/>
@@ -10786,7 +13000,7 @@
           <a:noFill/>
           <a:ln>
             <a:solidFill>
-              <a:schemeClr val="bg1"/>
+              <a:schemeClr val="tx1"/>
             </a:solidFill>
           </a:ln>
         </p:spPr>
@@ -10812,148 +13026,6 @@
           <a:p>
             <a:pPr algn="ctr"/>
             <a:r>
-              <a:rPr lang="en-US" sz="800" dirty="0">
-                <a:solidFill>
-                  <a:schemeClr val="tx1"/>
-                </a:solidFill>
-                <a:latin typeface="Poppins" panose="00000500000000000000" pitchFamily="2" charset="0"/>
-                <a:cs typeface="Poppins" panose="00000500000000000000" pitchFamily="2" charset="0"/>
-              </a:rPr>
-              <a:t>Callback </a:t>
-            </a:r>
-            <a:r>
-              <a:rPr lang="en-US" sz="800" dirty="0" err="1">
-                <a:solidFill>
-                  <a:schemeClr val="tx1"/>
-                </a:solidFill>
-                <a:latin typeface="Poppins" panose="00000500000000000000" pitchFamily="2" charset="0"/>
-                <a:cs typeface="Poppins" panose="00000500000000000000" pitchFamily="2" charset="0"/>
-              </a:rPr>
-              <a:t>dengan</a:t>
-            </a:r>
-            <a:r>
-              <a:rPr lang="en-US" sz="800" dirty="0">
-                <a:solidFill>
-                  <a:schemeClr val="tx1"/>
-                </a:solidFill>
-                <a:latin typeface="Poppins" panose="00000500000000000000" pitchFamily="2" charset="0"/>
-                <a:cs typeface="Poppins" panose="00000500000000000000" pitchFamily="2" charset="0"/>
-              </a:rPr>
-              <a:t> arrow function</a:t>
-            </a:r>
-          </a:p>
-        </p:txBody>
-      </p:sp>
-      <p:sp>
-        <p:nvSpPr>
-          <p:cNvPr id="21" name="Rectangle 20">
-            <a:extLst>
-              <a:ext uri="{FF2B5EF4-FFF2-40B4-BE49-F238E27FC236}">
-                <a16:creationId xmlns:a16="http://schemas.microsoft.com/office/drawing/2014/main" id="{9AC58A3A-B1B1-47A7-9C12-104AB83D3C63}"/>
-              </a:ext>
-            </a:extLst>
-          </p:cNvPr>
-          <p:cNvSpPr/>
-          <p:nvPr/>
-        </p:nvSpPr>
-        <p:spPr>
-          <a:xfrm>
-            <a:off x="3265026" y="1788666"/>
-            <a:ext cx="2062826" cy="625151"/>
-          </a:xfrm>
-          <a:prstGeom prst="rect">
-            <a:avLst/>
-          </a:prstGeom>
-          <a:noFill/>
-          <a:ln>
-            <a:solidFill>
-              <a:schemeClr val="bg1"/>
-            </a:solidFill>
-          </a:ln>
-        </p:spPr>
-        <p:style>
-          <a:lnRef idx="2">
-            <a:schemeClr val="accent1">
-              <a:shade val="50000"/>
-            </a:schemeClr>
-          </a:lnRef>
-          <a:fillRef idx="1">
-            <a:schemeClr val="accent1"/>
-          </a:fillRef>
-          <a:effectRef idx="0">
-            <a:schemeClr val="accent1"/>
-          </a:effectRef>
-          <a:fontRef idx="minor">
-            <a:schemeClr val="lt1"/>
-          </a:fontRef>
-        </p:style>
-        <p:txBody>
-          <a:bodyPr rtlCol="0" anchor="ctr"/>
-          <a:lstStyle/>
-          <a:p>
-            <a:pPr algn="ctr"/>
-            <a:r>
-              <a:rPr lang="en-US" sz="800" dirty="0">
-                <a:solidFill>
-                  <a:schemeClr val="tx1"/>
-                </a:solidFill>
-                <a:latin typeface="Poppins" panose="00000500000000000000" pitchFamily="2" charset="0"/>
-                <a:cs typeface="Poppins" panose="00000500000000000000" pitchFamily="2" charset="0"/>
-              </a:rPr>
-              <a:t>Initial Array</a:t>
-            </a:r>
-          </a:p>
-        </p:txBody>
-      </p:sp>
-      <p:sp>
-        <p:nvSpPr>
-          <p:cNvPr id="3" name="Rectangle 2">
-            <a:extLst>
-              <a:ext uri="{FF2B5EF4-FFF2-40B4-BE49-F238E27FC236}">
-                <a16:creationId xmlns:a16="http://schemas.microsoft.com/office/drawing/2014/main" id="{5FB4A8F9-9B23-41F9-945C-74797CF9A00F}"/>
-              </a:ext>
-            </a:extLst>
-          </p:cNvPr>
-          <p:cNvSpPr/>
-          <p:nvPr/>
-        </p:nvSpPr>
-        <p:spPr>
-          <a:xfrm>
-            <a:off x="6590471" y="542277"/>
-            <a:ext cx="276225" cy="341124"/>
-          </a:xfrm>
-          <a:prstGeom prst="rect">
-            <a:avLst/>
-          </a:prstGeom>
-          <a:noFill/>
-          <a:ln>
-            <a:solidFill>
-              <a:schemeClr val="tx1"/>
-            </a:solidFill>
-          </a:ln>
-        </p:spPr>
-        <p:style>
-          <a:lnRef idx="2">
-            <a:schemeClr val="accent1">
-              <a:shade val="50000"/>
-            </a:schemeClr>
-          </a:lnRef>
-          <a:fillRef idx="1">
-            <a:schemeClr val="accent1"/>
-          </a:fillRef>
-          <a:effectRef idx="0">
-            <a:schemeClr val="accent1"/>
-          </a:effectRef>
-          <a:fontRef idx="minor">
-            <a:schemeClr val="lt1"/>
-          </a:fontRef>
-        </p:style>
-        <p:txBody>
-          <a:bodyPr rtlCol="0" anchor="ctr"/>
-          <a:lstStyle/>
-          <a:p>
-            <a:pPr algn="ctr"/>
-            <a:r>
               <a:rPr lang="en-US" sz="1000" dirty="0">
                 <a:solidFill>
                   <a:schemeClr val="tx1"/>
@@ -10961,773 +13033,299 @@
                 <a:latin typeface="Poppins" panose="00000500000000000000" pitchFamily="2" charset="0"/>
                 <a:cs typeface="Poppins" panose="00000500000000000000" pitchFamily="2" charset="0"/>
               </a:rPr>
-              <a:t>1</a:t>
-            </a:r>
-          </a:p>
-        </p:txBody>
-      </p:sp>
-      <p:sp>
-        <p:nvSpPr>
-          <p:cNvPr id="4" name="Rectangle 3">
-            <a:extLst>
-              <a:ext uri="{FF2B5EF4-FFF2-40B4-BE49-F238E27FC236}">
-                <a16:creationId xmlns:a16="http://schemas.microsoft.com/office/drawing/2014/main" id="{34ECE09B-CE70-4C20-9F34-FD1ECAAFD974}"/>
-              </a:ext>
-            </a:extLst>
-          </p:cNvPr>
-          <p:cNvSpPr/>
-          <p:nvPr/>
-        </p:nvSpPr>
-        <p:spPr>
-          <a:xfrm>
-            <a:off x="6866696" y="542276"/>
-            <a:ext cx="276225" cy="341124"/>
-          </a:xfrm>
-          <a:prstGeom prst="rect">
-            <a:avLst/>
-          </a:prstGeom>
-          <a:noFill/>
-          <a:ln>
-            <a:solidFill>
-              <a:schemeClr val="tx1"/>
-            </a:solidFill>
-          </a:ln>
-        </p:spPr>
-        <p:style>
-          <a:lnRef idx="2">
-            <a:schemeClr val="accent1">
-              <a:shade val="50000"/>
-            </a:schemeClr>
-          </a:lnRef>
-          <a:fillRef idx="1">
-            <a:schemeClr val="accent1"/>
-          </a:fillRef>
-          <a:effectRef idx="0">
-            <a:schemeClr val="accent1"/>
-          </a:effectRef>
-          <a:fontRef idx="minor">
-            <a:schemeClr val="lt1"/>
-          </a:fontRef>
-        </p:style>
-        <p:txBody>
-          <a:bodyPr rtlCol="0" anchor="ctr"/>
-          <a:lstStyle/>
-          <a:p>
-            <a:pPr algn="ctr"/>
-            <a:r>
-              <a:rPr lang="en-US" sz="1000" dirty="0">
-                <a:solidFill>
-                  <a:schemeClr val="tx1"/>
-                </a:solidFill>
-                <a:latin typeface="Poppins" panose="00000500000000000000" pitchFamily="2" charset="0"/>
-                <a:cs typeface="Poppins" panose="00000500000000000000" pitchFamily="2" charset="0"/>
-              </a:rPr>
-              <a:t>2</a:t>
-            </a:r>
-          </a:p>
-        </p:txBody>
-      </p:sp>
-      <p:sp>
-        <p:nvSpPr>
-          <p:cNvPr id="5" name="Rectangle 4">
-            <a:extLst>
-              <a:ext uri="{FF2B5EF4-FFF2-40B4-BE49-F238E27FC236}">
-                <a16:creationId xmlns:a16="http://schemas.microsoft.com/office/drawing/2014/main" id="{5D28B415-DDCA-4849-9677-3404D5961D71}"/>
-              </a:ext>
-            </a:extLst>
-          </p:cNvPr>
-          <p:cNvSpPr/>
-          <p:nvPr/>
-        </p:nvSpPr>
-        <p:spPr>
-          <a:xfrm>
-            <a:off x="7141016" y="542276"/>
-            <a:ext cx="276225" cy="341124"/>
-          </a:xfrm>
-          <a:prstGeom prst="rect">
-            <a:avLst/>
-          </a:prstGeom>
-          <a:noFill/>
-          <a:ln>
-            <a:solidFill>
-              <a:schemeClr val="tx1"/>
-            </a:solidFill>
-          </a:ln>
-        </p:spPr>
-        <p:style>
-          <a:lnRef idx="2">
-            <a:schemeClr val="accent1">
-              <a:shade val="50000"/>
-            </a:schemeClr>
-          </a:lnRef>
-          <a:fillRef idx="1">
-            <a:schemeClr val="accent1"/>
-          </a:fillRef>
-          <a:effectRef idx="0">
-            <a:schemeClr val="accent1"/>
-          </a:effectRef>
-          <a:fontRef idx="minor">
-            <a:schemeClr val="lt1"/>
-          </a:fontRef>
-        </p:style>
-        <p:txBody>
-          <a:bodyPr rtlCol="0" anchor="ctr"/>
-          <a:lstStyle/>
-          <a:p>
-            <a:pPr algn="ctr"/>
-            <a:r>
-              <a:rPr lang="en-US" sz="1000" dirty="0">
-                <a:solidFill>
-                  <a:schemeClr val="tx1"/>
-                </a:solidFill>
-                <a:latin typeface="Poppins" panose="00000500000000000000" pitchFamily="2" charset="0"/>
-                <a:cs typeface="Poppins" panose="00000500000000000000" pitchFamily="2" charset="0"/>
-              </a:rPr>
               <a:t>3</a:t>
             </a:r>
-          </a:p>
-        </p:txBody>
-      </p:sp>
-      <p:sp>
-        <p:nvSpPr>
-          <p:cNvPr id="6" name="Rectangle 5">
-            <a:extLst>
-              <a:ext uri="{FF2B5EF4-FFF2-40B4-BE49-F238E27FC236}">
-                <a16:creationId xmlns:a16="http://schemas.microsoft.com/office/drawing/2014/main" id="{47B69AD8-8F6B-4C30-8710-515DC328DB7E}"/>
-              </a:ext>
-            </a:extLst>
-          </p:cNvPr>
-          <p:cNvSpPr/>
-          <p:nvPr/>
-        </p:nvSpPr>
-        <p:spPr>
-          <a:xfrm>
-            <a:off x="7943023" y="542277"/>
-            <a:ext cx="276225" cy="341124"/>
-          </a:xfrm>
-          <a:prstGeom prst="rect">
-            <a:avLst/>
-          </a:prstGeom>
-          <a:noFill/>
-          <a:ln>
-            <a:solidFill>
-              <a:schemeClr val="tx1"/>
-            </a:solidFill>
-          </a:ln>
-        </p:spPr>
-        <p:style>
-          <a:lnRef idx="2">
-            <a:schemeClr val="accent1">
-              <a:shade val="50000"/>
-            </a:schemeClr>
-          </a:lnRef>
-          <a:fillRef idx="1">
-            <a:schemeClr val="accent1"/>
-          </a:fillRef>
-          <a:effectRef idx="0">
-            <a:schemeClr val="accent1"/>
-          </a:effectRef>
-          <a:fontRef idx="minor">
-            <a:schemeClr val="lt1"/>
-          </a:fontRef>
-        </p:style>
-        <p:txBody>
-          <a:bodyPr rtlCol="0" anchor="ctr"/>
-          <a:lstStyle/>
-          <a:p>
-            <a:pPr algn="ctr"/>
-            <a:r>
-              <a:rPr lang="en-US" sz="1000" dirty="0">
-                <a:solidFill>
-                  <a:schemeClr val="tx1"/>
-                </a:solidFill>
-                <a:latin typeface="Poppins" panose="00000500000000000000" pitchFamily="2" charset="0"/>
-                <a:cs typeface="Poppins" panose="00000500000000000000" pitchFamily="2" charset="0"/>
-              </a:rPr>
-              <a:t>2</a:t>
-            </a:r>
-          </a:p>
-        </p:txBody>
-      </p:sp>
-      <p:sp>
-        <p:nvSpPr>
-          <p:cNvPr id="7" name="Rectangle 6">
-            <a:extLst>
-              <a:ext uri="{FF2B5EF4-FFF2-40B4-BE49-F238E27FC236}">
-                <a16:creationId xmlns:a16="http://schemas.microsoft.com/office/drawing/2014/main" id="{E1B389CB-6C16-4257-BF59-15E8489F35B9}"/>
-              </a:ext>
-            </a:extLst>
-          </p:cNvPr>
-          <p:cNvSpPr/>
-          <p:nvPr/>
-        </p:nvSpPr>
-        <p:spPr>
-          <a:xfrm>
-            <a:off x="8219248" y="542276"/>
-            <a:ext cx="276225" cy="341124"/>
-          </a:xfrm>
-          <a:prstGeom prst="rect">
-            <a:avLst/>
-          </a:prstGeom>
-          <a:noFill/>
-          <a:ln>
-            <a:solidFill>
-              <a:schemeClr val="tx1"/>
-            </a:solidFill>
-          </a:ln>
-        </p:spPr>
-        <p:style>
-          <a:lnRef idx="2">
-            <a:schemeClr val="accent1">
-              <a:shade val="50000"/>
-            </a:schemeClr>
-          </a:lnRef>
-          <a:fillRef idx="1">
-            <a:schemeClr val="accent1"/>
-          </a:fillRef>
-          <a:effectRef idx="0">
-            <a:schemeClr val="accent1"/>
-          </a:effectRef>
-          <a:fontRef idx="minor">
-            <a:schemeClr val="lt1"/>
-          </a:fontRef>
-        </p:style>
-        <p:txBody>
-          <a:bodyPr rtlCol="0" anchor="ctr"/>
-          <a:lstStyle/>
-          <a:p>
-            <a:pPr algn="ctr"/>
-            <a:r>
-              <a:rPr lang="en-US" sz="1000" dirty="0">
-                <a:solidFill>
-                  <a:schemeClr val="tx1"/>
-                </a:solidFill>
-                <a:latin typeface="Poppins" panose="00000500000000000000" pitchFamily="2" charset="0"/>
-                <a:cs typeface="Poppins" panose="00000500000000000000" pitchFamily="2" charset="0"/>
-              </a:rPr>
-              <a:t>3</a:t>
-            </a:r>
-          </a:p>
-        </p:txBody>
-      </p:sp>
-      <p:sp>
-        <p:nvSpPr>
-          <p:cNvPr id="8" name="Rectangle 7">
-            <a:extLst>
-              <a:ext uri="{FF2B5EF4-FFF2-40B4-BE49-F238E27FC236}">
-                <a16:creationId xmlns:a16="http://schemas.microsoft.com/office/drawing/2014/main" id="{EFE03F3B-94E9-4A2B-A921-A79ECA1B1AE0}"/>
-              </a:ext>
-            </a:extLst>
-          </p:cNvPr>
-          <p:cNvSpPr/>
-          <p:nvPr/>
-        </p:nvSpPr>
-        <p:spPr>
-          <a:xfrm>
-            <a:off x="8493568" y="542276"/>
-            <a:ext cx="276225" cy="341124"/>
-          </a:xfrm>
-          <a:prstGeom prst="rect">
-            <a:avLst/>
-          </a:prstGeom>
-          <a:noFill/>
-          <a:ln>
-            <a:solidFill>
-              <a:schemeClr val="tx1"/>
-            </a:solidFill>
-          </a:ln>
-        </p:spPr>
-        <p:style>
-          <a:lnRef idx="2">
-            <a:schemeClr val="accent1">
-              <a:shade val="50000"/>
-            </a:schemeClr>
-          </a:lnRef>
-          <a:fillRef idx="1">
-            <a:schemeClr val="accent1"/>
-          </a:fillRef>
-          <a:effectRef idx="0">
-            <a:schemeClr val="accent1"/>
-          </a:effectRef>
-          <a:fontRef idx="minor">
-            <a:schemeClr val="lt1"/>
-          </a:fontRef>
-        </p:style>
-        <p:txBody>
-          <a:bodyPr rtlCol="0" anchor="ctr"/>
-          <a:lstStyle/>
-          <a:p>
-            <a:pPr algn="ctr"/>
-            <a:r>
-              <a:rPr lang="en-US" sz="1000" dirty="0">
-                <a:solidFill>
-                  <a:schemeClr val="tx1"/>
-                </a:solidFill>
-                <a:latin typeface="Poppins" panose="00000500000000000000" pitchFamily="2" charset="0"/>
-                <a:cs typeface="Poppins" panose="00000500000000000000" pitchFamily="2" charset="0"/>
-              </a:rPr>
-              <a:t>4</a:t>
-            </a:r>
-          </a:p>
-        </p:txBody>
-      </p:sp>
-      <p:cxnSp>
-        <p:nvCxnSpPr>
-          <p:cNvPr id="10" name="Straight Connector 9">
-            <a:extLst>
-              <a:ext uri="{FF2B5EF4-FFF2-40B4-BE49-F238E27FC236}">
-                <a16:creationId xmlns:a16="http://schemas.microsoft.com/office/drawing/2014/main" id="{C97CBA57-677B-4817-9458-EE574B4293E0}"/>
-              </a:ext>
-            </a:extLst>
-          </p:cNvPr>
-          <p:cNvCxnSpPr>
-            <a:cxnSpLocks/>
-          </p:cNvCxnSpPr>
-          <p:nvPr/>
-        </p:nvCxnSpPr>
-        <p:spPr>
-          <a:xfrm>
-            <a:off x="7405809" y="711438"/>
-            <a:ext cx="525782" cy="1"/>
-          </a:xfrm>
-          <a:prstGeom prst="line">
-            <a:avLst/>
-          </a:prstGeom>
-        </p:spPr>
-        <p:style>
-          <a:lnRef idx="1">
-            <a:schemeClr val="accent1"/>
-          </a:lnRef>
-          <a:fillRef idx="0">
-            <a:schemeClr val="accent1"/>
-          </a:fillRef>
-          <a:effectRef idx="0">
-            <a:schemeClr val="accent1"/>
-          </a:effectRef>
-          <a:fontRef idx="minor">
-            <a:schemeClr val="tx1"/>
-          </a:fontRef>
-        </p:style>
-      </p:cxnSp>
-      <p:sp>
-        <p:nvSpPr>
-          <p:cNvPr id="12" name="Isosceles Triangle 11">
-            <a:extLst>
-              <a:ext uri="{FF2B5EF4-FFF2-40B4-BE49-F238E27FC236}">
-                <a16:creationId xmlns:a16="http://schemas.microsoft.com/office/drawing/2014/main" id="{8061F231-A889-4BD8-8996-A15BCA63381A}"/>
-              </a:ext>
-            </a:extLst>
-          </p:cNvPr>
-          <p:cNvSpPr/>
-          <p:nvPr/>
-        </p:nvSpPr>
-        <p:spPr>
-          <a:xfrm rot="5400000">
-            <a:off x="7883272" y="689979"/>
-            <a:ext cx="59496" cy="45719"/>
-          </a:xfrm>
-          <a:prstGeom prst="triangle">
-            <a:avLst>
-              <a:gd name="adj" fmla="val 47561"/>
-            </a:avLst>
-          </a:prstGeom>
-        </p:spPr>
-        <p:style>
-          <a:lnRef idx="2">
-            <a:schemeClr val="accent1">
-              <a:shade val="50000"/>
-            </a:schemeClr>
-          </a:lnRef>
-          <a:fillRef idx="1">
-            <a:schemeClr val="accent1"/>
-          </a:fillRef>
-          <a:effectRef idx="0">
-            <a:schemeClr val="accent1"/>
-          </a:effectRef>
-          <a:fontRef idx="minor">
-            <a:schemeClr val="lt1"/>
-          </a:fontRef>
-        </p:style>
-        <p:txBody>
-          <a:bodyPr rtlCol="0" anchor="ctr"/>
-          <a:lstStyle/>
-          <a:p>
-            <a:pPr algn="ctr"/>
-            <a:endParaRPr lang="en-US"/>
           </a:p>
         </p:txBody>
       </p:sp>
       <p:pic>
         <p:nvPicPr>
-          <p:cNvPr id="18" name="Picture 17">
-            <a:extLst>
-              <a:ext uri="{FF2B5EF4-FFF2-40B4-BE49-F238E27FC236}">
-                <a16:creationId xmlns:a16="http://schemas.microsoft.com/office/drawing/2014/main" id="{773DFFA4-8015-45DD-BB82-92BB83EE7710}"/>
+          <p:cNvPr id="1026" name="Picture 2" descr="Apple Icon Icons Mock - Free image on Pixabay">
+            <a:extLst>
+              <a:ext uri="{FF2B5EF4-FFF2-40B4-BE49-F238E27FC236}">
+                <a16:creationId xmlns:a16="http://schemas.microsoft.com/office/drawing/2014/main" id="{9A7B969F-CD1D-4867-9B2F-8061E2C2B620}"/>
               </a:ext>
             </a:extLst>
           </p:cNvPr>
           <p:cNvPicPr>
-            <a:picLocks noChangeAspect="1"/>
+            <a:picLocks noChangeAspect="1" noChangeArrowheads="1"/>
           </p:cNvPicPr>
           <p:nvPr/>
         </p:nvPicPr>
         <p:blipFill>
-          <a:blip r:embed="rId2">
+          <a:blip r:embed="rId4">
             <a:extLst>
               <a:ext uri="{28A0092B-C50C-407E-A947-70E740481C1C}">
                 <a14:useLocalDpi xmlns:a14="http://schemas.microsoft.com/office/drawing/2010/main" val="0"/>
               </a:ext>
             </a:extLst>
           </a:blip>
+          <a:srcRect/>
           <a:stretch>
             <a:fillRect/>
           </a:stretch>
         </p:blipFill>
-        <p:spPr>
-          <a:xfrm>
-            <a:off x="1309921" y="2821011"/>
-            <a:ext cx="4143314" cy="2481262"/>
+        <p:spPr bwMode="auto">
+          <a:xfrm>
+            <a:off x="8463311" y="446860"/>
+            <a:ext cx="341124" cy="341124"/>
           </a:xfrm>
           <a:prstGeom prst="rect">
             <a:avLst/>
           </a:prstGeom>
+          <a:noFill/>
+          <a:extLst>
+            <a:ext uri="{909E8E84-426E-40DD-AFC4-6F175D3DCCD1}">
+              <a14:hiddenFill xmlns:a14="http://schemas.microsoft.com/office/drawing/2010/main">
+                <a:solidFill>
+                  <a:srgbClr val="FFFFFF"/>
+                </a:solidFill>
+              </a14:hiddenFill>
+            </a:ext>
+          </a:extLst>
         </p:spPr>
       </p:pic>
-      <p:cxnSp>
-        <p:nvCxnSpPr>
-          <p:cNvPr id="19" name="Straight Connector 18">
-            <a:extLst>
-              <a:ext uri="{FF2B5EF4-FFF2-40B4-BE49-F238E27FC236}">
-                <a16:creationId xmlns:a16="http://schemas.microsoft.com/office/drawing/2014/main" id="{845F56CA-F553-4526-A46F-F543689FEA45}"/>
-              </a:ext>
-            </a:extLst>
-          </p:cNvPr>
-          <p:cNvCxnSpPr>
-            <a:cxnSpLocks/>
-          </p:cNvCxnSpPr>
-          <p:nvPr/>
-        </p:nvCxnSpPr>
-        <p:spPr>
-          <a:xfrm flipV="1">
-            <a:off x="3265026" y="2232842"/>
-            <a:ext cx="941055" cy="629843"/>
-          </a:xfrm>
-          <a:prstGeom prst="line">
-            <a:avLst/>
-          </a:prstGeom>
-        </p:spPr>
-        <p:style>
-          <a:lnRef idx="1">
-            <a:schemeClr val="accent1"/>
-          </a:lnRef>
-          <a:fillRef idx="0">
-            <a:schemeClr val="accent1"/>
-          </a:fillRef>
-          <a:effectRef idx="0">
-            <a:schemeClr val="accent1"/>
-          </a:effectRef>
-          <a:fontRef idx="minor">
-            <a:schemeClr val="tx1"/>
-          </a:fontRef>
-        </p:style>
-      </p:cxnSp>
-      <p:sp>
-        <p:nvSpPr>
-          <p:cNvPr id="23" name="Rectangle 22">
-            <a:extLst>
-              <a:ext uri="{FF2B5EF4-FFF2-40B4-BE49-F238E27FC236}">
-                <a16:creationId xmlns:a16="http://schemas.microsoft.com/office/drawing/2014/main" id="{CFBDD7A5-AFD8-46EB-BFA9-3183B9B58665}"/>
-              </a:ext>
-            </a:extLst>
-          </p:cNvPr>
-          <p:cNvSpPr/>
-          <p:nvPr/>
-        </p:nvSpPr>
-        <p:spPr>
-          <a:xfrm>
-            <a:off x="5135757" y="2101241"/>
-            <a:ext cx="2062826" cy="625151"/>
-          </a:xfrm>
-          <a:prstGeom prst="rect">
-            <a:avLst/>
-          </a:prstGeom>
-          <a:noFill/>
-          <a:ln>
-            <a:solidFill>
-              <a:schemeClr val="bg1"/>
-            </a:solidFill>
-          </a:ln>
-        </p:spPr>
-        <p:style>
-          <a:lnRef idx="2">
-            <a:schemeClr val="accent1">
-              <a:shade val="50000"/>
-            </a:schemeClr>
-          </a:lnRef>
-          <a:fillRef idx="1">
-            <a:schemeClr val="accent1"/>
-          </a:fillRef>
-          <a:effectRef idx="0">
-            <a:schemeClr val="accent1"/>
-          </a:effectRef>
-          <a:fontRef idx="minor">
-            <a:schemeClr val="lt1"/>
-          </a:fontRef>
-        </p:style>
-        <p:txBody>
-          <a:bodyPr rtlCol="0" anchor="ctr"/>
-          <a:lstStyle/>
-          <a:p>
-            <a:pPr algn="ctr"/>
-            <a:r>
-              <a:rPr lang="en-US" sz="800" dirty="0">
-                <a:solidFill>
-                  <a:schemeClr val="tx1"/>
-                </a:solidFill>
-                <a:latin typeface="Poppins" panose="00000500000000000000" pitchFamily="2" charset="0"/>
-                <a:cs typeface="Poppins" panose="00000500000000000000" pitchFamily="2" charset="0"/>
-              </a:rPr>
-              <a:t>Array </a:t>
-            </a:r>
-            <a:r>
-              <a:rPr lang="en-US" sz="800" dirty="0" err="1">
-                <a:solidFill>
-                  <a:schemeClr val="tx1"/>
-                </a:solidFill>
-                <a:latin typeface="Poppins" panose="00000500000000000000" pitchFamily="2" charset="0"/>
-                <a:cs typeface="Poppins" panose="00000500000000000000" pitchFamily="2" charset="0"/>
-              </a:rPr>
-              <a:t>baru</a:t>
-            </a:r>
-            <a:r>
-              <a:rPr lang="en-US" sz="800" dirty="0">
-                <a:solidFill>
-                  <a:schemeClr val="tx1"/>
-                </a:solidFill>
-                <a:latin typeface="Poppins" panose="00000500000000000000" pitchFamily="2" charset="0"/>
-                <a:cs typeface="Poppins" panose="00000500000000000000" pitchFamily="2" charset="0"/>
-              </a:rPr>
-              <a:t> </a:t>
-            </a:r>
-            <a:r>
-              <a:rPr lang="en-US" sz="800" dirty="0" err="1">
-                <a:solidFill>
-                  <a:schemeClr val="tx1"/>
-                </a:solidFill>
-                <a:latin typeface="Poppins" panose="00000500000000000000" pitchFamily="2" charset="0"/>
-                <a:cs typeface="Poppins" panose="00000500000000000000" pitchFamily="2" charset="0"/>
-              </a:rPr>
-              <a:t>untuk</a:t>
-            </a:r>
-            <a:r>
-              <a:rPr lang="en-US" sz="800" dirty="0">
-                <a:solidFill>
-                  <a:schemeClr val="tx1"/>
-                </a:solidFill>
-                <a:latin typeface="Poppins" panose="00000500000000000000" pitchFamily="2" charset="0"/>
-                <a:cs typeface="Poppins" panose="00000500000000000000" pitchFamily="2" charset="0"/>
-              </a:rPr>
-              <a:t> </a:t>
-            </a:r>
-            <a:r>
-              <a:rPr lang="en-US" sz="800" dirty="0" err="1">
-                <a:solidFill>
-                  <a:schemeClr val="tx1"/>
-                </a:solidFill>
-                <a:latin typeface="Poppins" panose="00000500000000000000" pitchFamily="2" charset="0"/>
-                <a:cs typeface="Poppins" panose="00000500000000000000" pitchFamily="2" charset="0"/>
-              </a:rPr>
-              <a:t>menampung</a:t>
-            </a:r>
-            <a:r>
-              <a:rPr lang="en-US" sz="800" dirty="0">
-                <a:solidFill>
-                  <a:schemeClr val="tx1"/>
-                </a:solidFill>
-                <a:latin typeface="Poppins" panose="00000500000000000000" pitchFamily="2" charset="0"/>
-                <a:cs typeface="Poppins" panose="00000500000000000000" pitchFamily="2" charset="0"/>
-              </a:rPr>
-              <a:t> </a:t>
-            </a:r>
-            <a:r>
-              <a:rPr lang="en-US" sz="800" dirty="0" err="1">
-                <a:solidFill>
-                  <a:schemeClr val="tx1"/>
-                </a:solidFill>
-                <a:latin typeface="Poppins" panose="00000500000000000000" pitchFamily="2" charset="0"/>
-                <a:cs typeface="Poppins" panose="00000500000000000000" pitchFamily="2" charset="0"/>
-              </a:rPr>
-              <a:t>nilai</a:t>
-            </a:r>
-            <a:r>
-              <a:rPr lang="en-US" sz="800" dirty="0">
-                <a:solidFill>
-                  <a:schemeClr val="tx1"/>
-                </a:solidFill>
-                <a:latin typeface="Poppins" panose="00000500000000000000" pitchFamily="2" charset="0"/>
-                <a:cs typeface="Poppins" panose="00000500000000000000" pitchFamily="2" charset="0"/>
-              </a:rPr>
-              <a:t>  2,3,4</a:t>
-            </a:r>
-          </a:p>
-        </p:txBody>
-      </p:sp>
-      <p:cxnSp>
-        <p:nvCxnSpPr>
-          <p:cNvPr id="24" name="Straight Connector 23">
-            <a:extLst>
-              <a:ext uri="{FF2B5EF4-FFF2-40B4-BE49-F238E27FC236}">
-                <a16:creationId xmlns:a16="http://schemas.microsoft.com/office/drawing/2014/main" id="{9A2E9F4B-259C-4ADF-B5EB-0EA60B289B0B}"/>
-              </a:ext>
-            </a:extLst>
-          </p:cNvPr>
-          <p:cNvCxnSpPr>
-            <a:cxnSpLocks/>
-          </p:cNvCxnSpPr>
-          <p:nvPr/>
-        </p:nvCxnSpPr>
-        <p:spPr>
-          <a:xfrm flipV="1">
-            <a:off x="3049285" y="2588558"/>
-            <a:ext cx="2278567" cy="490822"/>
-          </a:xfrm>
-          <a:prstGeom prst="line">
-            <a:avLst/>
-          </a:prstGeom>
-        </p:spPr>
-        <p:style>
-          <a:lnRef idx="1">
-            <a:schemeClr val="accent1"/>
-          </a:lnRef>
-          <a:fillRef idx="0">
-            <a:schemeClr val="accent1"/>
-          </a:fillRef>
-          <a:effectRef idx="0">
-            <a:schemeClr val="accent1"/>
-          </a:effectRef>
-          <a:fontRef idx="minor">
-            <a:schemeClr val="tx1"/>
-          </a:fontRef>
-        </p:style>
-      </p:cxnSp>
-      <p:cxnSp>
-        <p:nvCxnSpPr>
-          <p:cNvPr id="27" name="Straight Connector 26">
-            <a:extLst>
-              <a:ext uri="{FF2B5EF4-FFF2-40B4-BE49-F238E27FC236}">
-                <a16:creationId xmlns:a16="http://schemas.microsoft.com/office/drawing/2014/main" id="{05E6472B-D881-46CF-97B5-E98C948B9D06}"/>
-              </a:ext>
-            </a:extLst>
-          </p:cNvPr>
-          <p:cNvCxnSpPr>
-            <a:cxnSpLocks/>
-          </p:cNvCxnSpPr>
-          <p:nvPr/>
-        </p:nvCxnSpPr>
-        <p:spPr>
-          <a:xfrm flipV="1">
-            <a:off x="4242130" y="3202642"/>
-            <a:ext cx="1925040" cy="342907"/>
-          </a:xfrm>
-          <a:prstGeom prst="line">
-            <a:avLst/>
-          </a:prstGeom>
-        </p:spPr>
-        <p:style>
-          <a:lnRef idx="1">
-            <a:schemeClr val="accent1"/>
-          </a:lnRef>
-          <a:fillRef idx="0">
-            <a:schemeClr val="accent1"/>
-          </a:fillRef>
-          <a:effectRef idx="0">
-            <a:schemeClr val="accent1"/>
-          </a:effectRef>
-          <a:fontRef idx="minor">
-            <a:schemeClr val="tx1"/>
-          </a:fontRef>
-        </p:style>
-      </p:cxnSp>
       <p:pic>
         <p:nvPicPr>
-          <p:cNvPr id="34" name="Picture 33">
-            <a:extLst>
-              <a:ext uri="{FF2B5EF4-FFF2-40B4-BE49-F238E27FC236}">
-                <a16:creationId xmlns:a16="http://schemas.microsoft.com/office/drawing/2014/main" id="{FEB36C59-7454-43D2-886F-7A4A0D813ADD}"/>
+          <p:cNvPr id="1028" name="Picture 4" descr="Orange Icon | Chinese New Year Iconset | GoldCoastDesignStudio">
+            <a:extLst>
+              <a:ext uri="{FF2B5EF4-FFF2-40B4-BE49-F238E27FC236}">
+                <a16:creationId xmlns:a16="http://schemas.microsoft.com/office/drawing/2014/main" id="{ABCEFF00-51E2-451B-AF90-4F81B02FAF06}"/>
               </a:ext>
             </a:extLst>
           </p:cNvPr>
           <p:cNvPicPr>
-            <a:picLocks noChangeAspect="1"/>
+            <a:picLocks noChangeAspect="1" noChangeArrowheads="1"/>
           </p:cNvPicPr>
           <p:nvPr/>
         </p:nvPicPr>
         <p:blipFill>
-          <a:blip r:embed="rId3">
+          <a:blip r:embed="rId5">
             <a:extLst>
               <a:ext uri="{28A0092B-C50C-407E-A947-70E740481C1C}">
                 <a14:useLocalDpi xmlns:a14="http://schemas.microsoft.com/office/drawing/2010/main" val="0"/>
               </a:ext>
             </a:extLst>
           </a:blip>
+          <a:srcRect/>
           <a:stretch>
             <a:fillRect/>
           </a:stretch>
         </p:blipFill>
-        <p:spPr>
-          <a:xfrm>
-            <a:off x="6590471" y="3693620"/>
-            <a:ext cx="4466750" cy="2494520"/>
+        <p:spPr bwMode="auto">
+          <a:xfrm>
+            <a:off x="8246549" y="489921"/>
+            <a:ext cx="226009" cy="226009"/>
           </a:xfrm>
           <a:prstGeom prst="rect">
             <a:avLst/>
           </a:prstGeom>
+          <a:noFill/>
+          <a:extLst>
+            <a:ext uri="{909E8E84-426E-40DD-AFC4-6F175D3DCCD1}">
+              <a14:hiddenFill xmlns:a14="http://schemas.microsoft.com/office/drawing/2010/main">
+                <a:solidFill>
+                  <a:srgbClr val="FFFFFF"/>
+                </a:solidFill>
+              </a14:hiddenFill>
+            </a:ext>
+          </a:extLst>
         </p:spPr>
       </p:pic>
-      <p:cxnSp>
-        <p:nvCxnSpPr>
-          <p:cNvPr id="35" name="Straight Connector 34">
-            <a:extLst>
-              <a:ext uri="{FF2B5EF4-FFF2-40B4-BE49-F238E27FC236}">
-                <a16:creationId xmlns:a16="http://schemas.microsoft.com/office/drawing/2014/main" id="{F1843B5B-CEC4-43B2-94C7-28EE812CD472}"/>
-              </a:ext>
-            </a:extLst>
-          </p:cNvPr>
-          <p:cNvCxnSpPr>
-            <a:cxnSpLocks/>
-          </p:cNvCxnSpPr>
-          <p:nvPr/>
-        </p:nvCxnSpPr>
-        <p:spPr>
-          <a:xfrm flipV="1">
-            <a:off x="8442846" y="3333059"/>
-            <a:ext cx="800073" cy="614283"/>
-          </a:xfrm>
-          <a:prstGeom prst="line">
-            <a:avLst/>
-          </a:prstGeom>
-        </p:spPr>
-        <p:style>
-          <a:lnRef idx="1">
-            <a:schemeClr val="accent1"/>
-          </a:lnRef>
-          <a:fillRef idx="0">
-            <a:schemeClr val="accent1"/>
-          </a:fillRef>
-          <a:effectRef idx="0">
-            <a:schemeClr val="accent1"/>
-          </a:effectRef>
-          <a:fontRef idx="minor">
-            <a:schemeClr val="tx1"/>
-          </a:fontRef>
-        </p:style>
-      </p:cxnSp>
-      <p:sp>
-        <p:nvSpPr>
-          <p:cNvPr id="41" name="TextBox 40">
-            <a:extLst>
-              <a:ext uri="{FF2B5EF4-FFF2-40B4-BE49-F238E27FC236}">
-                <a16:creationId xmlns:a16="http://schemas.microsoft.com/office/drawing/2014/main" id="{5253ADB6-FC86-468B-84B7-DF69E29E8B19}"/>
+      <p:pic>
+        <p:nvPicPr>
+          <p:cNvPr id="1030" name="Picture 6" descr="Mango Fruit icon PNG and SVG Vector Free Download">
+            <a:extLst>
+              <a:ext uri="{FF2B5EF4-FFF2-40B4-BE49-F238E27FC236}">
+                <a16:creationId xmlns:a16="http://schemas.microsoft.com/office/drawing/2014/main" id="{C49FA0C1-569E-4183-A1AA-4E25AC32AAAD}"/>
+              </a:ext>
+            </a:extLst>
+          </p:cNvPr>
+          <p:cNvPicPr>
+            <a:picLocks noChangeAspect="1" noChangeArrowheads="1"/>
+          </p:cNvPicPr>
+          <p:nvPr/>
+        </p:nvPicPr>
+        <p:blipFill>
+          <a:blip r:embed="rId6">
+            <a:extLst>
+              <a:ext uri="{28A0092B-C50C-407E-A947-70E740481C1C}">
+                <a14:useLocalDpi xmlns:a14="http://schemas.microsoft.com/office/drawing/2010/main" val="0"/>
+              </a:ext>
+            </a:extLst>
+          </a:blip>
+          <a:srcRect/>
+          <a:stretch>
+            <a:fillRect/>
+          </a:stretch>
+        </p:blipFill>
+        <p:spPr bwMode="auto">
+          <a:xfrm>
+            <a:off x="8826276" y="507531"/>
+            <a:ext cx="220982" cy="185590"/>
+          </a:xfrm>
+          <a:prstGeom prst="rect">
+            <a:avLst/>
+          </a:prstGeom>
+          <a:noFill/>
+          <a:extLst>
+            <a:ext uri="{909E8E84-426E-40DD-AFC4-6F175D3DCCD1}">
+              <a14:hiddenFill xmlns:a14="http://schemas.microsoft.com/office/drawing/2010/main">
+                <a:solidFill>
+                  <a:srgbClr val="FFFFFF"/>
+                </a:solidFill>
+              </a14:hiddenFill>
+            </a:ext>
+          </a:extLst>
+        </p:spPr>
+      </p:pic>
+      <p:pic>
+        <p:nvPicPr>
+          <p:cNvPr id="19" name="Picture 2" descr="Apple Icon Icons Mock - Free image on Pixabay">
+            <a:extLst>
+              <a:ext uri="{FF2B5EF4-FFF2-40B4-BE49-F238E27FC236}">
+                <a16:creationId xmlns:a16="http://schemas.microsoft.com/office/drawing/2014/main" id="{13D336CA-CA45-4369-9E60-D9B363DE05AD}"/>
+              </a:ext>
+            </a:extLst>
+          </p:cNvPr>
+          <p:cNvPicPr>
+            <a:picLocks noChangeAspect="1" noChangeArrowheads="1"/>
+          </p:cNvPicPr>
+          <p:nvPr/>
+        </p:nvPicPr>
+        <p:blipFill>
+          <a:blip r:embed="rId4">
+            <a:extLst>
+              <a:ext uri="{28A0092B-C50C-407E-A947-70E740481C1C}">
+                <a14:useLocalDpi xmlns:a14="http://schemas.microsoft.com/office/drawing/2010/main" val="0"/>
+              </a:ext>
+            </a:extLst>
+          </a:blip>
+          <a:srcRect/>
+          <a:stretch>
+            <a:fillRect/>
+          </a:stretch>
+        </p:blipFill>
+        <p:spPr bwMode="auto">
+          <a:xfrm>
+            <a:off x="9706323" y="429250"/>
+            <a:ext cx="341124" cy="341124"/>
+          </a:xfrm>
+          <a:prstGeom prst="rect">
+            <a:avLst/>
+          </a:prstGeom>
+          <a:noFill/>
+          <a:extLst>
+            <a:ext uri="{909E8E84-426E-40DD-AFC4-6F175D3DCCD1}">
+              <a14:hiddenFill xmlns:a14="http://schemas.microsoft.com/office/drawing/2010/main">
+                <a:solidFill>
+                  <a:srgbClr val="FFFFFF"/>
+                </a:solidFill>
+              </a14:hiddenFill>
+            </a:ext>
+          </a:extLst>
+        </p:spPr>
+      </p:pic>
+      <p:pic>
+        <p:nvPicPr>
+          <p:cNvPr id="20" name="Picture 4" descr="Orange Icon | Chinese New Year Iconset | GoldCoastDesignStudio">
+            <a:extLst>
+              <a:ext uri="{FF2B5EF4-FFF2-40B4-BE49-F238E27FC236}">
+                <a16:creationId xmlns:a16="http://schemas.microsoft.com/office/drawing/2014/main" id="{122A38E2-6420-4F35-90BC-29AF77DCB1B5}"/>
+              </a:ext>
+            </a:extLst>
+          </p:cNvPr>
+          <p:cNvPicPr>
+            <a:picLocks noChangeAspect="1" noChangeArrowheads="1"/>
+          </p:cNvPicPr>
+          <p:nvPr/>
+        </p:nvPicPr>
+        <p:blipFill>
+          <a:blip r:embed="rId5">
+            <a:extLst>
+              <a:ext uri="{28A0092B-C50C-407E-A947-70E740481C1C}">
+                <a14:useLocalDpi xmlns:a14="http://schemas.microsoft.com/office/drawing/2010/main" val="0"/>
+              </a:ext>
+            </a:extLst>
+          </a:blip>
+          <a:srcRect/>
+          <a:stretch>
+            <a:fillRect/>
+          </a:stretch>
+        </p:blipFill>
+        <p:spPr bwMode="auto">
+          <a:xfrm>
+            <a:off x="9480314" y="489921"/>
+            <a:ext cx="226009" cy="226009"/>
+          </a:xfrm>
+          <a:prstGeom prst="rect">
+            <a:avLst/>
+          </a:prstGeom>
+          <a:noFill/>
+          <a:extLst>
+            <a:ext uri="{909E8E84-426E-40DD-AFC4-6F175D3DCCD1}">
+              <a14:hiddenFill xmlns:a14="http://schemas.microsoft.com/office/drawing/2010/main">
+                <a:solidFill>
+                  <a:srgbClr val="FFFFFF"/>
+                </a:solidFill>
+              </a14:hiddenFill>
+            </a:ext>
+          </a:extLst>
+        </p:spPr>
+      </p:pic>
+      <p:pic>
+        <p:nvPicPr>
+          <p:cNvPr id="21" name="Picture 6" descr="Mango Fruit icon PNG and SVG Vector Free Download">
+            <a:extLst>
+              <a:ext uri="{FF2B5EF4-FFF2-40B4-BE49-F238E27FC236}">
+                <a16:creationId xmlns:a16="http://schemas.microsoft.com/office/drawing/2014/main" id="{658EA25F-AF62-4876-B196-6AD8D227BA0E}"/>
+              </a:ext>
+            </a:extLst>
+          </p:cNvPr>
+          <p:cNvPicPr>
+            <a:picLocks noChangeAspect="1" noChangeArrowheads="1"/>
+          </p:cNvPicPr>
+          <p:nvPr/>
+        </p:nvPicPr>
+        <p:blipFill>
+          <a:blip r:embed="rId6">
+            <a:extLst>
+              <a:ext uri="{28A0092B-C50C-407E-A947-70E740481C1C}">
+                <a14:useLocalDpi xmlns:a14="http://schemas.microsoft.com/office/drawing/2010/main" val="0"/>
+              </a:ext>
+            </a:extLst>
+          </a:blip>
+          <a:srcRect/>
+          <a:stretch>
+            <a:fillRect/>
+          </a:stretch>
+        </p:blipFill>
+        <p:spPr bwMode="auto">
+          <a:xfrm>
+            <a:off x="10047447" y="511196"/>
+            <a:ext cx="243777" cy="204734"/>
+          </a:xfrm>
+          <a:prstGeom prst="rect">
+            <a:avLst/>
+          </a:prstGeom>
+          <a:noFill/>
+          <a:extLst>
+            <a:ext uri="{909E8E84-426E-40DD-AFC4-6F175D3DCCD1}">
+              <a14:hiddenFill xmlns:a14="http://schemas.microsoft.com/office/drawing/2010/main">
+                <a:solidFill>
+                  <a:srgbClr val="FFFFFF"/>
+                </a:solidFill>
+              </a14:hiddenFill>
+            </a:ext>
+          </a:extLst>
+        </p:spPr>
+      </p:pic>
+      <p:sp>
+        <p:nvSpPr>
+          <p:cNvPr id="22" name="TextBox 21">
+            <a:extLst>
+              <a:ext uri="{FF2B5EF4-FFF2-40B4-BE49-F238E27FC236}">
+                <a16:creationId xmlns:a16="http://schemas.microsoft.com/office/drawing/2014/main" id="{4FAA0F71-18BE-466A-B433-5397AC6876D6}"/>
               </a:ext>
             </a:extLst>
           </p:cNvPr>
@@ -11736,8 +13334,8 @@
         </p:nvSpPr>
         <p:spPr>
           <a:xfrm>
-            <a:off x="5822119" y="4262445"/>
-            <a:ext cx="399468" cy="461665"/>
+            <a:off x="8230426" y="758990"/>
+            <a:ext cx="272832" cy="261610"/>
           </a:xfrm>
           <a:prstGeom prst="rect">
             <a:avLst/>
@@ -11751,608 +13349,21 @@
           <a:lstStyle/>
           <a:p>
             <a:r>
-              <a:rPr lang="en-US" sz="2400" b="1" dirty="0">
-                <a:latin typeface="Poppins" panose="00000500000000000000" pitchFamily="2" charset="0"/>
-                <a:cs typeface="Poppins" panose="00000500000000000000" pitchFamily="2" charset="0"/>
-              </a:rPr>
-              <a:t>=</a:t>
-            </a:r>
-          </a:p>
-        </p:txBody>
-      </p:sp>
-      <p:sp>
-        <p:nvSpPr>
-          <p:cNvPr id="43" name="Rectangle 42">
-            <a:extLst>
-              <a:ext uri="{FF2B5EF4-FFF2-40B4-BE49-F238E27FC236}">
-                <a16:creationId xmlns:a16="http://schemas.microsoft.com/office/drawing/2014/main" id="{D0866750-D81D-4A47-BA36-95AA962EC84D}"/>
-              </a:ext>
-            </a:extLst>
-          </p:cNvPr>
-          <p:cNvSpPr/>
-          <p:nvPr/>
-        </p:nvSpPr>
-        <p:spPr>
-          <a:xfrm>
-            <a:off x="8554261" y="1185665"/>
-            <a:ext cx="276225" cy="341124"/>
-          </a:xfrm>
-          <a:prstGeom prst="rect">
-            <a:avLst/>
-          </a:prstGeom>
-          <a:noFill/>
-          <a:ln>
-            <a:solidFill>
-              <a:schemeClr val="tx1"/>
-            </a:solidFill>
-          </a:ln>
-        </p:spPr>
-        <p:style>
-          <a:lnRef idx="2">
-            <a:schemeClr val="accent1">
-              <a:shade val="50000"/>
-            </a:schemeClr>
-          </a:lnRef>
-          <a:fillRef idx="1">
-            <a:schemeClr val="accent1"/>
-          </a:fillRef>
-          <a:effectRef idx="0">
-            <a:schemeClr val="accent1"/>
-          </a:effectRef>
-          <a:fontRef idx="minor">
-            <a:schemeClr val="lt1"/>
-          </a:fontRef>
-        </p:style>
-        <p:txBody>
-          <a:bodyPr rtlCol="0" anchor="ctr"/>
-          <a:lstStyle/>
-          <a:p>
-            <a:pPr algn="ctr"/>
-            <a:r>
-              <a:rPr lang="en-US" sz="1000" dirty="0">
-                <a:solidFill>
-                  <a:schemeClr val="tx1"/>
-                </a:solidFill>
-                <a:latin typeface="Poppins" panose="00000500000000000000" pitchFamily="2" charset="0"/>
-                <a:cs typeface="Poppins" panose="00000500000000000000" pitchFamily="2" charset="0"/>
-              </a:rPr>
-              <a:t>1</a:t>
-            </a:r>
-          </a:p>
-        </p:txBody>
-      </p:sp>
-      <p:sp>
-        <p:nvSpPr>
-          <p:cNvPr id="44" name="Rectangle 43">
-            <a:extLst>
-              <a:ext uri="{FF2B5EF4-FFF2-40B4-BE49-F238E27FC236}">
-                <a16:creationId xmlns:a16="http://schemas.microsoft.com/office/drawing/2014/main" id="{863EC26D-7E32-49F1-9EFE-67DCFCD55178}"/>
-              </a:ext>
-            </a:extLst>
-          </p:cNvPr>
-          <p:cNvSpPr/>
-          <p:nvPr/>
-        </p:nvSpPr>
-        <p:spPr>
-          <a:xfrm>
-            <a:off x="8830486" y="1185664"/>
-            <a:ext cx="276225" cy="341124"/>
-          </a:xfrm>
-          <a:prstGeom prst="rect">
-            <a:avLst/>
-          </a:prstGeom>
-          <a:noFill/>
-          <a:ln>
-            <a:solidFill>
-              <a:schemeClr val="tx1"/>
-            </a:solidFill>
-          </a:ln>
-        </p:spPr>
-        <p:style>
-          <a:lnRef idx="2">
-            <a:schemeClr val="accent1">
-              <a:shade val="50000"/>
-            </a:schemeClr>
-          </a:lnRef>
-          <a:fillRef idx="1">
-            <a:schemeClr val="accent1"/>
-          </a:fillRef>
-          <a:effectRef idx="0">
-            <a:schemeClr val="accent1"/>
-          </a:effectRef>
-          <a:fontRef idx="minor">
-            <a:schemeClr val="lt1"/>
-          </a:fontRef>
-        </p:style>
-        <p:txBody>
-          <a:bodyPr rtlCol="0" anchor="ctr"/>
-          <a:lstStyle/>
-          <a:p>
-            <a:pPr algn="ctr"/>
-            <a:r>
-              <a:rPr lang="en-US" sz="1000" dirty="0">
-                <a:solidFill>
-                  <a:schemeClr val="tx1"/>
-                </a:solidFill>
-                <a:latin typeface="Poppins" panose="00000500000000000000" pitchFamily="2" charset="0"/>
-                <a:cs typeface="Poppins" panose="00000500000000000000" pitchFamily="2" charset="0"/>
-              </a:rPr>
-              <a:t>2</a:t>
-            </a:r>
-          </a:p>
-        </p:txBody>
-      </p:sp>
-      <p:sp>
-        <p:nvSpPr>
-          <p:cNvPr id="45" name="Rectangle 44">
-            <a:extLst>
-              <a:ext uri="{FF2B5EF4-FFF2-40B4-BE49-F238E27FC236}">
-                <a16:creationId xmlns:a16="http://schemas.microsoft.com/office/drawing/2014/main" id="{AE6A79A3-5882-45E7-9E01-A77B8AE3CEAF}"/>
-              </a:ext>
-            </a:extLst>
-          </p:cNvPr>
-          <p:cNvSpPr/>
-          <p:nvPr/>
-        </p:nvSpPr>
-        <p:spPr>
-          <a:xfrm>
-            <a:off x="9104806" y="1185664"/>
-            <a:ext cx="276225" cy="341124"/>
-          </a:xfrm>
-          <a:prstGeom prst="rect">
-            <a:avLst/>
-          </a:prstGeom>
-          <a:noFill/>
-          <a:ln>
-            <a:solidFill>
-              <a:schemeClr val="tx1"/>
-            </a:solidFill>
-          </a:ln>
-        </p:spPr>
-        <p:style>
-          <a:lnRef idx="2">
-            <a:schemeClr val="accent1">
-              <a:shade val="50000"/>
-            </a:schemeClr>
-          </a:lnRef>
-          <a:fillRef idx="1">
-            <a:schemeClr val="accent1"/>
-          </a:fillRef>
-          <a:effectRef idx="0">
-            <a:schemeClr val="accent1"/>
-          </a:effectRef>
-          <a:fontRef idx="minor">
-            <a:schemeClr val="lt1"/>
-          </a:fontRef>
-        </p:style>
-        <p:txBody>
-          <a:bodyPr rtlCol="0" anchor="ctr"/>
-          <a:lstStyle/>
-          <a:p>
-            <a:pPr algn="ctr"/>
-            <a:r>
-              <a:rPr lang="en-US" sz="1000" dirty="0">
-                <a:solidFill>
-                  <a:schemeClr val="tx1"/>
-                </a:solidFill>
-                <a:latin typeface="Poppins" panose="00000500000000000000" pitchFamily="2" charset="0"/>
-                <a:cs typeface="Poppins" panose="00000500000000000000" pitchFamily="2" charset="0"/>
-              </a:rPr>
-              <a:t>3</a:t>
-            </a:r>
-          </a:p>
-        </p:txBody>
-      </p:sp>
-      <p:sp>
-        <p:nvSpPr>
-          <p:cNvPr id="51" name="Rectangle 50">
-            <a:extLst>
-              <a:ext uri="{FF2B5EF4-FFF2-40B4-BE49-F238E27FC236}">
-                <a16:creationId xmlns:a16="http://schemas.microsoft.com/office/drawing/2014/main" id="{B430BF5C-0544-45ED-A777-777CA9BD9E65}"/>
-              </a:ext>
-            </a:extLst>
-          </p:cNvPr>
-          <p:cNvSpPr/>
-          <p:nvPr/>
-        </p:nvSpPr>
-        <p:spPr>
-          <a:xfrm>
-            <a:off x="10480215" y="1190729"/>
-            <a:ext cx="276225" cy="341124"/>
-          </a:xfrm>
-          <a:prstGeom prst="rect">
-            <a:avLst/>
-          </a:prstGeom>
-          <a:noFill/>
-          <a:ln>
-            <a:solidFill>
-              <a:schemeClr val="tx1"/>
-            </a:solidFill>
-          </a:ln>
-        </p:spPr>
-        <p:style>
-          <a:lnRef idx="2">
-            <a:schemeClr val="accent1">
-              <a:shade val="50000"/>
-            </a:schemeClr>
-          </a:lnRef>
-          <a:fillRef idx="1">
-            <a:schemeClr val="accent1"/>
-          </a:fillRef>
-          <a:effectRef idx="0">
-            <a:schemeClr val="accent1"/>
-          </a:effectRef>
-          <a:fontRef idx="minor">
-            <a:schemeClr val="lt1"/>
-          </a:fontRef>
-        </p:style>
-        <p:txBody>
-          <a:bodyPr rtlCol="0" anchor="ctr"/>
-          <a:lstStyle/>
-          <a:p>
-            <a:pPr algn="ctr"/>
-            <a:r>
-              <a:rPr lang="en-US" sz="1000" dirty="0">
-                <a:solidFill>
-                  <a:schemeClr val="tx1"/>
-                </a:solidFill>
-                <a:latin typeface="Poppins" panose="00000500000000000000" pitchFamily="2" charset="0"/>
-                <a:cs typeface="Poppins" panose="00000500000000000000" pitchFamily="2" charset="0"/>
-              </a:rPr>
-              <a:t>2</a:t>
-            </a:r>
-          </a:p>
-        </p:txBody>
-      </p:sp>
-      <p:sp>
-        <p:nvSpPr>
-          <p:cNvPr id="52" name="Rectangle 51">
-            <a:extLst>
-              <a:ext uri="{FF2B5EF4-FFF2-40B4-BE49-F238E27FC236}">
-                <a16:creationId xmlns:a16="http://schemas.microsoft.com/office/drawing/2014/main" id="{0E9CF323-AEC6-40EE-A329-AA1B51827325}"/>
-              </a:ext>
-            </a:extLst>
-          </p:cNvPr>
-          <p:cNvSpPr/>
-          <p:nvPr/>
-        </p:nvSpPr>
-        <p:spPr>
-          <a:xfrm>
-            <a:off x="10756440" y="1190728"/>
-            <a:ext cx="276225" cy="341124"/>
-          </a:xfrm>
-          <a:prstGeom prst="rect">
-            <a:avLst/>
-          </a:prstGeom>
-          <a:noFill/>
-          <a:ln>
-            <a:solidFill>
-              <a:schemeClr val="tx1"/>
-            </a:solidFill>
-          </a:ln>
-        </p:spPr>
-        <p:style>
-          <a:lnRef idx="2">
-            <a:schemeClr val="accent1">
-              <a:shade val="50000"/>
-            </a:schemeClr>
-          </a:lnRef>
-          <a:fillRef idx="1">
-            <a:schemeClr val="accent1"/>
-          </a:fillRef>
-          <a:effectRef idx="0">
-            <a:schemeClr val="accent1"/>
-          </a:effectRef>
-          <a:fontRef idx="minor">
-            <a:schemeClr val="lt1"/>
-          </a:fontRef>
-        </p:style>
-        <p:txBody>
-          <a:bodyPr rtlCol="0" anchor="ctr"/>
-          <a:lstStyle/>
-          <a:p>
-            <a:pPr algn="ctr"/>
-            <a:r>
-              <a:rPr lang="en-US" sz="1000" dirty="0">
-                <a:solidFill>
-                  <a:schemeClr val="tx1"/>
-                </a:solidFill>
-                <a:latin typeface="Poppins" panose="00000500000000000000" pitchFamily="2" charset="0"/>
-                <a:cs typeface="Poppins" panose="00000500000000000000" pitchFamily="2" charset="0"/>
-              </a:rPr>
-              <a:t>3</a:t>
-            </a:r>
-          </a:p>
-        </p:txBody>
-      </p:sp>
-      <p:sp>
-        <p:nvSpPr>
-          <p:cNvPr id="53" name="Rectangle 52">
-            <a:extLst>
-              <a:ext uri="{FF2B5EF4-FFF2-40B4-BE49-F238E27FC236}">
-                <a16:creationId xmlns:a16="http://schemas.microsoft.com/office/drawing/2014/main" id="{8941C483-F97B-40F3-94B7-188C0C237B48}"/>
-              </a:ext>
-            </a:extLst>
-          </p:cNvPr>
-          <p:cNvSpPr/>
-          <p:nvPr/>
-        </p:nvSpPr>
-        <p:spPr>
-          <a:xfrm>
-            <a:off x="11030760" y="1190728"/>
-            <a:ext cx="276225" cy="341124"/>
-          </a:xfrm>
-          <a:prstGeom prst="rect">
-            <a:avLst/>
-          </a:prstGeom>
-          <a:noFill/>
-          <a:ln>
-            <a:solidFill>
-              <a:schemeClr val="tx1"/>
-            </a:solidFill>
-          </a:ln>
-        </p:spPr>
-        <p:style>
-          <a:lnRef idx="2">
-            <a:schemeClr val="accent1">
-              <a:shade val="50000"/>
-            </a:schemeClr>
-          </a:lnRef>
-          <a:fillRef idx="1">
-            <a:schemeClr val="accent1"/>
-          </a:fillRef>
-          <a:effectRef idx="0">
-            <a:schemeClr val="accent1"/>
-          </a:effectRef>
-          <a:fontRef idx="minor">
-            <a:schemeClr val="lt1"/>
-          </a:fontRef>
-        </p:style>
-        <p:txBody>
-          <a:bodyPr rtlCol="0" anchor="ctr"/>
-          <a:lstStyle/>
-          <a:p>
-            <a:pPr algn="ctr"/>
-            <a:r>
-              <a:rPr lang="en-US" sz="1000" dirty="0">
-                <a:solidFill>
-                  <a:schemeClr val="tx1"/>
-                </a:solidFill>
-                <a:latin typeface="Poppins" panose="00000500000000000000" pitchFamily="2" charset="0"/>
-                <a:cs typeface="Poppins" panose="00000500000000000000" pitchFamily="2" charset="0"/>
-              </a:rPr>
-              <a:t>4</a:t>
-            </a:r>
-          </a:p>
-        </p:txBody>
-      </p:sp>
-      <p:sp>
-        <p:nvSpPr>
-          <p:cNvPr id="48" name="Rectangle 47">
-            <a:extLst>
-              <a:ext uri="{FF2B5EF4-FFF2-40B4-BE49-F238E27FC236}">
-                <a16:creationId xmlns:a16="http://schemas.microsoft.com/office/drawing/2014/main" id="{C98F536F-06A2-4F29-B12B-66B94E7EE0EF}"/>
-              </a:ext>
-            </a:extLst>
-          </p:cNvPr>
-          <p:cNvSpPr/>
-          <p:nvPr/>
-        </p:nvSpPr>
-        <p:spPr>
-          <a:xfrm>
-            <a:off x="9517238" y="1185664"/>
-            <a:ext cx="276225" cy="341124"/>
-          </a:xfrm>
-          <a:prstGeom prst="rect">
-            <a:avLst/>
-          </a:prstGeom>
-          <a:noFill/>
-          <a:ln>
-            <a:solidFill>
-              <a:schemeClr val="tx1"/>
-            </a:solidFill>
-          </a:ln>
-        </p:spPr>
-        <p:style>
-          <a:lnRef idx="2">
-            <a:schemeClr val="accent1">
-              <a:shade val="50000"/>
-            </a:schemeClr>
-          </a:lnRef>
-          <a:fillRef idx="1">
-            <a:schemeClr val="accent1"/>
-          </a:fillRef>
-          <a:effectRef idx="0">
-            <a:schemeClr val="accent1"/>
-          </a:effectRef>
-          <a:fontRef idx="minor">
-            <a:schemeClr val="lt1"/>
-          </a:fontRef>
-        </p:style>
-        <p:txBody>
-          <a:bodyPr rtlCol="0" anchor="ctr"/>
-          <a:lstStyle/>
-          <a:p>
-            <a:pPr algn="ctr"/>
-            <a:r>
-              <a:rPr lang="en-US" sz="700" dirty="0">
-                <a:solidFill>
-                  <a:schemeClr val="tx1"/>
-                </a:solidFill>
-                <a:latin typeface="Poppins" panose="00000500000000000000" pitchFamily="2" charset="0"/>
-                <a:cs typeface="Poppins" panose="00000500000000000000" pitchFamily="2" charset="0"/>
-              </a:rPr>
-              <a:t>+1</a:t>
-            </a:r>
-          </a:p>
-        </p:txBody>
-      </p:sp>
-      <p:sp>
-        <p:nvSpPr>
-          <p:cNvPr id="49" name="Rectangle 48">
-            <a:extLst>
-              <a:ext uri="{FF2B5EF4-FFF2-40B4-BE49-F238E27FC236}">
-                <a16:creationId xmlns:a16="http://schemas.microsoft.com/office/drawing/2014/main" id="{7F2ABACF-3E0B-4BE7-8C6A-58F3FDE563AB}"/>
-              </a:ext>
-            </a:extLst>
-          </p:cNvPr>
-          <p:cNvSpPr/>
-          <p:nvPr/>
-        </p:nvSpPr>
-        <p:spPr>
-          <a:xfrm>
-            <a:off x="9793463" y="1185663"/>
-            <a:ext cx="276225" cy="341124"/>
-          </a:xfrm>
-          <a:prstGeom prst="rect">
-            <a:avLst/>
-          </a:prstGeom>
-          <a:noFill/>
-          <a:ln>
-            <a:solidFill>
-              <a:schemeClr val="tx1"/>
-            </a:solidFill>
-          </a:ln>
-        </p:spPr>
-        <p:style>
-          <a:lnRef idx="2">
-            <a:schemeClr val="accent1">
-              <a:shade val="50000"/>
-            </a:schemeClr>
-          </a:lnRef>
-          <a:fillRef idx="1">
-            <a:schemeClr val="accent1"/>
-          </a:fillRef>
-          <a:effectRef idx="0">
-            <a:schemeClr val="accent1"/>
-          </a:effectRef>
-          <a:fontRef idx="minor">
-            <a:schemeClr val="lt1"/>
-          </a:fontRef>
-        </p:style>
-        <p:txBody>
-          <a:bodyPr rtlCol="0" anchor="ctr"/>
-          <a:lstStyle/>
-          <a:p>
-            <a:pPr algn="ctr"/>
-            <a:r>
-              <a:rPr lang="en-US" sz="700" dirty="0">
-                <a:solidFill>
-                  <a:schemeClr val="tx1"/>
-                </a:solidFill>
-                <a:latin typeface="Poppins" panose="00000500000000000000" pitchFamily="2" charset="0"/>
-                <a:cs typeface="Poppins" panose="00000500000000000000" pitchFamily="2" charset="0"/>
-              </a:rPr>
-              <a:t>+1</a:t>
-            </a:r>
-          </a:p>
-        </p:txBody>
-      </p:sp>
-      <p:sp>
-        <p:nvSpPr>
-          <p:cNvPr id="50" name="Rectangle 49">
-            <a:extLst>
-              <a:ext uri="{FF2B5EF4-FFF2-40B4-BE49-F238E27FC236}">
-                <a16:creationId xmlns:a16="http://schemas.microsoft.com/office/drawing/2014/main" id="{A55F7671-F5CB-4D88-A2FE-2AE6EB3370A7}"/>
-              </a:ext>
-            </a:extLst>
-          </p:cNvPr>
-          <p:cNvSpPr/>
-          <p:nvPr/>
-        </p:nvSpPr>
-        <p:spPr>
-          <a:xfrm>
-            <a:off x="10067783" y="1185663"/>
-            <a:ext cx="276225" cy="341124"/>
-          </a:xfrm>
-          <a:prstGeom prst="rect">
-            <a:avLst/>
-          </a:prstGeom>
-          <a:noFill/>
-          <a:ln>
-            <a:solidFill>
-              <a:schemeClr val="tx1"/>
-            </a:solidFill>
-          </a:ln>
-        </p:spPr>
-        <p:style>
-          <a:lnRef idx="2">
-            <a:schemeClr val="accent1">
-              <a:shade val="50000"/>
-            </a:schemeClr>
-          </a:lnRef>
-          <a:fillRef idx="1">
-            <a:schemeClr val="accent1"/>
-          </a:fillRef>
-          <a:effectRef idx="0">
-            <a:schemeClr val="accent1"/>
-          </a:effectRef>
-          <a:fontRef idx="minor">
-            <a:schemeClr val="lt1"/>
-          </a:fontRef>
-        </p:style>
-        <p:txBody>
-          <a:bodyPr rtlCol="0" anchor="ctr"/>
-          <a:lstStyle/>
-          <a:p>
-            <a:pPr algn="ctr"/>
-            <a:r>
-              <a:rPr lang="en-US" sz="700" dirty="0">
-                <a:solidFill>
-                  <a:schemeClr val="tx1"/>
-                </a:solidFill>
-                <a:latin typeface="Poppins" panose="00000500000000000000" pitchFamily="2" charset="0"/>
-                <a:cs typeface="Poppins" panose="00000500000000000000" pitchFamily="2" charset="0"/>
-              </a:rPr>
-              <a:t>+1</a:t>
-            </a:r>
-          </a:p>
-        </p:txBody>
-      </p:sp>
-      <p:cxnSp>
-        <p:nvCxnSpPr>
-          <p:cNvPr id="58" name="Straight Connector 57">
-            <a:extLst>
-              <a:ext uri="{FF2B5EF4-FFF2-40B4-BE49-F238E27FC236}">
-                <a16:creationId xmlns:a16="http://schemas.microsoft.com/office/drawing/2014/main" id="{EBA43D72-C85A-49CB-B5E5-A5B4761D9B67}"/>
-              </a:ext>
-            </a:extLst>
-          </p:cNvPr>
-          <p:cNvCxnSpPr>
-            <a:cxnSpLocks/>
-          </p:cNvCxnSpPr>
-          <p:nvPr/>
-        </p:nvCxnSpPr>
-        <p:spPr>
-          <a:xfrm>
-            <a:off x="10344008" y="1356226"/>
-            <a:ext cx="136207" cy="0"/>
-          </a:xfrm>
-          <a:prstGeom prst="line">
-            <a:avLst/>
-          </a:prstGeom>
-        </p:spPr>
-        <p:style>
-          <a:lnRef idx="1">
-            <a:schemeClr val="accent1"/>
-          </a:lnRef>
-          <a:fillRef idx="0">
-            <a:schemeClr val="accent1"/>
-          </a:fillRef>
-          <a:effectRef idx="0">
-            <a:schemeClr val="accent1"/>
-          </a:effectRef>
-          <a:fontRef idx="minor">
-            <a:schemeClr val="tx1"/>
-          </a:fontRef>
-        </p:style>
-      </p:cxnSp>
-      <p:sp>
-        <p:nvSpPr>
-          <p:cNvPr id="36" name="TextBox 35">
-            <a:extLst>
-              <a:ext uri="{FF2B5EF4-FFF2-40B4-BE49-F238E27FC236}">
-                <a16:creationId xmlns:a16="http://schemas.microsoft.com/office/drawing/2014/main" id="{B32DA3FE-E047-4464-A86A-ED37EF36C356}"/>
+              <a:rPr lang="en-US" sz="1100" dirty="0">
+                <a:latin typeface="Poppins" panose="00000500000000000000" pitchFamily="2" charset="0"/>
+                <a:cs typeface="Poppins" panose="00000500000000000000" pitchFamily="2" charset="0"/>
+              </a:rPr>
+              <a:t>0</a:t>
+            </a:r>
+          </a:p>
+        </p:txBody>
+      </p:sp>
+      <p:sp>
+        <p:nvSpPr>
+          <p:cNvPr id="23" name="TextBox 22">
+            <a:extLst>
+              <a:ext uri="{FF2B5EF4-FFF2-40B4-BE49-F238E27FC236}">
+                <a16:creationId xmlns:a16="http://schemas.microsoft.com/office/drawing/2014/main" id="{35B1A95F-80E0-4E82-A426-3D7DB194E483}"/>
               </a:ext>
             </a:extLst>
           </p:cNvPr>
@@ -12361,8 +13372,8 @@
         </p:nvSpPr>
         <p:spPr>
           <a:xfrm>
-            <a:off x="770950" y="377376"/>
-            <a:ext cx="639919" cy="338554"/>
+            <a:off x="8516599" y="758990"/>
+            <a:ext cx="229550" cy="261610"/>
           </a:xfrm>
           <a:prstGeom prst="rect">
             <a:avLst/>
@@ -12376,11 +13387,49 @@
           <a:lstStyle/>
           <a:p>
             <a:r>
-              <a:rPr lang="en-US" sz="1600" dirty="0">
-                <a:latin typeface="Poppins" panose="00000500000000000000" pitchFamily="2" charset="0"/>
-                <a:cs typeface="Poppins" panose="00000500000000000000" pitchFamily="2" charset="0"/>
-              </a:rPr>
-              <a:t>Map</a:t>
+              <a:rPr lang="en-US" sz="1100" dirty="0">
+                <a:latin typeface="Poppins" panose="00000500000000000000" pitchFamily="2" charset="0"/>
+                <a:cs typeface="Poppins" panose="00000500000000000000" pitchFamily="2" charset="0"/>
+              </a:rPr>
+              <a:t>1</a:t>
+            </a:r>
+          </a:p>
+        </p:txBody>
+      </p:sp>
+      <p:sp>
+        <p:nvSpPr>
+          <p:cNvPr id="24" name="TextBox 23">
+            <a:extLst>
+              <a:ext uri="{FF2B5EF4-FFF2-40B4-BE49-F238E27FC236}">
+                <a16:creationId xmlns:a16="http://schemas.microsoft.com/office/drawing/2014/main" id="{096980BD-FFEA-416A-845A-55A241B95575}"/>
+              </a:ext>
+            </a:extLst>
+          </p:cNvPr>
+          <p:cNvSpPr txBox="1"/>
+          <p:nvPr/>
+        </p:nvSpPr>
+        <p:spPr>
+          <a:xfrm>
+            <a:off x="8786279" y="758990"/>
+            <a:ext cx="266420" cy="261610"/>
+          </a:xfrm>
+          <a:prstGeom prst="rect">
+            <a:avLst/>
+          </a:prstGeom>
+          <a:noFill/>
+        </p:spPr>
+        <p:txBody>
+          <a:bodyPr wrap="none" rtlCol="0">
+            <a:spAutoFit/>
+          </a:bodyPr>
+          <a:lstStyle/>
+          <a:p>
+            <a:r>
+              <a:rPr lang="en-US" sz="1100" dirty="0">
+                <a:latin typeface="Poppins" panose="00000500000000000000" pitchFamily="2" charset="0"/>
+                <a:cs typeface="Poppins" panose="00000500000000000000" pitchFamily="2" charset="0"/>
+              </a:rPr>
+              <a:t>2</a:t>
             </a:r>
           </a:p>
         </p:txBody>
@@ -12388,7 +13437,7 @@
     </p:spTree>
     <p:extLst>
       <p:ext uri="{BB962C8B-B14F-4D97-AF65-F5344CB8AC3E}">
-        <p14:creationId xmlns:p14="http://schemas.microsoft.com/office/powerpoint/2010/main" val="4247652544"/>
+        <p14:creationId xmlns:p14="http://schemas.microsoft.com/office/powerpoint/2010/main" val="2224465581"/>
       </p:ext>
     </p:extLst>
   </p:cSld>
@@ -12415,12 +13464,52 @@
           <a:chExt cx="0" cy="0"/>
         </a:xfrm>
       </p:grpSpPr>
-      <p:sp>
-        <p:nvSpPr>
-          <p:cNvPr id="2" name="Rectangle 1">
-            <a:extLst>
-              <a:ext uri="{FF2B5EF4-FFF2-40B4-BE49-F238E27FC236}">
-                <a16:creationId xmlns:a16="http://schemas.microsoft.com/office/drawing/2014/main" id="{5D4F4CF8-B2FE-46C8-A711-EAA53F79F4A8}"/>
+      <p:cxnSp>
+        <p:nvCxnSpPr>
+          <p:cNvPr id="55" name="Straight Connector 54">
+            <a:extLst>
+              <a:ext uri="{FF2B5EF4-FFF2-40B4-BE49-F238E27FC236}">
+                <a16:creationId xmlns:a16="http://schemas.microsoft.com/office/drawing/2014/main" id="{9C6E4A8F-2022-4F62-8647-5F95C9B972AA}"/>
+              </a:ext>
+            </a:extLst>
+          </p:cNvPr>
+          <p:cNvCxnSpPr>
+            <a:cxnSpLocks/>
+            <a:stCxn id="45" idx="3"/>
+            <a:endCxn id="48" idx="1"/>
+          </p:cNvCxnSpPr>
+          <p:nvPr/>
+        </p:nvCxnSpPr>
+        <p:spPr>
+          <a:xfrm>
+            <a:off x="9381031" y="1356226"/>
+            <a:ext cx="136207" cy="0"/>
+          </a:xfrm>
+          <a:prstGeom prst="line">
+            <a:avLst/>
+          </a:prstGeom>
+        </p:spPr>
+        <p:style>
+          <a:lnRef idx="1">
+            <a:schemeClr val="accent1"/>
+          </a:lnRef>
+          <a:fillRef idx="0">
+            <a:schemeClr val="accent1"/>
+          </a:fillRef>
+          <a:effectRef idx="0">
+            <a:schemeClr val="accent1"/>
+          </a:effectRef>
+          <a:fontRef idx="minor">
+            <a:schemeClr val="tx1"/>
+          </a:fontRef>
+        </p:style>
+      </p:cxnSp>
+      <p:sp>
+        <p:nvSpPr>
+          <p:cNvPr id="42" name="Rectangle 41">
+            <a:extLst>
+              <a:ext uri="{FF2B5EF4-FFF2-40B4-BE49-F238E27FC236}">
+                <a16:creationId xmlns:a16="http://schemas.microsoft.com/office/drawing/2014/main" id="{0BE72460-9601-4EE7-A5D3-3FDBA2A648A2}"/>
               </a:ext>
             </a:extLst>
           </p:cNvPr>
@@ -12429,7 +13518,7 @@
         </p:nvSpPr>
         <p:spPr>
           <a:xfrm>
-            <a:off x="4792438" y="87687"/>
+            <a:off x="8775127" y="649492"/>
             <a:ext cx="2062826" cy="625151"/>
           </a:xfrm>
           <a:prstGeom prst="rect">
@@ -12471,17 +13560,17 @@
                 <a:latin typeface="Poppins" panose="00000500000000000000" pitchFamily="2" charset="0"/>
                 <a:cs typeface="Poppins" panose="00000500000000000000" pitchFamily="2" charset="0"/>
               </a:rPr>
-              <a:t>Filter</a:t>
-            </a:r>
-          </a:p>
-        </p:txBody>
-      </p:sp>
-      <p:sp>
-        <p:nvSpPr>
-          <p:cNvPr id="3" name="Rectangle 2">
-            <a:extLst>
-              <a:ext uri="{FF2B5EF4-FFF2-40B4-BE49-F238E27FC236}">
-                <a16:creationId xmlns:a16="http://schemas.microsoft.com/office/drawing/2014/main" id="{F929516D-D435-4E5A-A660-3A9683096485}"/>
+              <a:t>proses</a:t>
+            </a:r>
+          </a:p>
+        </p:txBody>
+      </p:sp>
+      <p:sp>
+        <p:nvSpPr>
+          <p:cNvPr id="31" name="Rectangle 30">
+            <a:extLst>
+              <a:ext uri="{FF2B5EF4-FFF2-40B4-BE49-F238E27FC236}">
+                <a16:creationId xmlns:a16="http://schemas.microsoft.com/office/drawing/2014/main" id="{CDA8AC1B-2922-40CC-A9BD-1E9EED6F01BC}"/>
               </a:ext>
             </a:extLst>
           </p:cNvPr>
@@ -12490,8 +13579,8 @@
         </p:nvSpPr>
         <p:spPr>
           <a:xfrm>
-            <a:off x="6590471" y="542277"/>
-            <a:ext cx="276225" cy="341124"/>
+            <a:off x="5668976" y="2766804"/>
+            <a:ext cx="2062826" cy="625151"/>
           </a:xfrm>
           <a:prstGeom prst="rect">
             <a:avLst/>
@@ -12499,7 +13588,7 @@
           <a:noFill/>
           <a:ln>
             <a:solidFill>
-              <a:schemeClr val="tx1"/>
+              <a:schemeClr val="bg1"/>
             </a:solidFill>
           </a:ln>
         </p:spPr>
@@ -12525,24 +13614,91 @@
           <a:p>
             <a:pPr algn="ctr"/>
             <a:r>
-              <a:rPr lang="en-US" sz="1000" dirty="0">
-                <a:solidFill>
-                  <a:schemeClr val="tx1"/>
-                </a:solidFill>
-                <a:latin typeface="Poppins" panose="00000500000000000000" pitchFamily="2" charset="0"/>
-                <a:cs typeface="Poppins" panose="00000500000000000000" pitchFamily="2" charset="0"/>
-              </a:rPr>
-              <a:t>1</a:t>
-            </a:r>
-          </a:p>
-        </p:txBody>
-      </p:sp>
-      <p:sp>
-        <p:nvSpPr>
-          <p:cNvPr id="4" name="Rectangle 3">
-            <a:extLst>
-              <a:ext uri="{FF2B5EF4-FFF2-40B4-BE49-F238E27FC236}">
-                <a16:creationId xmlns:a16="http://schemas.microsoft.com/office/drawing/2014/main" id="{9F0F68EF-6416-4388-9FD7-9C6B67FA5303}"/>
+              <a:rPr lang="en-US" sz="800" dirty="0" err="1">
+                <a:solidFill>
+                  <a:schemeClr val="tx1"/>
+                </a:solidFill>
+                <a:latin typeface="Poppins" panose="00000500000000000000" pitchFamily="2" charset="0"/>
+                <a:cs typeface="Poppins" panose="00000500000000000000" pitchFamily="2" charset="0"/>
+              </a:rPr>
+              <a:t>Iterasi</a:t>
+            </a:r>
+            <a:r>
+              <a:rPr lang="en-US" sz="800" dirty="0">
+                <a:solidFill>
+                  <a:schemeClr val="tx1"/>
+                </a:solidFill>
+                <a:latin typeface="Poppins" panose="00000500000000000000" pitchFamily="2" charset="0"/>
+                <a:cs typeface="Poppins" panose="00000500000000000000" pitchFamily="2" charset="0"/>
+              </a:rPr>
+              <a:t> </a:t>
+            </a:r>
+            <a:r>
+              <a:rPr lang="en-US" sz="800" dirty="0" err="1">
+                <a:solidFill>
+                  <a:schemeClr val="tx1"/>
+                </a:solidFill>
+                <a:latin typeface="Poppins" panose="00000500000000000000" pitchFamily="2" charset="0"/>
+                <a:cs typeface="Poppins" panose="00000500000000000000" pitchFamily="2" charset="0"/>
+              </a:rPr>
+              <a:t>setiap</a:t>
+            </a:r>
+            <a:r>
+              <a:rPr lang="en-US" sz="800" dirty="0">
+                <a:solidFill>
+                  <a:schemeClr val="tx1"/>
+                </a:solidFill>
+                <a:latin typeface="Poppins" panose="00000500000000000000" pitchFamily="2" charset="0"/>
+                <a:cs typeface="Poppins" panose="00000500000000000000" pitchFamily="2" charset="0"/>
+              </a:rPr>
+              <a:t> array </a:t>
+            </a:r>
+            <a:r>
+              <a:rPr lang="en-US" sz="800" dirty="0" err="1">
+                <a:solidFill>
+                  <a:schemeClr val="tx1"/>
+                </a:solidFill>
+                <a:latin typeface="Poppins" panose="00000500000000000000" pitchFamily="2" charset="0"/>
+                <a:cs typeface="Poppins" panose="00000500000000000000" pitchFamily="2" charset="0"/>
+              </a:rPr>
+              <a:t>jumlahkan</a:t>
+            </a:r>
+            <a:r>
+              <a:rPr lang="en-US" sz="800" dirty="0">
+                <a:solidFill>
+                  <a:schemeClr val="tx1"/>
+                </a:solidFill>
+                <a:latin typeface="Poppins" panose="00000500000000000000" pitchFamily="2" charset="0"/>
+                <a:cs typeface="Poppins" panose="00000500000000000000" pitchFamily="2" charset="0"/>
+              </a:rPr>
+              <a:t> </a:t>
+            </a:r>
+            <a:r>
+              <a:rPr lang="en-US" sz="800" dirty="0" err="1">
+                <a:solidFill>
+                  <a:schemeClr val="tx1"/>
+                </a:solidFill>
+                <a:latin typeface="Poppins" panose="00000500000000000000" pitchFamily="2" charset="0"/>
+                <a:cs typeface="Poppins" panose="00000500000000000000" pitchFamily="2" charset="0"/>
+              </a:rPr>
+              <a:t>satu</a:t>
+            </a:r>
+            <a:endParaRPr lang="en-US" sz="800" dirty="0">
+              <a:solidFill>
+                <a:schemeClr val="tx1"/>
+              </a:solidFill>
+              <a:latin typeface="Poppins" panose="00000500000000000000" pitchFamily="2" charset="0"/>
+              <a:cs typeface="Poppins" panose="00000500000000000000" pitchFamily="2" charset="0"/>
+            </a:endParaRPr>
+          </a:p>
+        </p:txBody>
+      </p:sp>
+      <p:sp>
+        <p:nvSpPr>
+          <p:cNvPr id="37" name="Rectangle 36">
+            <a:extLst>
+              <a:ext uri="{FF2B5EF4-FFF2-40B4-BE49-F238E27FC236}">
+                <a16:creationId xmlns:a16="http://schemas.microsoft.com/office/drawing/2014/main" id="{C10B36BD-85AD-41A8-B285-AADF4C0A02EB}"/>
               </a:ext>
             </a:extLst>
           </p:cNvPr>
@@ -12551,8 +13707,8 @@
         </p:nvSpPr>
         <p:spPr>
           <a:xfrm>
-            <a:off x="6866696" y="542276"/>
-            <a:ext cx="276225" cy="341124"/>
+            <a:off x="8489665" y="2812048"/>
+            <a:ext cx="2062826" cy="625151"/>
           </a:xfrm>
           <a:prstGeom prst="rect">
             <a:avLst/>
@@ -12560,7 +13716,7 @@
           <a:noFill/>
           <a:ln>
             <a:solidFill>
-              <a:schemeClr val="tx1"/>
+              <a:schemeClr val="bg1"/>
             </a:solidFill>
           </a:ln>
         </p:spPr>
@@ -12586,24 +13742,44 @@
           <a:p>
             <a:pPr algn="ctr"/>
             <a:r>
-              <a:rPr lang="en-US" sz="1000" dirty="0">
-                <a:solidFill>
-                  <a:schemeClr val="tx1"/>
-                </a:solidFill>
-                <a:latin typeface="Poppins" panose="00000500000000000000" pitchFamily="2" charset="0"/>
-                <a:cs typeface="Poppins" panose="00000500000000000000" pitchFamily="2" charset="0"/>
-              </a:rPr>
-              <a:t>2</a:t>
-            </a:r>
-          </a:p>
-        </p:txBody>
-      </p:sp>
-      <p:sp>
-        <p:nvSpPr>
-          <p:cNvPr id="5" name="Rectangle 4">
-            <a:extLst>
-              <a:ext uri="{FF2B5EF4-FFF2-40B4-BE49-F238E27FC236}">
-                <a16:creationId xmlns:a16="http://schemas.microsoft.com/office/drawing/2014/main" id="{8D861F16-6417-4473-9603-583F1005A6B2}"/>
+              <a:rPr lang="en-US" sz="800" dirty="0">
+                <a:solidFill>
+                  <a:schemeClr val="tx1"/>
+                </a:solidFill>
+                <a:latin typeface="Poppins" panose="00000500000000000000" pitchFamily="2" charset="0"/>
+                <a:cs typeface="Poppins" panose="00000500000000000000" pitchFamily="2" charset="0"/>
+              </a:rPr>
+              <a:t>Callback </a:t>
+            </a:r>
+            <a:r>
+              <a:rPr lang="en-US" sz="800" dirty="0" err="1">
+                <a:solidFill>
+                  <a:schemeClr val="tx1"/>
+                </a:solidFill>
+                <a:latin typeface="Poppins" panose="00000500000000000000" pitchFamily="2" charset="0"/>
+                <a:cs typeface="Poppins" panose="00000500000000000000" pitchFamily="2" charset="0"/>
+              </a:rPr>
+              <a:t>dengan</a:t>
+            </a:r>
+            <a:r>
+              <a:rPr lang="en-US" sz="800" dirty="0">
+                <a:solidFill>
+                  <a:schemeClr val="tx1"/>
+                </a:solidFill>
+                <a:latin typeface="Poppins" panose="00000500000000000000" pitchFamily="2" charset="0"/>
+                <a:cs typeface="Poppins" panose="00000500000000000000" pitchFamily="2" charset="0"/>
+              </a:rPr>
+              <a:t> arrow function</a:t>
+            </a:r>
+          </a:p>
+        </p:txBody>
+      </p:sp>
+      <p:sp>
+        <p:nvSpPr>
+          <p:cNvPr id="21" name="Rectangle 20">
+            <a:extLst>
+              <a:ext uri="{FF2B5EF4-FFF2-40B4-BE49-F238E27FC236}">
+                <a16:creationId xmlns:a16="http://schemas.microsoft.com/office/drawing/2014/main" id="{9AC58A3A-B1B1-47A7-9C12-104AB83D3C63}"/>
               </a:ext>
             </a:extLst>
           </p:cNvPr>
@@ -12612,8 +13788,8 @@
         </p:nvSpPr>
         <p:spPr>
           <a:xfrm>
-            <a:off x="7141016" y="542276"/>
-            <a:ext cx="276225" cy="341124"/>
+            <a:off x="3265026" y="1788666"/>
+            <a:ext cx="2062826" cy="625151"/>
           </a:xfrm>
           <a:prstGeom prst="rect">
             <a:avLst/>
@@ -12621,7 +13797,7 @@
           <a:noFill/>
           <a:ln>
             <a:solidFill>
-              <a:schemeClr val="tx1"/>
+              <a:schemeClr val="bg1"/>
             </a:solidFill>
           </a:ln>
         </p:spPr>
@@ -12647,24 +13823,24 @@
           <a:p>
             <a:pPr algn="ctr"/>
             <a:r>
-              <a:rPr lang="en-US" sz="1000" dirty="0">
-                <a:solidFill>
-                  <a:schemeClr val="tx1"/>
-                </a:solidFill>
-                <a:latin typeface="Poppins" panose="00000500000000000000" pitchFamily="2" charset="0"/>
-                <a:cs typeface="Poppins" panose="00000500000000000000" pitchFamily="2" charset="0"/>
-              </a:rPr>
-              <a:t>3</a:t>
-            </a:r>
-          </a:p>
-        </p:txBody>
-      </p:sp>
-      <p:sp>
-        <p:nvSpPr>
-          <p:cNvPr id="6" name="Rectangle 5">
-            <a:extLst>
-              <a:ext uri="{FF2B5EF4-FFF2-40B4-BE49-F238E27FC236}">
-                <a16:creationId xmlns:a16="http://schemas.microsoft.com/office/drawing/2014/main" id="{1982580F-010A-40FE-B5ED-6ED091AEDC1A}"/>
+              <a:rPr lang="en-US" sz="800" dirty="0">
+                <a:solidFill>
+                  <a:schemeClr val="tx1"/>
+                </a:solidFill>
+                <a:latin typeface="Poppins" panose="00000500000000000000" pitchFamily="2" charset="0"/>
+                <a:cs typeface="Poppins" panose="00000500000000000000" pitchFamily="2" charset="0"/>
+              </a:rPr>
+              <a:t>Initial Array</a:t>
+            </a:r>
+          </a:p>
+        </p:txBody>
+      </p:sp>
+      <p:sp>
+        <p:nvSpPr>
+          <p:cNvPr id="3" name="Rectangle 2">
+            <a:extLst>
+              <a:ext uri="{FF2B5EF4-FFF2-40B4-BE49-F238E27FC236}">
+                <a16:creationId xmlns:a16="http://schemas.microsoft.com/office/drawing/2014/main" id="{5FB4A8F9-9B23-41F9-945C-74797CF9A00F}"/>
               </a:ext>
             </a:extLst>
           </p:cNvPr>
@@ -12673,7 +13849,7 @@
         </p:nvSpPr>
         <p:spPr>
           <a:xfrm>
-            <a:off x="7943023" y="542277"/>
+            <a:off x="6590471" y="542277"/>
             <a:ext cx="276225" cy="341124"/>
           </a:xfrm>
           <a:prstGeom prst="rect">
@@ -12715,17 +13891,17 @@
                 <a:latin typeface="Poppins" panose="00000500000000000000" pitchFamily="2" charset="0"/>
                 <a:cs typeface="Poppins" panose="00000500000000000000" pitchFamily="2" charset="0"/>
               </a:rPr>
-              <a:t>2</a:t>
-            </a:r>
-          </a:p>
-        </p:txBody>
-      </p:sp>
-      <p:sp>
-        <p:nvSpPr>
-          <p:cNvPr id="7" name="Rectangle 6">
-            <a:extLst>
-              <a:ext uri="{FF2B5EF4-FFF2-40B4-BE49-F238E27FC236}">
-                <a16:creationId xmlns:a16="http://schemas.microsoft.com/office/drawing/2014/main" id="{B74F8954-CD0C-4988-880E-008B85190E94}"/>
+              <a:t>1</a:t>
+            </a:r>
+          </a:p>
+        </p:txBody>
+      </p:sp>
+      <p:sp>
+        <p:nvSpPr>
+          <p:cNvPr id="4" name="Rectangle 3">
+            <a:extLst>
+              <a:ext uri="{FF2B5EF4-FFF2-40B4-BE49-F238E27FC236}">
+                <a16:creationId xmlns:a16="http://schemas.microsoft.com/office/drawing/2014/main" id="{34ECE09B-CE70-4C20-9F34-FD1ECAAFD974}"/>
               </a:ext>
             </a:extLst>
           </p:cNvPr>
@@ -12734,7 +13910,7 @@
         </p:nvSpPr>
         <p:spPr>
           <a:xfrm>
-            <a:off x="8219248" y="542276"/>
+            <a:off x="6866696" y="542276"/>
             <a:ext cx="276225" cy="341124"/>
           </a:xfrm>
           <a:prstGeom prst="rect">
@@ -12776,55 +13952,17 @@
                 <a:latin typeface="Poppins" panose="00000500000000000000" pitchFamily="2" charset="0"/>
                 <a:cs typeface="Poppins" panose="00000500000000000000" pitchFamily="2" charset="0"/>
               </a:rPr>
-              <a:t>3</a:t>
-            </a:r>
-          </a:p>
-        </p:txBody>
-      </p:sp>
-      <p:cxnSp>
-        <p:nvCxnSpPr>
-          <p:cNvPr id="9" name="Straight Connector 8">
-            <a:extLst>
-              <a:ext uri="{FF2B5EF4-FFF2-40B4-BE49-F238E27FC236}">
-                <a16:creationId xmlns:a16="http://schemas.microsoft.com/office/drawing/2014/main" id="{AC4FDD9A-8BF7-42E5-B515-DDEFB52E749B}"/>
-              </a:ext>
-            </a:extLst>
-          </p:cNvPr>
-          <p:cNvCxnSpPr>
-            <a:cxnSpLocks/>
-          </p:cNvCxnSpPr>
-          <p:nvPr/>
-        </p:nvCxnSpPr>
-        <p:spPr>
-          <a:xfrm>
-            <a:off x="7405809" y="711438"/>
-            <a:ext cx="525782" cy="1"/>
-          </a:xfrm>
-          <a:prstGeom prst="line">
-            <a:avLst/>
-          </a:prstGeom>
-        </p:spPr>
-        <p:style>
-          <a:lnRef idx="1">
-            <a:schemeClr val="accent1"/>
-          </a:lnRef>
-          <a:fillRef idx="0">
-            <a:schemeClr val="accent1"/>
-          </a:fillRef>
-          <a:effectRef idx="0">
-            <a:schemeClr val="accent1"/>
-          </a:effectRef>
-          <a:fontRef idx="minor">
-            <a:schemeClr val="tx1"/>
-          </a:fontRef>
-        </p:style>
-      </p:cxnSp>
-      <p:sp>
-        <p:nvSpPr>
-          <p:cNvPr id="10" name="Isosceles Triangle 9">
-            <a:extLst>
-              <a:ext uri="{FF2B5EF4-FFF2-40B4-BE49-F238E27FC236}">
-                <a16:creationId xmlns:a16="http://schemas.microsoft.com/office/drawing/2014/main" id="{CD10C816-F23D-411C-9D94-D6AB6E4D97EC}"/>
+              <a:t>2</a:t>
+            </a:r>
+          </a:p>
+        </p:txBody>
+      </p:sp>
+      <p:sp>
+        <p:nvSpPr>
+          <p:cNvPr id="5" name="Rectangle 4">
+            <a:extLst>
+              <a:ext uri="{FF2B5EF4-FFF2-40B4-BE49-F238E27FC236}">
+                <a16:creationId xmlns:a16="http://schemas.microsoft.com/office/drawing/2014/main" id="{5D28B415-DDCA-4849-9677-3404D5961D71}"/>
               </a:ext>
             </a:extLst>
           </p:cNvPr>
@@ -12832,15 +13970,19 @@
           <p:nvPr/>
         </p:nvSpPr>
         <p:spPr>
-          <a:xfrm rot="5400000">
-            <a:off x="7883272" y="689979"/>
-            <a:ext cx="59496" cy="45719"/>
-          </a:xfrm>
-          <a:prstGeom prst="triangle">
-            <a:avLst>
-              <a:gd name="adj" fmla="val 47561"/>
-            </a:avLst>
-          </a:prstGeom>
+          <a:xfrm>
+            <a:off x="7141016" y="542276"/>
+            <a:ext cx="276225" cy="341124"/>
+          </a:xfrm>
+          <a:prstGeom prst="rect">
+            <a:avLst/>
+          </a:prstGeom>
+          <a:noFill/>
+          <a:ln>
+            <a:solidFill>
+              <a:schemeClr val="tx1"/>
+            </a:solidFill>
+          </a:ln>
         </p:spPr>
         <p:style>
           <a:lnRef idx="2">
@@ -12863,52 +14005,25 @@
           <a:lstStyle/>
           <a:p>
             <a:pPr algn="ctr"/>
-            <a:endParaRPr lang="en-US"/>
-          </a:p>
-        </p:txBody>
-      </p:sp>
-      <p:pic>
-        <p:nvPicPr>
-          <p:cNvPr id="12" name="Picture 11">
-            <a:extLst>
-              <a:ext uri="{FF2B5EF4-FFF2-40B4-BE49-F238E27FC236}">
-                <a16:creationId xmlns:a16="http://schemas.microsoft.com/office/drawing/2014/main" id="{15755E62-26F0-4F93-9DD5-AE63AD6B4292}"/>
-              </a:ext>
-            </a:extLst>
-          </p:cNvPr>
-          <p:cNvPicPr>
-            <a:picLocks noChangeAspect="1"/>
-          </p:cNvPicPr>
-          <p:nvPr/>
-        </p:nvPicPr>
-        <p:blipFill>
-          <a:blip r:embed="rId2">
-            <a:extLst>
-              <a:ext uri="{28A0092B-C50C-407E-A947-70E740481C1C}">
-                <a14:useLocalDpi xmlns:a14="http://schemas.microsoft.com/office/drawing/2010/main" val="0"/>
-              </a:ext>
-            </a:extLst>
-          </a:blip>
-          <a:stretch>
-            <a:fillRect/>
-          </a:stretch>
-        </p:blipFill>
-        <p:spPr>
-          <a:xfrm>
-            <a:off x="1200150" y="2172527"/>
-            <a:ext cx="5299360" cy="2512946"/>
-          </a:xfrm>
-          <a:prstGeom prst="rect">
-            <a:avLst/>
-          </a:prstGeom>
-        </p:spPr>
-      </p:pic>
-      <p:sp>
-        <p:nvSpPr>
-          <p:cNvPr id="13" name="Rectangle 12">
-            <a:extLst>
-              <a:ext uri="{FF2B5EF4-FFF2-40B4-BE49-F238E27FC236}">
-                <a16:creationId xmlns:a16="http://schemas.microsoft.com/office/drawing/2014/main" id="{E6CD0A44-F926-491D-BEA8-498E6DA74C3B}"/>
+            <a:r>
+              <a:rPr lang="en-US" sz="1000" dirty="0">
+                <a:solidFill>
+                  <a:schemeClr val="tx1"/>
+                </a:solidFill>
+                <a:latin typeface="Poppins" panose="00000500000000000000" pitchFamily="2" charset="0"/>
+                <a:cs typeface="Poppins" panose="00000500000000000000" pitchFamily="2" charset="0"/>
+              </a:rPr>
+              <a:t>3</a:t>
+            </a:r>
+          </a:p>
+        </p:txBody>
+      </p:sp>
+      <p:sp>
+        <p:nvSpPr>
+          <p:cNvPr id="6" name="Rectangle 5">
+            <a:extLst>
+              <a:ext uri="{FF2B5EF4-FFF2-40B4-BE49-F238E27FC236}">
+                <a16:creationId xmlns:a16="http://schemas.microsoft.com/office/drawing/2014/main" id="{47B69AD8-8F6B-4C30-8710-515DC328DB7E}"/>
               </a:ext>
             </a:extLst>
           </p:cNvPr>
@@ -12917,8 +14032,8 @@
         </p:nvSpPr>
         <p:spPr>
           <a:xfrm>
-            <a:off x="4298665" y="1364248"/>
-            <a:ext cx="2062826" cy="625151"/>
+            <a:off x="7943023" y="542277"/>
+            <a:ext cx="276225" cy="341124"/>
           </a:xfrm>
           <a:prstGeom prst="rect">
             <a:avLst/>
@@ -12926,7 +14041,7 @@
           <a:noFill/>
           <a:ln>
             <a:solidFill>
-              <a:schemeClr val="bg1"/>
+              <a:schemeClr val="tx1"/>
             </a:solidFill>
           </a:ln>
         </p:spPr>
@@ -12952,44 +14067,146 @@
           <a:p>
             <a:pPr algn="ctr"/>
             <a:r>
-              <a:rPr lang="en-US" sz="800" dirty="0">
-                <a:solidFill>
-                  <a:schemeClr val="tx1"/>
-                </a:solidFill>
-                <a:latin typeface="Poppins" panose="00000500000000000000" pitchFamily="2" charset="0"/>
-                <a:cs typeface="Poppins" panose="00000500000000000000" pitchFamily="2" charset="0"/>
-              </a:rPr>
-              <a:t>Callback </a:t>
-            </a:r>
-            <a:r>
-              <a:rPr lang="en-US" sz="800" dirty="0" err="1">
-                <a:solidFill>
-                  <a:schemeClr val="tx1"/>
-                </a:solidFill>
-                <a:latin typeface="Poppins" panose="00000500000000000000" pitchFamily="2" charset="0"/>
-                <a:cs typeface="Poppins" panose="00000500000000000000" pitchFamily="2" charset="0"/>
-              </a:rPr>
-              <a:t>dengan</a:t>
-            </a:r>
-            <a:r>
-              <a:rPr lang="en-US" sz="800" dirty="0">
-                <a:solidFill>
-                  <a:schemeClr val="tx1"/>
-                </a:solidFill>
-                <a:latin typeface="Poppins" panose="00000500000000000000" pitchFamily="2" charset="0"/>
-                <a:cs typeface="Poppins" panose="00000500000000000000" pitchFamily="2" charset="0"/>
-              </a:rPr>
-              <a:t> arrow function</a:t>
+              <a:rPr lang="en-US" sz="1000" dirty="0">
+                <a:solidFill>
+                  <a:schemeClr val="tx1"/>
+                </a:solidFill>
+                <a:latin typeface="Poppins" panose="00000500000000000000" pitchFamily="2" charset="0"/>
+                <a:cs typeface="Poppins" panose="00000500000000000000" pitchFamily="2" charset="0"/>
+              </a:rPr>
+              <a:t>2</a:t>
+            </a:r>
+          </a:p>
+        </p:txBody>
+      </p:sp>
+      <p:sp>
+        <p:nvSpPr>
+          <p:cNvPr id="7" name="Rectangle 6">
+            <a:extLst>
+              <a:ext uri="{FF2B5EF4-FFF2-40B4-BE49-F238E27FC236}">
+                <a16:creationId xmlns:a16="http://schemas.microsoft.com/office/drawing/2014/main" id="{E1B389CB-6C16-4257-BF59-15E8489F35B9}"/>
+              </a:ext>
+            </a:extLst>
+          </p:cNvPr>
+          <p:cNvSpPr/>
+          <p:nvPr/>
+        </p:nvSpPr>
+        <p:spPr>
+          <a:xfrm>
+            <a:off x="8219248" y="542276"/>
+            <a:ext cx="276225" cy="341124"/>
+          </a:xfrm>
+          <a:prstGeom prst="rect">
+            <a:avLst/>
+          </a:prstGeom>
+          <a:noFill/>
+          <a:ln>
+            <a:solidFill>
+              <a:schemeClr val="tx1"/>
+            </a:solidFill>
+          </a:ln>
+        </p:spPr>
+        <p:style>
+          <a:lnRef idx="2">
+            <a:schemeClr val="accent1">
+              <a:shade val="50000"/>
+            </a:schemeClr>
+          </a:lnRef>
+          <a:fillRef idx="1">
+            <a:schemeClr val="accent1"/>
+          </a:fillRef>
+          <a:effectRef idx="0">
+            <a:schemeClr val="accent1"/>
+          </a:effectRef>
+          <a:fontRef idx="minor">
+            <a:schemeClr val="lt1"/>
+          </a:fontRef>
+        </p:style>
+        <p:txBody>
+          <a:bodyPr rtlCol="0" anchor="ctr"/>
+          <a:lstStyle/>
+          <a:p>
+            <a:pPr algn="ctr"/>
+            <a:r>
+              <a:rPr lang="en-US" sz="1000" dirty="0">
+                <a:solidFill>
+                  <a:schemeClr val="tx1"/>
+                </a:solidFill>
+                <a:latin typeface="Poppins" panose="00000500000000000000" pitchFamily="2" charset="0"/>
+                <a:cs typeface="Poppins" panose="00000500000000000000" pitchFamily="2" charset="0"/>
+              </a:rPr>
+              <a:t>3</a:t>
+            </a:r>
+          </a:p>
+        </p:txBody>
+      </p:sp>
+      <p:sp>
+        <p:nvSpPr>
+          <p:cNvPr id="8" name="Rectangle 7">
+            <a:extLst>
+              <a:ext uri="{FF2B5EF4-FFF2-40B4-BE49-F238E27FC236}">
+                <a16:creationId xmlns:a16="http://schemas.microsoft.com/office/drawing/2014/main" id="{EFE03F3B-94E9-4A2B-A921-A79ECA1B1AE0}"/>
+              </a:ext>
+            </a:extLst>
+          </p:cNvPr>
+          <p:cNvSpPr/>
+          <p:nvPr/>
+        </p:nvSpPr>
+        <p:spPr>
+          <a:xfrm>
+            <a:off x="8493568" y="542276"/>
+            <a:ext cx="276225" cy="341124"/>
+          </a:xfrm>
+          <a:prstGeom prst="rect">
+            <a:avLst/>
+          </a:prstGeom>
+          <a:noFill/>
+          <a:ln>
+            <a:solidFill>
+              <a:schemeClr val="tx1"/>
+            </a:solidFill>
+          </a:ln>
+        </p:spPr>
+        <p:style>
+          <a:lnRef idx="2">
+            <a:schemeClr val="accent1">
+              <a:shade val="50000"/>
+            </a:schemeClr>
+          </a:lnRef>
+          <a:fillRef idx="1">
+            <a:schemeClr val="accent1"/>
+          </a:fillRef>
+          <a:effectRef idx="0">
+            <a:schemeClr val="accent1"/>
+          </a:effectRef>
+          <a:fontRef idx="minor">
+            <a:schemeClr val="lt1"/>
+          </a:fontRef>
+        </p:style>
+        <p:txBody>
+          <a:bodyPr rtlCol="0" anchor="ctr"/>
+          <a:lstStyle/>
+          <a:p>
+            <a:pPr algn="ctr"/>
+            <a:r>
+              <a:rPr lang="en-US" sz="1000" dirty="0">
+                <a:solidFill>
+                  <a:schemeClr val="tx1"/>
+                </a:solidFill>
+                <a:latin typeface="Poppins" panose="00000500000000000000" pitchFamily="2" charset="0"/>
+                <a:cs typeface="Poppins" panose="00000500000000000000" pitchFamily="2" charset="0"/>
+              </a:rPr>
+              <a:t>4</a:t>
             </a:r>
           </a:p>
         </p:txBody>
       </p:sp>
       <p:cxnSp>
         <p:nvCxnSpPr>
-          <p:cNvPr id="14" name="Straight Connector 13">
-            <a:extLst>
-              <a:ext uri="{FF2B5EF4-FFF2-40B4-BE49-F238E27FC236}">
-                <a16:creationId xmlns:a16="http://schemas.microsoft.com/office/drawing/2014/main" id="{BC890F58-977A-4C12-A860-91C34C31BA41}"/>
+          <p:cNvPr id="10" name="Straight Connector 9">
+            <a:extLst>
+              <a:ext uri="{FF2B5EF4-FFF2-40B4-BE49-F238E27FC236}">
+                <a16:creationId xmlns:a16="http://schemas.microsoft.com/office/drawing/2014/main" id="{C97CBA57-677B-4817-9458-EE574B4293E0}"/>
               </a:ext>
             </a:extLst>
           </p:cNvPr>
@@ -12999,9 +14216,310 @@
           <p:nvPr/>
         </p:nvCxnSpPr>
         <p:spPr>
+          <a:xfrm>
+            <a:off x="7405809" y="711438"/>
+            <a:ext cx="525782" cy="1"/>
+          </a:xfrm>
+          <a:prstGeom prst="line">
+            <a:avLst/>
+          </a:prstGeom>
+        </p:spPr>
+        <p:style>
+          <a:lnRef idx="1">
+            <a:schemeClr val="accent1"/>
+          </a:lnRef>
+          <a:fillRef idx="0">
+            <a:schemeClr val="accent1"/>
+          </a:fillRef>
+          <a:effectRef idx="0">
+            <a:schemeClr val="accent1"/>
+          </a:effectRef>
+          <a:fontRef idx="minor">
+            <a:schemeClr val="tx1"/>
+          </a:fontRef>
+        </p:style>
+      </p:cxnSp>
+      <p:sp>
+        <p:nvSpPr>
+          <p:cNvPr id="12" name="Isosceles Triangle 11">
+            <a:extLst>
+              <a:ext uri="{FF2B5EF4-FFF2-40B4-BE49-F238E27FC236}">
+                <a16:creationId xmlns:a16="http://schemas.microsoft.com/office/drawing/2014/main" id="{8061F231-A889-4BD8-8996-A15BCA63381A}"/>
+              </a:ext>
+            </a:extLst>
+          </p:cNvPr>
+          <p:cNvSpPr/>
+          <p:nvPr/>
+        </p:nvSpPr>
+        <p:spPr>
+          <a:xfrm rot="5400000">
+            <a:off x="7883272" y="689979"/>
+            <a:ext cx="59496" cy="45719"/>
+          </a:xfrm>
+          <a:prstGeom prst="triangle">
+            <a:avLst>
+              <a:gd name="adj" fmla="val 47561"/>
+            </a:avLst>
+          </a:prstGeom>
+        </p:spPr>
+        <p:style>
+          <a:lnRef idx="2">
+            <a:schemeClr val="accent1">
+              <a:shade val="50000"/>
+            </a:schemeClr>
+          </a:lnRef>
+          <a:fillRef idx="1">
+            <a:schemeClr val="accent1"/>
+          </a:fillRef>
+          <a:effectRef idx="0">
+            <a:schemeClr val="accent1"/>
+          </a:effectRef>
+          <a:fontRef idx="minor">
+            <a:schemeClr val="lt1"/>
+          </a:fontRef>
+        </p:style>
+        <p:txBody>
+          <a:bodyPr rtlCol="0" anchor="ctr"/>
+          <a:lstStyle/>
+          <a:p>
+            <a:pPr algn="ctr"/>
+            <a:endParaRPr lang="en-US"/>
+          </a:p>
+        </p:txBody>
+      </p:sp>
+      <p:pic>
+        <p:nvPicPr>
+          <p:cNvPr id="18" name="Picture 17">
+            <a:extLst>
+              <a:ext uri="{FF2B5EF4-FFF2-40B4-BE49-F238E27FC236}">
+                <a16:creationId xmlns:a16="http://schemas.microsoft.com/office/drawing/2014/main" id="{773DFFA4-8015-45DD-BB82-92BB83EE7710}"/>
+              </a:ext>
+            </a:extLst>
+          </p:cNvPr>
+          <p:cNvPicPr>
+            <a:picLocks noChangeAspect="1"/>
+          </p:cNvPicPr>
+          <p:nvPr/>
+        </p:nvPicPr>
+        <p:blipFill>
+          <a:blip r:embed="rId2">
+            <a:extLst>
+              <a:ext uri="{28A0092B-C50C-407E-A947-70E740481C1C}">
+                <a14:useLocalDpi xmlns:a14="http://schemas.microsoft.com/office/drawing/2010/main" val="0"/>
+              </a:ext>
+            </a:extLst>
+          </a:blip>
+          <a:stretch>
+            <a:fillRect/>
+          </a:stretch>
+        </p:blipFill>
+        <p:spPr>
+          <a:xfrm>
+            <a:off x="1309921" y="2821011"/>
+            <a:ext cx="4143314" cy="2481262"/>
+          </a:xfrm>
+          <a:prstGeom prst="rect">
+            <a:avLst/>
+          </a:prstGeom>
+        </p:spPr>
+      </p:pic>
+      <p:cxnSp>
+        <p:nvCxnSpPr>
+          <p:cNvPr id="19" name="Straight Connector 18">
+            <a:extLst>
+              <a:ext uri="{FF2B5EF4-FFF2-40B4-BE49-F238E27FC236}">
+                <a16:creationId xmlns:a16="http://schemas.microsoft.com/office/drawing/2014/main" id="{845F56CA-F553-4526-A46F-F543689FEA45}"/>
+              </a:ext>
+            </a:extLst>
+          </p:cNvPr>
+          <p:cNvCxnSpPr>
+            <a:cxnSpLocks/>
+          </p:cNvCxnSpPr>
+          <p:nvPr/>
+        </p:nvCxnSpPr>
+        <p:spPr>
           <a:xfrm flipV="1">
-            <a:off x="4251846" y="1885259"/>
-            <a:ext cx="800073" cy="614283"/>
+            <a:off x="3265026" y="2232842"/>
+            <a:ext cx="941055" cy="629843"/>
+          </a:xfrm>
+          <a:prstGeom prst="line">
+            <a:avLst/>
+          </a:prstGeom>
+        </p:spPr>
+        <p:style>
+          <a:lnRef idx="1">
+            <a:schemeClr val="accent1"/>
+          </a:lnRef>
+          <a:fillRef idx="0">
+            <a:schemeClr val="accent1"/>
+          </a:fillRef>
+          <a:effectRef idx="0">
+            <a:schemeClr val="accent1"/>
+          </a:effectRef>
+          <a:fontRef idx="minor">
+            <a:schemeClr val="tx1"/>
+          </a:fontRef>
+        </p:style>
+      </p:cxnSp>
+      <p:sp>
+        <p:nvSpPr>
+          <p:cNvPr id="23" name="Rectangle 22">
+            <a:extLst>
+              <a:ext uri="{FF2B5EF4-FFF2-40B4-BE49-F238E27FC236}">
+                <a16:creationId xmlns:a16="http://schemas.microsoft.com/office/drawing/2014/main" id="{CFBDD7A5-AFD8-46EB-BFA9-3183B9B58665}"/>
+              </a:ext>
+            </a:extLst>
+          </p:cNvPr>
+          <p:cNvSpPr/>
+          <p:nvPr/>
+        </p:nvSpPr>
+        <p:spPr>
+          <a:xfrm>
+            <a:off x="5135757" y="2101241"/>
+            <a:ext cx="2062826" cy="625151"/>
+          </a:xfrm>
+          <a:prstGeom prst="rect">
+            <a:avLst/>
+          </a:prstGeom>
+          <a:noFill/>
+          <a:ln>
+            <a:solidFill>
+              <a:schemeClr val="bg1"/>
+            </a:solidFill>
+          </a:ln>
+        </p:spPr>
+        <p:style>
+          <a:lnRef idx="2">
+            <a:schemeClr val="accent1">
+              <a:shade val="50000"/>
+            </a:schemeClr>
+          </a:lnRef>
+          <a:fillRef idx="1">
+            <a:schemeClr val="accent1"/>
+          </a:fillRef>
+          <a:effectRef idx="0">
+            <a:schemeClr val="accent1"/>
+          </a:effectRef>
+          <a:fontRef idx="minor">
+            <a:schemeClr val="lt1"/>
+          </a:fontRef>
+        </p:style>
+        <p:txBody>
+          <a:bodyPr rtlCol="0" anchor="ctr"/>
+          <a:lstStyle/>
+          <a:p>
+            <a:pPr algn="ctr"/>
+            <a:r>
+              <a:rPr lang="en-US" sz="800" dirty="0">
+                <a:solidFill>
+                  <a:schemeClr val="tx1"/>
+                </a:solidFill>
+                <a:latin typeface="Poppins" panose="00000500000000000000" pitchFamily="2" charset="0"/>
+                <a:cs typeface="Poppins" panose="00000500000000000000" pitchFamily="2" charset="0"/>
+              </a:rPr>
+              <a:t>Array </a:t>
+            </a:r>
+            <a:r>
+              <a:rPr lang="en-US" sz="800" dirty="0" err="1">
+                <a:solidFill>
+                  <a:schemeClr val="tx1"/>
+                </a:solidFill>
+                <a:latin typeface="Poppins" panose="00000500000000000000" pitchFamily="2" charset="0"/>
+                <a:cs typeface="Poppins" panose="00000500000000000000" pitchFamily="2" charset="0"/>
+              </a:rPr>
+              <a:t>baru</a:t>
+            </a:r>
+            <a:r>
+              <a:rPr lang="en-US" sz="800" dirty="0">
+                <a:solidFill>
+                  <a:schemeClr val="tx1"/>
+                </a:solidFill>
+                <a:latin typeface="Poppins" panose="00000500000000000000" pitchFamily="2" charset="0"/>
+                <a:cs typeface="Poppins" panose="00000500000000000000" pitchFamily="2" charset="0"/>
+              </a:rPr>
+              <a:t> </a:t>
+            </a:r>
+            <a:r>
+              <a:rPr lang="en-US" sz="800" dirty="0" err="1">
+                <a:solidFill>
+                  <a:schemeClr val="tx1"/>
+                </a:solidFill>
+                <a:latin typeface="Poppins" panose="00000500000000000000" pitchFamily="2" charset="0"/>
+                <a:cs typeface="Poppins" panose="00000500000000000000" pitchFamily="2" charset="0"/>
+              </a:rPr>
+              <a:t>untuk</a:t>
+            </a:r>
+            <a:r>
+              <a:rPr lang="en-US" sz="800" dirty="0">
+                <a:solidFill>
+                  <a:schemeClr val="tx1"/>
+                </a:solidFill>
+                <a:latin typeface="Poppins" panose="00000500000000000000" pitchFamily="2" charset="0"/>
+                <a:cs typeface="Poppins" panose="00000500000000000000" pitchFamily="2" charset="0"/>
+              </a:rPr>
+              <a:t> </a:t>
+            </a:r>
+            <a:r>
+              <a:rPr lang="en-US" sz="800" dirty="0" err="1">
+                <a:solidFill>
+                  <a:schemeClr val="tx1"/>
+                </a:solidFill>
+                <a:latin typeface="Poppins" panose="00000500000000000000" pitchFamily="2" charset="0"/>
+                <a:cs typeface="Poppins" panose="00000500000000000000" pitchFamily="2" charset="0"/>
+              </a:rPr>
+              <a:t>menampung</a:t>
+            </a:r>
+            <a:r>
+              <a:rPr lang="en-US" sz="800" dirty="0">
+                <a:solidFill>
+                  <a:schemeClr val="tx1"/>
+                </a:solidFill>
+                <a:latin typeface="Poppins" panose="00000500000000000000" pitchFamily="2" charset="0"/>
+                <a:cs typeface="Poppins" panose="00000500000000000000" pitchFamily="2" charset="0"/>
+              </a:rPr>
+              <a:t> </a:t>
+            </a:r>
+            <a:r>
+              <a:rPr lang="en-US" sz="800" dirty="0" err="1">
+                <a:solidFill>
+                  <a:schemeClr val="tx1"/>
+                </a:solidFill>
+                <a:latin typeface="Poppins" panose="00000500000000000000" pitchFamily="2" charset="0"/>
+                <a:cs typeface="Poppins" panose="00000500000000000000" pitchFamily="2" charset="0"/>
+              </a:rPr>
+              <a:t>nilai</a:t>
+            </a:r>
+            <a:r>
+              <a:rPr lang="en-US" sz="800" dirty="0">
+                <a:solidFill>
+                  <a:schemeClr val="tx1"/>
+                </a:solidFill>
+                <a:latin typeface="Poppins" panose="00000500000000000000" pitchFamily="2" charset="0"/>
+                <a:cs typeface="Poppins" panose="00000500000000000000" pitchFamily="2" charset="0"/>
+              </a:rPr>
+              <a:t>  2,3,4</a:t>
+            </a:r>
+          </a:p>
+        </p:txBody>
+      </p:sp>
+      <p:cxnSp>
+        <p:nvCxnSpPr>
+          <p:cNvPr id="24" name="Straight Connector 23">
+            <a:extLst>
+              <a:ext uri="{FF2B5EF4-FFF2-40B4-BE49-F238E27FC236}">
+                <a16:creationId xmlns:a16="http://schemas.microsoft.com/office/drawing/2014/main" id="{9A2E9F4B-259C-4ADF-B5EB-0EA60B289B0B}"/>
+              </a:ext>
+            </a:extLst>
+          </p:cNvPr>
+          <p:cNvCxnSpPr>
+            <a:cxnSpLocks/>
+          </p:cNvCxnSpPr>
+          <p:nvPr/>
+        </p:nvCxnSpPr>
+        <p:spPr>
+          <a:xfrm flipV="1">
+            <a:off x="3049285" y="2588558"/>
+            <a:ext cx="2278567" cy="490822"/>
           </a:xfrm>
           <a:prstGeom prst="line">
             <a:avLst/>
@@ -13024,24 +14542,22 @@
       </p:cxnSp>
       <p:cxnSp>
         <p:nvCxnSpPr>
-          <p:cNvPr id="15" name="Straight Connector 14">
-            <a:extLst>
-              <a:ext uri="{FF2B5EF4-FFF2-40B4-BE49-F238E27FC236}">
-                <a16:creationId xmlns:a16="http://schemas.microsoft.com/office/drawing/2014/main" id="{8F3FE4DD-D7E5-4DBF-B040-E5BA6022D4A1}"/>
+          <p:cNvPr id="27" name="Straight Connector 26">
+            <a:extLst>
+              <a:ext uri="{FF2B5EF4-FFF2-40B4-BE49-F238E27FC236}">
+                <a16:creationId xmlns:a16="http://schemas.microsoft.com/office/drawing/2014/main" id="{05E6472B-D881-46CF-97B5-E98C948B9D06}"/>
               </a:ext>
             </a:extLst>
           </p:cNvPr>
           <p:cNvCxnSpPr>
             <a:cxnSpLocks/>
-            <a:stCxn id="18" idx="3"/>
-            <a:endCxn id="22" idx="1"/>
           </p:cNvCxnSpPr>
           <p:nvPr/>
         </p:nvCxnSpPr>
         <p:spPr>
-          <a:xfrm>
-            <a:off x="9381031" y="1356226"/>
-            <a:ext cx="136207" cy="0"/>
+          <a:xfrm flipV="1">
+            <a:off x="4242130" y="3202642"/>
+            <a:ext cx="1925040" cy="342907"/>
           </a:xfrm>
           <a:prstGeom prst="line">
             <a:avLst/>
@@ -13062,12 +14578,124 @@
           </a:fontRef>
         </p:style>
       </p:cxnSp>
-      <p:sp>
-        <p:nvSpPr>
-          <p:cNvPr id="16" name="Rectangle 15">
-            <a:extLst>
-              <a:ext uri="{FF2B5EF4-FFF2-40B4-BE49-F238E27FC236}">
-                <a16:creationId xmlns:a16="http://schemas.microsoft.com/office/drawing/2014/main" id="{72C4CE46-3D5C-4412-9CBE-8FB1E9DE4C0C}"/>
+      <p:pic>
+        <p:nvPicPr>
+          <p:cNvPr id="34" name="Picture 33">
+            <a:extLst>
+              <a:ext uri="{FF2B5EF4-FFF2-40B4-BE49-F238E27FC236}">
+                <a16:creationId xmlns:a16="http://schemas.microsoft.com/office/drawing/2014/main" id="{FEB36C59-7454-43D2-886F-7A4A0D813ADD}"/>
+              </a:ext>
+            </a:extLst>
+          </p:cNvPr>
+          <p:cNvPicPr>
+            <a:picLocks noChangeAspect="1"/>
+          </p:cNvPicPr>
+          <p:nvPr/>
+        </p:nvPicPr>
+        <p:blipFill>
+          <a:blip r:embed="rId3">
+            <a:extLst>
+              <a:ext uri="{28A0092B-C50C-407E-A947-70E740481C1C}">
+                <a14:useLocalDpi xmlns:a14="http://schemas.microsoft.com/office/drawing/2010/main" val="0"/>
+              </a:ext>
+            </a:extLst>
+          </a:blip>
+          <a:stretch>
+            <a:fillRect/>
+          </a:stretch>
+        </p:blipFill>
+        <p:spPr>
+          <a:xfrm>
+            <a:off x="6590471" y="3693620"/>
+            <a:ext cx="4466750" cy="2494520"/>
+          </a:xfrm>
+          <a:prstGeom prst="rect">
+            <a:avLst/>
+          </a:prstGeom>
+        </p:spPr>
+      </p:pic>
+      <p:cxnSp>
+        <p:nvCxnSpPr>
+          <p:cNvPr id="35" name="Straight Connector 34">
+            <a:extLst>
+              <a:ext uri="{FF2B5EF4-FFF2-40B4-BE49-F238E27FC236}">
+                <a16:creationId xmlns:a16="http://schemas.microsoft.com/office/drawing/2014/main" id="{F1843B5B-CEC4-43B2-94C7-28EE812CD472}"/>
+              </a:ext>
+            </a:extLst>
+          </p:cNvPr>
+          <p:cNvCxnSpPr>
+            <a:cxnSpLocks/>
+          </p:cNvCxnSpPr>
+          <p:nvPr/>
+        </p:nvCxnSpPr>
+        <p:spPr>
+          <a:xfrm flipV="1">
+            <a:off x="8442846" y="3333059"/>
+            <a:ext cx="800073" cy="614283"/>
+          </a:xfrm>
+          <a:prstGeom prst="line">
+            <a:avLst/>
+          </a:prstGeom>
+        </p:spPr>
+        <p:style>
+          <a:lnRef idx="1">
+            <a:schemeClr val="accent1"/>
+          </a:lnRef>
+          <a:fillRef idx="0">
+            <a:schemeClr val="accent1"/>
+          </a:fillRef>
+          <a:effectRef idx="0">
+            <a:schemeClr val="accent1"/>
+          </a:effectRef>
+          <a:fontRef idx="minor">
+            <a:schemeClr val="tx1"/>
+          </a:fontRef>
+        </p:style>
+      </p:cxnSp>
+      <p:sp>
+        <p:nvSpPr>
+          <p:cNvPr id="41" name="TextBox 40">
+            <a:extLst>
+              <a:ext uri="{FF2B5EF4-FFF2-40B4-BE49-F238E27FC236}">
+                <a16:creationId xmlns:a16="http://schemas.microsoft.com/office/drawing/2014/main" id="{5253ADB6-FC86-468B-84B7-DF69E29E8B19}"/>
+              </a:ext>
+            </a:extLst>
+          </p:cNvPr>
+          <p:cNvSpPr txBox="1"/>
+          <p:nvPr/>
+        </p:nvSpPr>
+        <p:spPr>
+          <a:xfrm>
+            <a:off x="5822119" y="4262445"/>
+            <a:ext cx="399468" cy="461665"/>
+          </a:xfrm>
+          <a:prstGeom prst="rect">
+            <a:avLst/>
+          </a:prstGeom>
+          <a:noFill/>
+        </p:spPr>
+        <p:txBody>
+          <a:bodyPr wrap="none" rtlCol="0">
+            <a:spAutoFit/>
+          </a:bodyPr>
+          <a:lstStyle/>
+          <a:p>
+            <a:r>
+              <a:rPr lang="en-US" sz="2400" b="1" dirty="0">
+                <a:latin typeface="Poppins" panose="00000500000000000000" pitchFamily="2" charset="0"/>
+                <a:cs typeface="Poppins" panose="00000500000000000000" pitchFamily="2" charset="0"/>
+              </a:rPr>
+              <a:t>=</a:t>
+            </a:r>
+          </a:p>
+        </p:txBody>
+      </p:sp>
+      <p:sp>
+        <p:nvSpPr>
+          <p:cNvPr id="43" name="Rectangle 42">
+            <a:extLst>
+              <a:ext uri="{FF2B5EF4-FFF2-40B4-BE49-F238E27FC236}">
+                <a16:creationId xmlns:a16="http://schemas.microsoft.com/office/drawing/2014/main" id="{D0866750-D81D-4A47-BA36-95AA962EC84D}"/>
               </a:ext>
             </a:extLst>
           </p:cNvPr>
@@ -13125,10 +14753,10 @@
       </p:sp>
       <p:sp>
         <p:nvSpPr>
-          <p:cNvPr id="17" name="Rectangle 16">
-            <a:extLst>
-              <a:ext uri="{FF2B5EF4-FFF2-40B4-BE49-F238E27FC236}">
-                <a16:creationId xmlns:a16="http://schemas.microsoft.com/office/drawing/2014/main" id="{6FC0E836-A68A-4C47-AC20-0C8F998D09E2}"/>
+          <p:cNvPr id="44" name="Rectangle 43">
+            <a:extLst>
+              <a:ext uri="{FF2B5EF4-FFF2-40B4-BE49-F238E27FC236}">
+                <a16:creationId xmlns:a16="http://schemas.microsoft.com/office/drawing/2014/main" id="{863EC26D-7E32-49F1-9EFE-67DCFCD55178}"/>
               </a:ext>
             </a:extLst>
           </p:cNvPr>
@@ -13186,10 +14814,10 @@
       </p:sp>
       <p:sp>
         <p:nvSpPr>
-          <p:cNvPr id="18" name="Rectangle 17">
-            <a:extLst>
-              <a:ext uri="{FF2B5EF4-FFF2-40B4-BE49-F238E27FC236}">
-                <a16:creationId xmlns:a16="http://schemas.microsoft.com/office/drawing/2014/main" id="{F1EE8463-79D8-4FDB-AE26-6B43D3766055}"/>
+          <p:cNvPr id="45" name="Rectangle 44">
+            <a:extLst>
+              <a:ext uri="{FF2B5EF4-FFF2-40B4-BE49-F238E27FC236}">
+                <a16:creationId xmlns:a16="http://schemas.microsoft.com/office/drawing/2014/main" id="{AE6A79A3-5882-45E7-9E01-A77B8AE3CEAF}"/>
               </a:ext>
             </a:extLst>
           </p:cNvPr>
@@ -13247,10 +14875,10 @@
       </p:sp>
       <p:sp>
         <p:nvSpPr>
-          <p:cNvPr id="19" name="Rectangle 18">
-            <a:extLst>
-              <a:ext uri="{FF2B5EF4-FFF2-40B4-BE49-F238E27FC236}">
-                <a16:creationId xmlns:a16="http://schemas.microsoft.com/office/drawing/2014/main" id="{8C5C544C-B567-447E-9784-7F23D0937CC4}"/>
+          <p:cNvPr id="51" name="Rectangle 50">
+            <a:extLst>
+              <a:ext uri="{FF2B5EF4-FFF2-40B4-BE49-F238E27FC236}">
+                <a16:creationId xmlns:a16="http://schemas.microsoft.com/office/drawing/2014/main" id="{B430BF5C-0544-45ED-A777-777CA9BD9E65}"/>
               </a:ext>
             </a:extLst>
           </p:cNvPr>
@@ -13308,10 +14936,10 @@
       </p:sp>
       <p:sp>
         <p:nvSpPr>
-          <p:cNvPr id="20" name="Rectangle 19">
-            <a:extLst>
-              <a:ext uri="{FF2B5EF4-FFF2-40B4-BE49-F238E27FC236}">
-                <a16:creationId xmlns:a16="http://schemas.microsoft.com/office/drawing/2014/main" id="{A4F73A8E-9B4E-4066-AA68-480EA760BB2D}"/>
+          <p:cNvPr id="52" name="Rectangle 51">
+            <a:extLst>
+              <a:ext uri="{FF2B5EF4-FFF2-40B4-BE49-F238E27FC236}">
+                <a16:creationId xmlns:a16="http://schemas.microsoft.com/office/drawing/2014/main" id="{0E9CF323-AEC6-40EE-A329-AA1B51827325}"/>
               </a:ext>
             </a:extLst>
           </p:cNvPr>
@@ -13369,10 +14997,10 @@
       </p:sp>
       <p:sp>
         <p:nvSpPr>
-          <p:cNvPr id="22" name="Rectangle 21">
-            <a:extLst>
-              <a:ext uri="{FF2B5EF4-FFF2-40B4-BE49-F238E27FC236}">
-                <a16:creationId xmlns:a16="http://schemas.microsoft.com/office/drawing/2014/main" id="{69C9C92F-470F-4467-B10C-98EA436444A6}"/>
+          <p:cNvPr id="53" name="Rectangle 52">
+            <a:extLst>
+              <a:ext uri="{FF2B5EF4-FFF2-40B4-BE49-F238E27FC236}">
+                <a16:creationId xmlns:a16="http://schemas.microsoft.com/office/drawing/2014/main" id="{8941C483-F97B-40F3-94B7-188C0C237B48}"/>
               </a:ext>
             </a:extLst>
           </p:cNvPr>
@@ -13381,7 +15009,7 @@
         </p:nvSpPr>
         <p:spPr>
           <a:xfrm>
-            <a:off x="9517238" y="1185664"/>
+            <a:off x="11030760" y="1190728"/>
             <a:ext cx="276225" cy="341124"/>
           </a:xfrm>
           <a:prstGeom prst="rect">
@@ -13423,17 +15051,17 @@
                 <a:latin typeface="Poppins" panose="00000500000000000000" pitchFamily="2" charset="0"/>
                 <a:cs typeface="Poppins" panose="00000500000000000000" pitchFamily="2" charset="0"/>
               </a:rPr>
-              <a:t>f</a:t>
-            </a:r>
-          </a:p>
-        </p:txBody>
-      </p:sp>
-      <p:sp>
-        <p:nvSpPr>
-          <p:cNvPr id="23" name="Rectangle 22">
-            <a:extLst>
-              <a:ext uri="{FF2B5EF4-FFF2-40B4-BE49-F238E27FC236}">
-                <a16:creationId xmlns:a16="http://schemas.microsoft.com/office/drawing/2014/main" id="{4F0F94F1-4897-4B87-8474-A2A164F06C8B}"/>
+              <a:t>4</a:t>
+            </a:r>
+          </a:p>
+        </p:txBody>
+      </p:sp>
+      <p:sp>
+        <p:nvSpPr>
+          <p:cNvPr id="48" name="Rectangle 47">
+            <a:extLst>
+              <a:ext uri="{FF2B5EF4-FFF2-40B4-BE49-F238E27FC236}">
+                <a16:creationId xmlns:a16="http://schemas.microsoft.com/office/drawing/2014/main" id="{C98F536F-06A2-4F29-B12B-66B94E7EE0EF}"/>
               </a:ext>
             </a:extLst>
           </p:cNvPr>
@@ -13442,7 +15070,7 @@
         </p:nvSpPr>
         <p:spPr>
           <a:xfrm>
-            <a:off x="9793463" y="1185663"/>
+            <a:off x="9517238" y="1185664"/>
             <a:ext cx="276225" cy="341124"/>
           </a:xfrm>
           <a:prstGeom prst="rect">
@@ -13477,24 +15105,24 @@
           <a:p>
             <a:pPr algn="ctr"/>
             <a:r>
-              <a:rPr lang="en-US" sz="1000" dirty="0">
-                <a:solidFill>
-                  <a:schemeClr val="tx1"/>
-                </a:solidFill>
-                <a:latin typeface="Poppins" panose="00000500000000000000" pitchFamily="2" charset="0"/>
-                <a:cs typeface="Poppins" panose="00000500000000000000" pitchFamily="2" charset="0"/>
-              </a:rPr>
-              <a:t>t</a:t>
-            </a:r>
-          </a:p>
-        </p:txBody>
-      </p:sp>
-      <p:sp>
-        <p:nvSpPr>
-          <p:cNvPr id="24" name="Rectangle 23">
-            <a:extLst>
-              <a:ext uri="{FF2B5EF4-FFF2-40B4-BE49-F238E27FC236}">
-                <a16:creationId xmlns:a16="http://schemas.microsoft.com/office/drawing/2014/main" id="{5269B99A-C4E0-4BDC-B82C-3D2F82EDC198}"/>
+              <a:rPr lang="en-US" sz="700" dirty="0">
+                <a:solidFill>
+                  <a:schemeClr val="tx1"/>
+                </a:solidFill>
+                <a:latin typeface="Poppins" panose="00000500000000000000" pitchFamily="2" charset="0"/>
+                <a:cs typeface="Poppins" panose="00000500000000000000" pitchFamily="2" charset="0"/>
+              </a:rPr>
+              <a:t>+1</a:t>
+            </a:r>
+          </a:p>
+        </p:txBody>
+      </p:sp>
+      <p:sp>
+        <p:nvSpPr>
+          <p:cNvPr id="49" name="Rectangle 48">
+            <a:extLst>
+              <a:ext uri="{FF2B5EF4-FFF2-40B4-BE49-F238E27FC236}">
+                <a16:creationId xmlns:a16="http://schemas.microsoft.com/office/drawing/2014/main" id="{7F2ABACF-3E0B-4BE7-8C6A-58F3FDE563AB}"/>
               </a:ext>
             </a:extLst>
           </p:cNvPr>
@@ -13503,7 +15131,7 @@
         </p:nvSpPr>
         <p:spPr>
           <a:xfrm>
-            <a:off x="10067783" y="1185663"/>
+            <a:off x="9793463" y="1185663"/>
             <a:ext cx="276225" cy="341124"/>
           </a:xfrm>
           <a:prstGeom prst="rect">
@@ -13538,24 +15166,85 @@
           <a:p>
             <a:pPr algn="ctr"/>
             <a:r>
-              <a:rPr lang="en-US" sz="1000" dirty="0">
-                <a:solidFill>
-                  <a:schemeClr val="tx1"/>
-                </a:solidFill>
-                <a:latin typeface="Poppins" panose="00000500000000000000" pitchFamily="2" charset="0"/>
-                <a:cs typeface="Poppins" panose="00000500000000000000" pitchFamily="2" charset="0"/>
-              </a:rPr>
-              <a:t>t</a:t>
+              <a:rPr lang="en-US" sz="700" dirty="0">
+                <a:solidFill>
+                  <a:schemeClr val="tx1"/>
+                </a:solidFill>
+                <a:latin typeface="Poppins" panose="00000500000000000000" pitchFamily="2" charset="0"/>
+                <a:cs typeface="Poppins" panose="00000500000000000000" pitchFamily="2" charset="0"/>
+              </a:rPr>
+              <a:t>+1</a:t>
+            </a:r>
+          </a:p>
+        </p:txBody>
+      </p:sp>
+      <p:sp>
+        <p:nvSpPr>
+          <p:cNvPr id="50" name="Rectangle 49">
+            <a:extLst>
+              <a:ext uri="{FF2B5EF4-FFF2-40B4-BE49-F238E27FC236}">
+                <a16:creationId xmlns:a16="http://schemas.microsoft.com/office/drawing/2014/main" id="{A55F7671-F5CB-4D88-A2FE-2AE6EB3370A7}"/>
+              </a:ext>
+            </a:extLst>
+          </p:cNvPr>
+          <p:cNvSpPr/>
+          <p:nvPr/>
+        </p:nvSpPr>
+        <p:spPr>
+          <a:xfrm>
+            <a:off x="10067783" y="1185663"/>
+            <a:ext cx="276225" cy="341124"/>
+          </a:xfrm>
+          <a:prstGeom prst="rect">
+            <a:avLst/>
+          </a:prstGeom>
+          <a:noFill/>
+          <a:ln>
+            <a:solidFill>
+              <a:schemeClr val="tx1"/>
+            </a:solidFill>
+          </a:ln>
+        </p:spPr>
+        <p:style>
+          <a:lnRef idx="2">
+            <a:schemeClr val="accent1">
+              <a:shade val="50000"/>
+            </a:schemeClr>
+          </a:lnRef>
+          <a:fillRef idx="1">
+            <a:schemeClr val="accent1"/>
+          </a:fillRef>
+          <a:effectRef idx="0">
+            <a:schemeClr val="accent1"/>
+          </a:effectRef>
+          <a:fontRef idx="minor">
+            <a:schemeClr val="lt1"/>
+          </a:fontRef>
+        </p:style>
+        <p:txBody>
+          <a:bodyPr rtlCol="0" anchor="ctr"/>
+          <a:lstStyle/>
+          <a:p>
+            <a:pPr algn="ctr"/>
+            <a:r>
+              <a:rPr lang="en-US" sz="700" dirty="0">
+                <a:solidFill>
+                  <a:schemeClr val="tx1"/>
+                </a:solidFill>
+                <a:latin typeface="Poppins" panose="00000500000000000000" pitchFamily="2" charset="0"/>
+                <a:cs typeface="Poppins" panose="00000500000000000000" pitchFamily="2" charset="0"/>
+              </a:rPr>
+              <a:t>+1</a:t>
             </a:r>
           </a:p>
         </p:txBody>
       </p:sp>
       <p:cxnSp>
         <p:nvCxnSpPr>
-          <p:cNvPr id="25" name="Straight Connector 24">
-            <a:extLst>
-              <a:ext uri="{FF2B5EF4-FFF2-40B4-BE49-F238E27FC236}">
-                <a16:creationId xmlns:a16="http://schemas.microsoft.com/office/drawing/2014/main" id="{CEC8C126-AB4B-4397-A0DF-08F72E1E9860}"/>
+          <p:cNvPr id="58" name="Straight Connector 57">
+            <a:extLst>
+              <a:ext uri="{FF2B5EF4-FFF2-40B4-BE49-F238E27FC236}">
+                <a16:creationId xmlns:a16="http://schemas.microsoft.com/office/drawing/2014/main" id="{EBA43D72-C85A-49CB-B5E5-A5B4761D9B67}"/>
               </a:ext>
             </a:extLst>
           </p:cNvPr>
@@ -13590,10 +15279,10 @@
       </p:cxnSp>
       <p:sp>
         <p:nvSpPr>
-          <p:cNvPr id="37" name="TextBox 36">
-            <a:extLst>
-              <a:ext uri="{FF2B5EF4-FFF2-40B4-BE49-F238E27FC236}">
-                <a16:creationId xmlns:a16="http://schemas.microsoft.com/office/drawing/2014/main" id="{4508D93D-1C71-4F3E-A7C7-87051D717040}"/>
+          <p:cNvPr id="36" name="TextBox 35">
+            <a:extLst>
+              <a:ext uri="{FF2B5EF4-FFF2-40B4-BE49-F238E27FC236}">
+                <a16:creationId xmlns:a16="http://schemas.microsoft.com/office/drawing/2014/main" id="{B32DA3FE-E047-4464-A86A-ED37EF36C356}"/>
               </a:ext>
             </a:extLst>
           </p:cNvPr>
@@ -13602,8 +15291,8 @@
         </p:nvSpPr>
         <p:spPr>
           <a:xfrm>
-            <a:off x="8817618" y="1526787"/>
-            <a:ext cx="328936" cy="246221"/>
+            <a:off x="770950" y="377376"/>
+            <a:ext cx="639919" cy="338554"/>
           </a:xfrm>
           <a:prstGeom prst="rect">
             <a:avLst/>
@@ -13617,134 +15306,11 @@
           <a:lstStyle/>
           <a:p>
             <a:r>
-              <a:rPr lang="en-US" sz="1000" dirty="0">
-                <a:latin typeface="Poppins" panose="00000500000000000000" pitchFamily="2" charset="0"/>
-                <a:cs typeface="Poppins" panose="00000500000000000000" pitchFamily="2" charset="0"/>
-              </a:rPr>
-              <a:t>&gt; 1</a:t>
-            </a:r>
-          </a:p>
-        </p:txBody>
-      </p:sp>
-      <p:sp>
-        <p:nvSpPr>
-          <p:cNvPr id="39" name="TextBox 38">
-            <a:extLst>
-              <a:ext uri="{FF2B5EF4-FFF2-40B4-BE49-F238E27FC236}">
-                <a16:creationId xmlns:a16="http://schemas.microsoft.com/office/drawing/2014/main" id="{F4E3B66F-B872-47EB-B2DA-302BCA8A97B8}"/>
-              </a:ext>
-            </a:extLst>
-          </p:cNvPr>
-          <p:cNvSpPr txBox="1"/>
-          <p:nvPr/>
-        </p:nvSpPr>
-        <p:spPr>
-          <a:xfrm>
-            <a:off x="9490882" y="816331"/>
-            <a:ext cx="615874" cy="246221"/>
-          </a:xfrm>
-          <a:prstGeom prst="rect">
-            <a:avLst/>
-          </a:prstGeom>
-          <a:noFill/>
-        </p:spPr>
-        <p:txBody>
-          <a:bodyPr wrap="none" rtlCol="0">
-            <a:spAutoFit/>
-          </a:bodyPr>
-          <a:lstStyle/>
-          <a:p>
-            <a:r>
-              <a:rPr lang="en-US" sz="1000" dirty="0">
-                <a:latin typeface="Poppins" panose="00000500000000000000" pitchFamily="2" charset="0"/>
-                <a:cs typeface="Poppins" panose="00000500000000000000" pitchFamily="2" charset="0"/>
-              </a:rPr>
-              <a:t>proses</a:t>
-            </a:r>
-          </a:p>
-        </p:txBody>
-      </p:sp>
-      <p:sp>
-        <p:nvSpPr>
-          <p:cNvPr id="40" name="TextBox 39">
-            <a:extLst>
-              <a:ext uri="{FF2B5EF4-FFF2-40B4-BE49-F238E27FC236}">
-                <a16:creationId xmlns:a16="http://schemas.microsoft.com/office/drawing/2014/main" id="{EB803D59-186D-488D-B920-657D3F26CD22}"/>
-              </a:ext>
-            </a:extLst>
-          </p:cNvPr>
-          <p:cNvSpPr txBox="1"/>
-          <p:nvPr/>
-        </p:nvSpPr>
-        <p:spPr>
-          <a:xfrm>
-            <a:off x="10618327" y="542276"/>
-            <a:ext cx="694421" cy="400110"/>
-          </a:xfrm>
-          <a:prstGeom prst="rect">
-            <a:avLst/>
-          </a:prstGeom>
-          <a:noFill/>
-        </p:spPr>
-        <p:txBody>
-          <a:bodyPr wrap="none" rtlCol="0">
-            <a:spAutoFit/>
-          </a:bodyPr>
-          <a:lstStyle/>
-          <a:p>
-            <a:r>
-              <a:rPr lang="en-US" sz="1000" dirty="0">
-                <a:latin typeface="Poppins" panose="00000500000000000000" pitchFamily="2" charset="0"/>
-                <a:cs typeface="Poppins" panose="00000500000000000000" pitchFamily="2" charset="0"/>
-              </a:rPr>
-              <a:t>f = false</a:t>
-            </a:r>
-          </a:p>
-          <a:p>
-            <a:r>
-              <a:rPr lang="en-US" sz="1000" dirty="0">
-                <a:latin typeface="Poppins" panose="00000500000000000000" pitchFamily="2" charset="0"/>
-                <a:cs typeface="Poppins" panose="00000500000000000000" pitchFamily="2" charset="0"/>
-              </a:rPr>
-              <a:t>t = true</a:t>
-            </a:r>
-          </a:p>
-        </p:txBody>
-      </p:sp>
-      <p:sp>
-        <p:nvSpPr>
-          <p:cNvPr id="26" name="TextBox 25">
-            <a:extLst>
-              <a:ext uri="{FF2B5EF4-FFF2-40B4-BE49-F238E27FC236}">
-                <a16:creationId xmlns:a16="http://schemas.microsoft.com/office/drawing/2014/main" id="{F02DCA96-687F-4753-85F2-4664ACC85B46}"/>
-              </a:ext>
-            </a:extLst>
-          </p:cNvPr>
-          <p:cNvSpPr txBox="1"/>
-          <p:nvPr/>
-        </p:nvSpPr>
-        <p:spPr>
-          <a:xfrm>
-            <a:off x="770950" y="377376"/>
-            <a:ext cx="667170" cy="338554"/>
-          </a:xfrm>
-          <a:prstGeom prst="rect">
-            <a:avLst/>
-          </a:prstGeom>
-          <a:noFill/>
-        </p:spPr>
-        <p:txBody>
-          <a:bodyPr wrap="none" rtlCol="0">
-            <a:spAutoFit/>
-          </a:bodyPr>
-          <a:lstStyle/>
-          <a:p>
-            <a:r>
               <a:rPr lang="en-US" sz="1600" dirty="0">
                 <a:latin typeface="Poppins" panose="00000500000000000000" pitchFamily="2" charset="0"/>
                 <a:cs typeface="Poppins" panose="00000500000000000000" pitchFamily="2" charset="0"/>
               </a:rPr>
-              <a:t>Filter</a:t>
+              <a:t>Map</a:t>
             </a:r>
           </a:p>
         </p:txBody>
@@ -13752,7 +15318,7 @@
     </p:spTree>
     <p:extLst>
       <p:ext uri="{BB962C8B-B14F-4D97-AF65-F5344CB8AC3E}">
-        <p14:creationId xmlns:p14="http://schemas.microsoft.com/office/powerpoint/2010/main" val="2688828154"/>
+        <p14:creationId xmlns:p14="http://schemas.microsoft.com/office/powerpoint/2010/main" val="4247652544"/>
       </p:ext>
     </p:extLst>
   </p:cSld>

--- a/march/week-1/meeting-2/PPT.pptx
+++ b/march/week-1/meeting-2/PPT.pptx
@@ -10,16 +10,17 @@
     <p:sldId id="268" r:id="rId4"/>
     <p:sldId id="269" r:id="rId5"/>
     <p:sldId id="259" r:id="rId6"/>
-    <p:sldId id="260" r:id="rId7"/>
-    <p:sldId id="261" r:id="rId8"/>
+    <p:sldId id="261" r:id="rId7"/>
+    <p:sldId id="260" r:id="rId8"/>
     <p:sldId id="270" r:id="rId9"/>
     <p:sldId id="262" r:id="rId10"/>
     <p:sldId id="263" r:id="rId11"/>
     <p:sldId id="264" r:id="rId12"/>
     <p:sldId id="271" r:id="rId13"/>
     <p:sldId id="272" r:id="rId14"/>
-    <p:sldId id="265" r:id="rId15"/>
-    <p:sldId id="267" r:id="rId16"/>
+    <p:sldId id="273" r:id="rId15"/>
+    <p:sldId id="265" r:id="rId16"/>
+    <p:sldId id="267" r:id="rId17"/>
   </p:sldIdLst>
   <p:sldSz cx="12192000" cy="6858000"/>
   <p:notesSz cx="6858000" cy="9144000"/>
@@ -273,7 +274,7 @@
           <a:p>
             <a:fld id="{D47AB290-B4EC-4EEE-B15A-AB657E4854B3}" type="datetimeFigureOut">
               <a:rPr lang="en-US" smtClean="0"/>
-              <a:t>3/1/2022</a:t>
+              <a:t>3/2/2022</a:t>
             </a:fld>
             <a:endParaRPr lang="en-US"/>
           </a:p>
@@ -471,7 +472,7 @@
           <a:p>
             <a:fld id="{D47AB290-B4EC-4EEE-B15A-AB657E4854B3}" type="datetimeFigureOut">
               <a:rPr lang="en-US" smtClean="0"/>
-              <a:t>3/1/2022</a:t>
+              <a:t>3/2/2022</a:t>
             </a:fld>
             <a:endParaRPr lang="en-US"/>
           </a:p>
@@ -679,7 +680,7 @@
           <a:p>
             <a:fld id="{D47AB290-B4EC-4EEE-B15A-AB657E4854B3}" type="datetimeFigureOut">
               <a:rPr lang="en-US" smtClean="0"/>
-              <a:t>3/1/2022</a:t>
+              <a:t>3/2/2022</a:t>
             </a:fld>
             <a:endParaRPr lang="en-US"/>
           </a:p>
@@ -877,7 +878,7 @@
           <a:p>
             <a:fld id="{D47AB290-B4EC-4EEE-B15A-AB657E4854B3}" type="datetimeFigureOut">
               <a:rPr lang="en-US" smtClean="0"/>
-              <a:t>3/1/2022</a:t>
+              <a:t>3/2/2022</a:t>
             </a:fld>
             <a:endParaRPr lang="en-US"/>
           </a:p>
@@ -1152,7 +1153,7 @@
           <a:p>
             <a:fld id="{D47AB290-B4EC-4EEE-B15A-AB657E4854B3}" type="datetimeFigureOut">
               <a:rPr lang="en-US" smtClean="0"/>
-              <a:t>3/1/2022</a:t>
+              <a:t>3/2/2022</a:t>
             </a:fld>
             <a:endParaRPr lang="en-US"/>
           </a:p>
@@ -1417,7 +1418,7 @@
           <a:p>
             <a:fld id="{D47AB290-B4EC-4EEE-B15A-AB657E4854B3}" type="datetimeFigureOut">
               <a:rPr lang="en-US" smtClean="0"/>
-              <a:t>3/1/2022</a:t>
+              <a:t>3/2/2022</a:t>
             </a:fld>
             <a:endParaRPr lang="en-US"/>
           </a:p>
@@ -1829,7 +1830,7 @@
           <a:p>
             <a:fld id="{D47AB290-B4EC-4EEE-B15A-AB657E4854B3}" type="datetimeFigureOut">
               <a:rPr lang="en-US" smtClean="0"/>
-              <a:t>3/1/2022</a:t>
+              <a:t>3/2/2022</a:t>
             </a:fld>
             <a:endParaRPr lang="en-US"/>
           </a:p>
@@ -1970,7 +1971,7 @@
           <a:p>
             <a:fld id="{D47AB290-B4EC-4EEE-B15A-AB657E4854B3}" type="datetimeFigureOut">
               <a:rPr lang="en-US" smtClean="0"/>
-              <a:t>3/1/2022</a:t>
+              <a:t>3/2/2022</a:t>
             </a:fld>
             <a:endParaRPr lang="en-US"/>
           </a:p>
@@ -2083,7 +2084,7 @@
           <a:p>
             <a:fld id="{D47AB290-B4EC-4EEE-B15A-AB657E4854B3}" type="datetimeFigureOut">
               <a:rPr lang="en-US" smtClean="0"/>
-              <a:t>3/1/2022</a:t>
+              <a:t>3/2/2022</a:t>
             </a:fld>
             <a:endParaRPr lang="en-US"/>
           </a:p>
@@ -2394,7 +2395,7 @@
           <a:p>
             <a:fld id="{D47AB290-B4EC-4EEE-B15A-AB657E4854B3}" type="datetimeFigureOut">
               <a:rPr lang="en-US" smtClean="0"/>
-              <a:t>3/1/2022</a:t>
+              <a:t>3/2/2022</a:t>
             </a:fld>
             <a:endParaRPr lang="en-US"/>
           </a:p>
@@ -2682,7 +2683,7 @@
           <a:p>
             <a:fld id="{D47AB290-B4EC-4EEE-B15A-AB657E4854B3}" type="datetimeFigureOut">
               <a:rPr lang="en-US" smtClean="0"/>
-              <a:t>3/1/2022</a:t>
+              <a:t>3/2/2022</a:t>
             </a:fld>
             <a:endParaRPr lang="en-US"/>
           </a:p>
@@ -2923,7 +2924,7 @@
           <a:p>
             <a:fld id="{D47AB290-B4EC-4EEE-B15A-AB657E4854B3}" type="datetimeFigureOut">
               <a:rPr lang="en-US" smtClean="0"/>
-              <a:t>3/1/2022</a:t>
+              <a:t>3/2/2022</a:t>
             </a:fld>
             <a:endParaRPr lang="en-US"/>
           </a:p>
@@ -3354,8 +3355,8 @@
         </p:nvSpPr>
         <p:spPr>
           <a:xfrm>
-            <a:off x="3842863" y="2271423"/>
-            <a:ext cx="4161717" cy="461665"/>
+            <a:off x="4341396" y="2271423"/>
+            <a:ext cx="3164649" cy="461665"/>
           </a:xfrm>
           <a:prstGeom prst="rect">
             <a:avLst/>
@@ -3373,8 +3374,19 @@
                 <a:latin typeface="Poppins" panose="00000500000000000000" pitchFamily="2" charset="0"/>
                 <a:cs typeface="Poppins" panose="00000500000000000000" pitchFamily="2" charset="0"/>
               </a:rPr>
-              <a:t>Functional Programming</a:t>
-            </a:r>
+              <a:t>Modern </a:t>
+            </a:r>
+            <a:r>
+              <a:rPr lang="en-US" sz="2400" b="1" dirty="0" err="1">
+                <a:latin typeface="Poppins" panose="00000500000000000000" pitchFamily="2" charset="0"/>
+                <a:cs typeface="Poppins" panose="00000500000000000000" pitchFamily="2" charset="0"/>
+              </a:rPr>
+              <a:t>Javascript</a:t>
+            </a:r>
+            <a:endParaRPr lang="en-US" sz="2400" b="1" dirty="0">
+              <a:latin typeface="Poppins" panose="00000500000000000000" pitchFamily="2" charset="0"/>
+              <a:cs typeface="Poppins" panose="00000500000000000000" pitchFamily="2" charset="0"/>
+            </a:endParaRPr>
           </a:p>
         </p:txBody>
       </p:sp>
@@ -7942,6 +7954,480 @@
       </p:grpSpPr>
       <p:sp>
         <p:nvSpPr>
+          <p:cNvPr id="2" name="TextBox 1">
+            <a:extLst>
+              <a:ext uri="{FF2B5EF4-FFF2-40B4-BE49-F238E27FC236}">
+                <a16:creationId xmlns:a16="http://schemas.microsoft.com/office/drawing/2014/main" id="{D83991F1-E77C-44B5-AE41-53895E12C672}"/>
+              </a:ext>
+            </a:extLst>
+          </p:cNvPr>
+          <p:cNvSpPr txBox="1"/>
+          <p:nvPr/>
+        </p:nvSpPr>
+        <p:spPr>
+          <a:xfrm>
+            <a:off x="770950" y="377376"/>
+            <a:ext cx="1909497" cy="338554"/>
+          </a:xfrm>
+          <a:prstGeom prst="rect">
+            <a:avLst/>
+          </a:prstGeom>
+          <a:noFill/>
+        </p:spPr>
+        <p:txBody>
+          <a:bodyPr wrap="none" rtlCol="0">
+            <a:spAutoFit/>
+          </a:bodyPr>
+          <a:lstStyle/>
+          <a:p>
+            <a:r>
+              <a:rPr lang="en-US" sz="1600" dirty="0">
+                <a:latin typeface="Poppins" panose="00000500000000000000" pitchFamily="2" charset="0"/>
+                <a:cs typeface="Poppins" panose="00000500000000000000" pitchFamily="2" charset="0"/>
+              </a:rPr>
+              <a:t>Spread Operator</a:t>
+            </a:r>
+          </a:p>
+        </p:txBody>
+      </p:sp>
+      <p:pic>
+        <p:nvPicPr>
+          <p:cNvPr id="6" name="Picture 5">
+            <a:extLst>
+              <a:ext uri="{FF2B5EF4-FFF2-40B4-BE49-F238E27FC236}">
+                <a16:creationId xmlns:a16="http://schemas.microsoft.com/office/drawing/2014/main" id="{CF8E63C5-B6C3-420F-BE82-2AA08BD2A025}"/>
+              </a:ext>
+            </a:extLst>
+          </p:cNvPr>
+          <p:cNvPicPr>
+            <a:picLocks noChangeAspect="1"/>
+          </p:cNvPicPr>
+          <p:nvPr/>
+        </p:nvPicPr>
+        <p:blipFill>
+          <a:blip r:embed="rId2">
+            <a:extLst>
+              <a:ext uri="{28A0092B-C50C-407E-A947-70E740481C1C}">
+                <a14:useLocalDpi xmlns:a14="http://schemas.microsoft.com/office/drawing/2010/main" val="0"/>
+              </a:ext>
+            </a:extLst>
+          </a:blip>
+          <a:stretch>
+            <a:fillRect/>
+          </a:stretch>
+        </p:blipFill>
+        <p:spPr>
+          <a:xfrm>
+            <a:off x="1445274" y="1804147"/>
+            <a:ext cx="4517376" cy="1853453"/>
+          </a:xfrm>
+          <a:prstGeom prst="rect">
+            <a:avLst/>
+          </a:prstGeom>
+        </p:spPr>
+      </p:pic>
+      <p:cxnSp>
+        <p:nvCxnSpPr>
+          <p:cNvPr id="7" name="Straight Connector 6">
+            <a:extLst>
+              <a:ext uri="{FF2B5EF4-FFF2-40B4-BE49-F238E27FC236}">
+                <a16:creationId xmlns:a16="http://schemas.microsoft.com/office/drawing/2014/main" id="{B6BF8D51-43A3-4B9C-BD27-CA359D167475}"/>
+              </a:ext>
+            </a:extLst>
+          </p:cNvPr>
+          <p:cNvCxnSpPr>
+            <a:cxnSpLocks/>
+          </p:cNvCxnSpPr>
+          <p:nvPr/>
+        </p:nvCxnSpPr>
+        <p:spPr>
+          <a:xfrm flipV="1">
+            <a:off x="4297484" y="1590675"/>
+            <a:ext cx="1093666" cy="1248579"/>
+          </a:xfrm>
+          <a:prstGeom prst="line">
+            <a:avLst/>
+          </a:prstGeom>
+        </p:spPr>
+        <p:style>
+          <a:lnRef idx="1">
+            <a:schemeClr val="accent1"/>
+          </a:lnRef>
+          <a:fillRef idx="0">
+            <a:schemeClr val="accent1"/>
+          </a:fillRef>
+          <a:effectRef idx="0">
+            <a:schemeClr val="accent1"/>
+          </a:effectRef>
+          <a:fontRef idx="minor">
+            <a:schemeClr val="tx1"/>
+          </a:fontRef>
+        </p:style>
+      </p:cxnSp>
+      <p:sp>
+        <p:nvSpPr>
+          <p:cNvPr id="9" name="TextBox 8">
+            <a:extLst>
+              <a:ext uri="{FF2B5EF4-FFF2-40B4-BE49-F238E27FC236}">
+                <a16:creationId xmlns:a16="http://schemas.microsoft.com/office/drawing/2014/main" id="{7E36E95E-ADDB-4AB0-9658-A267E7F8FD14}"/>
+              </a:ext>
+            </a:extLst>
+          </p:cNvPr>
+          <p:cNvSpPr txBox="1"/>
+          <p:nvPr/>
+        </p:nvSpPr>
+        <p:spPr>
+          <a:xfrm>
+            <a:off x="4608636" y="1159788"/>
+            <a:ext cx="4384431" cy="430887"/>
+          </a:xfrm>
+          <a:prstGeom prst="rect">
+            <a:avLst/>
+          </a:prstGeom>
+          <a:noFill/>
+        </p:spPr>
+        <p:txBody>
+          <a:bodyPr wrap="square" rtlCol="0">
+            <a:spAutoFit/>
+          </a:bodyPr>
+          <a:lstStyle/>
+          <a:p>
+            <a:r>
+              <a:rPr lang="en-US" sz="1100" dirty="0" err="1">
+                <a:latin typeface="Poppins" panose="00000500000000000000" pitchFamily="2" charset="0"/>
+                <a:cs typeface="Poppins" panose="00000500000000000000" pitchFamily="2" charset="0"/>
+              </a:rPr>
+              <a:t>Menambahkan</a:t>
+            </a:r>
+            <a:r>
+              <a:rPr lang="en-US" sz="1100" dirty="0">
+                <a:latin typeface="Poppins" panose="00000500000000000000" pitchFamily="2" charset="0"/>
+                <a:cs typeface="Poppins" panose="00000500000000000000" pitchFamily="2" charset="0"/>
+              </a:rPr>
+              <a:t> </a:t>
+            </a:r>
+            <a:r>
+              <a:rPr lang="en-US" sz="1100" dirty="0" err="1">
+                <a:latin typeface="Poppins" panose="00000500000000000000" pitchFamily="2" charset="0"/>
+                <a:cs typeface="Poppins" panose="00000500000000000000" pitchFamily="2" charset="0"/>
+              </a:rPr>
+              <a:t>nilai</a:t>
+            </a:r>
+            <a:r>
+              <a:rPr lang="en-US" sz="1100" dirty="0">
+                <a:latin typeface="Poppins" panose="00000500000000000000" pitchFamily="2" charset="0"/>
+                <a:cs typeface="Poppins" panose="00000500000000000000" pitchFamily="2" charset="0"/>
+              </a:rPr>
+              <a:t> </a:t>
+            </a:r>
+            <a:r>
+              <a:rPr lang="en-US" sz="1100" dirty="0" err="1">
+                <a:latin typeface="Poppins" panose="00000500000000000000" pitchFamily="2" charset="0"/>
+                <a:cs typeface="Poppins" panose="00000500000000000000" pitchFamily="2" charset="0"/>
+              </a:rPr>
+              <a:t>baru</a:t>
+            </a:r>
+            <a:r>
+              <a:rPr lang="en-US" sz="1100" dirty="0">
+                <a:latin typeface="Poppins" panose="00000500000000000000" pitchFamily="2" charset="0"/>
+                <a:cs typeface="Poppins" panose="00000500000000000000" pitchFamily="2" charset="0"/>
+              </a:rPr>
+              <a:t> pada array </a:t>
+            </a:r>
+            <a:r>
+              <a:rPr lang="en-US" sz="1100" dirty="0" err="1">
+                <a:latin typeface="Poppins" panose="00000500000000000000" pitchFamily="2" charset="0"/>
+                <a:cs typeface="Poppins" panose="00000500000000000000" pitchFamily="2" charset="0"/>
+              </a:rPr>
+              <a:t>tanpa</a:t>
+            </a:r>
+            <a:r>
+              <a:rPr lang="en-US" sz="1100" dirty="0">
+                <a:latin typeface="Poppins" panose="00000500000000000000" pitchFamily="2" charset="0"/>
+                <a:cs typeface="Poppins" panose="00000500000000000000" pitchFamily="2" charset="0"/>
+              </a:rPr>
+              <a:t> </a:t>
+            </a:r>
+            <a:r>
+              <a:rPr lang="en-US" sz="1100" dirty="0" err="1">
+                <a:latin typeface="Poppins" panose="00000500000000000000" pitchFamily="2" charset="0"/>
+                <a:cs typeface="Poppins" panose="00000500000000000000" pitchFamily="2" charset="0"/>
+              </a:rPr>
+              <a:t>harus</a:t>
+            </a:r>
+            <a:r>
+              <a:rPr lang="en-US" sz="1100" dirty="0">
+                <a:latin typeface="Poppins" panose="00000500000000000000" pitchFamily="2" charset="0"/>
+                <a:cs typeface="Poppins" panose="00000500000000000000" pitchFamily="2" charset="0"/>
+              </a:rPr>
+              <a:t> </a:t>
+            </a:r>
+            <a:r>
+              <a:rPr lang="en-US" sz="1100" dirty="0" err="1">
+                <a:latin typeface="Poppins" panose="00000500000000000000" pitchFamily="2" charset="0"/>
+                <a:cs typeface="Poppins" panose="00000500000000000000" pitchFamily="2" charset="0"/>
+              </a:rPr>
+              <a:t>mengubah</a:t>
+            </a:r>
+            <a:r>
+              <a:rPr lang="en-US" sz="1100" dirty="0">
+                <a:latin typeface="Poppins" panose="00000500000000000000" pitchFamily="2" charset="0"/>
+                <a:cs typeface="Poppins" panose="00000500000000000000" pitchFamily="2" charset="0"/>
+              </a:rPr>
+              <a:t> </a:t>
+            </a:r>
+            <a:r>
+              <a:rPr lang="en-US" sz="1100" dirty="0" err="1">
+                <a:latin typeface="Poppins" panose="00000500000000000000" pitchFamily="2" charset="0"/>
+                <a:cs typeface="Poppins" panose="00000500000000000000" pitchFamily="2" charset="0"/>
+              </a:rPr>
+              <a:t>nilai</a:t>
+            </a:r>
+            <a:r>
+              <a:rPr lang="en-US" sz="1100" dirty="0">
+                <a:latin typeface="Poppins" panose="00000500000000000000" pitchFamily="2" charset="0"/>
+                <a:cs typeface="Poppins" panose="00000500000000000000" pitchFamily="2" charset="0"/>
+              </a:rPr>
+              <a:t> lama</a:t>
+            </a:r>
+          </a:p>
+        </p:txBody>
+      </p:sp>
+      <p:pic>
+        <p:nvPicPr>
+          <p:cNvPr id="11" name="Picture 10">
+            <a:extLst>
+              <a:ext uri="{FF2B5EF4-FFF2-40B4-BE49-F238E27FC236}">
+                <a16:creationId xmlns:a16="http://schemas.microsoft.com/office/drawing/2014/main" id="{DCC2A5F1-48C9-4D26-8140-CE81843B1D03}"/>
+              </a:ext>
+            </a:extLst>
+          </p:cNvPr>
+          <p:cNvPicPr>
+            <a:picLocks noChangeAspect="1"/>
+          </p:cNvPicPr>
+          <p:nvPr/>
+        </p:nvPicPr>
+        <p:blipFill>
+          <a:blip r:embed="rId3">
+            <a:extLst>
+              <a:ext uri="{28A0092B-C50C-407E-A947-70E740481C1C}">
+                <a14:useLocalDpi xmlns:a14="http://schemas.microsoft.com/office/drawing/2010/main" val="0"/>
+              </a:ext>
+            </a:extLst>
+          </a:blip>
+          <a:stretch>
+            <a:fillRect/>
+          </a:stretch>
+        </p:blipFill>
+        <p:spPr>
+          <a:xfrm>
+            <a:off x="6499320" y="2504360"/>
+            <a:ext cx="4517376" cy="2969510"/>
+          </a:xfrm>
+          <a:prstGeom prst="rect">
+            <a:avLst/>
+          </a:prstGeom>
+        </p:spPr>
+      </p:pic>
+      <p:sp>
+        <p:nvSpPr>
+          <p:cNvPr id="12" name="TextBox 11">
+            <a:extLst>
+              <a:ext uri="{FF2B5EF4-FFF2-40B4-BE49-F238E27FC236}">
+                <a16:creationId xmlns:a16="http://schemas.microsoft.com/office/drawing/2014/main" id="{112C8EF9-CA53-49C9-9BAC-8892B320E70B}"/>
+              </a:ext>
+            </a:extLst>
+          </p:cNvPr>
+          <p:cNvSpPr txBox="1"/>
+          <p:nvPr/>
+        </p:nvSpPr>
+        <p:spPr>
+          <a:xfrm>
+            <a:off x="2652101" y="5267325"/>
+            <a:ext cx="4384431" cy="430887"/>
+          </a:xfrm>
+          <a:prstGeom prst="rect">
+            <a:avLst/>
+          </a:prstGeom>
+          <a:noFill/>
+        </p:spPr>
+        <p:txBody>
+          <a:bodyPr wrap="square" rtlCol="0">
+            <a:spAutoFit/>
+          </a:bodyPr>
+          <a:lstStyle/>
+          <a:p>
+            <a:r>
+              <a:rPr lang="en-US" sz="1100" dirty="0" err="1">
+                <a:latin typeface="Poppins" panose="00000500000000000000" pitchFamily="2" charset="0"/>
+                <a:cs typeface="Poppins" panose="00000500000000000000" pitchFamily="2" charset="0"/>
+              </a:rPr>
+              <a:t>Menambahkan</a:t>
+            </a:r>
+            <a:r>
+              <a:rPr lang="en-US" sz="1100" dirty="0">
+                <a:latin typeface="Poppins" panose="00000500000000000000" pitchFamily="2" charset="0"/>
+                <a:cs typeface="Poppins" panose="00000500000000000000" pitchFamily="2" charset="0"/>
+              </a:rPr>
+              <a:t> </a:t>
+            </a:r>
+            <a:r>
+              <a:rPr lang="en-US" sz="1100" dirty="0" err="1">
+                <a:latin typeface="Poppins" panose="00000500000000000000" pitchFamily="2" charset="0"/>
+                <a:cs typeface="Poppins" panose="00000500000000000000" pitchFamily="2" charset="0"/>
+              </a:rPr>
+              <a:t>nilai</a:t>
+            </a:r>
+            <a:r>
+              <a:rPr lang="en-US" sz="1100" dirty="0">
+                <a:latin typeface="Poppins" panose="00000500000000000000" pitchFamily="2" charset="0"/>
+                <a:cs typeface="Poppins" panose="00000500000000000000" pitchFamily="2" charset="0"/>
+              </a:rPr>
+              <a:t> </a:t>
+            </a:r>
+            <a:r>
+              <a:rPr lang="en-US" sz="1100" dirty="0" err="1">
+                <a:latin typeface="Poppins" panose="00000500000000000000" pitchFamily="2" charset="0"/>
+                <a:cs typeface="Poppins" panose="00000500000000000000" pitchFamily="2" charset="0"/>
+              </a:rPr>
+              <a:t>baru</a:t>
+            </a:r>
+            <a:r>
+              <a:rPr lang="en-US" sz="1100" dirty="0">
+                <a:latin typeface="Poppins" panose="00000500000000000000" pitchFamily="2" charset="0"/>
+                <a:cs typeface="Poppins" panose="00000500000000000000" pitchFamily="2" charset="0"/>
+              </a:rPr>
+              <a:t> pada object </a:t>
+            </a:r>
+            <a:r>
+              <a:rPr lang="en-US" sz="1100" dirty="0" err="1">
+                <a:latin typeface="Poppins" panose="00000500000000000000" pitchFamily="2" charset="0"/>
+                <a:cs typeface="Poppins" panose="00000500000000000000" pitchFamily="2" charset="0"/>
+              </a:rPr>
+              <a:t>tanpa</a:t>
+            </a:r>
+            <a:r>
+              <a:rPr lang="en-US" sz="1100" dirty="0">
+                <a:latin typeface="Poppins" panose="00000500000000000000" pitchFamily="2" charset="0"/>
+                <a:cs typeface="Poppins" panose="00000500000000000000" pitchFamily="2" charset="0"/>
+              </a:rPr>
+              <a:t> </a:t>
+            </a:r>
+            <a:r>
+              <a:rPr lang="en-US" sz="1100" dirty="0" err="1">
+                <a:latin typeface="Poppins" panose="00000500000000000000" pitchFamily="2" charset="0"/>
+                <a:cs typeface="Poppins" panose="00000500000000000000" pitchFamily="2" charset="0"/>
+              </a:rPr>
+              <a:t>harus</a:t>
+            </a:r>
+            <a:r>
+              <a:rPr lang="en-US" sz="1100" dirty="0">
+                <a:latin typeface="Poppins" panose="00000500000000000000" pitchFamily="2" charset="0"/>
+                <a:cs typeface="Poppins" panose="00000500000000000000" pitchFamily="2" charset="0"/>
+              </a:rPr>
+              <a:t> </a:t>
+            </a:r>
+            <a:r>
+              <a:rPr lang="en-US" sz="1100" dirty="0" err="1">
+                <a:latin typeface="Poppins" panose="00000500000000000000" pitchFamily="2" charset="0"/>
+                <a:cs typeface="Poppins" panose="00000500000000000000" pitchFamily="2" charset="0"/>
+              </a:rPr>
+              <a:t>mengubah</a:t>
+            </a:r>
+            <a:r>
+              <a:rPr lang="en-US" sz="1100" dirty="0">
+                <a:latin typeface="Poppins" panose="00000500000000000000" pitchFamily="2" charset="0"/>
+                <a:cs typeface="Poppins" panose="00000500000000000000" pitchFamily="2" charset="0"/>
+              </a:rPr>
+              <a:t> </a:t>
+            </a:r>
+            <a:r>
+              <a:rPr lang="en-US" sz="1100" dirty="0" err="1">
+                <a:latin typeface="Poppins" panose="00000500000000000000" pitchFamily="2" charset="0"/>
+                <a:cs typeface="Poppins" panose="00000500000000000000" pitchFamily="2" charset="0"/>
+              </a:rPr>
+              <a:t>nilai</a:t>
+            </a:r>
+            <a:r>
+              <a:rPr lang="en-US" sz="1100" dirty="0">
+                <a:latin typeface="Poppins" panose="00000500000000000000" pitchFamily="2" charset="0"/>
+                <a:cs typeface="Poppins" panose="00000500000000000000" pitchFamily="2" charset="0"/>
+              </a:rPr>
+              <a:t> lama</a:t>
+            </a:r>
+          </a:p>
+        </p:txBody>
+      </p:sp>
+      <p:cxnSp>
+        <p:nvCxnSpPr>
+          <p:cNvPr id="13" name="Straight Connector 12">
+            <a:extLst>
+              <a:ext uri="{FF2B5EF4-FFF2-40B4-BE49-F238E27FC236}">
+                <a16:creationId xmlns:a16="http://schemas.microsoft.com/office/drawing/2014/main" id="{25491343-E031-41FA-B532-A94FDA88B9D0}"/>
+              </a:ext>
+            </a:extLst>
+          </p:cNvPr>
+          <p:cNvCxnSpPr>
+            <a:cxnSpLocks/>
+          </p:cNvCxnSpPr>
+          <p:nvPr/>
+        </p:nvCxnSpPr>
+        <p:spPr>
+          <a:xfrm flipV="1">
+            <a:off x="4844316" y="4234190"/>
+            <a:ext cx="2061309" cy="928360"/>
+          </a:xfrm>
+          <a:prstGeom prst="line">
+            <a:avLst/>
+          </a:prstGeom>
+        </p:spPr>
+        <p:style>
+          <a:lnRef idx="1">
+            <a:schemeClr val="accent1"/>
+          </a:lnRef>
+          <a:fillRef idx="0">
+            <a:schemeClr val="accent1"/>
+          </a:fillRef>
+          <a:effectRef idx="0">
+            <a:schemeClr val="accent1"/>
+          </a:effectRef>
+          <a:fontRef idx="minor">
+            <a:schemeClr val="tx1"/>
+          </a:fontRef>
+        </p:style>
+      </p:cxnSp>
+    </p:spTree>
+    <p:extLst>
+      <p:ext uri="{BB962C8B-B14F-4D97-AF65-F5344CB8AC3E}">
+        <p14:creationId xmlns:p14="http://schemas.microsoft.com/office/powerpoint/2010/main" val="3015065576"/>
+      </p:ext>
+    </p:extLst>
+  </p:cSld>
+  <p:clrMapOvr>
+    <a:masterClrMapping/>
+  </p:clrMapOvr>
+</p:sld>
+</file>
+
+<file path=ppt/slides/slide15.xml><?xml version="1.0" encoding="utf-8"?>
+<p:sld xmlns:a="http://schemas.openxmlformats.org/drawingml/2006/main" xmlns:r="http://schemas.openxmlformats.org/officeDocument/2006/relationships" xmlns:p="http://schemas.openxmlformats.org/presentationml/2006/main">
+  <p:cSld>
+    <p:spTree>
+      <p:nvGrpSpPr>
+        <p:cNvPr id="1" name=""/>
+        <p:cNvGrpSpPr/>
+        <p:nvPr/>
+      </p:nvGrpSpPr>
+      <p:grpSpPr>
+        <a:xfrm>
+          <a:off x="0" y="0"/>
+          <a:ext cx="0" cy="0"/>
+          <a:chOff x="0" y="0"/>
+          <a:chExt cx="0" cy="0"/>
+        </a:xfrm>
+      </p:grpSpPr>
+      <p:sp>
+        <p:nvSpPr>
           <p:cNvPr id="9" name="Rectangle 8">
             <a:extLst>
               <a:ext uri="{FF2B5EF4-FFF2-40B4-BE49-F238E27FC236}">
@@ -8403,7 +8889,7 @@
 </p:sld>
 </file>
 
-<file path=ppt/slides/slide15.xml><?xml version="1.0" encoding="utf-8"?>
+<file path=ppt/slides/slide16.xml><?xml version="1.0" encoding="utf-8"?>
 <p:sld xmlns:a="http://schemas.openxmlformats.org/drawingml/2006/main" xmlns:r="http://schemas.openxmlformats.org/officeDocument/2006/relationships" xmlns:p="http://schemas.openxmlformats.org/presentationml/2006/main">
   <p:cSld>
     <p:spTree>
@@ -10777,6 +11263,114 @@
           </a:p>
         </p:txBody>
       </p:sp>
+      <p:sp>
+        <p:nvSpPr>
+          <p:cNvPr id="8" name="TextBox 7">
+            <a:extLst>
+              <a:ext uri="{FF2B5EF4-FFF2-40B4-BE49-F238E27FC236}">
+                <a16:creationId xmlns:a16="http://schemas.microsoft.com/office/drawing/2014/main" id="{D9E91587-63EC-4E4C-9B67-514059D1C89B}"/>
+              </a:ext>
+            </a:extLst>
+          </p:cNvPr>
+          <p:cNvSpPr txBox="1"/>
+          <p:nvPr/>
+        </p:nvSpPr>
+        <p:spPr>
+          <a:xfrm>
+            <a:off x="746242" y="6346153"/>
+            <a:ext cx="4591321" cy="246221"/>
+          </a:xfrm>
+          <a:prstGeom prst="rect">
+            <a:avLst/>
+          </a:prstGeom>
+          <a:noFill/>
+        </p:spPr>
+        <p:txBody>
+          <a:bodyPr wrap="none" rtlCol="0">
+            <a:spAutoFit/>
+          </a:bodyPr>
+          <a:lstStyle/>
+          <a:p>
+            <a:r>
+              <a:rPr lang="en-US" sz="1000" i="1" dirty="0">
+                <a:latin typeface="Poppins" panose="00000500000000000000" pitchFamily="2" charset="0"/>
+                <a:cs typeface="Poppins" panose="00000500000000000000" pitchFamily="2" charset="0"/>
+              </a:rPr>
+              <a:t>“</a:t>
+            </a:r>
+            <a:r>
+              <a:rPr lang="en-US" sz="1000" i="1" dirty="0" err="1">
+                <a:latin typeface="Poppins" panose="00000500000000000000" pitchFamily="2" charset="0"/>
+                <a:cs typeface="Poppins" panose="00000500000000000000" pitchFamily="2" charset="0"/>
+              </a:rPr>
+              <a:t>Untuk</a:t>
+            </a:r>
+            <a:r>
+              <a:rPr lang="en-US" sz="1000" i="1" dirty="0">
+                <a:latin typeface="Poppins" panose="00000500000000000000" pitchFamily="2" charset="0"/>
+                <a:cs typeface="Poppins" panose="00000500000000000000" pitchFamily="2" charset="0"/>
+              </a:rPr>
+              <a:t> </a:t>
+            </a:r>
+            <a:r>
+              <a:rPr lang="en-US" sz="1000" i="1" dirty="0" err="1">
+                <a:latin typeface="Poppins" panose="00000500000000000000" pitchFamily="2" charset="0"/>
+                <a:cs typeface="Poppins" panose="00000500000000000000" pitchFamily="2" charset="0"/>
+              </a:rPr>
+              <a:t>menghindari</a:t>
+            </a:r>
+            <a:r>
+              <a:rPr lang="en-US" sz="1000" i="1" dirty="0">
+                <a:latin typeface="Poppins" panose="00000500000000000000" pitchFamily="2" charset="0"/>
+                <a:cs typeface="Poppins" panose="00000500000000000000" pitchFamily="2" charset="0"/>
+              </a:rPr>
+              <a:t> hoisting </a:t>
+            </a:r>
+            <a:r>
+              <a:rPr lang="en-US" sz="1000" i="1" dirty="0" err="1">
+                <a:latin typeface="Poppins" panose="00000500000000000000" pitchFamily="2" charset="0"/>
+                <a:cs typeface="Poppins" panose="00000500000000000000" pitchFamily="2" charset="0"/>
+              </a:rPr>
+              <a:t>lakukan</a:t>
+            </a:r>
+            <a:r>
+              <a:rPr lang="en-US" sz="1000" i="1" dirty="0">
+                <a:latin typeface="Poppins" panose="00000500000000000000" pitchFamily="2" charset="0"/>
+                <a:cs typeface="Poppins" panose="00000500000000000000" pitchFamily="2" charset="0"/>
+              </a:rPr>
+              <a:t> declare </a:t>
+            </a:r>
+            <a:r>
+              <a:rPr lang="en-US" sz="1000" i="1" dirty="0" err="1">
+                <a:latin typeface="Poppins" panose="00000500000000000000" pitchFamily="2" charset="0"/>
+                <a:cs typeface="Poppins" panose="00000500000000000000" pitchFamily="2" charset="0"/>
+              </a:rPr>
+              <a:t>variabel</a:t>
+            </a:r>
+            <a:r>
+              <a:rPr lang="en-US" sz="1000" i="1" dirty="0">
+                <a:latin typeface="Poppins" panose="00000500000000000000" pitchFamily="2" charset="0"/>
+                <a:cs typeface="Poppins" panose="00000500000000000000" pitchFamily="2" charset="0"/>
+              </a:rPr>
+              <a:t> di </a:t>
+            </a:r>
+            <a:r>
+              <a:rPr lang="en-US" sz="1000" i="1" dirty="0" err="1">
+                <a:latin typeface="Poppins" panose="00000500000000000000" pitchFamily="2" charset="0"/>
+                <a:cs typeface="Poppins" panose="00000500000000000000" pitchFamily="2" charset="0"/>
+              </a:rPr>
+              <a:t>awal</a:t>
+            </a:r>
+            <a:r>
+              <a:rPr lang="en-US" sz="1000" i="1" dirty="0">
+                <a:latin typeface="Poppins" panose="00000500000000000000" pitchFamily="2" charset="0"/>
+                <a:cs typeface="Poppins" panose="00000500000000000000" pitchFamily="2" charset="0"/>
+              </a:rPr>
+              <a:t> scope”</a:t>
+            </a:r>
+          </a:p>
+        </p:txBody>
+      </p:sp>
     </p:spTree>
     <p:extLst>
       <p:ext uri="{BB962C8B-B14F-4D97-AF65-F5344CB8AC3E}">
@@ -11701,10 +12295,10 @@
       </p:grpSpPr>
       <p:sp>
         <p:nvSpPr>
-          <p:cNvPr id="8" name="Rectangle 7">
-            <a:extLst>
-              <a:ext uri="{FF2B5EF4-FFF2-40B4-BE49-F238E27FC236}">
-                <a16:creationId xmlns:a16="http://schemas.microsoft.com/office/drawing/2014/main" id="{C66A97A2-22E2-437E-A2A9-3610B5438A12}"/>
+          <p:cNvPr id="16" name="Rectangle 15">
+            <a:extLst>
+              <a:ext uri="{FF2B5EF4-FFF2-40B4-BE49-F238E27FC236}">
+                <a16:creationId xmlns:a16="http://schemas.microsoft.com/office/drawing/2014/main" id="{DEBE23A7-C520-46E2-A9E1-4BDCCE273089}"/>
               </a:ext>
             </a:extLst>
           </p:cNvPr>
@@ -11713,7 +12307,7 @@
         </p:nvSpPr>
         <p:spPr>
           <a:xfrm>
-            <a:off x="4153851" y="1053302"/>
+            <a:off x="5620530" y="3299305"/>
             <a:ext cx="2062826" cy="625151"/>
           </a:xfrm>
           <a:prstGeom prst="rect">
@@ -11748,6 +12342,16 @@
           <a:p>
             <a:pPr algn="ctr"/>
             <a:r>
+              <a:rPr lang="en-US" sz="800" dirty="0" err="1">
+                <a:solidFill>
+                  <a:schemeClr val="tx1"/>
+                </a:solidFill>
+                <a:latin typeface="Poppins" panose="00000500000000000000" pitchFamily="2" charset="0"/>
+                <a:cs typeface="Poppins" panose="00000500000000000000" pitchFamily="2" charset="0"/>
+              </a:rPr>
+              <a:t>Sebagai</a:t>
+            </a:r>
+            <a:r>
               <a:rPr lang="en-US" sz="800" dirty="0">
                 <a:solidFill>
                   <a:schemeClr val="tx1"/>
@@ -11755,110 +12359,17 @@
                 <a:latin typeface="Poppins" panose="00000500000000000000" pitchFamily="2" charset="0"/>
                 <a:cs typeface="Poppins" panose="00000500000000000000" pitchFamily="2" charset="0"/>
               </a:rPr>
-              <a:t>Higher order function </a:t>
-            </a:r>
-            <a:r>
-              <a:rPr lang="en-US" sz="800" dirty="0" err="1">
-                <a:solidFill>
-                  <a:schemeClr val="tx1"/>
-                </a:solidFill>
-                <a:latin typeface="Poppins" panose="00000500000000000000" pitchFamily="2" charset="0"/>
-                <a:cs typeface="Poppins" panose="00000500000000000000" pitchFamily="2" charset="0"/>
-              </a:rPr>
-              <a:t>sebagai</a:t>
-            </a:r>
-            <a:r>
-              <a:rPr lang="en-US" sz="800" dirty="0">
-                <a:solidFill>
-                  <a:schemeClr val="tx1"/>
-                </a:solidFill>
-                <a:latin typeface="Poppins" panose="00000500000000000000" pitchFamily="2" charset="0"/>
-                <a:cs typeface="Poppins" panose="00000500000000000000" pitchFamily="2" charset="0"/>
-              </a:rPr>
-              <a:t> function </a:t>
-            </a:r>
-            <a:r>
-              <a:rPr lang="en-US" sz="800" dirty="0" err="1">
-                <a:solidFill>
-                  <a:schemeClr val="tx1"/>
-                </a:solidFill>
-                <a:latin typeface="Poppins" panose="00000500000000000000" pitchFamily="2" charset="0"/>
-                <a:cs typeface="Poppins" panose="00000500000000000000" pitchFamily="2" charset="0"/>
-              </a:rPr>
-              <a:t>utama</a:t>
-            </a:r>
-            <a:r>
-              <a:rPr lang="en-US" sz="800" dirty="0">
-                <a:solidFill>
-                  <a:schemeClr val="tx1"/>
-                </a:solidFill>
-                <a:latin typeface="Poppins" panose="00000500000000000000" pitchFamily="2" charset="0"/>
-                <a:cs typeface="Poppins" panose="00000500000000000000" pitchFamily="2" charset="0"/>
-              </a:rPr>
-              <a:t> yang </a:t>
-            </a:r>
-            <a:r>
-              <a:rPr lang="en-US" sz="800" dirty="0" err="1">
-                <a:solidFill>
-                  <a:schemeClr val="tx1"/>
-                </a:solidFill>
-                <a:latin typeface="Poppins" panose="00000500000000000000" pitchFamily="2" charset="0"/>
-                <a:cs typeface="Poppins" panose="00000500000000000000" pitchFamily="2" charset="0"/>
-              </a:rPr>
-              <a:t>dijalankan</a:t>
-            </a:r>
-            <a:endParaRPr lang="en-US" sz="800" dirty="0">
-              <a:solidFill>
-                <a:schemeClr val="tx1"/>
-              </a:solidFill>
-              <a:latin typeface="Poppins" panose="00000500000000000000" pitchFamily="2" charset="0"/>
-              <a:cs typeface="Poppins" panose="00000500000000000000" pitchFamily="2" charset="0"/>
-            </a:endParaRPr>
-          </a:p>
-        </p:txBody>
-      </p:sp>
-      <p:pic>
-        <p:nvPicPr>
-          <p:cNvPr id="3" name="Picture 2">
-            <a:extLst>
-              <a:ext uri="{FF2B5EF4-FFF2-40B4-BE49-F238E27FC236}">
-                <a16:creationId xmlns:a16="http://schemas.microsoft.com/office/drawing/2014/main" id="{D6B1DC90-6480-45D7-8EE8-7E819487C015}"/>
-              </a:ext>
-            </a:extLst>
-          </p:cNvPr>
-          <p:cNvPicPr>
-            <a:picLocks noChangeAspect="1"/>
-          </p:cNvPicPr>
-          <p:nvPr/>
-        </p:nvPicPr>
-        <p:blipFill>
-          <a:blip r:embed="rId2">
-            <a:extLst>
-              <a:ext uri="{28A0092B-C50C-407E-A947-70E740481C1C}">
-                <a14:useLocalDpi xmlns:a14="http://schemas.microsoft.com/office/drawing/2010/main" val="0"/>
-              </a:ext>
-            </a:extLst>
-          </a:blip>
-          <a:stretch>
-            <a:fillRect/>
-          </a:stretch>
-        </p:blipFill>
-        <p:spPr>
-          <a:xfrm>
-            <a:off x="1851659" y="1879495"/>
-            <a:ext cx="4726305" cy="2243877"/>
-          </a:xfrm>
-          <a:prstGeom prst="rect">
-            <a:avLst/>
-          </a:prstGeom>
-        </p:spPr>
-      </p:pic>
-      <p:sp>
-        <p:nvSpPr>
-          <p:cNvPr id="4" name="Rectangle 3">
-            <a:extLst>
-              <a:ext uri="{FF2B5EF4-FFF2-40B4-BE49-F238E27FC236}">
-                <a16:creationId xmlns:a16="http://schemas.microsoft.com/office/drawing/2014/main" id="{98C523BC-AC7D-4DD7-897D-7A2459E1E0A4}"/>
+              <a:t> callback</a:t>
+            </a:r>
+          </a:p>
+        </p:txBody>
+      </p:sp>
+      <p:sp>
+        <p:nvSpPr>
+          <p:cNvPr id="12" name="Rectangle 11">
+            <a:extLst>
+              <a:ext uri="{FF2B5EF4-FFF2-40B4-BE49-F238E27FC236}">
+                <a16:creationId xmlns:a16="http://schemas.microsoft.com/office/drawing/2014/main" id="{8D87BE17-49B4-45DA-A879-052961CB5261}"/>
               </a:ext>
             </a:extLst>
           </p:cNvPr>
@@ -11867,7 +12378,7 @@
         </p:nvSpPr>
         <p:spPr>
           <a:xfrm>
-            <a:off x="1765935" y="580585"/>
+            <a:off x="1238539" y="3304195"/>
             <a:ext cx="2062826" cy="625151"/>
           </a:xfrm>
           <a:prstGeom prst="rect">
@@ -11902,100 +12413,34 @@
           <a:p>
             <a:pPr algn="ctr"/>
             <a:r>
-              <a:rPr lang="en-US" sz="1000" dirty="0">
-                <a:solidFill>
-                  <a:schemeClr val="tx1"/>
-                </a:solidFill>
-                <a:latin typeface="Poppins" panose="00000500000000000000" pitchFamily="2" charset="0"/>
-                <a:cs typeface="Poppins" panose="00000500000000000000" pitchFamily="2" charset="0"/>
-              </a:rPr>
-              <a:t>Higher Order Function</a:t>
-            </a:r>
-          </a:p>
-        </p:txBody>
-      </p:sp>
-      <p:cxnSp>
-        <p:nvCxnSpPr>
-          <p:cNvPr id="5" name="Straight Connector 4">
-            <a:extLst>
-              <a:ext uri="{FF2B5EF4-FFF2-40B4-BE49-F238E27FC236}">
-                <a16:creationId xmlns:a16="http://schemas.microsoft.com/office/drawing/2014/main" id="{DF7B4BC3-E371-4B8E-BE76-6769BD44BFF2}"/>
-              </a:ext>
-            </a:extLst>
-          </p:cNvPr>
-          <p:cNvCxnSpPr>
-            <a:cxnSpLocks/>
-          </p:cNvCxnSpPr>
-          <p:nvPr/>
-        </p:nvCxnSpPr>
-        <p:spPr>
-          <a:xfrm flipV="1">
-            <a:off x="2958148" y="1607820"/>
-            <a:ext cx="1872932" cy="1502636"/>
-          </a:xfrm>
-          <a:prstGeom prst="line">
-            <a:avLst/>
-          </a:prstGeom>
-        </p:spPr>
-        <p:style>
-          <a:lnRef idx="1">
-            <a:schemeClr val="accent1"/>
-          </a:lnRef>
-          <a:fillRef idx="0">
-            <a:schemeClr val="accent1"/>
-          </a:fillRef>
-          <a:effectRef idx="0">
-            <a:schemeClr val="accent1"/>
-          </a:effectRef>
-          <a:fontRef idx="minor">
-            <a:schemeClr val="tx1"/>
-          </a:fontRef>
-        </p:style>
-      </p:cxnSp>
-      <p:cxnSp>
-        <p:nvCxnSpPr>
-          <p:cNvPr id="9" name="Straight Connector 8">
-            <a:extLst>
-              <a:ext uri="{FF2B5EF4-FFF2-40B4-BE49-F238E27FC236}">
-                <a16:creationId xmlns:a16="http://schemas.microsoft.com/office/drawing/2014/main" id="{89ED9BAE-FFDC-4978-A8E0-1E612A335571}"/>
-              </a:ext>
-            </a:extLst>
-          </p:cNvPr>
-          <p:cNvCxnSpPr>
-            <a:cxnSpLocks/>
-          </p:cNvCxnSpPr>
-          <p:nvPr/>
-        </p:nvCxnSpPr>
-        <p:spPr>
-          <a:xfrm flipV="1">
-            <a:off x="4509638" y="1813560"/>
-            <a:ext cx="2171527" cy="1428489"/>
-          </a:xfrm>
-          <a:prstGeom prst="line">
-            <a:avLst/>
-          </a:prstGeom>
-        </p:spPr>
-        <p:style>
-          <a:lnRef idx="1">
-            <a:schemeClr val="accent1"/>
-          </a:lnRef>
-          <a:fillRef idx="0">
-            <a:schemeClr val="accent1"/>
-          </a:fillRef>
-          <a:effectRef idx="0">
-            <a:schemeClr val="accent1"/>
-          </a:effectRef>
-          <a:fontRef idx="minor">
-            <a:schemeClr val="tx1"/>
-          </a:fontRef>
-        </p:style>
-      </p:cxnSp>
-      <p:sp>
-        <p:nvSpPr>
-          <p:cNvPr id="11" name="Rectangle 10">
-            <a:extLst>
-              <a:ext uri="{FF2B5EF4-FFF2-40B4-BE49-F238E27FC236}">
-                <a16:creationId xmlns:a16="http://schemas.microsoft.com/office/drawing/2014/main" id="{F42B553C-0505-4559-BACD-17F0D1C0A07B}"/>
+              <a:rPr lang="en-US" sz="800" dirty="0" err="1">
+                <a:solidFill>
+                  <a:schemeClr val="tx1"/>
+                </a:solidFill>
+                <a:latin typeface="Poppins" panose="00000500000000000000" pitchFamily="2" charset="0"/>
+                <a:cs typeface="Poppins" panose="00000500000000000000" pitchFamily="2" charset="0"/>
+              </a:rPr>
+              <a:t>Sebagai</a:t>
+            </a:r>
+            <a:r>
+              <a:rPr lang="en-US" sz="800" dirty="0">
+                <a:solidFill>
+                  <a:schemeClr val="tx1"/>
+                </a:solidFill>
+                <a:latin typeface="Poppins" panose="00000500000000000000" pitchFamily="2" charset="0"/>
+                <a:cs typeface="Poppins" panose="00000500000000000000" pitchFamily="2" charset="0"/>
+              </a:rPr>
+              <a:t> callback</a:t>
+            </a:r>
+          </a:p>
+        </p:txBody>
+      </p:sp>
+      <p:sp>
+        <p:nvSpPr>
+          <p:cNvPr id="4" name="Rectangle 3">
+            <a:extLst>
+              <a:ext uri="{FF2B5EF4-FFF2-40B4-BE49-F238E27FC236}">
+                <a16:creationId xmlns:a16="http://schemas.microsoft.com/office/drawing/2014/main" id="{664A47C0-05A1-4FEA-84FF-DDAB942C7633}"/>
               </a:ext>
             </a:extLst>
           </p:cNvPr>
@@ -12004,7 +12449,7 @@
         </p:nvSpPr>
         <p:spPr>
           <a:xfrm>
-            <a:off x="6329509" y="1262835"/>
+            <a:off x="1765935" y="915865"/>
             <a:ext cx="2062826" cy="625151"/>
           </a:xfrm>
           <a:prstGeom prst="rect">
@@ -12039,141 +12484,226 @@
           <a:p>
             <a:pPr algn="ctr"/>
             <a:r>
-              <a:rPr lang="en-US" sz="800" dirty="0">
-                <a:solidFill>
-                  <a:schemeClr val="tx1"/>
-                </a:solidFill>
-                <a:latin typeface="Poppins" panose="00000500000000000000" pitchFamily="2" charset="0"/>
-                <a:cs typeface="Poppins" panose="00000500000000000000" pitchFamily="2" charset="0"/>
-              </a:rPr>
-              <a:t>Function child </a:t>
-            </a:r>
-            <a:r>
-              <a:rPr lang="en-US" sz="800" dirty="0" err="1">
-                <a:solidFill>
-                  <a:schemeClr val="tx1"/>
-                </a:solidFill>
-                <a:latin typeface="Poppins" panose="00000500000000000000" pitchFamily="2" charset="0"/>
-                <a:cs typeface="Poppins" panose="00000500000000000000" pitchFamily="2" charset="0"/>
-              </a:rPr>
-              <a:t>akan</a:t>
-            </a:r>
-            <a:r>
-              <a:rPr lang="en-US" sz="800" dirty="0">
-                <a:solidFill>
-                  <a:schemeClr val="tx1"/>
-                </a:solidFill>
-                <a:latin typeface="Poppins" panose="00000500000000000000" pitchFamily="2" charset="0"/>
-                <a:cs typeface="Poppins" panose="00000500000000000000" pitchFamily="2" charset="0"/>
-              </a:rPr>
-              <a:t> </a:t>
-            </a:r>
-            <a:r>
-              <a:rPr lang="en-US" sz="800" dirty="0" err="1">
-                <a:solidFill>
-                  <a:schemeClr val="tx1"/>
-                </a:solidFill>
-                <a:latin typeface="Poppins" panose="00000500000000000000" pitchFamily="2" charset="0"/>
-                <a:cs typeface="Poppins" panose="00000500000000000000" pitchFamily="2" charset="0"/>
-              </a:rPr>
-              <a:t>jalan</a:t>
-            </a:r>
-            <a:r>
-              <a:rPr lang="en-US" sz="800" dirty="0">
-                <a:solidFill>
-                  <a:schemeClr val="tx1"/>
-                </a:solidFill>
-                <a:latin typeface="Poppins" panose="00000500000000000000" pitchFamily="2" charset="0"/>
-                <a:cs typeface="Poppins" panose="00000500000000000000" pitchFamily="2" charset="0"/>
-              </a:rPr>
-              <a:t> Ketika parent function </a:t>
-            </a:r>
-            <a:r>
-              <a:rPr lang="en-US" sz="800" dirty="0" err="1">
-                <a:solidFill>
-                  <a:schemeClr val="tx1"/>
-                </a:solidFill>
-                <a:latin typeface="Poppins" panose="00000500000000000000" pitchFamily="2" charset="0"/>
-                <a:cs typeface="Poppins" panose="00000500000000000000" pitchFamily="2" charset="0"/>
-              </a:rPr>
-              <a:t>sudah</a:t>
-            </a:r>
-            <a:r>
-              <a:rPr lang="en-US" sz="800" dirty="0">
-                <a:solidFill>
-                  <a:schemeClr val="tx1"/>
-                </a:solidFill>
-                <a:latin typeface="Poppins" panose="00000500000000000000" pitchFamily="2" charset="0"/>
-                <a:cs typeface="Poppins" panose="00000500000000000000" pitchFamily="2" charset="0"/>
-              </a:rPr>
-              <a:t> di </a:t>
-            </a:r>
-            <a:r>
-              <a:rPr lang="en-US" sz="800" dirty="0" err="1">
-                <a:solidFill>
-                  <a:schemeClr val="tx1"/>
-                </a:solidFill>
-                <a:latin typeface="Poppins" panose="00000500000000000000" pitchFamily="2" charset="0"/>
-                <a:cs typeface="Poppins" panose="00000500000000000000" pitchFamily="2" charset="0"/>
-              </a:rPr>
-              <a:t>jalankan</a:t>
-            </a:r>
-            <a:r>
-              <a:rPr lang="en-US" sz="800" dirty="0">
-                <a:solidFill>
-                  <a:schemeClr val="tx1"/>
-                </a:solidFill>
-                <a:latin typeface="Poppins" panose="00000500000000000000" pitchFamily="2" charset="0"/>
-                <a:cs typeface="Poppins" panose="00000500000000000000" pitchFamily="2" charset="0"/>
-              </a:rPr>
-              <a:t> </a:t>
-            </a:r>
-            <a:r>
-              <a:rPr lang="en-US" sz="800" dirty="0" err="1">
-                <a:solidFill>
-                  <a:schemeClr val="tx1"/>
-                </a:solidFill>
-                <a:latin typeface="Poppins" panose="00000500000000000000" pitchFamily="2" charset="0"/>
-                <a:cs typeface="Poppins" panose="00000500000000000000" pitchFamily="2" charset="0"/>
-              </a:rPr>
-              <a:t>terlebih</a:t>
-            </a:r>
-            <a:r>
-              <a:rPr lang="en-US" sz="800" dirty="0">
-                <a:solidFill>
-                  <a:schemeClr val="tx1"/>
-                </a:solidFill>
-                <a:latin typeface="Poppins" panose="00000500000000000000" pitchFamily="2" charset="0"/>
-                <a:cs typeface="Poppins" panose="00000500000000000000" pitchFamily="2" charset="0"/>
-              </a:rPr>
-              <a:t> </a:t>
-            </a:r>
-            <a:r>
-              <a:rPr lang="en-US" sz="800" dirty="0" err="1">
-                <a:solidFill>
-                  <a:schemeClr val="tx1"/>
-                </a:solidFill>
-                <a:latin typeface="Poppins" panose="00000500000000000000" pitchFamily="2" charset="0"/>
-                <a:cs typeface="Poppins" panose="00000500000000000000" pitchFamily="2" charset="0"/>
-              </a:rPr>
-              <a:t>dahulu</a:t>
-            </a:r>
-            <a:endParaRPr lang="en-US" sz="800" dirty="0">
-              <a:solidFill>
-                <a:schemeClr val="tx1"/>
-              </a:solidFill>
-              <a:latin typeface="Poppins" panose="00000500000000000000" pitchFamily="2" charset="0"/>
-              <a:cs typeface="Poppins" panose="00000500000000000000" pitchFamily="2" charset="0"/>
-            </a:endParaRPr>
-          </a:p>
-        </p:txBody>
-      </p:sp>
+              <a:rPr lang="en-US" sz="1000" dirty="0">
+                <a:solidFill>
+                  <a:schemeClr val="tx1"/>
+                </a:solidFill>
+                <a:latin typeface="Poppins" panose="00000500000000000000" pitchFamily="2" charset="0"/>
+                <a:cs typeface="Poppins" panose="00000500000000000000" pitchFamily="2" charset="0"/>
+              </a:rPr>
+              <a:t>Function standard</a:t>
+            </a:r>
+          </a:p>
+        </p:txBody>
+      </p:sp>
+      <p:pic>
+        <p:nvPicPr>
+          <p:cNvPr id="3" name="Picture 2">
+            <a:extLst>
+              <a:ext uri="{FF2B5EF4-FFF2-40B4-BE49-F238E27FC236}">
+                <a16:creationId xmlns:a16="http://schemas.microsoft.com/office/drawing/2014/main" id="{3023FFCC-0A1B-471B-9E3B-C85ADBFA758B}"/>
+              </a:ext>
+            </a:extLst>
+          </p:cNvPr>
+          <p:cNvPicPr>
+            <a:picLocks noChangeAspect="1"/>
+          </p:cNvPicPr>
+          <p:nvPr/>
+        </p:nvPicPr>
+        <p:blipFill>
+          <a:blip r:embed="rId2">
+            <a:extLst>
+              <a:ext uri="{28A0092B-C50C-407E-A947-70E740481C1C}">
+                <a14:useLocalDpi xmlns:a14="http://schemas.microsoft.com/office/drawing/2010/main" val="0"/>
+              </a:ext>
+            </a:extLst>
+          </a:blip>
+          <a:stretch>
+            <a:fillRect/>
+          </a:stretch>
+        </p:blipFill>
+        <p:spPr>
+          <a:xfrm>
+            <a:off x="1478280" y="1441367"/>
+            <a:ext cx="3646170" cy="1725668"/>
+          </a:xfrm>
+          <a:prstGeom prst="rect">
+            <a:avLst/>
+          </a:prstGeom>
+        </p:spPr>
+      </p:pic>
+      <p:sp>
+        <p:nvSpPr>
+          <p:cNvPr id="5" name="Rectangle 4">
+            <a:extLst>
+              <a:ext uri="{FF2B5EF4-FFF2-40B4-BE49-F238E27FC236}">
+                <a16:creationId xmlns:a16="http://schemas.microsoft.com/office/drawing/2014/main" id="{3C41E0EE-C7D0-4D38-A2DF-722F8E3B4EAB}"/>
+              </a:ext>
+            </a:extLst>
+          </p:cNvPr>
+          <p:cNvSpPr/>
+          <p:nvPr/>
+        </p:nvSpPr>
+        <p:spPr>
+          <a:xfrm>
+            <a:off x="6096000" y="915865"/>
+            <a:ext cx="2062826" cy="625151"/>
+          </a:xfrm>
+          <a:prstGeom prst="rect">
+            <a:avLst/>
+          </a:prstGeom>
+          <a:noFill/>
+          <a:ln>
+            <a:solidFill>
+              <a:schemeClr val="bg1"/>
+            </a:solidFill>
+          </a:ln>
+        </p:spPr>
+        <p:style>
+          <a:lnRef idx="2">
+            <a:schemeClr val="accent1">
+              <a:shade val="50000"/>
+            </a:schemeClr>
+          </a:lnRef>
+          <a:fillRef idx="1">
+            <a:schemeClr val="accent1"/>
+          </a:fillRef>
+          <a:effectRef idx="0">
+            <a:schemeClr val="accent1"/>
+          </a:effectRef>
+          <a:fontRef idx="minor">
+            <a:schemeClr val="lt1"/>
+          </a:fontRef>
+        </p:style>
+        <p:txBody>
+          <a:bodyPr rtlCol="0" anchor="ctr"/>
+          <a:lstStyle/>
+          <a:p>
+            <a:pPr algn="ctr"/>
+            <a:r>
+              <a:rPr lang="en-US" sz="1000" dirty="0">
+                <a:solidFill>
+                  <a:schemeClr val="tx1"/>
+                </a:solidFill>
+                <a:latin typeface="Poppins" panose="00000500000000000000" pitchFamily="2" charset="0"/>
+                <a:cs typeface="Poppins" panose="00000500000000000000" pitchFamily="2" charset="0"/>
+              </a:rPr>
+              <a:t>Arrow Function</a:t>
+            </a:r>
+          </a:p>
+        </p:txBody>
+      </p:sp>
+      <p:pic>
+        <p:nvPicPr>
+          <p:cNvPr id="6" name="Picture 5">
+            <a:extLst>
+              <a:ext uri="{FF2B5EF4-FFF2-40B4-BE49-F238E27FC236}">
+                <a16:creationId xmlns:a16="http://schemas.microsoft.com/office/drawing/2014/main" id="{419989D1-3702-4AFC-BED7-08001B2D53FB}"/>
+              </a:ext>
+            </a:extLst>
+          </p:cNvPr>
+          <p:cNvPicPr>
+            <a:picLocks noChangeAspect="1"/>
+          </p:cNvPicPr>
+          <p:nvPr/>
+        </p:nvPicPr>
+        <p:blipFill>
+          <a:blip r:embed="rId3">
+            <a:extLst>
+              <a:ext uri="{28A0092B-C50C-407E-A947-70E740481C1C}">
+                <a14:useLocalDpi xmlns:a14="http://schemas.microsoft.com/office/drawing/2010/main" val="0"/>
+              </a:ext>
+            </a:extLst>
+          </a:blip>
+          <a:srcRect/>
+          <a:stretch/>
+        </p:blipFill>
+        <p:spPr>
+          <a:xfrm>
+            <a:off x="5937049" y="1541016"/>
+            <a:ext cx="4193741" cy="1526370"/>
+          </a:xfrm>
+          <a:prstGeom prst="rect">
+            <a:avLst/>
+          </a:prstGeom>
+        </p:spPr>
+      </p:pic>
+      <p:pic>
+        <p:nvPicPr>
+          <p:cNvPr id="8" name="Picture 7">
+            <a:extLst>
+              <a:ext uri="{FF2B5EF4-FFF2-40B4-BE49-F238E27FC236}">
+                <a16:creationId xmlns:a16="http://schemas.microsoft.com/office/drawing/2014/main" id="{74F7ACDE-7E9E-474F-B6B5-B8C871F2FA31}"/>
+              </a:ext>
+            </a:extLst>
+          </p:cNvPr>
+          <p:cNvPicPr>
+            <a:picLocks noChangeAspect="1"/>
+          </p:cNvPicPr>
+          <p:nvPr/>
+        </p:nvPicPr>
+        <p:blipFill>
+          <a:blip r:embed="rId4">
+            <a:extLst>
+              <a:ext uri="{28A0092B-C50C-407E-A947-70E740481C1C}">
+                <a14:useLocalDpi xmlns:a14="http://schemas.microsoft.com/office/drawing/2010/main" val="0"/>
+              </a:ext>
+            </a:extLst>
+          </a:blip>
+          <a:srcRect/>
+          <a:stretch/>
+        </p:blipFill>
+        <p:spPr>
+          <a:xfrm>
+            <a:off x="1478280" y="3869086"/>
+            <a:ext cx="3902509" cy="1847935"/>
+          </a:xfrm>
+          <a:prstGeom prst="rect">
+            <a:avLst/>
+          </a:prstGeom>
+        </p:spPr>
+      </p:pic>
+      <p:pic>
+        <p:nvPicPr>
+          <p:cNvPr id="11" name="Picture 10">
+            <a:extLst>
+              <a:ext uri="{FF2B5EF4-FFF2-40B4-BE49-F238E27FC236}">
+                <a16:creationId xmlns:a16="http://schemas.microsoft.com/office/drawing/2014/main" id="{F27E87A6-2FD4-44A1-B805-F64648BC24D3}"/>
+              </a:ext>
+            </a:extLst>
+          </p:cNvPr>
+          <p:cNvPicPr>
+            <a:picLocks noChangeAspect="1"/>
+          </p:cNvPicPr>
+          <p:nvPr/>
+        </p:nvPicPr>
+        <p:blipFill>
+          <a:blip r:embed="rId5">
+            <a:extLst>
+              <a:ext uri="{28A0092B-C50C-407E-A947-70E740481C1C}">
+                <a14:useLocalDpi xmlns:a14="http://schemas.microsoft.com/office/drawing/2010/main" val="0"/>
+              </a:ext>
+            </a:extLst>
+          </a:blip>
+          <a:srcRect/>
+          <a:stretch/>
+        </p:blipFill>
+        <p:spPr>
+          <a:xfrm>
+            <a:off x="5979260" y="3869085"/>
+            <a:ext cx="3818087" cy="1847935"/>
+          </a:xfrm>
+          <a:prstGeom prst="rect">
+            <a:avLst/>
+          </a:prstGeom>
+        </p:spPr>
+      </p:pic>
       <p:sp>
         <p:nvSpPr>
           <p:cNvPr id="10" name="TextBox 9">
             <a:extLst>
               <a:ext uri="{FF2B5EF4-FFF2-40B4-BE49-F238E27FC236}">
-                <a16:creationId xmlns:a16="http://schemas.microsoft.com/office/drawing/2014/main" id="{F834B322-0C16-4C59-B48B-EA9DD65151FC}"/>
+                <a16:creationId xmlns:a16="http://schemas.microsoft.com/office/drawing/2014/main" id="{DB8DD2ED-1668-49B1-8B70-79164302BE02}"/>
               </a:ext>
             </a:extLst>
           </p:cNvPr>
@@ -12183,7 +12713,7 @@
         <p:spPr>
           <a:xfrm>
             <a:off x="770950" y="377376"/>
-            <a:ext cx="2218877" cy="338554"/>
+            <a:ext cx="1673856" cy="338554"/>
           </a:xfrm>
           <a:prstGeom prst="rect">
             <a:avLst/>
@@ -12201,7 +12731,7 @@
                 <a:latin typeface="Poppins" panose="00000500000000000000" pitchFamily="2" charset="0"/>
                 <a:cs typeface="Poppins" panose="00000500000000000000" pitchFamily="2" charset="0"/>
               </a:rPr>
-              <a:t>High Order Function</a:t>
+              <a:t>Arrow function</a:t>
             </a:r>
           </a:p>
         </p:txBody>
@@ -12209,7 +12739,7 @@
     </p:spTree>
     <p:extLst>
       <p:ext uri="{BB962C8B-B14F-4D97-AF65-F5344CB8AC3E}">
-        <p14:creationId xmlns:p14="http://schemas.microsoft.com/office/powerpoint/2010/main" val="2634438894"/>
+        <p14:creationId xmlns:p14="http://schemas.microsoft.com/office/powerpoint/2010/main" val="1114602259"/>
       </p:ext>
     </p:extLst>
   </p:cSld>
@@ -12238,10 +12768,10 @@
       </p:grpSpPr>
       <p:sp>
         <p:nvSpPr>
-          <p:cNvPr id="16" name="Rectangle 15">
-            <a:extLst>
-              <a:ext uri="{FF2B5EF4-FFF2-40B4-BE49-F238E27FC236}">
-                <a16:creationId xmlns:a16="http://schemas.microsoft.com/office/drawing/2014/main" id="{DEBE23A7-C520-46E2-A9E1-4BDCCE273089}"/>
+          <p:cNvPr id="8" name="Rectangle 7">
+            <a:extLst>
+              <a:ext uri="{FF2B5EF4-FFF2-40B4-BE49-F238E27FC236}">
+                <a16:creationId xmlns:a16="http://schemas.microsoft.com/office/drawing/2014/main" id="{C66A97A2-22E2-437E-A2A9-3610B5438A12}"/>
               </a:ext>
             </a:extLst>
           </p:cNvPr>
@@ -12250,7 +12780,7 @@
         </p:nvSpPr>
         <p:spPr>
           <a:xfrm>
-            <a:off x="5620530" y="3299305"/>
+            <a:off x="4153851" y="1053302"/>
             <a:ext cx="2062826" cy="625151"/>
           </a:xfrm>
           <a:prstGeom prst="rect">
@@ -12285,6 +12815,16 @@
           <a:p>
             <a:pPr algn="ctr"/>
             <a:r>
+              <a:rPr lang="en-US" sz="800" dirty="0">
+                <a:solidFill>
+                  <a:schemeClr val="tx1"/>
+                </a:solidFill>
+                <a:latin typeface="Poppins" panose="00000500000000000000" pitchFamily="2" charset="0"/>
+                <a:cs typeface="Poppins" panose="00000500000000000000" pitchFamily="2" charset="0"/>
+              </a:rPr>
+              <a:t>Higher order function </a:t>
+            </a:r>
+            <a:r>
               <a:rPr lang="en-US" sz="800" dirty="0" err="1">
                 <a:solidFill>
                   <a:schemeClr val="tx1"/>
@@ -12292,7 +12832,7 @@
                 <a:latin typeface="Poppins" panose="00000500000000000000" pitchFamily="2" charset="0"/>
                 <a:cs typeface="Poppins" panose="00000500000000000000" pitchFamily="2" charset="0"/>
               </a:rPr>
-              <a:t>Sebagai</a:t>
+              <a:t>sebagai</a:t>
             </a:r>
             <a:r>
               <a:rPr lang="en-US" sz="800" dirty="0">
@@ -12302,17 +12842,90 @@
                 <a:latin typeface="Poppins" panose="00000500000000000000" pitchFamily="2" charset="0"/>
                 <a:cs typeface="Poppins" panose="00000500000000000000" pitchFamily="2" charset="0"/>
               </a:rPr>
-              <a:t> callback</a:t>
-            </a:r>
-          </a:p>
-        </p:txBody>
-      </p:sp>
-      <p:sp>
-        <p:nvSpPr>
-          <p:cNvPr id="12" name="Rectangle 11">
-            <a:extLst>
-              <a:ext uri="{FF2B5EF4-FFF2-40B4-BE49-F238E27FC236}">
-                <a16:creationId xmlns:a16="http://schemas.microsoft.com/office/drawing/2014/main" id="{8D87BE17-49B4-45DA-A879-052961CB5261}"/>
+              <a:t> function </a:t>
+            </a:r>
+            <a:r>
+              <a:rPr lang="en-US" sz="800" dirty="0" err="1">
+                <a:solidFill>
+                  <a:schemeClr val="tx1"/>
+                </a:solidFill>
+                <a:latin typeface="Poppins" panose="00000500000000000000" pitchFamily="2" charset="0"/>
+                <a:cs typeface="Poppins" panose="00000500000000000000" pitchFamily="2" charset="0"/>
+              </a:rPr>
+              <a:t>utama</a:t>
+            </a:r>
+            <a:r>
+              <a:rPr lang="en-US" sz="800" dirty="0">
+                <a:solidFill>
+                  <a:schemeClr val="tx1"/>
+                </a:solidFill>
+                <a:latin typeface="Poppins" panose="00000500000000000000" pitchFamily="2" charset="0"/>
+                <a:cs typeface="Poppins" panose="00000500000000000000" pitchFamily="2" charset="0"/>
+              </a:rPr>
+              <a:t> yang </a:t>
+            </a:r>
+            <a:r>
+              <a:rPr lang="en-US" sz="800" dirty="0" err="1">
+                <a:solidFill>
+                  <a:schemeClr val="tx1"/>
+                </a:solidFill>
+                <a:latin typeface="Poppins" panose="00000500000000000000" pitchFamily="2" charset="0"/>
+                <a:cs typeface="Poppins" panose="00000500000000000000" pitchFamily="2" charset="0"/>
+              </a:rPr>
+              <a:t>dijalankan</a:t>
+            </a:r>
+            <a:endParaRPr lang="en-US" sz="800" dirty="0">
+              <a:solidFill>
+                <a:schemeClr val="tx1"/>
+              </a:solidFill>
+              <a:latin typeface="Poppins" panose="00000500000000000000" pitchFamily="2" charset="0"/>
+              <a:cs typeface="Poppins" panose="00000500000000000000" pitchFamily="2" charset="0"/>
+            </a:endParaRPr>
+          </a:p>
+        </p:txBody>
+      </p:sp>
+      <p:pic>
+        <p:nvPicPr>
+          <p:cNvPr id="3" name="Picture 2">
+            <a:extLst>
+              <a:ext uri="{FF2B5EF4-FFF2-40B4-BE49-F238E27FC236}">
+                <a16:creationId xmlns:a16="http://schemas.microsoft.com/office/drawing/2014/main" id="{D6B1DC90-6480-45D7-8EE8-7E819487C015}"/>
+              </a:ext>
+            </a:extLst>
+          </p:cNvPr>
+          <p:cNvPicPr>
+            <a:picLocks noChangeAspect="1"/>
+          </p:cNvPicPr>
+          <p:nvPr/>
+        </p:nvPicPr>
+        <p:blipFill>
+          <a:blip r:embed="rId2">
+            <a:extLst>
+              <a:ext uri="{28A0092B-C50C-407E-A947-70E740481C1C}">
+                <a14:useLocalDpi xmlns:a14="http://schemas.microsoft.com/office/drawing/2010/main" val="0"/>
+              </a:ext>
+            </a:extLst>
+          </a:blip>
+          <a:stretch>
+            <a:fillRect/>
+          </a:stretch>
+        </p:blipFill>
+        <p:spPr>
+          <a:xfrm>
+            <a:off x="1851659" y="1879495"/>
+            <a:ext cx="4726305" cy="2243877"/>
+          </a:xfrm>
+          <a:prstGeom prst="rect">
+            <a:avLst/>
+          </a:prstGeom>
+        </p:spPr>
+      </p:pic>
+      <p:sp>
+        <p:nvSpPr>
+          <p:cNvPr id="4" name="Rectangle 3">
+            <a:extLst>
+              <a:ext uri="{FF2B5EF4-FFF2-40B4-BE49-F238E27FC236}">
+                <a16:creationId xmlns:a16="http://schemas.microsoft.com/office/drawing/2014/main" id="{98C523BC-AC7D-4DD7-897D-7A2459E1E0A4}"/>
               </a:ext>
             </a:extLst>
           </p:cNvPr>
@@ -12321,7 +12934,7 @@
         </p:nvSpPr>
         <p:spPr>
           <a:xfrm>
-            <a:off x="1238539" y="3304195"/>
+            <a:off x="1765935" y="580585"/>
             <a:ext cx="2062826" cy="625151"/>
           </a:xfrm>
           <a:prstGeom prst="rect">
@@ -12356,34 +12969,100 @@
           <a:p>
             <a:pPr algn="ctr"/>
             <a:r>
-              <a:rPr lang="en-US" sz="800" dirty="0" err="1">
-                <a:solidFill>
-                  <a:schemeClr val="tx1"/>
-                </a:solidFill>
-                <a:latin typeface="Poppins" panose="00000500000000000000" pitchFamily="2" charset="0"/>
-                <a:cs typeface="Poppins" panose="00000500000000000000" pitchFamily="2" charset="0"/>
-              </a:rPr>
-              <a:t>Sebagai</a:t>
-            </a:r>
-            <a:r>
-              <a:rPr lang="en-US" sz="800" dirty="0">
-                <a:solidFill>
-                  <a:schemeClr val="tx1"/>
-                </a:solidFill>
-                <a:latin typeface="Poppins" panose="00000500000000000000" pitchFamily="2" charset="0"/>
-                <a:cs typeface="Poppins" panose="00000500000000000000" pitchFamily="2" charset="0"/>
-              </a:rPr>
-              <a:t> callback</a:t>
-            </a:r>
-          </a:p>
-        </p:txBody>
-      </p:sp>
-      <p:sp>
-        <p:nvSpPr>
-          <p:cNvPr id="4" name="Rectangle 3">
-            <a:extLst>
-              <a:ext uri="{FF2B5EF4-FFF2-40B4-BE49-F238E27FC236}">
-                <a16:creationId xmlns:a16="http://schemas.microsoft.com/office/drawing/2014/main" id="{664A47C0-05A1-4FEA-84FF-DDAB942C7633}"/>
+              <a:rPr lang="en-US" sz="1000" dirty="0">
+                <a:solidFill>
+                  <a:schemeClr val="tx1"/>
+                </a:solidFill>
+                <a:latin typeface="Poppins" panose="00000500000000000000" pitchFamily="2" charset="0"/>
+                <a:cs typeface="Poppins" panose="00000500000000000000" pitchFamily="2" charset="0"/>
+              </a:rPr>
+              <a:t>Higher Order Function</a:t>
+            </a:r>
+          </a:p>
+        </p:txBody>
+      </p:sp>
+      <p:cxnSp>
+        <p:nvCxnSpPr>
+          <p:cNvPr id="5" name="Straight Connector 4">
+            <a:extLst>
+              <a:ext uri="{FF2B5EF4-FFF2-40B4-BE49-F238E27FC236}">
+                <a16:creationId xmlns:a16="http://schemas.microsoft.com/office/drawing/2014/main" id="{DF7B4BC3-E371-4B8E-BE76-6769BD44BFF2}"/>
+              </a:ext>
+            </a:extLst>
+          </p:cNvPr>
+          <p:cNvCxnSpPr>
+            <a:cxnSpLocks/>
+          </p:cNvCxnSpPr>
+          <p:nvPr/>
+        </p:nvCxnSpPr>
+        <p:spPr>
+          <a:xfrm flipV="1">
+            <a:off x="2958148" y="1607820"/>
+            <a:ext cx="1872932" cy="1502636"/>
+          </a:xfrm>
+          <a:prstGeom prst="line">
+            <a:avLst/>
+          </a:prstGeom>
+        </p:spPr>
+        <p:style>
+          <a:lnRef idx="1">
+            <a:schemeClr val="accent1"/>
+          </a:lnRef>
+          <a:fillRef idx="0">
+            <a:schemeClr val="accent1"/>
+          </a:fillRef>
+          <a:effectRef idx="0">
+            <a:schemeClr val="accent1"/>
+          </a:effectRef>
+          <a:fontRef idx="minor">
+            <a:schemeClr val="tx1"/>
+          </a:fontRef>
+        </p:style>
+      </p:cxnSp>
+      <p:cxnSp>
+        <p:nvCxnSpPr>
+          <p:cNvPr id="9" name="Straight Connector 8">
+            <a:extLst>
+              <a:ext uri="{FF2B5EF4-FFF2-40B4-BE49-F238E27FC236}">
+                <a16:creationId xmlns:a16="http://schemas.microsoft.com/office/drawing/2014/main" id="{89ED9BAE-FFDC-4978-A8E0-1E612A335571}"/>
+              </a:ext>
+            </a:extLst>
+          </p:cNvPr>
+          <p:cNvCxnSpPr>
+            <a:cxnSpLocks/>
+          </p:cNvCxnSpPr>
+          <p:nvPr/>
+        </p:nvCxnSpPr>
+        <p:spPr>
+          <a:xfrm flipV="1">
+            <a:off x="4509638" y="1813560"/>
+            <a:ext cx="2171527" cy="1428489"/>
+          </a:xfrm>
+          <a:prstGeom prst="line">
+            <a:avLst/>
+          </a:prstGeom>
+        </p:spPr>
+        <p:style>
+          <a:lnRef idx="1">
+            <a:schemeClr val="accent1"/>
+          </a:lnRef>
+          <a:fillRef idx="0">
+            <a:schemeClr val="accent1"/>
+          </a:fillRef>
+          <a:effectRef idx="0">
+            <a:schemeClr val="accent1"/>
+          </a:effectRef>
+          <a:fontRef idx="minor">
+            <a:schemeClr val="tx1"/>
+          </a:fontRef>
+        </p:style>
+      </p:cxnSp>
+      <p:sp>
+        <p:nvSpPr>
+          <p:cNvPr id="11" name="Rectangle 10">
+            <a:extLst>
+              <a:ext uri="{FF2B5EF4-FFF2-40B4-BE49-F238E27FC236}">
+                <a16:creationId xmlns:a16="http://schemas.microsoft.com/office/drawing/2014/main" id="{F42B553C-0505-4559-BACD-17F0D1C0A07B}"/>
               </a:ext>
             </a:extLst>
           </p:cNvPr>
@@ -12392,7 +13071,7 @@
         </p:nvSpPr>
         <p:spPr>
           <a:xfrm>
-            <a:off x="1765935" y="915865"/>
+            <a:off x="6329509" y="1262835"/>
             <a:ext cx="2062826" cy="625151"/>
           </a:xfrm>
           <a:prstGeom prst="rect">
@@ -12427,226 +13106,141 @@
           <a:p>
             <a:pPr algn="ctr"/>
             <a:r>
-              <a:rPr lang="en-US" sz="1000" dirty="0">
-                <a:solidFill>
-                  <a:schemeClr val="tx1"/>
-                </a:solidFill>
-                <a:latin typeface="Poppins" panose="00000500000000000000" pitchFamily="2" charset="0"/>
-                <a:cs typeface="Poppins" panose="00000500000000000000" pitchFamily="2" charset="0"/>
-              </a:rPr>
-              <a:t>Function standard</a:t>
-            </a:r>
-          </a:p>
-        </p:txBody>
-      </p:sp>
-      <p:pic>
-        <p:nvPicPr>
-          <p:cNvPr id="3" name="Picture 2">
-            <a:extLst>
-              <a:ext uri="{FF2B5EF4-FFF2-40B4-BE49-F238E27FC236}">
-                <a16:creationId xmlns:a16="http://schemas.microsoft.com/office/drawing/2014/main" id="{3023FFCC-0A1B-471B-9E3B-C85ADBFA758B}"/>
-              </a:ext>
-            </a:extLst>
-          </p:cNvPr>
-          <p:cNvPicPr>
-            <a:picLocks noChangeAspect="1"/>
-          </p:cNvPicPr>
-          <p:nvPr/>
-        </p:nvPicPr>
-        <p:blipFill>
-          <a:blip r:embed="rId2">
-            <a:extLst>
-              <a:ext uri="{28A0092B-C50C-407E-A947-70E740481C1C}">
-                <a14:useLocalDpi xmlns:a14="http://schemas.microsoft.com/office/drawing/2010/main" val="0"/>
-              </a:ext>
-            </a:extLst>
-          </a:blip>
-          <a:stretch>
-            <a:fillRect/>
-          </a:stretch>
-        </p:blipFill>
-        <p:spPr>
-          <a:xfrm>
-            <a:off x="1478280" y="1441367"/>
-            <a:ext cx="3646170" cy="1725668"/>
-          </a:xfrm>
-          <a:prstGeom prst="rect">
-            <a:avLst/>
-          </a:prstGeom>
-        </p:spPr>
-      </p:pic>
-      <p:sp>
-        <p:nvSpPr>
-          <p:cNvPr id="5" name="Rectangle 4">
-            <a:extLst>
-              <a:ext uri="{FF2B5EF4-FFF2-40B4-BE49-F238E27FC236}">
-                <a16:creationId xmlns:a16="http://schemas.microsoft.com/office/drawing/2014/main" id="{3C41E0EE-C7D0-4D38-A2DF-722F8E3B4EAB}"/>
-              </a:ext>
-            </a:extLst>
-          </p:cNvPr>
-          <p:cNvSpPr/>
-          <p:nvPr/>
-        </p:nvSpPr>
-        <p:spPr>
-          <a:xfrm>
-            <a:off x="6096000" y="915865"/>
-            <a:ext cx="2062826" cy="625151"/>
-          </a:xfrm>
-          <a:prstGeom prst="rect">
-            <a:avLst/>
-          </a:prstGeom>
-          <a:noFill/>
-          <a:ln>
-            <a:solidFill>
-              <a:schemeClr val="bg1"/>
-            </a:solidFill>
-          </a:ln>
-        </p:spPr>
-        <p:style>
-          <a:lnRef idx="2">
-            <a:schemeClr val="accent1">
-              <a:shade val="50000"/>
-            </a:schemeClr>
-          </a:lnRef>
-          <a:fillRef idx="1">
-            <a:schemeClr val="accent1"/>
-          </a:fillRef>
-          <a:effectRef idx="0">
-            <a:schemeClr val="accent1"/>
-          </a:effectRef>
-          <a:fontRef idx="minor">
-            <a:schemeClr val="lt1"/>
-          </a:fontRef>
-        </p:style>
-        <p:txBody>
-          <a:bodyPr rtlCol="0" anchor="ctr"/>
-          <a:lstStyle/>
-          <a:p>
-            <a:pPr algn="ctr"/>
-            <a:r>
-              <a:rPr lang="en-US" sz="1000" dirty="0">
-                <a:solidFill>
-                  <a:schemeClr val="tx1"/>
-                </a:solidFill>
-                <a:latin typeface="Poppins" panose="00000500000000000000" pitchFamily="2" charset="0"/>
-                <a:cs typeface="Poppins" panose="00000500000000000000" pitchFamily="2" charset="0"/>
-              </a:rPr>
-              <a:t>Arrow Function</a:t>
-            </a:r>
-          </a:p>
-        </p:txBody>
-      </p:sp>
-      <p:pic>
-        <p:nvPicPr>
-          <p:cNvPr id="6" name="Picture 5">
-            <a:extLst>
-              <a:ext uri="{FF2B5EF4-FFF2-40B4-BE49-F238E27FC236}">
-                <a16:creationId xmlns:a16="http://schemas.microsoft.com/office/drawing/2014/main" id="{419989D1-3702-4AFC-BED7-08001B2D53FB}"/>
-              </a:ext>
-            </a:extLst>
-          </p:cNvPr>
-          <p:cNvPicPr>
-            <a:picLocks noChangeAspect="1"/>
-          </p:cNvPicPr>
-          <p:nvPr/>
-        </p:nvPicPr>
-        <p:blipFill>
-          <a:blip r:embed="rId3">
-            <a:extLst>
-              <a:ext uri="{28A0092B-C50C-407E-A947-70E740481C1C}">
-                <a14:useLocalDpi xmlns:a14="http://schemas.microsoft.com/office/drawing/2010/main" val="0"/>
-              </a:ext>
-            </a:extLst>
-          </a:blip>
-          <a:srcRect/>
-          <a:stretch/>
-        </p:blipFill>
-        <p:spPr>
-          <a:xfrm>
-            <a:off x="5937049" y="1541016"/>
-            <a:ext cx="4193741" cy="1526370"/>
-          </a:xfrm>
-          <a:prstGeom prst="rect">
-            <a:avLst/>
-          </a:prstGeom>
-        </p:spPr>
-      </p:pic>
-      <p:pic>
-        <p:nvPicPr>
-          <p:cNvPr id="8" name="Picture 7">
-            <a:extLst>
-              <a:ext uri="{FF2B5EF4-FFF2-40B4-BE49-F238E27FC236}">
-                <a16:creationId xmlns:a16="http://schemas.microsoft.com/office/drawing/2014/main" id="{74F7ACDE-7E9E-474F-B6B5-B8C871F2FA31}"/>
-              </a:ext>
-            </a:extLst>
-          </p:cNvPr>
-          <p:cNvPicPr>
-            <a:picLocks noChangeAspect="1"/>
-          </p:cNvPicPr>
-          <p:nvPr/>
-        </p:nvPicPr>
-        <p:blipFill>
-          <a:blip r:embed="rId4">
-            <a:extLst>
-              <a:ext uri="{28A0092B-C50C-407E-A947-70E740481C1C}">
-                <a14:useLocalDpi xmlns:a14="http://schemas.microsoft.com/office/drawing/2010/main" val="0"/>
-              </a:ext>
-            </a:extLst>
-          </a:blip>
-          <a:srcRect/>
-          <a:stretch/>
-        </p:blipFill>
-        <p:spPr>
-          <a:xfrm>
-            <a:off x="1478280" y="3869086"/>
-            <a:ext cx="3902509" cy="1847935"/>
-          </a:xfrm>
-          <a:prstGeom prst="rect">
-            <a:avLst/>
-          </a:prstGeom>
-        </p:spPr>
-      </p:pic>
-      <p:pic>
-        <p:nvPicPr>
-          <p:cNvPr id="11" name="Picture 10">
-            <a:extLst>
-              <a:ext uri="{FF2B5EF4-FFF2-40B4-BE49-F238E27FC236}">
-                <a16:creationId xmlns:a16="http://schemas.microsoft.com/office/drawing/2014/main" id="{F27E87A6-2FD4-44A1-B805-F64648BC24D3}"/>
-              </a:ext>
-            </a:extLst>
-          </p:cNvPr>
-          <p:cNvPicPr>
-            <a:picLocks noChangeAspect="1"/>
-          </p:cNvPicPr>
-          <p:nvPr/>
-        </p:nvPicPr>
-        <p:blipFill>
-          <a:blip r:embed="rId5">
-            <a:extLst>
-              <a:ext uri="{28A0092B-C50C-407E-A947-70E740481C1C}">
-                <a14:useLocalDpi xmlns:a14="http://schemas.microsoft.com/office/drawing/2010/main" val="0"/>
-              </a:ext>
-            </a:extLst>
-          </a:blip>
-          <a:srcRect/>
-          <a:stretch/>
-        </p:blipFill>
-        <p:spPr>
-          <a:xfrm>
-            <a:off x="5979260" y="3869085"/>
-            <a:ext cx="3818087" cy="1847935"/>
-          </a:xfrm>
-          <a:prstGeom prst="rect">
-            <a:avLst/>
-          </a:prstGeom>
-        </p:spPr>
-      </p:pic>
+              <a:rPr lang="en-US" sz="800" dirty="0">
+                <a:solidFill>
+                  <a:schemeClr val="tx1"/>
+                </a:solidFill>
+                <a:latin typeface="Poppins" panose="00000500000000000000" pitchFamily="2" charset="0"/>
+                <a:cs typeface="Poppins" panose="00000500000000000000" pitchFamily="2" charset="0"/>
+              </a:rPr>
+              <a:t>Function child </a:t>
+            </a:r>
+            <a:r>
+              <a:rPr lang="en-US" sz="800" dirty="0" err="1">
+                <a:solidFill>
+                  <a:schemeClr val="tx1"/>
+                </a:solidFill>
+                <a:latin typeface="Poppins" panose="00000500000000000000" pitchFamily="2" charset="0"/>
+                <a:cs typeface="Poppins" panose="00000500000000000000" pitchFamily="2" charset="0"/>
+              </a:rPr>
+              <a:t>akan</a:t>
+            </a:r>
+            <a:r>
+              <a:rPr lang="en-US" sz="800" dirty="0">
+                <a:solidFill>
+                  <a:schemeClr val="tx1"/>
+                </a:solidFill>
+                <a:latin typeface="Poppins" panose="00000500000000000000" pitchFamily="2" charset="0"/>
+                <a:cs typeface="Poppins" panose="00000500000000000000" pitchFamily="2" charset="0"/>
+              </a:rPr>
+              <a:t> </a:t>
+            </a:r>
+            <a:r>
+              <a:rPr lang="en-US" sz="800" dirty="0" err="1">
+                <a:solidFill>
+                  <a:schemeClr val="tx1"/>
+                </a:solidFill>
+                <a:latin typeface="Poppins" panose="00000500000000000000" pitchFamily="2" charset="0"/>
+                <a:cs typeface="Poppins" panose="00000500000000000000" pitchFamily="2" charset="0"/>
+              </a:rPr>
+              <a:t>jalan</a:t>
+            </a:r>
+            <a:r>
+              <a:rPr lang="en-US" sz="800" dirty="0">
+                <a:solidFill>
+                  <a:schemeClr val="tx1"/>
+                </a:solidFill>
+                <a:latin typeface="Poppins" panose="00000500000000000000" pitchFamily="2" charset="0"/>
+                <a:cs typeface="Poppins" panose="00000500000000000000" pitchFamily="2" charset="0"/>
+              </a:rPr>
+              <a:t> Ketika parent function </a:t>
+            </a:r>
+            <a:r>
+              <a:rPr lang="en-US" sz="800" dirty="0" err="1">
+                <a:solidFill>
+                  <a:schemeClr val="tx1"/>
+                </a:solidFill>
+                <a:latin typeface="Poppins" panose="00000500000000000000" pitchFamily="2" charset="0"/>
+                <a:cs typeface="Poppins" panose="00000500000000000000" pitchFamily="2" charset="0"/>
+              </a:rPr>
+              <a:t>sudah</a:t>
+            </a:r>
+            <a:r>
+              <a:rPr lang="en-US" sz="800" dirty="0">
+                <a:solidFill>
+                  <a:schemeClr val="tx1"/>
+                </a:solidFill>
+                <a:latin typeface="Poppins" panose="00000500000000000000" pitchFamily="2" charset="0"/>
+                <a:cs typeface="Poppins" panose="00000500000000000000" pitchFamily="2" charset="0"/>
+              </a:rPr>
+              <a:t> di </a:t>
+            </a:r>
+            <a:r>
+              <a:rPr lang="en-US" sz="800" dirty="0" err="1">
+                <a:solidFill>
+                  <a:schemeClr val="tx1"/>
+                </a:solidFill>
+                <a:latin typeface="Poppins" panose="00000500000000000000" pitchFamily="2" charset="0"/>
+                <a:cs typeface="Poppins" panose="00000500000000000000" pitchFamily="2" charset="0"/>
+              </a:rPr>
+              <a:t>jalankan</a:t>
+            </a:r>
+            <a:r>
+              <a:rPr lang="en-US" sz="800" dirty="0">
+                <a:solidFill>
+                  <a:schemeClr val="tx1"/>
+                </a:solidFill>
+                <a:latin typeface="Poppins" panose="00000500000000000000" pitchFamily="2" charset="0"/>
+                <a:cs typeface="Poppins" panose="00000500000000000000" pitchFamily="2" charset="0"/>
+              </a:rPr>
+              <a:t> </a:t>
+            </a:r>
+            <a:r>
+              <a:rPr lang="en-US" sz="800" dirty="0" err="1">
+                <a:solidFill>
+                  <a:schemeClr val="tx1"/>
+                </a:solidFill>
+                <a:latin typeface="Poppins" panose="00000500000000000000" pitchFamily="2" charset="0"/>
+                <a:cs typeface="Poppins" panose="00000500000000000000" pitchFamily="2" charset="0"/>
+              </a:rPr>
+              <a:t>terlebih</a:t>
+            </a:r>
+            <a:r>
+              <a:rPr lang="en-US" sz="800" dirty="0">
+                <a:solidFill>
+                  <a:schemeClr val="tx1"/>
+                </a:solidFill>
+                <a:latin typeface="Poppins" panose="00000500000000000000" pitchFamily="2" charset="0"/>
+                <a:cs typeface="Poppins" panose="00000500000000000000" pitchFamily="2" charset="0"/>
+              </a:rPr>
+              <a:t> </a:t>
+            </a:r>
+            <a:r>
+              <a:rPr lang="en-US" sz="800" dirty="0" err="1">
+                <a:solidFill>
+                  <a:schemeClr val="tx1"/>
+                </a:solidFill>
+                <a:latin typeface="Poppins" panose="00000500000000000000" pitchFamily="2" charset="0"/>
+                <a:cs typeface="Poppins" panose="00000500000000000000" pitchFamily="2" charset="0"/>
+              </a:rPr>
+              <a:t>dahulu</a:t>
+            </a:r>
+            <a:endParaRPr lang="en-US" sz="800" dirty="0">
+              <a:solidFill>
+                <a:schemeClr val="tx1"/>
+              </a:solidFill>
+              <a:latin typeface="Poppins" panose="00000500000000000000" pitchFamily="2" charset="0"/>
+              <a:cs typeface="Poppins" panose="00000500000000000000" pitchFamily="2" charset="0"/>
+            </a:endParaRPr>
+          </a:p>
+        </p:txBody>
+      </p:sp>
       <p:sp>
         <p:nvSpPr>
           <p:cNvPr id="10" name="TextBox 9">
             <a:extLst>
               <a:ext uri="{FF2B5EF4-FFF2-40B4-BE49-F238E27FC236}">
-                <a16:creationId xmlns:a16="http://schemas.microsoft.com/office/drawing/2014/main" id="{DB8DD2ED-1668-49B1-8B70-79164302BE02}"/>
+                <a16:creationId xmlns:a16="http://schemas.microsoft.com/office/drawing/2014/main" id="{F834B322-0C16-4C59-B48B-EA9DD65151FC}"/>
               </a:ext>
             </a:extLst>
           </p:cNvPr>
@@ -12656,7 +13250,7 @@
         <p:spPr>
           <a:xfrm>
             <a:off x="770950" y="377376"/>
-            <a:ext cx="1673856" cy="338554"/>
+            <a:ext cx="2218877" cy="338554"/>
           </a:xfrm>
           <a:prstGeom prst="rect">
             <a:avLst/>
@@ -12674,7 +13268,7 @@
                 <a:latin typeface="Poppins" panose="00000500000000000000" pitchFamily="2" charset="0"/>
                 <a:cs typeface="Poppins" panose="00000500000000000000" pitchFamily="2" charset="0"/>
               </a:rPr>
-              <a:t>Arrow function</a:t>
+              <a:t>High Order Function</a:t>
             </a:r>
           </a:p>
         </p:txBody>
@@ -12682,7 +13276,7 @@
     </p:spTree>
     <p:extLst>
       <p:ext uri="{BB962C8B-B14F-4D97-AF65-F5344CB8AC3E}">
-        <p14:creationId xmlns:p14="http://schemas.microsoft.com/office/powerpoint/2010/main" val="1114602259"/>
+        <p14:creationId xmlns:p14="http://schemas.microsoft.com/office/powerpoint/2010/main" val="2634438894"/>
       </p:ext>
     </p:extLst>
   </p:cSld>

--- a/march/week-1/meeting-2/PPT.pptx
+++ b/march/week-1/meeting-2/PPT.pptx
@@ -19,8 +19,9 @@
     <p:sldId id="271" r:id="rId13"/>
     <p:sldId id="272" r:id="rId14"/>
     <p:sldId id="273" r:id="rId15"/>
-    <p:sldId id="265" r:id="rId16"/>
-    <p:sldId id="267" r:id="rId17"/>
+    <p:sldId id="274" r:id="rId16"/>
+    <p:sldId id="265" r:id="rId17"/>
+    <p:sldId id="267" r:id="rId18"/>
   </p:sldIdLst>
   <p:sldSz cx="12192000" cy="6858000"/>
   <p:notesSz cx="6858000" cy="9144000"/>
@@ -274,7 +275,7 @@
           <a:p>
             <a:fld id="{D47AB290-B4EC-4EEE-B15A-AB657E4854B3}" type="datetimeFigureOut">
               <a:rPr lang="en-US" smtClean="0"/>
-              <a:t>3/2/2022</a:t>
+              <a:t>3/3/2022</a:t>
             </a:fld>
             <a:endParaRPr lang="en-US"/>
           </a:p>
@@ -472,7 +473,7 @@
           <a:p>
             <a:fld id="{D47AB290-B4EC-4EEE-B15A-AB657E4854B3}" type="datetimeFigureOut">
               <a:rPr lang="en-US" smtClean="0"/>
-              <a:t>3/2/2022</a:t>
+              <a:t>3/3/2022</a:t>
             </a:fld>
             <a:endParaRPr lang="en-US"/>
           </a:p>
@@ -680,7 +681,7 @@
           <a:p>
             <a:fld id="{D47AB290-B4EC-4EEE-B15A-AB657E4854B3}" type="datetimeFigureOut">
               <a:rPr lang="en-US" smtClean="0"/>
-              <a:t>3/2/2022</a:t>
+              <a:t>3/3/2022</a:t>
             </a:fld>
             <a:endParaRPr lang="en-US"/>
           </a:p>
@@ -878,7 +879,7 @@
           <a:p>
             <a:fld id="{D47AB290-B4EC-4EEE-B15A-AB657E4854B3}" type="datetimeFigureOut">
               <a:rPr lang="en-US" smtClean="0"/>
-              <a:t>3/2/2022</a:t>
+              <a:t>3/3/2022</a:t>
             </a:fld>
             <a:endParaRPr lang="en-US"/>
           </a:p>
@@ -1153,7 +1154,7 @@
           <a:p>
             <a:fld id="{D47AB290-B4EC-4EEE-B15A-AB657E4854B3}" type="datetimeFigureOut">
               <a:rPr lang="en-US" smtClean="0"/>
-              <a:t>3/2/2022</a:t>
+              <a:t>3/3/2022</a:t>
             </a:fld>
             <a:endParaRPr lang="en-US"/>
           </a:p>
@@ -1418,7 +1419,7 @@
           <a:p>
             <a:fld id="{D47AB290-B4EC-4EEE-B15A-AB657E4854B3}" type="datetimeFigureOut">
               <a:rPr lang="en-US" smtClean="0"/>
-              <a:t>3/2/2022</a:t>
+              <a:t>3/3/2022</a:t>
             </a:fld>
             <a:endParaRPr lang="en-US"/>
           </a:p>
@@ -1830,7 +1831,7 @@
           <a:p>
             <a:fld id="{D47AB290-B4EC-4EEE-B15A-AB657E4854B3}" type="datetimeFigureOut">
               <a:rPr lang="en-US" smtClean="0"/>
-              <a:t>3/2/2022</a:t>
+              <a:t>3/3/2022</a:t>
             </a:fld>
             <a:endParaRPr lang="en-US"/>
           </a:p>
@@ -1971,7 +1972,7 @@
           <a:p>
             <a:fld id="{D47AB290-B4EC-4EEE-B15A-AB657E4854B3}" type="datetimeFigureOut">
               <a:rPr lang="en-US" smtClean="0"/>
-              <a:t>3/2/2022</a:t>
+              <a:t>3/3/2022</a:t>
             </a:fld>
             <a:endParaRPr lang="en-US"/>
           </a:p>
@@ -2084,7 +2085,7 @@
           <a:p>
             <a:fld id="{D47AB290-B4EC-4EEE-B15A-AB657E4854B3}" type="datetimeFigureOut">
               <a:rPr lang="en-US" smtClean="0"/>
-              <a:t>3/2/2022</a:t>
+              <a:t>3/3/2022</a:t>
             </a:fld>
             <a:endParaRPr lang="en-US"/>
           </a:p>
@@ -2395,7 +2396,7 @@
           <a:p>
             <a:fld id="{D47AB290-B4EC-4EEE-B15A-AB657E4854B3}" type="datetimeFigureOut">
               <a:rPr lang="en-US" smtClean="0"/>
-              <a:t>3/2/2022</a:t>
+              <a:t>3/3/2022</a:t>
             </a:fld>
             <a:endParaRPr lang="en-US"/>
           </a:p>
@@ -2683,7 +2684,7 @@
           <a:p>
             <a:fld id="{D47AB290-B4EC-4EEE-B15A-AB657E4854B3}" type="datetimeFigureOut">
               <a:rPr lang="en-US" smtClean="0"/>
-              <a:t>3/2/2022</a:t>
+              <a:t>3/3/2022</a:t>
             </a:fld>
             <a:endParaRPr lang="en-US"/>
           </a:p>
@@ -2924,7 +2925,7 @@
           <a:p>
             <a:fld id="{D47AB290-B4EC-4EEE-B15A-AB657E4854B3}" type="datetimeFigureOut">
               <a:rPr lang="en-US" smtClean="0"/>
-              <a:t>3/2/2022</a:t>
+              <a:t>3/3/2022</a:t>
             </a:fld>
             <a:endParaRPr lang="en-US"/>
           </a:p>
@@ -8426,6 +8427,318 @@
           <a:chExt cx="0" cy="0"/>
         </a:xfrm>
       </p:grpSpPr>
+      <p:pic>
+        <p:nvPicPr>
+          <p:cNvPr id="2" name="Picture 1">
+            <a:extLst>
+              <a:ext uri="{FF2B5EF4-FFF2-40B4-BE49-F238E27FC236}">
+                <a16:creationId xmlns:a16="http://schemas.microsoft.com/office/drawing/2014/main" id="{5F1F5E05-786E-43A6-9620-3892B98A2131}"/>
+              </a:ext>
+            </a:extLst>
+          </p:cNvPr>
+          <p:cNvPicPr>
+            <a:picLocks noChangeAspect="1"/>
+          </p:cNvPicPr>
+          <p:nvPr/>
+        </p:nvPicPr>
+        <p:blipFill>
+          <a:blip r:embed="rId2">
+            <a:extLst>
+              <a:ext uri="{28A0092B-C50C-407E-A947-70E740481C1C}">
+                <a14:useLocalDpi xmlns:a14="http://schemas.microsoft.com/office/drawing/2010/main" val="0"/>
+              </a:ext>
+            </a:extLst>
+          </a:blip>
+          <a:stretch>
+            <a:fillRect/>
+          </a:stretch>
+        </p:blipFill>
+        <p:spPr>
+          <a:xfrm>
+            <a:off x="3665551" y="2017751"/>
+            <a:ext cx="5385683" cy="2502759"/>
+          </a:xfrm>
+          <a:prstGeom prst="rect">
+            <a:avLst/>
+          </a:prstGeom>
+        </p:spPr>
+      </p:pic>
+      <p:cxnSp>
+        <p:nvCxnSpPr>
+          <p:cNvPr id="3" name="Straight Connector 2">
+            <a:extLst>
+              <a:ext uri="{FF2B5EF4-FFF2-40B4-BE49-F238E27FC236}">
+                <a16:creationId xmlns:a16="http://schemas.microsoft.com/office/drawing/2014/main" id="{4E55702C-8855-4F64-A40B-10BA6DC1B97F}"/>
+              </a:ext>
+            </a:extLst>
+          </p:cNvPr>
+          <p:cNvCxnSpPr>
+            <a:cxnSpLocks/>
+          </p:cNvCxnSpPr>
+          <p:nvPr/>
+        </p:nvCxnSpPr>
+        <p:spPr>
+          <a:xfrm flipV="1">
+            <a:off x="6802145" y="1773141"/>
+            <a:ext cx="719789" cy="1655860"/>
+          </a:xfrm>
+          <a:prstGeom prst="line">
+            <a:avLst/>
+          </a:prstGeom>
+        </p:spPr>
+        <p:style>
+          <a:lnRef idx="1">
+            <a:schemeClr val="accent1"/>
+          </a:lnRef>
+          <a:fillRef idx="0">
+            <a:schemeClr val="accent1"/>
+          </a:fillRef>
+          <a:effectRef idx="0">
+            <a:schemeClr val="accent1"/>
+          </a:effectRef>
+          <a:fontRef idx="minor">
+            <a:schemeClr val="tx1"/>
+          </a:fontRef>
+        </p:style>
+      </p:cxnSp>
+      <p:sp>
+        <p:nvSpPr>
+          <p:cNvPr id="5" name="TextBox 4">
+            <a:extLst>
+              <a:ext uri="{FF2B5EF4-FFF2-40B4-BE49-F238E27FC236}">
+                <a16:creationId xmlns:a16="http://schemas.microsoft.com/office/drawing/2014/main" id="{B140A739-3AD5-4440-B46C-76D05FF0F5AF}"/>
+              </a:ext>
+            </a:extLst>
+          </p:cNvPr>
+          <p:cNvSpPr txBox="1"/>
+          <p:nvPr/>
+        </p:nvSpPr>
+        <p:spPr>
+          <a:xfrm>
+            <a:off x="6358392" y="1503031"/>
+            <a:ext cx="3143886" cy="261610"/>
+          </a:xfrm>
+          <a:prstGeom prst="rect">
+            <a:avLst/>
+          </a:prstGeom>
+          <a:noFill/>
+        </p:spPr>
+        <p:txBody>
+          <a:bodyPr wrap="square" rtlCol="0">
+            <a:spAutoFit/>
+          </a:bodyPr>
+          <a:lstStyle/>
+          <a:p>
+            <a:r>
+              <a:rPr lang="en-US" sz="1100" dirty="0" err="1">
+                <a:latin typeface="Poppins" panose="00000500000000000000" pitchFamily="2" charset="0"/>
+                <a:cs typeface="Poppins" panose="00000500000000000000" pitchFamily="2" charset="0"/>
+              </a:rPr>
+              <a:t>Untuk</a:t>
+            </a:r>
+            <a:r>
+              <a:rPr lang="en-US" sz="1100" dirty="0">
+                <a:latin typeface="Poppins" panose="00000500000000000000" pitchFamily="2" charset="0"/>
+                <a:cs typeface="Poppins" panose="00000500000000000000" pitchFamily="2" charset="0"/>
+              </a:rPr>
+              <a:t> </a:t>
+            </a:r>
+            <a:r>
+              <a:rPr lang="en-US" sz="1100" dirty="0" err="1">
+                <a:latin typeface="Poppins" panose="00000500000000000000" pitchFamily="2" charset="0"/>
+                <a:cs typeface="Poppins" panose="00000500000000000000" pitchFamily="2" charset="0"/>
+              </a:rPr>
+              <a:t>membuat</a:t>
+            </a:r>
+            <a:r>
+              <a:rPr lang="en-US" sz="1100" dirty="0">
+                <a:latin typeface="Poppins" panose="00000500000000000000" pitchFamily="2" charset="0"/>
+                <a:cs typeface="Poppins" panose="00000500000000000000" pitchFamily="2" charset="0"/>
+              </a:rPr>
+              <a:t> string </a:t>
+            </a:r>
+            <a:r>
+              <a:rPr lang="en-US" sz="1100" dirty="0" err="1">
+                <a:latin typeface="Poppins" panose="00000500000000000000" pitchFamily="2" charset="0"/>
+                <a:cs typeface="Poppins" panose="00000500000000000000" pitchFamily="2" charset="0"/>
+              </a:rPr>
+              <a:t>menjadi</a:t>
+            </a:r>
+            <a:r>
+              <a:rPr lang="en-US" sz="1100" dirty="0">
+                <a:latin typeface="Poppins" panose="00000500000000000000" pitchFamily="2" charset="0"/>
+                <a:cs typeface="Poppins" panose="00000500000000000000" pitchFamily="2" charset="0"/>
+              </a:rPr>
+              <a:t> dynamic</a:t>
+            </a:r>
+          </a:p>
+        </p:txBody>
+      </p:sp>
+      <p:sp>
+        <p:nvSpPr>
+          <p:cNvPr id="6" name="TextBox 5">
+            <a:extLst>
+              <a:ext uri="{FF2B5EF4-FFF2-40B4-BE49-F238E27FC236}">
+                <a16:creationId xmlns:a16="http://schemas.microsoft.com/office/drawing/2014/main" id="{12AE4B87-D459-4B92-B0F7-90614DB33361}"/>
+              </a:ext>
+            </a:extLst>
+          </p:cNvPr>
+          <p:cNvSpPr txBox="1"/>
+          <p:nvPr/>
+        </p:nvSpPr>
+        <p:spPr>
+          <a:xfrm>
+            <a:off x="770950" y="377376"/>
+            <a:ext cx="1931939" cy="338554"/>
+          </a:xfrm>
+          <a:prstGeom prst="rect">
+            <a:avLst/>
+          </a:prstGeom>
+          <a:noFill/>
+        </p:spPr>
+        <p:txBody>
+          <a:bodyPr wrap="none" rtlCol="0">
+            <a:spAutoFit/>
+          </a:bodyPr>
+          <a:lstStyle/>
+          <a:p>
+            <a:r>
+              <a:rPr lang="en-US" sz="1600" dirty="0">
+                <a:latin typeface="Poppins" panose="00000500000000000000" pitchFamily="2" charset="0"/>
+                <a:cs typeface="Poppins" panose="00000500000000000000" pitchFamily="2" charset="0"/>
+              </a:rPr>
+              <a:t>Template Literals</a:t>
+            </a:r>
+          </a:p>
+        </p:txBody>
+      </p:sp>
+      <p:sp>
+        <p:nvSpPr>
+          <p:cNvPr id="7" name="TextBox 6">
+            <a:extLst>
+              <a:ext uri="{FF2B5EF4-FFF2-40B4-BE49-F238E27FC236}">
+                <a16:creationId xmlns:a16="http://schemas.microsoft.com/office/drawing/2014/main" id="{3063A118-E962-4D79-AA91-8B23D6073C71}"/>
+              </a:ext>
+            </a:extLst>
+          </p:cNvPr>
+          <p:cNvSpPr txBox="1"/>
+          <p:nvPr/>
+        </p:nvSpPr>
+        <p:spPr>
+          <a:xfrm>
+            <a:off x="3986916" y="4765120"/>
+            <a:ext cx="1694954" cy="261610"/>
+          </a:xfrm>
+          <a:prstGeom prst="rect">
+            <a:avLst/>
+          </a:prstGeom>
+          <a:noFill/>
+        </p:spPr>
+        <p:txBody>
+          <a:bodyPr wrap="square" rtlCol="0">
+            <a:spAutoFit/>
+          </a:bodyPr>
+          <a:lstStyle/>
+          <a:p>
+            <a:r>
+              <a:rPr lang="en-US" sz="1100" dirty="0" err="1">
+                <a:latin typeface="Poppins" panose="00000500000000000000" pitchFamily="2" charset="0"/>
+                <a:cs typeface="Poppins" panose="00000500000000000000" pitchFamily="2" charset="0"/>
+              </a:rPr>
+              <a:t>Dibungkus</a:t>
+            </a:r>
+            <a:r>
+              <a:rPr lang="en-US" sz="1100" dirty="0">
+                <a:latin typeface="Poppins" panose="00000500000000000000" pitchFamily="2" charset="0"/>
+                <a:cs typeface="Poppins" panose="00000500000000000000" pitchFamily="2" charset="0"/>
+              </a:rPr>
+              <a:t> </a:t>
+            </a:r>
+            <a:r>
+              <a:rPr lang="en-US" sz="1100" dirty="0" err="1">
+                <a:latin typeface="Poppins" panose="00000500000000000000" pitchFamily="2" charset="0"/>
+                <a:cs typeface="Poppins" panose="00000500000000000000" pitchFamily="2" charset="0"/>
+              </a:rPr>
+              <a:t>dengan</a:t>
+            </a:r>
+            <a:r>
+              <a:rPr lang="en-US" sz="1100" dirty="0">
+                <a:latin typeface="Poppins" panose="00000500000000000000" pitchFamily="2" charset="0"/>
+                <a:cs typeface="Poppins" panose="00000500000000000000" pitchFamily="2" charset="0"/>
+              </a:rPr>
+              <a:t> ` `</a:t>
+            </a:r>
+          </a:p>
+        </p:txBody>
+      </p:sp>
+      <p:cxnSp>
+        <p:nvCxnSpPr>
+          <p:cNvPr id="8" name="Straight Connector 7">
+            <a:extLst>
+              <a:ext uri="{FF2B5EF4-FFF2-40B4-BE49-F238E27FC236}">
+                <a16:creationId xmlns:a16="http://schemas.microsoft.com/office/drawing/2014/main" id="{8FF6A3C2-48C3-4036-B2EF-C0FCB530E274}"/>
+              </a:ext>
+            </a:extLst>
+          </p:cNvPr>
+          <p:cNvCxnSpPr>
+            <a:cxnSpLocks/>
+          </p:cNvCxnSpPr>
+          <p:nvPr/>
+        </p:nvCxnSpPr>
+        <p:spPr>
+          <a:xfrm flipV="1">
+            <a:off x="4834393" y="3547607"/>
+            <a:ext cx="557917" cy="1143663"/>
+          </a:xfrm>
+          <a:prstGeom prst="line">
+            <a:avLst/>
+          </a:prstGeom>
+        </p:spPr>
+        <p:style>
+          <a:lnRef idx="1">
+            <a:schemeClr val="accent1"/>
+          </a:lnRef>
+          <a:fillRef idx="0">
+            <a:schemeClr val="accent1"/>
+          </a:fillRef>
+          <a:effectRef idx="0">
+            <a:schemeClr val="accent1"/>
+          </a:effectRef>
+          <a:fontRef idx="minor">
+            <a:schemeClr val="tx1"/>
+          </a:fontRef>
+        </p:style>
+      </p:cxnSp>
+    </p:spTree>
+    <p:extLst>
+      <p:ext uri="{BB962C8B-B14F-4D97-AF65-F5344CB8AC3E}">
+        <p14:creationId xmlns:p14="http://schemas.microsoft.com/office/powerpoint/2010/main" val="4122292717"/>
+      </p:ext>
+    </p:extLst>
+  </p:cSld>
+  <p:clrMapOvr>
+    <a:masterClrMapping/>
+  </p:clrMapOvr>
+</p:sld>
+</file>
+
+<file path=ppt/slides/slide16.xml><?xml version="1.0" encoding="utf-8"?>
+<p:sld xmlns:a="http://schemas.openxmlformats.org/drawingml/2006/main" xmlns:r="http://schemas.openxmlformats.org/officeDocument/2006/relationships" xmlns:p="http://schemas.openxmlformats.org/presentationml/2006/main">
+  <p:cSld>
+    <p:spTree>
+      <p:nvGrpSpPr>
+        <p:cNvPr id="1" name=""/>
+        <p:cNvGrpSpPr/>
+        <p:nvPr/>
+      </p:nvGrpSpPr>
+      <p:grpSpPr>
+        <a:xfrm>
+          <a:off x="0" y="0"/>
+          <a:ext cx="0" cy="0"/>
+          <a:chOff x="0" y="0"/>
+          <a:chExt cx="0" cy="0"/>
+        </a:xfrm>
+      </p:grpSpPr>
       <p:sp>
         <p:nvSpPr>
           <p:cNvPr id="9" name="Rectangle 8">
@@ -8889,7 +9202,7 @@
 </p:sld>
 </file>
 
-<file path=ppt/slides/slide16.xml><?xml version="1.0" encoding="utf-8"?>
+<file path=ppt/slides/slide17.xml><?xml version="1.0" encoding="utf-8"?>
 <p:sld xmlns:a="http://schemas.openxmlformats.org/drawingml/2006/main" xmlns:r="http://schemas.openxmlformats.org/officeDocument/2006/relationships" xmlns:p="http://schemas.openxmlformats.org/presentationml/2006/main">
   <p:cSld>
     <p:spTree>
